--- a/presentations/01_practicum_intro.pptx
+++ b/presentations/01_practicum_intro.pptx
@@ -5,37 +5,35 @@
     <p:sldMasterId id="2147483648" r:id="rId1"/>
   </p:sldMasterIdLst>
   <p:notesMasterIdLst>
-    <p:notesMasterId r:id="rId30"/>
+    <p:notesMasterId r:id="rId28"/>
   </p:notesMasterIdLst>
   <p:sldIdLst>
     <p:sldId id="324" r:id="rId2"/>
-    <p:sldId id="329" r:id="rId3"/>
-    <p:sldId id="295" r:id="rId4"/>
-    <p:sldId id="275" r:id="rId5"/>
-    <p:sldId id="318" r:id="rId6"/>
-    <p:sldId id="317" r:id="rId7"/>
-    <p:sldId id="300" r:id="rId8"/>
-    <p:sldId id="304" r:id="rId9"/>
-    <p:sldId id="289" r:id="rId10"/>
-    <p:sldId id="315" r:id="rId11"/>
-    <p:sldId id="327" r:id="rId12"/>
-    <p:sldId id="328" r:id="rId13"/>
-    <p:sldId id="325" r:id="rId14"/>
-    <p:sldId id="332" r:id="rId15"/>
-    <p:sldId id="331" r:id="rId16"/>
-    <p:sldId id="320" r:id="rId17"/>
-    <p:sldId id="326" r:id="rId18"/>
-    <p:sldId id="321" r:id="rId19"/>
-    <p:sldId id="292" r:id="rId20"/>
-    <p:sldId id="305" r:id="rId21"/>
-    <p:sldId id="306" r:id="rId22"/>
-    <p:sldId id="307" r:id="rId23"/>
-    <p:sldId id="308" r:id="rId24"/>
-    <p:sldId id="309" r:id="rId25"/>
-    <p:sldId id="310" r:id="rId26"/>
-    <p:sldId id="294" r:id="rId27"/>
-    <p:sldId id="333" r:id="rId28"/>
-    <p:sldId id="301" r:id="rId29"/>
+    <p:sldId id="295" r:id="rId3"/>
+    <p:sldId id="275" r:id="rId4"/>
+    <p:sldId id="318" r:id="rId5"/>
+    <p:sldId id="317" r:id="rId6"/>
+    <p:sldId id="334" r:id="rId7"/>
+    <p:sldId id="304" r:id="rId8"/>
+    <p:sldId id="289" r:id="rId9"/>
+    <p:sldId id="315" r:id="rId10"/>
+    <p:sldId id="327" r:id="rId11"/>
+    <p:sldId id="328" r:id="rId12"/>
+    <p:sldId id="325" r:id="rId13"/>
+    <p:sldId id="331" r:id="rId14"/>
+    <p:sldId id="335" r:id="rId15"/>
+    <p:sldId id="326" r:id="rId16"/>
+    <p:sldId id="321" r:id="rId17"/>
+    <p:sldId id="292" r:id="rId18"/>
+    <p:sldId id="305" r:id="rId19"/>
+    <p:sldId id="306" r:id="rId20"/>
+    <p:sldId id="307" r:id="rId21"/>
+    <p:sldId id="308" r:id="rId22"/>
+    <p:sldId id="309" r:id="rId23"/>
+    <p:sldId id="310" r:id="rId24"/>
+    <p:sldId id="294" r:id="rId25"/>
+    <p:sldId id="333" r:id="rId26"/>
+    <p:sldId id="301" r:id="rId27"/>
   </p:sldIdLst>
   <p:sldSz cx="12192000" cy="6858000"/>
   <p:notesSz cx="7023100" cy="9309100"/>
@@ -235,7 +233,7 @@
           <a:p>
             <a:fld id="{FD93C9B2-20F6-4DB1-B471-224337D0AC79}" type="datetimeFigureOut">
               <a:rPr lang="en-US" smtClean="0"/>
-              <a:t>8/5/2022</a:t>
+              <a:t>8/29/2022</a:t>
             </a:fld>
             <a:endParaRPr lang="en-US"/>
           </a:p>
@@ -648,6 +646,15 @@
           <a:bodyPr/>
           <a:lstStyle/>
           <a:p>
+            <a:r>
+              <a:rPr lang="en-US" dirty="0"/>
+              <a:t>Group discussion…</a:t>
+            </a:r>
+          </a:p>
+          <a:p>
+            <a:endParaRPr lang="en-US" dirty="0"/>
+          </a:p>
+          <a:p>
             <a:endParaRPr lang="en-US" dirty="0"/>
           </a:p>
         </p:txBody>
@@ -678,7 +685,7 @@
     </p:spTree>
     <p:extLst>
       <p:ext uri="{BB962C8B-B14F-4D97-AF65-F5344CB8AC3E}">
-        <p14:creationId xmlns:p14="http://schemas.microsoft.com/office/powerpoint/2010/main" val="2877151627"/>
+        <p14:creationId xmlns:p14="http://schemas.microsoft.com/office/powerpoint/2010/main" val="3008905254"/>
       </p:ext>
     </p:extLst>
   </p:cSld>
@@ -734,7 +741,7 @@
           <a:p>
             <a:r>
               <a:rPr lang="en-US" dirty="0"/>
-              <a:t>Group discussion…</a:t>
+              <a:t>And finally, do we have any questions?  For next week, you have a couple readings.  And I hope you will take time to make an entry in your AI journal and join the conversation on the Discussion Board.</a:t>
             </a:r>
           </a:p>
           <a:p>
@@ -771,7 +778,7 @@
     </p:spTree>
     <p:extLst>
       <p:ext uri="{BB962C8B-B14F-4D97-AF65-F5344CB8AC3E}">
-        <p14:creationId xmlns:p14="http://schemas.microsoft.com/office/powerpoint/2010/main" val="3008905254"/>
+        <p14:creationId xmlns:p14="http://schemas.microsoft.com/office/powerpoint/2010/main" val="851494294"/>
       </p:ext>
     </p:extLst>
   </p:cSld>
@@ -825,16 +832,25 @@
           <a:bodyPr/>
           <a:lstStyle/>
           <a:p>
-            <a:r>
-              <a:rPr lang="en-US" dirty="0"/>
-              <a:t>And finally, do we have any questions?  For next week, you have a couple readings.  And I hope you will take time to make an entry in your AI journal and join the conversation on the Discussion Board.</a:t>
-            </a:r>
-          </a:p>
-          <a:p>
-            <a:endParaRPr lang="en-US" dirty="0"/>
-          </a:p>
-          <a:p>
-            <a:endParaRPr lang="en-US" dirty="0"/>
+            <a:pPr defTabSz="933237">
+              <a:defRPr/>
+            </a:pPr>
+            <a:r>
+              <a:rPr lang="en-US" dirty="0">
+                <a:latin typeface="Palatino Linotype" panose="02040502050505030304" pitchFamily="18" charset="0"/>
+              </a:rPr>
+              <a:t>Hello and welcome to an overview of the Practicum AI workshop series.  I’m Dan Maxwell and I’m an AI trainer in the Research Computing department.  </a:t>
+            </a:r>
+          </a:p>
+          <a:p>
+            <a:endParaRPr lang="en-US" dirty="0">
+              <a:latin typeface="Palatino Linotype" panose="02040502050505030304" pitchFamily="18" charset="0"/>
+            </a:endParaRPr>
+          </a:p>
+          <a:p>
+            <a:endParaRPr lang="en-US" dirty="0">
+              <a:latin typeface="Palatino Linotype" panose="02040502050505030304" pitchFamily="18" charset="0"/>
+            </a:endParaRPr>
           </a:p>
         </p:txBody>
       </p:sp>
@@ -864,7 +880,7 @@
     </p:spTree>
     <p:extLst>
       <p:ext uri="{BB962C8B-B14F-4D97-AF65-F5344CB8AC3E}">
-        <p14:creationId xmlns:p14="http://schemas.microsoft.com/office/powerpoint/2010/main" val="851494294"/>
+        <p14:creationId xmlns:p14="http://schemas.microsoft.com/office/powerpoint/2010/main" val="3031339008"/>
       </p:ext>
     </p:extLst>
   </p:cSld>
@@ -918,25 +934,81 @@
           <a:bodyPr/>
           <a:lstStyle/>
           <a:p>
-            <a:pPr defTabSz="933237">
+            <a:pPr marL="233309" indent="-233309" defTabSz="933237">
+              <a:buFontTx/>
+              <a:buAutoNum type="arabicPeriod"/>
               <a:defRPr/>
             </a:pPr>
             <a:r>
-              <a:rPr lang="en-US" dirty="0">
-                <a:latin typeface="Palatino Linotype" panose="02040502050505030304" pitchFamily="18" charset="0"/>
-              </a:rPr>
-              <a:t>Hello and welcome to an overview of the Practicum AI workshop series.  I’m Dan Maxwell and I’m an AI trainer in the Research Computing department.  </a:t>
-            </a:r>
-          </a:p>
-          <a:p>
-            <a:endParaRPr lang="en-US" dirty="0">
-              <a:latin typeface="Palatino Linotype" panose="02040502050505030304" pitchFamily="18" charset="0"/>
-            </a:endParaRPr>
-          </a:p>
-          <a:p>
-            <a:endParaRPr lang="en-US" dirty="0">
-              <a:latin typeface="Palatino Linotype" panose="02040502050505030304" pitchFamily="18" charset="0"/>
-            </a:endParaRPr>
+              <a:rPr lang="en-US" dirty="0"/>
+              <a:t>Python experience or other programming language experience – faculty member with extensive MatLab coding experience</a:t>
+            </a:r>
+          </a:p>
+          <a:p>
+            <a:pPr marL="699927" lvl="1" indent="-233309" defTabSz="933237">
+              <a:buFontTx/>
+              <a:buAutoNum type="arabicPeriod"/>
+              <a:defRPr/>
+            </a:pPr>
+            <a:r>
+              <a:rPr lang="en-US" dirty="0"/>
+              <a:t>We provide the code in these workshops – you’re not writing programs from scratch</a:t>
+            </a:r>
+          </a:p>
+          <a:p>
+            <a:pPr marL="699927" lvl="1" indent="-233309" defTabSz="933237">
+              <a:buFontTx/>
+              <a:buAutoNum type="arabicPeriod"/>
+              <a:defRPr/>
+            </a:pPr>
+            <a:r>
+              <a:rPr lang="en-US" dirty="0"/>
+              <a:t>Working knowledge of programming vocabulary, looping constructs, functions, etc…</a:t>
+            </a:r>
+          </a:p>
+          <a:p>
+            <a:pPr marL="233309" indent="-233309" defTabSz="933237">
+              <a:buFontTx/>
+              <a:buAutoNum type="arabicPeriod"/>
+              <a:defRPr/>
+            </a:pPr>
+            <a:r>
+              <a:rPr lang="en-US" dirty="0"/>
+              <a:t>Deep Learning Vocabulary</a:t>
+            </a:r>
+          </a:p>
+          <a:p>
+            <a:pPr marL="699927" lvl="1" indent="-233309" defTabSz="933237">
+              <a:buFontTx/>
+              <a:buAutoNum type="arabicPeriod"/>
+              <a:defRPr/>
+            </a:pPr>
+            <a:r>
+              <a:rPr lang="en-US" dirty="0"/>
+              <a:t>We do not provide definitions of basic deep learning terms and concepts in this series.</a:t>
+            </a:r>
+          </a:p>
+          <a:p>
+            <a:pPr marL="699927" lvl="1" indent="-233309" defTabSz="933237">
+              <a:buFontTx/>
+              <a:buAutoNum type="arabicPeriod"/>
+              <a:defRPr/>
+            </a:pPr>
+            <a:r>
+              <a:rPr lang="en-US" dirty="0"/>
+              <a:t>Know what a layer, a node or neuron, a loss function, etc… is</a:t>
+            </a:r>
+          </a:p>
+          <a:p>
+            <a:pPr marL="699927" lvl="1" indent="-233309" defTabSz="933237">
+              <a:buFontTx/>
+              <a:buAutoNum type="arabicPeriod"/>
+              <a:defRPr/>
+            </a:pPr>
+            <a:r>
+              <a:rPr lang="en-US" dirty="0"/>
+              <a:t>Please consider our Practicum AI Beginner sequence if you do not have these pre-requisites</a:t>
+            </a:r>
           </a:p>
         </p:txBody>
       </p:sp>
@@ -966,7 +1038,7 @@
     </p:spTree>
     <p:extLst>
       <p:ext uri="{BB962C8B-B14F-4D97-AF65-F5344CB8AC3E}">
-        <p14:creationId xmlns:p14="http://schemas.microsoft.com/office/powerpoint/2010/main" val="3031339008"/>
+        <p14:creationId xmlns:p14="http://schemas.microsoft.com/office/powerpoint/2010/main" val="2959314834"/>
       </p:ext>
     </p:extLst>
   </p:cSld>
@@ -1020,6 +1092,152 @@
           <a:bodyPr/>
           <a:lstStyle/>
           <a:p>
+            <a:pPr marL="233309" indent="-233309">
+              <a:buAutoNum type="arabicPeriod"/>
+            </a:pPr>
+            <a:r>
+              <a:rPr lang="en-US" dirty="0"/>
+              <a:t>Overview</a:t>
+            </a:r>
+          </a:p>
+          <a:p>
+            <a:pPr marL="233309" indent="-233309">
+              <a:buAutoNum type="arabicPeriod"/>
+            </a:pPr>
+            <a:r>
+              <a:rPr lang="en-US" dirty="0"/>
+              <a:t>Blue (beginner) – Purple (intermediate) – Yellow (advanced);</a:t>
+            </a:r>
+          </a:p>
+          <a:p>
+            <a:pPr marL="233309" marR="0" lvl="0" indent="-233309" algn="l" defTabSz="914400" rtl="0" eaLnBrk="1" fontAlgn="auto" latinLnBrk="0" hangingPunct="1">
+              <a:lnSpc>
+                <a:spcPct val="100000"/>
+              </a:lnSpc>
+              <a:spcBef>
+                <a:spcPts val="0"/>
+              </a:spcBef>
+              <a:spcAft>
+                <a:spcPts val="0"/>
+              </a:spcAft>
+              <a:buClrTx/>
+              <a:buSzTx/>
+              <a:buFontTx/>
+              <a:buAutoNum type="arabicPeriod"/>
+              <a:tabLst/>
+              <a:defRPr/>
+            </a:pPr>
+            <a:r>
+              <a:rPr lang="en-US" dirty="0"/>
+              <a:t>Hexagons are possible specializations</a:t>
+            </a:r>
+          </a:p>
+          <a:p>
+            <a:pPr marL="233309" indent="-233309">
+              <a:buAutoNum type="arabicPeriod"/>
+            </a:pPr>
+            <a:r>
+              <a:rPr lang="en-US" dirty="0"/>
+              <a:t>Intermediate – setup for advanced workshops &amp; project learning</a:t>
+            </a:r>
+          </a:p>
+          <a:p>
+            <a:pPr marL="699927" lvl="1" indent="-233309">
+              <a:buAutoNum type="arabicPeriod"/>
+            </a:pPr>
+            <a:r>
+              <a:rPr lang="en-US" dirty="0"/>
+              <a:t>Dashed line – data emphasis</a:t>
+            </a:r>
+          </a:p>
+          <a:p>
+            <a:pPr marL="699927" lvl="1" indent="-233309">
+              <a:buAutoNum type="arabicPeriod"/>
+            </a:pPr>
+            <a:r>
+              <a:rPr lang="en-US" dirty="0"/>
+              <a:t>Identified research question or problem</a:t>
+            </a:r>
+          </a:p>
+          <a:p>
+            <a:pPr marL="699927" lvl="1" indent="-233309">
+              <a:buAutoNum type="arabicPeriod"/>
+            </a:pPr>
+            <a:r>
+              <a:rPr lang="en-US" dirty="0"/>
+              <a:t>Identified data to execute a given project</a:t>
+            </a:r>
+          </a:p>
+          <a:p>
+            <a:pPr marL="233309" indent="-233309">
+              <a:buAutoNum type="arabicPeriod"/>
+            </a:pPr>
+            <a:r>
+              <a:rPr lang="en-US" dirty="0"/>
+              <a:t>Data is important</a:t>
+            </a:r>
+          </a:p>
+          <a:p>
+            <a:pPr marL="699927" lvl="1" indent="-233309">
+              <a:buAutoNum type="arabicPeriod"/>
+            </a:pPr>
+            <a:r>
+              <a:rPr lang="en-US" dirty="0"/>
+              <a:t>Delimits range of AI tools</a:t>
+            </a:r>
+          </a:p>
+          <a:p>
+            <a:pPr marL="699927" lvl="1" indent="-233309">
+              <a:buAutoNum type="arabicPeriod"/>
+            </a:pPr>
+            <a:r>
+              <a:rPr lang="en-US" dirty="0"/>
+              <a:t>Data – Questions – Tools </a:t>
+            </a:r>
+          </a:p>
+          <a:p>
+            <a:pPr defTabSz="933237">
+              <a:defRPr/>
+            </a:pPr>
+            <a:endParaRPr lang="en-US" dirty="0"/>
+          </a:p>
+          <a:p>
+            <a:pPr defTabSz="933237">
+              <a:defRPr/>
+            </a:pPr>
+            <a:r>
+              <a:rPr lang="en-US" dirty="0"/>
+              <a:t>=====</a:t>
+            </a:r>
+          </a:p>
+          <a:p>
+            <a:r>
+              <a:rPr lang="en-US" dirty="0"/>
+              <a:t>Earlier, I mentioned that today’s presentation would be divided into two parts.  In the last section, I presented the Practicum AI curriculum, and the image of the complete program is presented here once again.  Except – in this case – I add an instructional continuum at the top.   As pictured here, our introductory and intermediate workshops deliver content visually, supported by extensive hands-on (programming) exercises. That shifts, however, in the advanced workshops where the learning process is now project-driven – defined by the interests of the student – with case-studies providing inspiration.</a:t>
+            </a:r>
+          </a:p>
+          <a:p>
+            <a:endParaRPr lang="en-US" dirty="0"/>
+          </a:p>
+          <a:p>
+            <a:r>
+              <a:rPr lang="en-US" dirty="0"/>
+              <a:t>A shift to project-based learning, however, assumes that you – the student – has identified a problem or research question to work on.  That, in turn, assumes that you have identified the data needed to execute a project.  Hence, data is an important consideration, especially in the advanced workshops.  So, in the second half of today’s workshop, I want to introduce you to the different types of data and the suitable AI tools for each.</a:t>
+            </a:r>
+          </a:p>
+          <a:p>
+            <a:endParaRPr lang="en-US" dirty="0"/>
+          </a:p>
+          <a:p>
+            <a:pPr defTabSz="933237">
+              <a:defRPr/>
+            </a:pPr>
+            <a:r>
+              <a:rPr lang="en-US" dirty="0"/>
+              <a:t>Note: we provide the data sets for the entry-level and intermediate workshops.  But once you transition into our advanced workshops, the content presented in this half of today’s presentation is important and worth your time.</a:t>
+            </a:r>
+          </a:p>
+          <a:p>
             <a:endParaRPr lang="en-US" dirty="0"/>
           </a:p>
         </p:txBody>
@@ -1050,7 +1268,7 @@
     </p:spTree>
     <p:extLst>
       <p:ext uri="{BB962C8B-B14F-4D97-AF65-F5344CB8AC3E}">
-        <p14:creationId xmlns:p14="http://schemas.microsoft.com/office/powerpoint/2010/main" val="1335328579"/>
+        <p14:creationId xmlns:p14="http://schemas.microsoft.com/office/powerpoint/2010/main" val="1266454550"/>
       </p:ext>
     </p:extLst>
   </p:cSld>
@@ -1104,80 +1322,9 @@
           <a:bodyPr/>
           <a:lstStyle/>
           <a:p>
-            <a:pPr marL="233309" indent="-233309" defTabSz="933237">
-              <a:buFontTx/>
-              <a:buAutoNum type="arabicPeriod"/>
-              <a:defRPr/>
-            </a:pPr>
             <a:r>
               <a:rPr lang="en-US" dirty="0"/>
-              <a:t>Python experience or other programming language experience – faculty member with extensive MatLab coding experience</a:t>
-            </a:r>
-          </a:p>
-          <a:p>
-            <a:pPr marL="699927" lvl="1" indent="-233309" defTabSz="933237">
-              <a:buFontTx/>
-              <a:buAutoNum type="arabicPeriod"/>
-              <a:defRPr/>
-            </a:pPr>
-            <a:r>
-              <a:rPr lang="en-US" dirty="0"/>
-              <a:t>We provide the code in these workshops – you’re not writing programs from scratch</a:t>
-            </a:r>
-          </a:p>
-          <a:p>
-            <a:pPr marL="699927" lvl="1" indent="-233309" defTabSz="933237">
-              <a:buFontTx/>
-              <a:buAutoNum type="arabicPeriod"/>
-              <a:defRPr/>
-            </a:pPr>
-            <a:r>
-              <a:rPr lang="en-US" dirty="0"/>
-              <a:t>Working knowledge of programming vocabulary, looping constructs, functions, etc…</a:t>
-            </a:r>
-          </a:p>
-          <a:p>
-            <a:pPr marL="233309" indent="-233309" defTabSz="933237">
-              <a:buFontTx/>
-              <a:buAutoNum type="arabicPeriod"/>
-              <a:defRPr/>
-            </a:pPr>
-            <a:r>
-              <a:rPr lang="en-US" dirty="0"/>
-              <a:t>Deep Learning Vocabulary</a:t>
-            </a:r>
-          </a:p>
-          <a:p>
-            <a:pPr marL="699927" lvl="1" indent="-233309" defTabSz="933237">
-              <a:buFontTx/>
-              <a:buAutoNum type="arabicPeriod"/>
-              <a:defRPr/>
-            </a:pPr>
-            <a:r>
-              <a:rPr lang="en-US" dirty="0"/>
-              <a:t>We do not provide definitions of basic deep learning terms and concepts in this series.</a:t>
-            </a:r>
-          </a:p>
-          <a:p>
-            <a:pPr marL="699927" lvl="1" indent="-233309" defTabSz="933237">
-              <a:buFontTx/>
-              <a:buAutoNum type="arabicPeriod"/>
-              <a:defRPr/>
-            </a:pPr>
-            <a:r>
-              <a:rPr lang="en-US" dirty="0"/>
-              <a:t>Know what a layer, a node or neuron, a loss function, etc… is</a:t>
-            </a:r>
-          </a:p>
-          <a:p>
-            <a:pPr marL="699927" lvl="1" indent="-233309" defTabSz="933237">
-              <a:buFontTx/>
-              <a:buAutoNum type="arabicPeriod"/>
-              <a:defRPr/>
-            </a:pPr>
-            <a:r>
-              <a:rPr lang="en-US" dirty="0"/>
-              <a:t>Please consider our Practicum AI Beginner sequence if you do not have these pre-requisites</a:t>
+              <a:t>… and the list of workshops we plan to offer this semester.</a:t>
             </a:r>
           </a:p>
         </p:txBody>
@@ -1208,7 +1355,7 @@
     </p:spTree>
     <p:extLst>
       <p:ext uri="{BB962C8B-B14F-4D97-AF65-F5344CB8AC3E}">
-        <p14:creationId xmlns:p14="http://schemas.microsoft.com/office/powerpoint/2010/main" val="2959314834"/>
+        <p14:creationId xmlns:p14="http://schemas.microsoft.com/office/powerpoint/2010/main" val="2871018651"/>
       </p:ext>
     </p:extLst>
   </p:cSld>
@@ -1267,7 +1414,7 @@
             </a:pPr>
             <a:r>
               <a:rPr lang="en-US" dirty="0"/>
-              <a:t>Overview</a:t>
+              <a:t>Clive Humby, 2006.</a:t>
             </a:r>
           </a:p>
           <a:p>
@@ -1276,79 +1423,7 @@
             </a:pPr>
             <a:r>
               <a:rPr lang="en-US" dirty="0"/>
-              <a:t>Blue (beginner);  Purple (intermediate); Yellow (advanced); Green (specialization)</a:t>
-            </a:r>
-          </a:p>
-          <a:p>
-            <a:pPr marL="233309" indent="-233309">
-              <a:buAutoNum type="arabicPeriod"/>
-            </a:pPr>
-            <a:r>
-              <a:rPr lang="en-US" dirty="0"/>
-              <a:t>Hexagons are badges</a:t>
-            </a:r>
-          </a:p>
-          <a:p>
-            <a:pPr marL="233309" indent="-233309">
-              <a:buAutoNum type="arabicPeriod"/>
-            </a:pPr>
-            <a:r>
-              <a:rPr lang="en-US" dirty="0"/>
-              <a:t>Intermediate – setup for advanced workshops &amp; project learning</a:t>
-            </a:r>
-          </a:p>
-          <a:p>
-            <a:pPr marL="699927" lvl="1" indent="-233309">
-              <a:buAutoNum type="arabicPeriod"/>
-            </a:pPr>
-            <a:r>
-              <a:rPr lang="en-US" dirty="0"/>
-              <a:t>Dashed line – data emphasis</a:t>
-            </a:r>
-          </a:p>
-          <a:p>
-            <a:pPr marL="699927" lvl="1" indent="-233309">
-              <a:buAutoNum type="arabicPeriod"/>
-            </a:pPr>
-            <a:r>
-              <a:rPr lang="en-US" dirty="0"/>
-              <a:t>Identified research question or problem</a:t>
-            </a:r>
-          </a:p>
-          <a:p>
-            <a:pPr marL="699927" lvl="1" indent="-233309">
-              <a:buAutoNum type="arabicPeriod"/>
-            </a:pPr>
-            <a:r>
-              <a:rPr lang="en-US" dirty="0"/>
-              <a:t>Identified data to execute a given project</a:t>
-            </a:r>
-          </a:p>
-          <a:p>
-            <a:pPr marL="233309" indent="-233309">
-              <a:buAutoNum type="arabicPeriod"/>
-            </a:pPr>
-            <a:r>
-              <a:rPr lang="en-US" dirty="0"/>
-              <a:t>Data is important</a:t>
-            </a:r>
-          </a:p>
-          <a:p>
-            <a:pPr marL="699927" lvl="1" indent="-233309">
-              <a:buAutoNum type="arabicPeriod"/>
-            </a:pPr>
-            <a:r>
-              <a:rPr lang="en-US" dirty="0"/>
-              <a:t>Delimits range of AI tools</a:t>
-            </a:r>
-          </a:p>
-          <a:p>
-            <a:pPr marL="699927" lvl="1" indent="-233309">
-              <a:buAutoNum type="arabicPeriod"/>
-            </a:pPr>
-            <a:r>
-              <a:rPr lang="en-US" dirty="0"/>
-              <a:t>Data – Questions – Tools </a:t>
+              <a:t>Data powers deep learning AI systems</a:t>
             </a:r>
           </a:p>
           <a:p>
@@ -1369,44 +1444,8 @@
           <a:p>
             <a:r>
               <a:rPr lang="en-US" dirty="0"/>
-              <a:t>Earlier, I mentioned that today’s presentation would be divided into two parts.  In the last section, I presented the Practicum AI curriculum, and the image of the complete program is presented here once again.  Except – in this case – I add an instructional continuum at the top.   As pictured here, our introductory and intermediate workshops deliver content visually, supported by extensive hands-on (programming) exercises. That shifts, however, in the advanced workshops where the learning process is now project-driven – defined by the interests of the student – with case-studies providing inspiration.</a:t>
-            </a:r>
-          </a:p>
-          <a:p>
-            <a:endParaRPr lang="en-US" dirty="0"/>
-          </a:p>
-          <a:p>
-            <a:r>
-              <a:rPr lang="en-US" dirty="0"/>
-              <a:t>A shift to project-based learning, however, assumes that you – the student – has identified a problem or research question to work on.  That, in turn, assumes that you have identified the data needed to execute a project.  Hence, data is an important consideration, especially in the advanced workshops.  So, in the second half of today’s workshop, I want to introduce you to the different types of data and the suitable AI tools for each.</a:t>
-            </a:r>
-          </a:p>
-          <a:p>
-            <a:endParaRPr lang="en-US" dirty="0"/>
-          </a:p>
-          <a:p>
-            <a:pPr defTabSz="933237">
-              <a:defRPr/>
-            </a:pPr>
-            <a:r>
-              <a:rPr lang="en-US" dirty="0"/>
-              <a:t>Note: we provide the data sets for the entry-level and intermediate workshops.  But once you transition into our advanced workshops, the content presented in this half of today’s presentation is important and worth your time.</a:t>
-            </a:r>
-          </a:p>
-          <a:p>
-            <a:pPr defTabSz="933237">
-              <a:defRPr/>
-            </a:pPr>
-            <a:endParaRPr lang="en-US" dirty="0"/>
-          </a:p>
-          <a:p>
-            <a:pPr defTabSz="933237">
-              <a:defRPr/>
-            </a:pPr>
-            <a:endParaRPr lang="en-US" dirty="0"/>
-          </a:p>
-          <a:p>
-            <a:endParaRPr lang="en-US" dirty="0"/>
+              <a:t>In 2006, a British entrepreneur named Clive Humby coined the phrase “Data is the new oil.”  Data powers A.I. systems, and it comes in a variety of formats.  Thus, data is a logical starting point for thinking about AI.  So, what kinds of data are you presently working with?  </a:t>
+            </a:r>
           </a:p>
           <a:p>
             <a:endParaRPr lang="en-US" dirty="0"/>
@@ -1439,7 +1478,7 @@
     </p:spTree>
     <p:extLst>
       <p:ext uri="{BB962C8B-B14F-4D97-AF65-F5344CB8AC3E}">
-        <p14:creationId xmlns:p14="http://schemas.microsoft.com/office/powerpoint/2010/main" val="4175595246"/>
+        <p14:creationId xmlns:p14="http://schemas.microsoft.com/office/powerpoint/2010/main" val="2921774388"/>
       </p:ext>
     </p:extLst>
   </p:cSld>
@@ -1493,9 +1532,153 @@
           <a:bodyPr/>
           <a:lstStyle/>
           <a:p>
+            <a:pPr marL="233309" indent="-233309">
+              <a:buAutoNum type="arabicPeriod"/>
+            </a:pPr>
             <a:r>
               <a:rPr lang="en-US" dirty="0"/>
-              <a:t>… and the list of workshops we plan to offer this semester.</a:t>
+              <a:t>Bill Inman – </a:t>
+            </a:r>
+            <a:r>
+              <a:rPr lang="en-US" i="1" dirty="0"/>
+              <a:t>Data Architecture: A Primer for the Data Scientist – </a:t>
+            </a:r>
+            <a:r>
+              <a:rPr lang="en-US" i="0" dirty="0"/>
+              <a:t>structured / unstructured data – most data is unstructured</a:t>
+            </a:r>
+          </a:p>
+          <a:p>
+            <a:pPr marL="233309" indent="-233309">
+              <a:buAutoNum type="arabicPeriod"/>
+            </a:pPr>
+            <a:r>
+              <a:rPr lang="en-US" i="0" dirty="0"/>
+              <a:t>Structured data – contained in rows and columns – two types</a:t>
+            </a:r>
+          </a:p>
+          <a:p>
+            <a:pPr marL="699927" lvl="1" indent="-233309">
+              <a:buAutoNum type="arabicPeriod"/>
+            </a:pPr>
+            <a:r>
+              <a:rPr lang="en-US" i="0" dirty="0"/>
+              <a:t>Database management systems (Oracle, SQLServer, MySQL, and </a:t>
+            </a:r>
+            <a:r>
+              <a:rPr lang="en-US" i="0" dirty="0" err="1"/>
+              <a:t>PostGres</a:t>
+            </a:r>
+            <a:r>
+              <a:rPr lang="en-US" i="0" dirty="0"/>
+              <a:t>)</a:t>
+            </a:r>
+          </a:p>
+          <a:p>
+            <a:pPr marL="699927" lvl="1" indent="-233309">
+              <a:buAutoNum type="arabicPeriod"/>
+            </a:pPr>
+            <a:r>
+              <a:rPr lang="en-US" i="0" dirty="0"/>
+              <a:t>Repetitive data (sensor output, telephone call records, metered data, etc…)</a:t>
+            </a:r>
+          </a:p>
+          <a:p>
+            <a:pPr marL="233309" indent="-233309">
+              <a:buAutoNum type="arabicPeriod"/>
+            </a:pPr>
+            <a:r>
+              <a:rPr lang="en-US" dirty="0"/>
+              <a:t>Unstructured data – not contained in row-column databases – each record is unique – two types</a:t>
+            </a:r>
+          </a:p>
+          <a:p>
+            <a:pPr marL="699927" lvl="1" indent="-233309">
+              <a:buAutoNum type="arabicPeriod"/>
+            </a:pPr>
+            <a:r>
+              <a:rPr lang="en-US" dirty="0"/>
+              <a:t>Textual – emails, transcribed conversations, literary texts</a:t>
+            </a:r>
+          </a:p>
+          <a:p>
+            <a:pPr marL="699927" lvl="1" indent="-233309">
+              <a:buAutoNum type="arabicPeriod"/>
+            </a:pPr>
+            <a:r>
+              <a:rPr lang="en-US" dirty="0"/>
+              <a:t>Non-Textual – images, video, and audio recordings</a:t>
+            </a:r>
+          </a:p>
+          <a:p>
+            <a:pPr defTabSz="933237">
+              <a:defRPr/>
+            </a:pPr>
+            <a:endParaRPr lang="en-US" dirty="0"/>
+          </a:p>
+          <a:p>
+            <a:pPr defTabSz="933237">
+              <a:defRPr/>
+            </a:pPr>
+            <a:r>
+              <a:rPr lang="en-US" dirty="0"/>
+              <a:t>=====</a:t>
+            </a:r>
+          </a:p>
+          <a:p>
+            <a:r>
+              <a:rPr lang="en-US" dirty="0"/>
+              <a:t>In his book, </a:t>
+            </a:r>
+            <a:r>
+              <a:rPr lang="en-US" i="1" dirty="0"/>
+              <a:t>Data Architecture: A Primer for the Data Scientist, </a:t>
+            </a:r>
+            <a:r>
+              <a:rPr lang="en-US" i="0" dirty="0"/>
+              <a:t>Bill Inman makes a distinction between two foundational types of data – between structured data and its unstructured counterpart.  A</a:t>
+            </a:r>
+            <a:r>
+              <a:rPr lang="en-US" dirty="0"/>
+              <a:t>s he points out, most of the world’s data is unstructured.  So, what’s the difference between the two? </a:t>
+            </a:r>
+          </a:p>
+          <a:p>
+            <a:endParaRPr lang="en-US" dirty="0"/>
+          </a:p>
+          <a:p>
+            <a:r>
+              <a:rPr lang="en-US" b="0" i="0" dirty="0">
+                <a:solidFill>
+                  <a:srgbClr val="333333"/>
+                </a:solidFill>
+                <a:effectLst/>
+                <a:latin typeface="Georgia" panose="02040502050405020303" pitchFamily="18" charset="0"/>
+              </a:rPr>
+              <a:t>Structured data is easy to search and organize because it is usually contained in rows and columns and its elements can be mapped into fixed, pre-defined fields.  </a:t>
+            </a:r>
+            <a:r>
+              <a:rPr lang="en-US" dirty="0"/>
+              <a:t>Structured data is of two types.  The first type is data which comes from a database management system – Oracle, SQLServer, etc…  The Epic healthcare system – used by UF Health – is a structured data source, though it also stores unstructured text data in the form of physician notes.  The second is repetitive data, consisting of structured records coming from a variety of non-database sources.  Some examples of repetitive data include sensor output, telephone call records, metered data, and so forth. </a:t>
+            </a:r>
+          </a:p>
+          <a:p>
+            <a:endParaRPr lang="en-US" dirty="0"/>
+          </a:p>
+          <a:p>
+            <a:r>
+              <a:rPr lang="en-US" b="0" i="0" dirty="0">
+                <a:solidFill>
+                  <a:srgbClr val="333333"/>
+                </a:solidFill>
+                <a:effectLst/>
+                <a:latin typeface="Georgia" panose="02040502050405020303" pitchFamily="18" charset="0"/>
+              </a:rPr>
+              <a:t>Unstructured data is data that cannot be contained in a row-column database and does not have an associated data model.  Each record is unique in terms of its structure and content.  Now t</a:t>
+            </a:r>
+            <a:r>
+              <a:rPr lang="en-US" dirty="0"/>
+              <a:t>here are two types of unstructured data – textual and non-textual.  Examples of textual data include emails, transcribed conversations, literary texts, and so on.  Non-textual data includes images, video, and audio recordings.</a:t>
             </a:r>
           </a:p>
         </p:txBody>
@@ -1526,7 +1709,7 @@
     </p:spTree>
     <p:extLst>
       <p:ext uri="{BB962C8B-B14F-4D97-AF65-F5344CB8AC3E}">
-        <p14:creationId xmlns:p14="http://schemas.microsoft.com/office/powerpoint/2010/main" val="2871018651"/>
+        <p14:creationId xmlns:p14="http://schemas.microsoft.com/office/powerpoint/2010/main" val="107510316"/>
       </p:ext>
     </p:extLst>
   </p:cSld>
@@ -1585,28 +1768,16 @@
             </a:pPr>
             <a:r>
               <a:rPr lang="en-US" dirty="0"/>
-              <a:t>Clive Humby, 2006.</a:t>
-            </a:r>
-          </a:p>
-          <a:p>
-            <a:pPr marL="233309" indent="-233309">
-              <a:buAutoNum type="arabicPeriod"/>
-            </a:pPr>
-            <a:r>
-              <a:rPr lang="en-US" dirty="0"/>
-              <a:t>Data powers deep learning AI systems</a:t>
-            </a:r>
+              <a:t>Review acronyms in Methods column</a:t>
+            </a:r>
+          </a:p>
+          <a:p>
+            <a:endParaRPr lang="en-US" dirty="0"/>
           </a:p>
           <a:p>
             <a:pPr defTabSz="933237">
               <a:defRPr/>
             </a:pPr>
-            <a:endParaRPr lang="en-US" dirty="0"/>
-          </a:p>
-          <a:p>
-            <a:pPr defTabSz="933237">
-              <a:defRPr/>
-            </a:pPr>
             <a:r>
               <a:rPr lang="en-US" dirty="0"/>
               <a:t>=====</a:t>
@@ -1615,8 +1786,23 @@
           <a:p>
             <a:r>
               <a:rPr lang="en-US" dirty="0"/>
-              <a:t>In 2006, a British entrepreneur named Clive Humby coined the phrase “Data is the new oil.”  Data powers A.I. systems, and it comes in a variety of formats.  Thus, data is a logical starting point for thinking about AI.  So, what kinds of data are you presently working with?  </a:t>
-            </a:r>
+              <a:t>With our primary data sources identified, let’s organize everything in a table.  On the leftmost column, our data sources are listed, followed by a column of generic questions we might like to ask of our data, another column which lists the related AI task for each question, and finally a column of AI methods and technologies.  This table, then, becomes a roadmap to guide your AI learning.  The question and AI task columns are self-explanatory, but I’d like to take a few seconds to unpack the abbreviations in the Methods column.  Don’t worry about the vocabulary at this point as these terms will be defined in our workshops.  But let’s quickly run through the acronyms in the Methods column.  NLP – Natural Language Processing; RNN – Recurrent Neural Network;  CNN – Convolutional Neural Network; GAN – Generative Adversarial Network;  RAPIDS – Nvidia’s data science framework;  Transformer – A new kind of neural network.</a:t>
+            </a:r>
+          </a:p>
+          <a:p>
+            <a:endParaRPr lang="en-US" dirty="0"/>
+          </a:p>
+          <a:p>
+            <a:r>
+              <a:rPr lang="en-US" dirty="0"/>
+              <a:t>We will now consider each data source, the types of questions one can ask of each, and the associated AI methods. </a:t>
+            </a:r>
+          </a:p>
+          <a:p>
+            <a:endParaRPr lang="en-US" dirty="0"/>
+          </a:p>
+          <a:p>
+            <a:endParaRPr lang="en-US" dirty="0"/>
           </a:p>
           <a:p>
             <a:endParaRPr lang="en-US" dirty="0"/>
@@ -1649,7 +1835,7 @@
     </p:spTree>
     <p:extLst>
       <p:ext uri="{BB962C8B-B14F-4D97-AF65-F5344CB8AC3E}">
-        <p14:creationId xmlns:p14="http://schemas.microsoft.com/office/powerpoint/2010/main" val="2921774388"/>
+        <p14:creationId xmlns:p14="http://schemas.microsoft.com/office/powerpoint/2010/main" val="1003415448"/>
       </p:ext>
     </p:extLst>
   </p:cSld>
@@ -1703,82 +1889,43 @@
           <a:bodyPr/>
           <a:lstStyle/>
           <a:p>
-            <a:pPr marL="233309" indent="-233309">
+            <a:pPr marL="228600" indent="-228600" defTabSz="933237">
               <a:buAutoNum type="arabicPeriod"/>
+              <a:defRPr/>
             </a:pPr>
             <a:r>
               <a:rPr lang="en-US" dirty="0"/>
-              <a:t>Bill Inman – </a:t>
-            </a:r>
-            <a:r>
-              <a:rPr lang="en-US" i="1" dirty="0"/>
-              <a:t>Data Architecture: A Primer for the Data Scientist – </a:t>
-            </a:r>
-            <a:r>
-              <a:rPr lang="en-US" i="0" dirty="0"/>
-              <a:t>structured / unstructured data – most data is unstructured</a:t>
-            </a:r>
-          </a:p>
-          <a:p>
-            <a:pPr marL="233309" indent="-233309">
+              <a:t>Nvidia’s RAPIDS development environment best for structured data</a:t>
+            </a:r>
+          </a:p>
+          <a:p>
+            <a:pPr marL="685800" lvl="1" indent="-228600" defTabSz="933237">
               <a:buAutoNum type="arabicPeriod"/>
+              <a:defRPr/>
             </a:pPr>
             <a:r>
-              <a:rPr lang="en-US" i="0" dirty="0"/>
-              <a:t>Structured data – contained in rows and columns – two types</a:t>
-            </a:r>
-          </a:p>
-          <a:p>
-            <a:pPr marL="699927" lvl="1" indent="-233309">
+              <a:rPr lang="en-US" dirty="0"/>
+              <a:t>cuDF similar to popular Pandas library</a:t>
+            </a:r>
+          </a:p>
+          <a:p>
+            <a:pPr marL="685800" lvl="1" indent="-228600" defTabSz="933237">
               <a:buAutoNum type="arabicPeriod"/>
+              <a:defRPr/>
             </a:pPr>
             <a:r>
-              <a:rPr lang="en-US" i="0" dirty="0"/>
-              <a:t>Database management systems (Oracle, SQLServer, MySQL, and </a:t>
-            </a:r>
-            <a:r>
-              <a:rPr lang="en-US" i="0" dirty="0" err="1"/>
-              <a:t>PostGres</a:t>
-            </a:r>
-            <a:r>
-              <a:rPr lang="en-US" i="0" dirty="0"/>
-              <a:t>)</a:t>
-            </a:r>
-          </a:p>
-          <a:p>
-            <a:pPr marL="699927" lvl="1" indent="-233309">
+              <a:rPr lang="en-US" dirty="0"/>
+              <a:t>Support for dataframes, data cleaning, and data management</a:t>
+            </a:r>
+          </a:p>
+          <a:p>
+            <a:pPr marL="685800" lvl="1" indent="-228600" defTabSz="933237">
               <a:buAutoNum type="arabicPeriod"/>
+              <a:defRPr/>
             </a:pPr>
             <a:r>
-              <a:rPr lang="en-US" i="0" dirty="0"/>
-              <a:t>Repetitive data (sensor output, telephone call records, metered data, etc…)</a:t>
-            </a:r>
-          </a:p>
-          <a:p>
-            <a:pPr marL="233309" indent="-233309">
-              <a:buAutoNum type="arabicPeriod"/>
-            </a:pPr>
-            <a:r>
               <a:rPr lang="en-US" dirty="0"/>
-              <a:t>Unstructured data – not contained in row-column databases – each record is unique – two types</a:t>
-            </a:r>
-          </a:p>
-          <a:p>
-            <a:pPr marL="699927" lvl="1" indent="-233309">
-              <a:buAutoNum type="arabicPeriod"/>
-            </a:pPr>
-            <a:r>
-              <a:rPr lang="en-US" dirty="0"/>
-              <a:t>Textual – emails, transcribed conversations, literary texts</a:t>
-            </a:r>
-          </a:p>
-          <a:p>
-            <a:pPr marL="699927" lvl="1" indent="-233309">
-              <a:buAutoNum type="arabicPeriod"/>
-            </a:pPr>
-            <a:r>
-              <a:rPr lang="en-US" dirty="0"/>
-              <a:t>Non-Textual – images, video, and audio recordings</a:t>
+              <a:t>Huge performance boost – 10 to 100 times faster</a:t>
             </a:r>
           </a:p>
           <a:p>
@@ -1797,60 +1944,28 @@
             </a:r>
           </a:p>
           <a:p>
+            <a:pPr defTabSz="933237">
+              <a:defRPr/>
+            </a:pPr>
             <a:r>
               <a:rPr lang="en-US" dirty="0"/>
-              <a:t>In his book, </a:t>
-            </a:r>
-            <a:r>
-              <a:rPr lang="en-US" i="1" dirty="0"/>
-              <a:t>Data Architecture: A Primer for the Data Scientist, </a:t>
-            </a:r>
-            <a:r>
-              <a:rPr lang="en-US" i="0" dirty="0"/>
-              <a:t>Bill Inman makes a distinction between two foundational types of data – between structured data and its unstructured counterpart.  A</a:t>
-            </a:r>
-            <a:r>
-              <a:rPr lang="en-US" dirty="0"/>
-              <a:t>s he points out, most of the world’s data is unstructured.  So, what’s the difference between the two? </a:t>
-            </a:r>
-          </a:p>
-          <a:p>
+              <a:t>In the case of structured data – data derived from databases or repetitive data from sensors – the Nvidia RAPIDS development environment is your best starting point.  RAPIDS provides a set of useful libraries, with machine learning functions for almost any research task.  The RAPIDS cuDF library, for example, is equivalent to the popular Pandas library which supports dataframes as well as basic data management and cleaning.   </a:t>
+            </a:r>
+          </a:p>
+          <a:p>
+            <a:pPr defTabSz="933237">
+              <a:defRPr/>
+            </a:pPr>
             <a:endParaRPr lang="en-US" dirty="0"/>
           </a:p>
           <a:p>
-            <a:r>
-              <a:rPr lang="en-US" b="0" i="0" dirty="0">
-                <a:solidFill>
-                  <a:srgbClr val="333333"/>
-                </a:solidFill>
-                <a:effectLst/>
-                <a:latin typeface="Georgia" panose="02040502050405020303" pitchFamily="18" charset="0"/>
-              </a:rPr>
-              <a:t>Structured data is easy to search and organize because it is usually contained in rows and columns and its elements can be mapped into fixed, pre-defined fields.  </a:t>
-            </a:r>
-            <a:r>
-              <a:rPr lang="en-US" dirty="0"/>
-              <a:t>Structured data is of two types.  The first type is data which comes from a database management system – Oracle, SQLServer, etc…  The Epic healthcare system – used by UF Health – is a structured data source, though it also stores unstructured text data in the form of physician notes.  The second is repetitive data, consisting of structured records coming from a variety of non-database sources.  Some examples of repetitive data include sensor output, telephone call records, metered data, and so forth. </a:t>
-            </a:r>
-          </a:p>
-          <a:p>
+            <a:pPr defTabSz="933237">
+              <a:defRPr/>
+            </a:pPr>
             <a:endParaRPr lang="en-US" dirty="0"/>
           </a:p>
           <a:p>
-            <a:r>
-              <a:rPr lang="en-US" b="0" i="0" dirty="0">
-                <a:solidFill>
-                  <a:srgbClr val="333333"/>
-                </a:solidFill>
-                <a:effectLst/>
-                <a:latin typeface="Georgia" panose="02040502050405020303" pitchFamily="18" charset="0"/>
-              </a:rPr>
-              <a:t>Unstructured data is data that cannot be contained in a row-column database and does not have an associated data model.  Each record is unique in terms of its structure and content.  Now t</a:t>
-            </a:r>
-            <a:r>
-              <a:rPr lang="en-US" dirty="0"/>
-              <a:t>here are two types of unstructured data – textual and non-textual.  Examples of textual data include emails, transcribed conversations, literary texts, and so on.  Non-textual data includes images, video, and audio recordings.</a:t>
-            </a:r>
+            <a:endParaRPr lang="en-US" dirty="0"/>
           </a:p>
         </p:txBody>
       </p:sp>
@@ -1880,7 +1995,7 @@
     </p:spTree>
     <p:extLst>
       <p:ext uri="{BB962C8B-B14F-4D97-AF65-F5344CB8AC3E}">
-        <p14:creationId xmlns:p14="http://schemas.microsoft.com/office/powerpoint/2010/main" val="107510316"/>
+        <p14:creationId xmlns:p14="http://schemas.microsoft.com/office/powerpoint/2010/main" val="268399345"/>
       </p:ext>
     </p:extLst>
   </p:cSld>
@@ -1934,7 +2049,92 @@
           <a:bodyPr/>
           <a:lstStyle/>
           <a:p>
+            <a:pPr marL="233309" indent="-233309">
+              <a:buAutoNum type="arabicPeriod"/>
+            </a:pPr>
+            <a:r>
+              <a:rPr lang="en-US" dirty="0"/>
+              <a:t>AI is a CREATIVE challenge of the 1</a:t>
+            </a:r>
+            <a:r>
+              <a:rPr lang="en-US" baseline="30000" dirty="0"/>
+              <a:t>st</a:t>
+            </a:r>
+            <a:r>
+              <a:rPr lang="en-US" dirty="0"/>
+              <a:t> order</a:t>
+            </a:r>
+          </a:p>
+          <a:p>
+            <a:pPr marL="233309" indent="-233309">
+              <a:buAutoNum type="arabicPeriod"/>
+            </a:pPr>
+            <a:r>
+              <a:rPr lang="en-US" dirty="0"/>
+              <a:t>Most important question is: “What do you want to do?  What problems or research questions interest you?”</a:t>
+            </a:r>
+          </a:p>
+          <a:p>
+            <a:pPr marL="233309" indent="-233309">
+              <a:buAutoNum type="arabicPeriod"/>
+            </a:pPr>
+            <a:r>
+              <a:rPr lang="en-US" dirty="0"/>
+              <a:t>Start with your questions, everything else falls into place.</a:t>
+            </a:r>
+          </a:p>
+          <a:p>
+            <a:pPr defTabSz="933237">
+              <a:defRPr/>
+            </a:pPr>
             <a:endParaRPr lang="en-US" dirty="0"/>
+          </a:p>
+          <a:p>
+            <a:pPr marL="0" marR="0" lvl="0" indent="0" algn="l" defTabSz="933237" rtl="0" eaLnBrk="1" fontAlgn="auto" latinLnBrk="0" hangingPunct="1">
+              <a:lnSpc>
+                <a:spcPct val="100000"/>
+              </a:lnSpc>
+              <a:spcBef>
+                <a:spcPts val="0"/>
+              </a:spcBef>
+              <a:spcAft>
+                <a:spcPts val="0"/>
+              </a:spcAft>
+              <a:buClrTx/>
+              <a:buSzTx/>
+              <a:buFontTx/>
+              <a:buNone/>
+              <a:tabLst/>
+              <a:defRPr/>
+            </a:pPr>
+            <a:r>
+              <a:rPr lang="en-US" dirty="0"/>
+              <a:t>=====</a:t>
+            </a:r>
+          </a:p>
+          <a:p>
+            <a:r>
+              <a:rPr lang="en-US" dirty="0"/>
+              <a:t>So, let’s start with the big picture.  The Practicum AI program is designed to help you think about and creatively apply AI to make the world a better place.</a:t>
+            </a:r>
+          </a:p>
+          <a:p>
+            <a:endParaRPr lang="en-US" dirty="0"/>
+          </a:p>
+          <a:p>
+            <a:r>
+              <a:rPr lang="en-US" dirty="0"/>
+              <a:t>You might be surprised to learn that we view the AI opportunity as a creative challenge of the first order.  Of course, you will participate in a considerable number of technical activities in this workshop series.  But the more important question is,  “What do you want to do?  What problems or research questions interest you?”  Once you answer that, everything else falls into place.  The best learning happens when you have a clear goal in mind.    </a:t>
+            </a:r>
+          </a:p>
+          <a:p>
+            <a:endParaRPr lang="en-US" dirty="0"/>
+          </a:p>
+          <a:p>
+            <a:r>
+              <a:rPr lang="en-US" dirty="0"/>
+              <a:t>So, I encourage you to think of AI - not from a technical point-of-view - but as a new way of answering questions, delivering services, and solving problems. </a:t>
+            </a:r>
           </a:p>
         </p:txBody>
       </p:sp>
@@ -1964,7 +2164,7 @@
     </p:spTree>
     <p:extLst>
       <p:ext uri="{BB962C8B-B14F-4D97-AF65-F5344CB8AC3E}">
-        <p14:creationId xmlns:p14="http://schemas.microsoft.com/office/powerpoint/2010/main" val="1555070171"/>
+        <p14:creationId xmlns:p14="http://schemas.microsoft.com/office/powerpoint/2010/main" val="1421259055"/>
       </p:ext>
     </p:extLst>
   </p:cSld>
@@ -2023,7 +2223,7 @@
             </a:pPr>
             <a:r>
               <a:rPr lang="en-US" dirty="0"/>
-              <a:t>Review acronyms in Methods column</a:t>
+              <a:t>Text generating GANs are a unique animal, different from GANs used to generate images</a:t>
             </a:r>
           </a:p>
           <a:p>
@@ -2041,17 +2241,14 @@
           <a:p>
             <a:r>
               <a:rPr lang="en-US" dirty="0"/>
-              <a:t>With our primary data sources identified, let’s organize everything in a table.  On the leftmost column, our data sources are listed, followed by a column of generic questions we might like to ask of our data, another column which lists the related AI task for each question, and finally a column of AI methods and technologies.  This table, then, becomes a roadmap to guide your AI learning.  The question and AI task columns are self-explanatory, but I’d like to take a few seconds to unpack the abbreviations in the Methods column.  Don’t worry about the vocabulary at this point as these terms will be defined in our workshops.  But let’s quickly run through the acronyms in the Methods column.  NLP – Natural Language Processing; RNN – Recurrent Neural Network;  CNN – Convolutional Neural Network; GAN – Generative Adversarial Network;  RAPIDS – Nvidia’s data science framework;  Transformer – A new kind of neural network.</a:t>
+              <a:t>With text data, transformers and recurrent neural networks are established deep learning technologies, appropriate for detection, classification, segmentation, recommendation, and creation tasks.  These will solve most text problems, or at least get you started in the right direction.  Generative Adversarial Networks or GANs are another choice.  However, keep in mind that text generating GANs are a unique animal, different and distinct from GANs used to generate images.</a:t>
             </a:r>
           </a:p>
           <a:p>
             <a:endParaRPr lang="en-US" dirty="0"/>
           </a:p>
           <a:p>
-            <a:r>
-              <a:rPr lang="en-US" dirty="0"/>
-              <a:t>We will now consider each data source, the types of questions one can ask of each, and the associated AI methods. </a:t>
-            </a:r>
+            <a:endParaRPr lang="en-US" dirty="0"/>
           </a:p>
           <a:p>
             <a:endParaRPr lang="en-US" dirty="0"/>
@@ -2090,7 +2287,7 @@
     </p:spTree>
     <p:extLst>
       <p:ext uri="{BB962C8B-B14F-4D97-AF65-F5344CB8AC3E}">
-        <p14:creationId xmlns:p14="http://schemas.microsoft.com/office/powerpoint/2010/main" val="1003415448"/>
+        <p14:creationId xmlns:p14="http://schemas.microsoft.com/office/powerpoint/2010/main" val="132608395"/>
       </p:ext>
     </p:extLst>
   </p:cSld>
@@ -2144,80 +2341,66 @@
           <a:bodyPr/>
           <a:lstStyle/>
           <a:p>
-            <a:pPr marL="228600" indent="-228600" defTabSz="933237">
+            <a:pPr marL="233309" indent="-233309">
               <a:buAutoNum type="arabicPeriod"/>
-              <a:defRPr/>
             </a:pPr>
             <a:r>
               <a:rPr lang="en-US" dirty="0"/>
-              <a:t>Nvidia’s RAPIDS development environment best for structured data</a:t>
-            </a:r>
-          </a:p>
-          <a:p>
-            <a:pPr marL="685800" lvl="1" indent="-228600" defTabSz="933237">
+              <a:t>Convolutional neural networks – bread and butter of image work.</a:t>
+            </a:r>
+          </a:p>
+          <a:p>
+            <a:pPr marL="233309" indent="-233309">
               <a:buAutoNum type="arabicPeriod"/>
-              <a:defRPr/>
             </a:pPr>
             <a:r>
               <a:rPr lang="en-US" dirty="0"/>
-              <a:t>cuDF similar to popular Pandas library</a:t>
-            </a:r>
-          </a:p>
-          <a:p>
-            <a:pPr marL="685800" lvl="1" indent="-228600" defTabSz="933237">
+              <a:t>Recent development -- transformers + GANs = TransGAN.</a:t>
+            </a:r>
+          </a:p>
+          <a:p>
+            <a:pPr marL="233309" indent="-233309">
               <a:buAutoNum type="arabicPeriod"/>
-              <a:defRPr/>
             </a:pPr>
             <a:r>
               <a:rPr lang="en-US" dirty="0"/>
-              <a:t>Support for dataframes, data cleaning, and data management</a:t>
-            </a:r>
-          </a:p>
-          <a:p>
-            <a:pPr marL="685800" lvl="1" indent="-228600" defTabSz="933237">
-              <a:buAutoNum type="arabicPeriod"/>
-              <a:defRPr/>
-            </a:pPr>
-            <a:r>
-              <a:rPr lang="en-US" dirty="0"/>
-              <a:t>Huge performance boost – 10 to 100 times faster</a:t>
-            </a:r>
+              <a:t>Special models for single shot detection and real time object detection.</a:t>
+            </a:r>
+          </a:p>
+          <a:p>
+            <a:endParaRPr lang="en-US" dirty="0"/>
           </a:p>
           <a:p>
             <a:pPr defTabSz="933237">
               <a:defRPr/>
             </a:pPr>
-            <a:endParaRPr lang="en-US" dirty="0"/>
-          </a:p>
-          <a:p>
-            <a:pPr defTabSz="933237">
-              <a:defRPr/>
-            </a:pPr>
             <a:r>
               <a:rPr lang="en-US" dirty="0"/>
               <a:t>=====</a:t>
             </a:r>
           </a:p>
           <a:p>
-            <a:pPr defTabSz="933237">
-              <a:defRPr/>
-            </a:pPr>
             <a:r>
               <a:rPr lang="en-US" dirty="0"/>
-              <a:t>In the case of structured data – data derived from databases or repetitive data from sensors – the Nvidia RAPIDS development environment is your best starting point.  RAPIDS provides a set of useful libraries, with machine learning functions for almost any research task.  The RAPIDS cuDF library, for example, is equivalent to the popular Pandas library which supports dataframes as well as basic data management and cleaning.   </a:t>
-            </a:r>
-          </a:p>
-          <a:p>
-            <a:pPr defTabSz="933237">
-              <a:defRPr/>
-            </a:pPr>
+              <a:t>Convolutional neural networks (CNNs) have been the bread and butter of the image world for some time now.  In short, CNNs do it all.  For image creation, GANs continue to be the tool of choice, typically constructed with CNN components.  Another recent development has been the merging of transformers and GANs, with TransGAN being a prominent example.</a:t>
+            </a:r>
+          </a:p>
+          <a:p>
             <a:endParaRPr lang="en-US" dirty="0"/>
           </a:p>
           <a:p>
-            <a:pPr defTabSz="933237">
-              <a:defRPr/>
-            </a:pPr>
-            <a:endParaRPr lang="en-US" dirty="0"/>
+            <a:r>
+              <a:rPr lang="en-US" dirty="0"/>
+              <a:t>For detection, consider </a:t>
+            </a:r>
+            <a:r>
+              <a:rPr lang="en-US" b="1" dirty="0"/>
+              <a:t>single shot detection models </a:t>
+            </a:r>
+            <a:r>
+              <a:rPr lang="en-US" dirty="0"/>
+              <a:t>(SSDs) or YOLO (real-time object detection).  Faster-RCNN or EfficientDet are also options, depending on the computational resources available.  Classification is a typical CNN task, with ResNet and its variants being popular.  And finally – for segmentation tasks – Mask-RCNN or Unet ought to be considered.  </a:t>
+            </a:r>
           </a:p>
           <a:p>
             <a:endParaRPr lang="en-US" dirty="0"/>
@@ -2250,7 +2433,7 @@
     </p:spTree>
     <p:extLst>
       <p:ext uri="{BB962C8B-B14F-4D97-AF65-F5344CB8AC3E}">
-        <p14:creationId xmlns:p14="http://schemas.microsoft.com/office/powerpoint/2010/main" val="268399345"/>
+        <p14:creationId xmlns:p14="http://schemas.microsoft.com/office/powerpoint/2010/main" val="3841188136"/>
       </p:ext>
     </p:extLst>
   </p:cSld>
@@ -2309,16 +2492,37 @@
             </a:pPr>
             <a:r>
               <a:rPr lang="en-US" dirty="0"/>
-              <a:t>Text generating GANs are a unique animal, different from GANs used to generate images</a:t>
-            </a:r>
-          </a:p>
-          <a:p>
-            <a:endParaRPr lang="en-US" dirty="0"/>
+              <a:t>Video data is unique in that it is a time series of images</a:t>
+            </a:r>
+          </a:p>
+          <a:p>
+            <a:pPr marL="233309" indent="-233309">
+              <a:buAutoNum type="arabicPeriod"/>
+            </a:pPr>
+            <a:r>
+              <a:rPr lang="en-US" dirty="0"/>
+              <a:t>CNNs paired with RNNs as there is both temporal and spatial characteristics</a:t>
+            </a:r>
+          </a:p>
+          <a:p>
+            <a:pPr marL="233309" indent="-233309">
+              <a:buAutoNum type="arabicPeriod"/>
+            </a:pPr>
+            <a:r>
+              <a:rPr lang="en-US" dirty="0"/>
+              <a:t>New development is video GANs which generate new frames, one by one – Cutting edge technology</a:t>
+            </a:r>
           </a:p>
           <a:p>
             <a:pPr defTabSz="933237">
               <a:defRPr/>
             </a:pPr>
+            <a:endParaRPr lang="en-US" dirty="0"/>
+          </a:p>
+          <a:p>
+            <a:pPr defTabSz="933237">
+              <a:defRPr/>
+            </a:pPr>
             <a:r>
               <a:rPr lang="en-US" dirty="0"/>
               <a:t>=====</a:t>
@@ -2327,14 +2531,8 @@
           <a:p>
             <a:r>
               <a:rPr lang="en-US" dirty="0"/>
-              <a:t>With text data, transformers and recurrent neural networks are established deep learning technologies, appropriate for detection, classification, segmentation, recommendation, and creation tasks.  These will solve most text problems, or at least get you started in the right direction.  Generative Adversarial Networks or GANs are another choice.  However, keep in mind that text generating GANs are a unique animal, different and distinct from GANs used to generate images.</a:t>
-            </a:r>
-          </a:p>
-          <a:p>
-            <a:endParaRPr lang="en-US" dirty="0"/>
-          </a:p>
-          <a:p>
-            <a:endParaRPr lang="en-US" dirty="0"/>
+              <a:t>Video data is unique, being a time series of images.  As with image data, convolutional neural networks have captured most of this market, though CNNs are frequently paired with RNNs as there is both temporal and spatial characteristics in each image frame.  With video, single and multi-object tracking is also possible.  Interestingly, there are now video GANs, which basically build frame by frame what it thinks the video should look like.  This is cutting-edge technology.</a:t>
+            </a:r>
           </a:p>
           <a:p>
             <a:endParaRPr lang="en-US" dirty="0"/>
@@ -2373,7 +2571,7 @@
     </p:spTree>
     <p:extLst>
       <p:ext uri="{BB962C8B-B14F-4D97-AF65-F5344CB8AC3E}">
-        <p14:creationId xmlns:p14="http://schemas.microsoft.com/office/powerpoint/2010/main" val="132608395"/>
+        <p14:creationId xmlns:p14="http://schemas.microsoft.com/office/powerpoint/2010/main" val="2566424567"/>
       </p:ext>
     </p:extLst>
   </p:cSld>
@@ -2432,7 +2630,7 @@
             </a:pPr>
             <a:r>
               <a:rPr lang="en-US" dirty="0"/>
-              <a:t>Convolutional neural networks – bread and butter of image work.</a:t>
+              <a:t>Audio interesting format </a:t>
             </a:r>
           </a:p>
           <a:p>
@@ -2441,7 +2639,7 @@
             </a:pPr>
             <a:r>
               <a:rPr lang="en-US" dirty="0"/>
-              <a:t>Recent development -- transformers + GANs = TransGAN.</a:t>
+              <a:t>MEL spectrum representation – 2D spectrogram of a recording</a:t>
             </a:r>
           </a:p>
           <a:p>
@@ -2450,16 +2648,19 @@
             </a:pPr>
             <a:r>
               <a:rPr lang="en-US" dirty="0"/>
-              <a:t>Special models for single shot detection and real time object detection.</a:t>
-            </a:r>
-          </a:p>
-          <a:p>
-            <a:endParaRPr lang="en-US" dirty="0"/>
+              <a:t>Audio is time series, just like video</a:t>
+            </a:r>
           </a:p>
           <a:p>
             <a:pPr defTabSz="933237">
               <a:defRPr/>
             </a:pPr>
+            <a:endParaRPr lang="en-US" dirty="0"/>
+          </a:p>
+          <a:p>
+            <a:pPr defTabSz="933237">
+              <a:defRPr/>
+            </a:pPr>
             <a:r>
               <a:rPr lang="en-US" dirty="0"/>
               <a:t>=====</a:t>
@@ -2468,25 +2669,14 @@
           <a:p>
             <a:r>
               <a:rPr lang="en-US" dirty="0"/>
-              <a:t>Convolutional neural networks (CNNs) have been the bread and butter of the image world for some time now.  In short, CNNs do it all.  For image creation, GANs continue to be the tool of choice, typically constructed with CNN components.  Another recent development has been the merging of transformers and GANs, with TransGAN being a prominent example.</a:t>
+              <a:t>Audio is another interesting format.  Many audio methods are derived from a MEL spectrum representation, a 2D spectrogram of the recording.  Like video, audio is also a time series.  Transformers, CNNs, RNNs, and GANs can all be used with audio data.  Now that we have covered the various types of data and their associated methods, it’s time to do something practical.</a:t>
             </a:r>
           </a:p>
           <a:p>
             <a:endParaRPr lang="en-US" dirty="0"/>
           </a:p>
           <a:p>
-            <a:r>
-              <a:rPr lang="en-US" dirty="0"/>
-              <a:t>For detection, consider </a:t>
-            </a:r>
-            <a:r>
-              <a:rPr lang="en-US" b="1" dirty="0"/>
-              <a:t>single shot detection models </a:t>
-            </a:r>
-            <a:r>
-              <a:rPr lang="en-US" dirty="0"/>
-              <a:t>(SSDs) or YOLO (real-time object detection).  Faster-RCNN or EfficientDet are also options, depending on the computational resources available.  Classification is a typical CNN task, with ResNet and its variants being popular.  And finally – for segmentation tasks – Mask-RCNN or Unet ought to be considered.  </a:t>
-            </a:r>
+            <a:endParaRPr lang="en-US" dirty="0"/>
           </a:p>
           <a:p>
             <a:endParaRPr lang="en-US" dirty="0"/>
@@ -2519,7 +2709,7 @@
     </p:spTree>
     <p:extLst>
       <p:ext uri="{BB962C8B-B14F-4D97-AF65-F5344CB8AC3E}">
-        <p14:creationId xmlns:p14="http://schemas.microsoft.com/office/powerpoint/2010/main" val="3841188136"/>
+        <p14:creationId xmlns:p14="http://schemas.microsoft.com/office/powerpoint/2010/main" val="2786040527"/>
       </p:ext>
     </p:extLst>
   </p:cSld>
@@ -2573,58 +2763,10 @@
           <a:bodyPr/>
           <a:lstStyle/>
           <a:p>
-            <a:pPr marL="233309" indent="-233309">
-              <a:buAutoNum type="arabicPeriod"/>
-            </a:pPr>
             <a:r>
               <a:rPr lang="en-US" dirty="0"/>
-              <a:t>Video data is unique in that it is a time series of images</a:t>
-            </a:r>
-          </a:p>
-          <a:p>
-            <a:pPr marL="233309" indent="-233309">
-              <a:buAutoNum type="arabicPeriod"/>
-            </a:pPr>
-            <a:r>
-              <a:rPr lang="en-US" dirty="0"/>
-              <a:t>CNNs paired with RNNs as there is both temporal and spatial characteristics</a:t>
-            </a:r>
-          </a:p>
-          <a:p>
-            <a:pPr marL="233309" indent="-233309">
-              <a:buAutoNum type="arabicPeriod"/>
-            </a:pPr>
-            <a:r>
-              <a:rPr lang="en-US" dirty="0"/>
-              <a:t>New development is video GANs which generate new frames, one by one – Cutting edge technology</a:t>
-            </a:r>
-          </a:p>
-          <a:p>
-            <a:pPr defTabSz="933237">
-              <a:defRPr/>
-            </a:pPr>
-            <a:endParaRPr lang="en-US" dirty="0"/>
-          </a:p>
-          <a:p>
-            <a:pPr defTabSz="933237">
-              <a:defRPr/>
-            </a:pPr>
-            <a:r>
-              <a:rPr lang="en-US" dirty="0"/>
-              <a:t>=====</a:t>
-            </a:r>
-          </a:p>
-          <a:p>
-            <a:r>
-              <a:rPr lang="en-US" dirty="0"/>
-              <a:t>Video data is unique, being a time series of images.  As with image data, convolutional neural networks have captured most of this market, though CNNs are frequently paired with RNNs as there is both temporal and spatial characteristics in each image frame.  With video, single and multi-object tracking is also possible.  Interestingly, there are now video GANs, which basically build frame by frame what it thinks the video should look like.  This is cutting-edge technology.</a:t>
-            </a:r>
-          </a:p>
-          <a:p>
-            <a:endParaRPr lang="en-US" dirty="0"/>
-          </a:p>
-          <a:p>
-            <a:endParaRPr lang="en-US" dirty="0"/>
+              <a:t>We have now arrived at our hands-on activity.  Let’s take a poll, I would like for you to describe the data you’re currently working with and possible AI methods to use on that data.  Grab a pen and a pad of paper or fire up your word processor and write out a response.</a:t>
+            </a:r>
           </a:p>
           <a:p>
             <a:endParaRPr lang="en-US" dirty="0"/>
@@ -2657,7 +2799,7 @@
     </p:spTree>
     <p:extLst>
       <p:ext uri="{BB962C8B-B14F-4D97-AF65-F5344CB8AC3E}">
-        <p14:creationId xmlns:p14="http://schemas.microsoft.com/office/powerpoint/2010/main" val="2566424567"/>
+        <p14:creationId xmlns:p14="http://schemas.microsoft.com/office/powerpoint/2010/main" val="4235018632"/>
       </p:ext>
     </p:extLst>
   </p:cSld>
@@ -2711,60 +2853,6 @@
           <a:bodyPr/>
           <a:lstStyle/>
           <a:p>
-            <a:pPr marL="233309" indent="-233309">
-              <a:buAutoNum type="arabicPeriod"/>
-            </a:pPr>
-            <a:r>
-              <a:rPr lang="en-US" dirty="0"/>
-              <a:t>Audio interesting format </a:t>
-            </a:r>
-          </a:p>
-          <a:p>
-            <a:pPr marL="233309" indent="-233309">
-              <a:buAutoNum type="arabicPeriod"/>
-            </a:pPr>
-            <a:r>
-              <a:rPr lang="en-US" dirty="0"/>
-              <a:t>MEL spectrum representation – 2D spectrogram of a recording</a:t>
-            </a:r>
-          </a:p>
-          <a:p>
-            <a:pPr marL="233309" indent="-233309">
-              <a:buAutoNum type="arabicPeriod"/>
-            </a:pPr>
-            <a:r>
-              <a:rPr lang="en-US" dirty="0"/>
-              <a:t>Audio is time series, just like video</a:t>
-            </a:r>
-          </a:p>
-          <a:p>
-            <a:pPr defTabSz="933237">
-              <a:defRPr/>
-            </a:pPr>
-            <a:endParaRPr lang="en-US" dirty="0"/>
-          </a:p>
-          <a:p>
-            <a:pPr defTabSz="933237">
-              <a:defRPr/>
-            </a:pPr>
-            <a:r>
-              <a:rPr lang="en-US" dirty="0"/>
-              <a:t>=====</a:t>
-            </a:r>
-          </a:p>
-          <a:p>
-            <a:r>
-              <a:rPr lang="en-US" dirty="0"/>
-              <a:t>Audio is another interesting format.  Many audio methods are derived from a MEL spectrum representation, a 2D spectrogram of the recording.  Like video, audio is also a time series.  Transformers, CNNs, RNNs, and GANs can all be used with audio data.  Now that we have covered the various types of data and their associated methods, it’s time to do something practical.</a:t>
-            </a:r>
-          </a:p>
-          <a:p>
-            <a:endParaRPr lang="en-US" dirty="0"/>
-          </a:p>
-          <a:p>
-            <a:endParaRPr lang="en-US" dirty="0"/>
-          </a:p>
-          <a:p>
             <a:endParaRPr lang="en-US" dirty="0"/>
           </a:p>
         </p:txBody>
@@ -2795,7 +2883,7 @@
     </p:spTree>
     <p:extLst>
       <p:ext uri="{BB962C8B-B14F-4D97-AF65-F5344CB8AC3E}">
-        <p14:creationId xmlns:p14="http://schemas.microsoft.com/office/powerpoint/2010/main" val="2786040527"/>
+        <p14:creationId xmlns:p14="http://schemas.microsoft.com/office/powerpoint/2010/main" val="672039410"/>
       </p:ext>
     </p:extLst>
   </p:cSld>
@@ -2851,7 +2939,7 @@
           <a:p>
             <a:r>
               <a:rPr lang="en-US" dirty="0"/>
-              <a:t>We have now arrived at our hands-on activity.  Let’s take a poll, I would like for you to describe the data you’re currently working with and possible AI methods to use on that data.  Grab a pen and a pad of paper or fire up your word processor and write out a response.</a:t>
+              <a:t>And finally, do we have any questions?  </a:t>
             </a:r>
           </a:p>
           <a:p>
@@ -2877,180 +2965,6 @@
             <a:fld id="{3148858F-F1DB-4027-9C85-CCA6849540DD}" type="slidenum">
               <a:rPr lang="en-US" smtClean="0"/>
               <a:t>26</a:t>
-            </a:fld>
-            <a:endParaRPr lang="en-US"/>
-          </a:p>
-        </p:txBody>
-      </p:sp>
-    </p:spTree>
-    <p:extLst>
-      <p:ext uri="{BB962C8B-B14F-4D97-AF65-F5344CB8AC3E}">
-        <p14:creationId xmlns:p14="http://schemas.microsoft.com/office/powerpoint/2010/main" val="4235018632"/>
-      </p:ext>
-    </p:extLst>
-  </p:cSld>
-  <p:clrMapOvr>
-    <a:masterClrMapping/>
-  </p:clrMapOvr>
-</p:notes>
-</file>
-
-<file path=ppt/notesSlides/notesSlide27.xml><?xml version="1.0" encoding="utf-8"?>
-<p:notes xmlns:a="http://schemas.openxmlformats.org/drawingml/2006/main" xmlns:r="http://schemas.openxmlformats.org/officeDocument/2006/relationships" xmlns:p="http://schemas.openxmlformats.org/presentationml/2006/main">
-  <p:cSld>
-    <p:spTree>
-      <p:nvGrpSpPr>
-        <p:cNvPr id="1" name=""/>
-        <p:cNvGrpSpPr/>
-        <p:nvPr/>
-      </p:nvGrpSpPr>
-      <p:grpSpPr>
-        <a:xfrm>
-          <a:off x="0" y="0"/>
-          <a:ext cx="0" cy="0"/>
-          <a:chOff x="0" y="0"/>
-          <a:chExt cx="0" cy="0"/>
-        </a:xfrm>
-      </p:grpSpPr>
-      <p:sp>
-        <p:nvSpPr>
-          <p:cNvPr id="2" name="Slide Image Placeholder 1"/>
-          <p:cNvSpPr>
-            <a:spLocks noGrp="1" noRot="1" noChangeAspect="1"/>
-          </p:cNvSpPr>
-          <p:nvPr>
-            <p:ph type="sldImg"/>
-          </p:nvPr>
-        </p:nvSpPr>
-        <p:spPr/>
-      </p:sp>
-      <p:sp>
-        <p:nvSpPr>
-          <p:cNvPr id="3" name="Notes Placeholder 2"/>
-          <p:cNvSpPr>
-            <a:spLocks noGrp="1"/>
-          </p:cNvSpPr>
-          <p:nvPr>
-            <p:ph type="body" idx="1"/>
-          </p:nvPr>
-        </p:nvSpPr>
-        <p:spPr/>
-        <p:txBody>
-          <a:bodyPr/>
-          <a:lstStyle/>
-          <a:p>
-            <a:endParaRPr lang="en-US" dirty="0"/>
-          </a:p>
-        </p:txBody>
-      </p:sp>
-      <p:sp>
-        <p:nvSpPr>
-          <p:cNvPr id="4" name="Slide Number Placeholder 3"/>
-          <p:cNvSpPr>
-            <a:spLocks noGrp="1"/>
-          </p:cNvSpPr>
-          <p:nvPr>
-            <p:ph type="sldNum" sz="quarter" idx="5"/>
-          </p:nvPr>
-        </p:nvSpPr>
-        <p:spPr/>
-        <p:txBody>
-          <a:bodyPr/>
-          <a:lstStyle/>
-          <a:p>
-            <a:fld id="{3148858F-F1DB-4027-9C85-CCA6849540DD}" type="slidenum">
-              <a:rPr lang="en-US" smtClean="0"/>
-              <a:t>27</a:t>
-            </a:fld>
-            <a:endParaRPr lang="en-US"/>
-          </a:p>
-        </p:txBody>
-      </p:sp>
-    </p:spTree>
-    <p:extLst>
-      <p:ext uri="{BB962C8B-B14F-4D97-AF65-F5344CB8AC3E}">
-        <p14:creationId xmlns:p14="http://schemas.microsoft.com/office/powerpoint/2010/main" val="672039410"/>
-      </p:ext>
-    </p:extLst>
-  </p:cSld>
-  <p:clrMapOvr>
-    <a:masterClrMapping/>
-  </p:clrMapOvr>
-</p:notes>
-</file>
-
-<file path=ppt/notesSlides/notesSlide28.xml><?xml version="1.0" encoding="utf-8"?>
-<p:notes xmlns:a="http://schemas.openxmlformats.org/drawingml/2006/main" xmlns:r="http://schemas.openxmlformats.org/officeDocument/2006/relationships" xmlns:p="http://schemas.openxmlformats.org/presentationml/2006/main">
-  <p:cSld>
-    <p:spTree>
-      <p:nvGrpSpPr>
-        <p:cNvPr id="1" name=""/>
-        <p:cNvGrpSpPr/>
-        <p:nvPr/>
-      </p:nvGrpSpPr>
-      <p:grpSpPr>
-        <a:xfrm>
-          <a:off x="0" y="0"/>
-          <a:ext cx="0" cy="0"/>
-          <a:chOff x="0" y="0"/>
-          <a:chExt cx="0" cy="0"/>
-        </a:xfrm>
-      </p:grpSpPr>
-      <p:sp>
-        <p:nvSpPr>
-          <p:cNvPr id="2" name="Slide Image Placeholder 1"/>
-          <p:cNvSpPr>
-            <a:spLocks noGrp="1" noRot="1" noChangeAspect="1"/>
-          </p:cNvSpPr>
-          <p:nvPr>
-            <p:ph type="sldImg"/>
-          </p:nvPr>
-        </p:nvSpPr>
-        <p:spPr/>
-      </p:sp>
-      <p:sp>
-        <p:nvSpPr>
-          <p:cNvPr id="3" name="Notes Placeholder 2"/>
-          <p:cNvSpPr>
-            <a:spLocks noGrp="1"/>
-          </p:cNvSpPr>
-          <p:nvPr>
-            <p:ph type="body" idx="1"/>
-          </p:nvPr>
-        </p:nvSpPr>
-        <p:spPr/>
-        <p:txBody>
-          <a:bodyPr/>
-          <a:lstStyle/>
-          <a:p>
-            <a:r>
-              <a:rPr lang="en-US" dirty="0"/>
-              <a:t>And finally, do we have any questions?  </a:t>
-            </a:r>
-          </a:p>
-          <a:p>
-            <a:endParaRPr lang="en-US" dirty="0"/>
-          </a:p>
-        </p:txBody>
-      </p:sp>
-      <p:sp>
-        <p:nvSpPr>
-          <p:cNvPr id="4" name="Slide Number Placeholder 3"/>
-          <p:cNvSpPr>
-            <a:spLocks noGrp="1"/>
-          </p:cNvSpPr>
-          <p:nvPr>
-            <p:ph type="sldNum" sz="quarter" idx="5"/>
-          </p:nvPr>
-        </p:nvSpPr>
-        <p:spPr/>
-        <p:txBody>
-          <a:bodyPr/>
-          <a:lstStyle/>
-          <a:p>
-            <a:fld id="{3148858F-F1DB-4027-9C85-CCA6849540DD}" type="slidenum">
-              <a:rPr lang="en-US" smtClean="0"/>
-              <a:t>28</a:t>
             </a:fld>
             <a:endParaRPr lang="en-US"/>
           </a:p>
@@ -3113,38 +3027,69 @@
           <a:bodyPr/>
           <a:lstStyle/>
           <a:p>
-            <a:pPr marL="233309" indent="-233309">
+            <a:pPr marL="233309" indent="-233309" defTabSz="933237">
+              <a:buFontTx/>
               <a:buAutoNum type="arabicPeriod"/>
+              <a:defRPr/>
             </a:pPr>
             <a:r>
               <a:rPr lang="en-US" dirty="0"/>
-              <a:t>AI is a CREATIVE challenge of the 1</a:t>
-            </a:r>
-            <a:r>
-              <a:rPr lang="en-US" baseline="30000" dirty="0"/>
-              <a:t>st</a:t>
-            </a:r>
+              <a:t>A picture is worth a thousand words or in this case, a thousand mathematical symbols</a:t>
+            </a:r>
+          </a:p>
+          <a:p>
+            <a:pPr marL="699927" lvl="1" indent="-233309" defTabSz="933237">
+              <a:buFontTx/>
+              <a:buAutoNum type="arabicPeriod"/>
+              <a:defRPr/>
+            </a:pPr>
             <a:r>
               <a:rPr lang="en-US" dirty="0"/>
-              <a:t> order</a:t>
-            </a:r>
-          </a:p>
-          <a:p>
-            <a:pPr marL="233309" indent="-233309">
+              <a:t>Dual-coding – visual / verbal channels</a:t>
+            </a:r>
+          </a:p>
+          <a:p>
+            <a:pPr marL="233309" indent="-233309" defTabSz="933237">
+              <a:buFontTx/>
               <a:buAutoNum type="arabicPeriod"/>
+              <a:defRPr/>
             </a:pPr>
             <a:r>
               <a:rPr lang="en-US" dirty="0"/>
-              <a:t>Most important question is: “What do you want to do?  What problems or research questions interest you?”</a:t>
-            </a:r>
-          </a:p>
-          <a:p>
-            <a:pPr marL="233309" indent="-233309">
+              <a:t>The human brain is a story machine.  </a:t>
+            </a:r>
+          </a:p>
+          <a:p>
+            <a:pPr marL="699927" lvl="1" indent="-233309" defTabSz="933237">
+              <a:buFontTx/>
               <a:buAutoNum type="arabicPeriod"/>
+              <a:defRPr/>
             </a:pPr>
             <a:r>
               <a:rPr lang="en-US" dirty="0"/>
-              <a:t>Start with your questions, everything else falls into place.</a:t>
+              <a:t>Stories are the best way to deliver content</a:t>
+            </a:r>
+          </a:p>
+          <a:p>
+            <a:pPr marL="699927" lvl="1" indent="-233309" defTabSz="933237">
+              <a:buFontTx/>
+              <a:buAutoNum type="arabicPeriod"/>
+              <a:defRPr/>
+            </a:pPr>
+            <a:r>
+              <a:rPr lang="en-US" dirty="0"/>
+              <a:t>Stories are the best way to retain content</a:t>
+            </a:r>
+          </a:p>
+          <a:p>
+            <a:pPr marL="233309" indent="-233309" defTabSz="933237">
+              <a:buFontTx/>
+              <a:buAutoNum type="arabicPeriod"/>
+              <a:defRPr/>
+            </a:pPr>
+            <a:r>
+              <a:rPr lang="en-US" dirty="0"/>
+              <a:t>Hands-on learning via Jupyter Notebooks</a:t>
             </a:r>
           </a:p>
           <a:p>
@@ -3177,27 +3122,39 @@
             </a:r>
           </a:p>
           <a:p>
+            <a:pPr defTabSz="933237">
+              <a:defRPr/>
+            </a:pPr>
             <a:r>
               <a:rPr lang="en-US" dirty="0"/>
-              <a:t>So, let’s start with the big picture.  The Practicum AI program is designed to help you think about and creatively apply AI to make the world a better place.</a:t>
-            </a:r>
-          </a:p>
-          <a:p>
+              <a:t>Let’s start with a quick statement of the Practicum AI approach to learning.  </a:t>
+            </a:r>
+          </a:p>
+          <a:p>
+            <a:pPr defTabSz="933237">
+              <a:defRPr/>
+            </a:pPr>
             <a:endParaRPr lang="en-US" dirty="0"/>
           </a:p>
           <a:p>
+            <a:pPr defTabSz="933237">
+              <a:defRPr/>
+            </a:pPr>
             <a:r>
               <a:rPr lang="en-US" dirty="0"/>
-              <a:t>You might be surprised to learn that we view the AI opportunity as a creative challenge of the first order.  Of course, you will participate in a considerable number of technical activities in this workshop series.  But the more important question is,  “What do you want to do?  What problems or research questions interest you?”  Once you answer that, everything else falls into place.  The best learning happens when you have a clear goal in mind.    </a:t>
-            </a:r>
-          </a:p>
-          <a:p>
+              <a:t>The three elements highlighted in blue are distinguishing features of Practicum AI.  First, AI content is presented in a visual way rather than mathematically.  As they say, “A picture is worth a thousand words.”  Or in this case, a thousand mathematical symbols.  Second, narrative (or story-driven) forms of instruction are used, especially at the advanced levels where case-studies are prominently featured.  And finally, abundant hands-on coding exercises develop student programming skills.</a:t>
+            </a:r>
+          </a:p>
+          <a:p>
+            <a:pPr defTabSz="933237">
+              <a:defRPr/>
+            </a:pPr>
             <a:endParaRPr lang="en-US" dirty="0"/>
           </a:p>
           <a:p>
             <a:r>
               <a:rPr lang="en-US" dirty="0"/>
-              <a:t>So, I encourage you to think of AI - not from a technical point-of-view - but as a new way of answering questions, delivering services, and solving problems. </a:t>
+              <a:t>Four levels of hands-on coding.  Level 1: student retypes example code.  Level 2: student modifies and/or extends example code.  Level 3: student writes code from scratch, given an algorithm.  Level 4: student solves a problem by defining an algorithm and then writing the code to instantiate it.</a:t>
             </a:r>
           </a:p>
         </p:txBody>
@@ -3228,7 +3185,7 @@
     </p:spTree>
     <p:extLst>
       <p:ext uri="{BB962C8B-B14F-4D97-AF65-F5344CB8AC3E}">
-        <p14:creationId xmlns:p14="http://schemas.microsoft.com/office/powerpoint/2010/main" val="1421259055"/>
+        <p14:creationId xmlns:p14="http://schemas.microsoft.com/office/powerpoint/2010/main" val="3145646012"/>
       </p:ext>
     </p:extLst>
   </p:cSld>
@@ -3282,69 +3239,39 @@
           <a:bodyPr/>
           <a:lstStyle/>
           <a:p>
-            <a:pPr marL="233309" indent="-233309" defTabSz="933237">
-              <a:buFontTx/>
+            <a:pPr marL="233309" indent="-233309">
               <a:buAutoNum type="arabicPeriod"/>
-              <a:defRPr/>
             </a:pPr>
             <a:r>
               <a:rPr lang="en-US" dirty="0"/>
-              <a:t>A picture is worth a thousand words or in this case, a thousand mathematical symbols</a:t>
-            </a:r>
-          </a:p>
-          <a:p>
-            <a:pPr marL="699927" lvl="1" indent="-233309" defTabSz="933237">
-              <a:buFontTx/>
+              <a:t>Non-technical students – not majoring in computer science, statistics, or math</a:t>
+            </a:r>
+          </a:p>
+          <a:p>
+            <a:pPr marL="233309" indent="-233309">
               <a:buAutoNum type="arabicPeriod"/>
-              <a:defRPr/>
             </a:pPr>
             <a:r>
               <a:rPr lang="en-US" dirty="0"/>
-              <a:t>Dual-coding – visual / verbal channels</a:t>
-            </a:r>
-          </a:p>
-          <a:p>
-            <a:pPr marL="233309" indent="-233309" defTabSz="933237">
-              <a:buFontTx/>
+              <a:t>Curious</a:t>
+            </a:r>
+          </a:p>
+          <a:p>
+            <a:pPr marL="233309" indent="-233309">
               <a:buAutoNum type="arabicPeriod"/>
-              <a:defRPr/>
             </a:pPr>
             <a:r>
               <a:rPr lang="en-US" dirty="0"/>
-              <a:t>The human brain is a story machine.  </a:t>
-            </a:r>
-          </a:p>
-          <a:p>
-            <a:pPr marL="699927" lvl="1" indent="-233309" defTabSz="933237">
-              <a:buFontTx/>
+              <a:t>Tinker &amp; Play</a:t>
+            </a:r>
+          </a:p>
+          <a:p>
+            <a:pPr marL="233309" indent="-233309">
               <a:buAutoNum type="arabicPeriod"/>
-              <a:defRPr/>
             </a:pPr>
             <a:r>
               <a:rPr lang="en-US" dirty="0"/>
-              <a:t>Stories are the best way to deliver content</a:t>
-            </a:r>
-          </a:p>
-          <a:p>
-            <a:pPr marL="699927" lvl="1" indent="-233309" defTabSz="933237">
-              <a:buFontTx/>
-              <a:buAutoNum type="arabicPeriod"/>
-              <a:defRPr/>
-            </a:pPr>
-            <a:r>
-              <a:rPr lang="en-US" dirty="0"/>
-              <a:t>Stories are the best way to retain content</a:t>
-            </a:r>
-          </a:p>
-          <a:p>
-            <a:pPr marL="233309" indent="-233309" defTabSz="933237">
-              <a:buFontTx/>
-              <a:buAutoNum type="arabicPeriod"/>
-              <a:defRPr/>
-            </a:pPr>
-            <a:r>
-              <a:rPr lang="en-US" dirty="0"/>
-              <a:t>Hands-on learning via Jupyter Notebooks</a:t>
+              <a:t>Nvidia Deep Learning Institute workshops for advanced students</a:t>
             </a:r>
           </a:p>
           <a:p>
@@ -3377,39 +3304,42 @@
             </a:r>
           </a:p>
           <a:p>
-            <a:pPr defTabSz="933237">
-              <a:defRPr/>
-            </a:pPr>
             <a:r>
               <a:rPr lang="en-US" dirty="0"/>
-              <a:t>Let’s start with a quick statement of the Practicum AI approach to learning.  </a:t>
-            </a:r>
-          </a:p>
-          <a:p>
-            <a:pPr defTabSz="933237">
-              <a:defRPr/>
-            </a:pPr>
+              <a:t>Our target student audience is beginners who have little-to-no technical background.  That is, our program will benefit those who are curious about AI but have little-to-no knowledge of the field.  And lastly, the Practicum AI workshops are designed for those who take a </a:t>
+            </a:r>
+            <a:r>
+              <a:rPr lang="en-US" b="1" dirty="0"/>
+              <a:t>tinker and play </a:t>
+            </a:r>
+            <a:r>
+              <a:rPr lang="en-US" dirty="0"/>
+              <a:t>approach to learning.  This final point is important as these workshops feature extensive </a:t>
+            </a:r>
+            <a:r>
+              <a:rPr lang="en-US" b="1" dirty="0"/>
+              <a:t>hands-on</a:t>
+            </a:r>
+            <a:r>
+              <a:rPr lang="en-US" dirty="0"/>
+              <a:t> coding exercises.</a:t>
+            </a:r>
+          </a:p>
+          <a:p>
             <a:endParaRPr lang="en-US" dirty="0"/>
           </a:p>
           <a:p>
-            <a:pPr defTabSz="933237">
-              <a:defRPr/>
-            </a:pPr>
             <a:r>
               <a:rPr lang="en-US" dirty="0"/>
-              <a:t>The three elements highlighted in blue are distinguishing features of Practicum AI.  First, AI content is presented in a visual way rather than mathematically.  As they say, “A picture is worth a thousand words.”  Or in this case, a thousand mathematical symbols.  Second, narrative (or story-driven) forms of instruction are used, especially at the advanced levels where case-studies are prominently featured.  And finally, abundant hands-on coding exercises develop student programming skills.</a:t>
-            </a:r>
-          </a:p>
-          <a:p>
-            <a:pPr defTabSz="933237">
-              <a:defRPr/>
-            </a:pPr>
-            <a:endParaRPr lang="en-US" dirty="0"/>
-          </a:p>
-          <a:p>
+              <a:t>Again – this program is </a:t>
+            </a:r>
+            <a:r>
+              <a:rPr lang="en-US" b="1" dirty="0"/>
+              <a:t>not designed </a:t>
+            </a:r>
             <a:r>
               <a:rPr lang="en-US" dirty="0"/>
-              <a:t>Four levels of hands-on coding.  Level 1: student retypes example code.  Level 2: student modifies and/or extends example code.  Level 3: student writes code from scratch, given an algorithm.  Level 4: student solves a problem by defining an algorithm and then writing the code to instantiate it.</a:t>
+              <a:t>for a highly technical audience.  If you already have a strong technical background or multiple years of programming experience, we encourage you to take the advanced AI workshops offered by Nvidia’s Deep Learning Institute.  Please contact us for details. </a:t>
             </a:r>
           </a:p>
         </p:txBody>
@@ -3440,7 +3370,7 @@
     </p:spTree>
     <p:extLst>
       <p:ext uri="{BB962C8B-B14F-4D97-AF65-F5344CB8AC3E}">
-        <p14:creationId xmlns:p14="http://schemas.microsoft.com/office/powerpoint/2010/main" val="3145646012"/>
+        <p14:creationId xmlns:p14="http://schemas.microsoft.com/office/powerpoint/2010/main" val="2078421308"/>
       </p:ext>
     </p:extLst>
   </p:cSld>
@@ -3499,7 +3429,7 @@
             </a:pPr>
             <a:r>
               <a:rPr lang="en-US" dirty="0"/>
-              <a:t>Non-technical students – not majoring in computer science, statistics, or math</a:t>
+              <a:t>Do you want to build AI systems like this?</a:t>
             </a:r>
           </a:p>
           <a:p>
@@ -3508,25 +3438,25 @@
             </a:pPr>
             <a:r>
               <a:rPr lang="en-US" dirty="0"/>
-              <a:t>Curious</a:t>
-            </a:r>
-          </a:p>
-          <a:p>
-            <a:pPr marL="233309" indent="-233309">
+              <a:t>Claude Levi-Strauss</a:t>
+            </a:r>
+          </a:p>
+          <a:p>
+            <a:pPr marL="699927" lvl="1" indent="-233309">
               <a:buAutoNum type="arabicPeriod"/>
             </a:pPr>
             <a:r>
               <a:rPr lang="en-US" dirty="0"/>
-              <a:t>Tinker &amp; Play</a:t>
-            </a:r>
-          </a:p>
-          <a:p>
-            <a:pPr marL="233309" indent="-233309">
+              <a:t>Bricoleur</a:t>
+            </a:r>
+          </a:p>
+          <a:p>
+            <a:pPr marL="699927" lvl="1" indent="-233309">
               <a:buAutoNum type="arabicPeriod"/>
             </a:pPr>
             <a:r>
               <a:rPr lang="en-US" dirty="0"/>
-              <a:t>Nvidia Deep Learning Institute workshops for advanced students</a:t>
+              <a:t>Bricolage – art of mashing things up to create something new</a:t>
             </a:r>
           </a:p>
           <a:p>
@@ -3561,41 +3491,37 @@
           <a:p>
             <a:r>
               <a:rPr lang="en-US" dirty="0"/>
-              <a:t>Our target student audience is beginners who have little-to-no technical background.  That is, our program will benefit those who are curious about AI but have little-to-no knowledge of the field.  And lastly, the Practicum AI workshops are designed for those who take a </a:t>
+              <a:t>Okay – let’s visualize the message of that last slide.  If you are someone who can appreciate the ingenuity and resourcefulness of whoever created the contraption pictured here – and you want to do something similar with AI – then you’re the kind of student we’re looking for.  We’re not seeking mathematical prodigies or technical whiz kids.  However, we are looking for individuals who color outside the lines. </a:t>
+            </a:r>
+          </a:p>
+          <a:p>
+            <a:endParaRPr lang="en-US" dirty="0"/>
+          </a:p>
+          <a:p>
+            <a:r>
+              <a:rPr lang="en-US" dirty="0"/>
+              <a:t>The anthropologist Levi Straus had a name for these kinds of people, calling them </a:t>
             </a:r>
             <a:r>
               <a:rPr lang="en-US" b="1" dirty="0"/>
-              <a:t>tinker and play </a:t>
+              <a:t>Bricoleurs</a:t>
             </a:r>
             <a:r>
               <a:rPr lang="en-US" dirty="0"/>
-              <a:t>approach to learning.  This final point is important as these workshops feature extensive </a:t>
-            </a:r>
-            <a:r>
-              <a:rPr lang="en-US" b="1" dirty="0"/>
-              <a:t>hands-on</a:t>
-            </a:r>
+              <a:t>.  A bricoleur is a playful tinkerer who uses whatever is at hand to solve an immediate problem.  A bricoleur enjoys mashing things up, taking ideas from one domain and using them in another.  And most importantly, a bricoleur is not boxed in by disciplinary norms.  Or, as we used to say on the farm, “I’m a jack of all trades, master of none.”</a:t>
+            </a:r>
+          </a:p>
+          <a:p>
+            <a:endParaRPr lang="en-US" dirty="0"/>
+          </a:p>
+          <a:p>
             <a:r>
               <a:rPr lang="en-US" dirty="0"/>
-              <a:t> coding exercises.</a:t>
+              <a:t>Is this you?  If so, you should enjoy these learning experiences.</a:t>
             </a:r>
           </a:p>
           <a:p>
             <a:endParaRPr lang="en-US" dirty="0"/>
-          </a:p>
-          <a:p>
-            <a:r>
-              <a:rPr lang="en-US" dirty="0"/>
-              <a:t>Again – this program is </a:t>
-            </a:r>
-            <a:r>
-              <a:rPr lang="en-US" b="1" dirty="0"/>
-              <a:t>not designed </a:t>
-            </a:r>
-            <a:r>
-              <a:rPr lang="en-US" dirty="0"/>
-              <a:t>for a highly technical audience.  If you already have a strong technical background or multiple years of programming experience, we encourage you to take the advanced AI workshops offered by Nvidia’s Deep Learning Institute.  Please contact us for details. </a:t>
-            </a:r>
           </a:p>
         </p:txBody>
       </p:sp>
@@ -3625,7 +3551,7 @@
     </p:spTree>
     <p:extLst>
       <p:ext uri="{BB962C8B-B14F-4D97-AF65-F5344CB8AC3E}">
-        <p14:creationId xmlns:p14="http://schemas.microsoft.com/office/powerpoint/2010/main" val="2078421308"/>
+        <p14:creationId xmlns:p14="http://schemas.microsoft.com/office/powerpoint/2010/main" val="1960499872"/>
       </p:ext>
     </p:extLst>
   </p:cSld>
@@ -3679,45 +3605,12 @@
           <a:bodyPr/>
           <a:lstStyle/>
           <a:p>
-            <a:pPr marL="233309" indent="-233309">
-              <a:buAutoNum type="arabicPeriod"/>
-            </a:pPr>
             <a:r>
               <a:rPr lang="en-US" dirty="0"/>
-              <a:t>Do you want to build AI systems like this?</a:t>
-            </a:r>
-          </a:p>
-          <a:p>
-            <a:pPr marL="233309" indent="-233309">
-              <a:buAutoNum type="arabicPeriod"/>
-            </a:pPr>
-            <a:r>
-              <a:rPr lang="en-US" dirty="0"/>
-              <a:t>Claude Levi-Strauss</a:t>
-            </a:r>
-          </a:p>
-          <a:p>
-            <a:pPr marL="699927" lvl="1" indent="-233309">
-              <a:buAutoNum type="arabicPeriod"/>
-            </a:pPr>
-            <a:r>
-              <a:rPr lang="en-US" dirty="0"/>
-              <a:t>Bricoleur</a:t>
-            </a:r>
-          </a:p>
-          <a:p>
-            <a:pPr marL="699927" lvl="1" indent="-233309">
-              <a:buAutoNum type="arabicPeriod"/>
-            </a:pPr>
-            <a:r>
-              <a:rPr lang="en-US" dirty="0"/>
-              <a:t>Bricolage – art of mashing things up to create something new</a:t>
-            </a:r>
-          </a:p>
-          <a:p>
-            <a:pPr defTabSz="933237">
-              <a:defRPr/>
-            </a:pPr>
+              <a:t>A quick overview of our current Practicum AI family of workshops.  Blue is the beginner sequence.  Purple is intermediate.</a:t>
+            </a:r>
+          </a:p>
+          <a:p>
             <a:endParaRPr lang="en-US" dirty="0"/>
           </a:p>
           <a:p>
@@ -3744,35 +3637,85 @@
             </a:r>
           </a:p>
           <a:p>
+            <a:pPr marL="0" marR="0" lvl="0" indent="0" algn="l" defTabSz="933237" rtl="0" eaLnBrk="1" fontAlgn="auto" latinLnBrk="0" hangingPunct="1">
+              <a:lnSpc>
+                <a:spcPct val="100000"/>
+              </a:lnSpc>
+              <a:spcBef>
+                <a:spcPts val="0"/>
+              </a:spcBef>
+              <a:spcAft>
+                <a:spcPts val="0"/>
+              </a:spcAft>
+              <a:buClrTx/>
+              <a:buSzTx/>
+              <a:buFontTx/>
+              <a:buNone/>
+              <a:tabLst/>
+              <a:defRPr/>
+            </a:pPr>
+            <a:endParaRPr lang="en-US" dirty="0"/>
+          </a:p>
+          <a:p>
+            <a:pPr marL="233309" indent="-233309">
+              <a:buAutoNum type="arabicPeriod"/>
+            </a:pPr>
             <a:r>
               <a:rPr lang="en-US" dirty="0"/>
-              <a:t>Okay – let’s visualize the message of that last slide.  If you are someone who can appreciate the ingenuity and resourcefulness of whoever created the contraption pictured here – and you want to do something similar with AI – then you’re the kind of student we’re looking for.  We’re not seeking mathematical prodigies or technical whiz kids.  However, we are looking for individuals who color outside the lines. </a:t>
-            </a:r>
-          </a:p>
-          <a:p>
+              <a:t>Overview</a:t>
+            </a:r>
+          </a:p>
+          <a:p>
+            <a:pPr marL="233309" indent="-233309">
+              <a:buAutoNum type="arabicPeriod"/>
+            </a:pPr>
+            <a:r>
+              <a:rPr lang="en-US" dirty="0"/>
+              <a:t>Blue (beginner);  Purple (intermediate); Yellow (advanced); Green (specialization)</a:t>
+            </a:r>
+          </a:p>
+          <a:p>
+            <a:pPr marL="233309" indent="-233309">
+              <a:buAutoNum type="arabicPeriod"/>
+            </a:pPr>
+            <a:r>
+              <a:rPr lang="en-US" dirty="0"/>
+              <a:t>Hexagons are badges</a:t>
+            </a:r>
+          </a:p>
+          <a:p>
+            <a:pPr marL="0" marR="0" lvl="0" indent="0" algn="l" defTabSz="933237" rtl="0" eaLnBrk="1" fontAlgn="auto" latinLnBrk="0" hangingPunct="1">
+              <a:lnSpc>
+                <a:spcPct val="100000"/>
+              </a:lnSpc>
+              <a:spcBef>
+                <a:spcPts val="0"/>
+              </a:spcBef>
+              <a:spcAft>
+                <a:spcPts val="0"/>
+              </a:spcAft>
+              <a:buClrTx/>
+              <a:buSzTx/>
+              <a:buFontTx/>
+              <a:buNone/>
+              <a:tabLst/>
+              <a:defRPr/>
+            </a:pPr>
             <a:endParaRPr lang="en-US" dirty="0"/>
           </a:p>
           <a:p>
             <a:r>
               <a:rPr lang="en-US" dirty="0"/>
-              <a:t>The anthropologist Levi Straus had a name for these kinds of people, calling them </a:t>
-            </a:r>
-            <a:r>
-              <a:rPr lang="en-US" b="1" dirty="0"/>
-              <a:t>Bricoleurs</a:t>
-            </a:r>
+              <a:t>… and this is an overview of the Practicum AI badge program.  Blue boxes are foundational learning experiences.  Purple is intermediate.  Yellow is advanced and green is a specialty.  The hexagons are badges students can earn, after completing the requisite workshops in the series.  The What is AI, AI Ethics, Python, and Deep Learning Foundations workshops constitute the Practicum AI (Beginner) series. </a:t>
+            </a:r>
+          </a:p>
+          <a:p>
+            <a:endParaRPr lang="en-US" dirty="0"/>
+          </a:p>
+          <a:p>
             <a:r>
               <a:rPr lang="en-US" dirty="0"/>
-              <a:t>.  A bricoleur is a playful tinkerer who uses whatever is at hand to solve an immediate problem.  A bricoleur enjoys mashing things up, taking ideas from one domain and using them in another.  And most importantly, a bricoleur is not boxed in by disciplinary norms.  Or, as we used to say on the farm, “I’m a jack of all trades, master of none.”</a:t>
-            </a:r>
-          </a:p>
-          <a:p>
-            <a:endParaRPr lang="en-US" dirty="0"/>
-          </a:p>
-          <a:p>
-            <a:r>
-              <a:rPr lang="en-US" dirty="0"/>
-              <a:t>Is this you?  If so, you should enjoy these learning experiences.</a:t>
+              <a:t>The Practicum AI badging program, as presently conceived, is flexible and we envision additional badges being added over time.  In fact, we recently received funding to create a series of workshops leading to a FAIR Data badge.</a:t>
             </a:r>
           </a:p>
           <a:p>
@@ -3806,7 +3749,7 @@
     </p:spTree>
     <p:extLst>
       <p:ext uri="{BB962C8B-B14F-4D97-AF65-F5344CB8AC3E}">
-        <p14:creationId xmlns:p14="http://schemas.microsoft.com/office/powerpoint/2010/main" val="1960499872"/>
+        <p14:creationId xmlns:p14="http://schemas.microsoft.com/office/powerpoint/2010/main" val="1038896062"/>
       </p:ext>
     </p:extLst>
   </p:cSld>
@@ -3860,74 +3803,9 @@
           <a:bodyPr/>
           <a:lstStyle/>
           <a:p>
-            <a:pPr marL="233309" indent="-233309">
-              <a:buAutoNum type="arabicPeriod"/>
-            </a:pPr>
             <a:r>
               <a:rPr lang="en-US" dirty="0"/>
-              <a:t>Overview</a:t>
-            </a:r>
-          </a:p>
-          <a:p>
-            <a:pPr marL="233309" indent="-233309">
-              <a:buAutoNum type="arabicPeriod"/>
-            </a:pPr>
-            <a:r>
-              <a:rPr lang="en-US" dirty="0"/>
-              <a:t>Blue (beginner);  Purple (intermediate); Yellow (advanced); Green (specialization)</a:t>
-            </a:r>
-          </a:p>
-          <a:p>
-            <a:pPr marL="233309" indent="-233309">
-              <a:buAutoNum type="arabicPeriod"/>
-            </a:pPr>
-            <a:r>
-              <a:rPr lang="en-US" dirty="0"/>
-              <a:t>Hexagons are badges</a:t>
-            </a:r>
-          </a:p>
-          <a:p>
-            <a:pPr defTabSz="933237">
-              <a:defRPr/>
-            </a:pPr>
-            <a:endParaRPr lang="en-US" dirty="0"/>
-          </a:p>
-          <a:p>
-            <a:pPr marL="0" marR="0" lvl="0" indent="0" algn="l" defTabSz="933237" rtl="0" eaLnBrk="1" fontAlgn="auto" latinLnBrk="0" hangingPunct="1">
-              <a:lnSpc>
-                <a:spcPct val="100000"/>
-              </a:lnSpc>
-              <a:spcBef>
-                <a:spcPts val="0"/>
-              </a:spcBef>
-              <a:spcAft>
-                <a:spcPts val="0"/>
-              </a:spcAft>
-              <a:buClrTx/>
-              <a:buSzTx/>
-              <a:buFontTx/>
-              <a:buNone/>
-              <a:tabLst/>
-              <a:defRPr/>
-            </a:pPr>
-            <a:r>
-              <a:rPr lang="en-US" dirty="0"/>
-              <a:t>=====</a:t>
-            </a:r>
-          </a:p>
-          <a:p>
-            <a:r>
-              <a:rPr lang="en-US" dirty="0"/>
-              <a:t>… and this is an overview of the Practicum AI badge program.  Blue boxes are foundational learning experiences.  Purple is intermediate.  Yellow is advanced and green is a specialty.  The hexagons are badges students can earn, after completing the requisite workshops in the series.  The What is AI, AI Ethics, Python, and Deep Learning Foundations workshops constitute the Practicum AI (Beginner) series. </a:t>
-            </a:r>
-          </a:p>
-          <a:p>
-            <a:endParaRPr lang="en-US" dirty="0"/>
-          </a:p>
-          <a:p>
-            <a:r>
-              <a:rPr lang="en-US" dirty="0"/>
-              <a:t>And a final note:  the Practicum AI badging program, as presently conceived, is flexible and we envision additional badges being added over time.  In fact, we recently received funding to create a series of workshops leading to a FAIR Data badge.</a:t>
+              <a:t>… and the list of workshops we plan to offer this semester.</a:t>
             </a:r>
           </a:p>
         </p:txBody>
@@ -3958,7 +3836,7 @@
     </p:spTree>
     <p:extLst>
       <p:ext uri="{BB962C8B-B14F-4D97-AF65-F5344CB8AC3E}">
-        <p14:creationId xmlns:p14="http://schemas.microsoft.com/office/powerpoint/2010/main" val="2991998050"/>
+        <p14:creationId xmlns:p14="http://schemas.microsoft.com/office/powerpoint/2010/main" val="2275706137"/>
       </p:ext>
     </p:extLst>
   </p:cSld>
@@ -4012,10 +3890,75 @@
           <a:bodyPr/>
           <a:lstStyle/>
           <a:p>
+            <a:pPr marL="233309" indent="-233309">
+              <a:buAutoNum type="arabicPeriod"/>
+            </a:pPr>
             <a:r>
               <a:rPr lang="en-US" dirty="0"/>
-              <a:t>… and the list of workshops we plan to offer this semester.</a:t>
-            </a:r>
+              <a:t>Interests not technology</a:t>
+            </a:r>
+          </a:p>
+          <a:p>
+            <a:pPr defTabSz="933237">
+              <a:defRPr/>
+            </a:pPr>
+            <a:endParaRPr lang="en-US" dirty="0"/>
+          </a:p>
+          <a:p>
+            <a:pPr marL="0" marR="0" lvl="0" indent="0" algn="l" defTabSz="933237" rtl="0" eaLnBrk="1" fontAlgn="auto" latinLnBrk="0" hangingPunct="1">
+              <a:lnSpc>
+                <a:spcPct val="100000"/>
+              </a:lnSpc>
+              <a:spcBef>
+                <a:spcPts val="0"/>
+              </a:spcBef>
+              <a:spcAft>
+                <a:spcPts val="0"/>
+              </a:spcAft>
+              <a:buClrTx/>
+              <a:buSzTx/>
+              <a:buFontTx/>
+              <a:buNone/>
+              <a:tabLst/>
+              <a:defRPr/>
+            </a:pPr>
+            <a:r>
+              <a:rPr lang="en-US" dirty="0"/>
+              <a:t>=====</a:t>
+            </a:r>
+          </a:p>
+          <a:p>
+            <a:r>
+              <a:rPr lang="en-US" dirty="0"/>
+              <a:t>So, to summarize this section, we believe that your journey to AI mastery ought to start with your interests, not the technology.  All too often, however, this gets turned around.  We get caught up in technical details, without first having a clear idea of the questions to be answered or the problem at hand.</a:t>
+            </a:r>
+          </a:p>
+          <a:p>
+            <a:endParaRPr lang="en-US" dirty="0"/>
+          </a:p>
+          <a:p>
+            <a:r>
+              <a:rPr lang="en-US" dirty="0"/>
+              <a:t>The Practicum AI badges will allow you to create a custom learning path that supports your goals.  </a:t>
+            </a:r>
+          </a:p>
+          <a:p>
+            <a:endParaRPr lang="en-US" dirty="0"/>
+          </a:p>
+          <a:p>
+            <a:r>
+              <a:rPr lang="en-US" dirty="0"/>
+              <a:t>And that brings us to our first interactive exercise…</a:t>
+            </a:r>
+          </a:p>
+          <a:p>
+            <a:endParaRPr lang="en-US" dirty="0"/>
+          </a:p>
+          <a:p>
+            <a:endParaRPr lang="en-US" dirty="0"/>
+          </a:p>
+          <a:p>
+            <a:endParaRPr lang="en-US" dirty="0"/>
           </a:p>
         </p:txBody>
       </p:sp>
@@ -4045,7 +3988,7 @@
     </p:spTree>
     <p:extLst>
       <p:ext uri="{BB962C8B-B14F-4D97-AF65-F5344CB8AC3E}">
-        <p14:creationId xmlns:p14="http://schemas.microsoft.com/office/powerpoint/2010/main" val="2275706137"/>
+        <p14:creationId xmlns:p14="http://schemas.microsoft.com/office/powerpoint/2010/main" val="1690277211"/>
       </p:ext>
     </p:extLst>
   </p:cSld>
@@ -4099,74 +4042,6 @@
           <a:bodyPr/>
           <a:lstStyle/>
           <a:p>
-            <a:pPr marL="233309" indent="-233309">
-              <a:buAutoNum type="arabicPeriod"/>
-            </a:pPr>
-            <a:r>
-              <a:rPr lang="en-US" dirty="0"/>
-              <a:t>Interests not technology</a:t>
-            </a:r>
-          </a:p>
-          <a:p>
-            <a:pPr defTabSz="933237">
-              <a:defRPr/>
-            </a:pPr>
-            <a:endParaRPr lang="en-US" dirty="0"/>
-          </a:p>
-          <a:p>
-            <a:pPr marL="0" marR="0" lvl="0" indent="0" algn="l" defTabSz="933237" rtl="0" eaLnBrk="1" fontAlgn="auto" latinLnBrk="0" hangingPunct="1">
-              <a:lnSpc>
-                <a:spcPct val="100000"/>
-              </a:lnSpc>
-              <a:spcBef>
-                <a:spcPts val="0"/>
-              </a:spcBef>
-              <a:spcAft>
-                <a:spcPts val="0"/>
-              </a:spcAft>
-              <a:buClrTx/>
-              <a:buSzTx/>
-              <a:buFontTx/>
-              <a:buNone/>
-              <a:tabLst/>
-              <a:defRPr/>
-            </a:pPr>
-            <a:r>
-              <a:rPr lang="en-US" dirty="0"/>
-              <a:t>=====</a:t>
-            </a:r>
-          </a:p>
-          <a:p>
-            <a:r>
-              <a:rPr lang="en-US" dirty="0"/>
-              <a:t>So, to summarize this section, we believe that your journey to AI mastery ought to start with your interests, not the technology.  All too often, however, this gets turned around.  We get caught up in technical details, without first having a clear idea of the questions to be answered or the problem at hand.</a:t>
-            </a:r>
-          </a:p>
-          <a:p>
-            <a:endParaRPr lang="en-US" dirty="0"/>
-          </a:p>
-          <a:p>
-            <a:r>
-              <a:rPr lang="en-US" dirty="0"/>
-              <a:t>The Practicum AI badges will allow you to create a custom learning path that supports your goals.  </a:t>
-            </a:r>
-          </a:p>
-          <a:p>
-            <a:endParaRPr lang="en-US" dirty="0"/>
-          </a:p>
-          <a:p>
-            <a:r>
-              <a:rPr lang="en-US" dirty="0"/>
-              <a:t>And that brings us to our first interactive exercise…</a:t>
-            </a:r>
-          </a:p>
-          <a:p>
-            <a:endParaRPr lang="en-US" dirty="0"/>
-          </a:p>
-          <a:p>
-            <a:endParaRPr lang="en-US" dirty="0"/>
-          </a:p>
-          <a:p>
             <a:endParaRPr lang="en-US" dirty="0"/>
           </a:p>
         </p:txBody>
@@ -4197,7 +4072,7 @@
     </p:spTree>
     <p:extLst>
       <p:ext uri="{BB962C8B-B14F-4D97-AF65-F5344CB8AC3E}">
-        <p14:creationId xmlns:p14="http://schemas.microsoft.com/office/powerpoint/2010/main" val="1690277211"/>
+        <p14:creationId xmlns:p14="http://schemas.microsoft.com/office/powerpoint/2010/main" val="2877151627"/>
       </p:ext>
     </p:extLst>
   </p:cSld>
@@ -4354,7 +4229,7 @@
           <a:p>
             <a:fld id="{C3F78080-8D0A-4BE8-A5B4-CB115102D524}" type="datetimeFigureOut">
               <a:rPr lang="en-US" smtClean="0"/>
-              <a:t>8/5/2022</a:t>
+              <a:t>8/29/2022</a:t>
             </a:fld>
             <a:endParaRPr lang="en-US"/>
           </a:p>
@@ -4552,7 +4427,7 @@
           <a:p>
             <a:fld id="{C3F78080-8D0A-4BE8-A5B4-CB115102D524}" type="datetimeFigureOut">
               <a:rPr lang="en-US" smtClean="0"/>
-              <a:t>8/5/2022</a:t>
+              <a:t>8/29/2022</a:t>
             </a:fld>
             <a:endParaRPr lang="en-US"/>
           </a:p>
@@ -4760,7 +4635,7 @@
           <a:p>
             <a:fld id="{C3F78080-8D0A-4BE8-A5B4-CB115102D524}" type="datetimeFigureOut">
               <a:rPr lang="en-US" smtClean="0"/>
-              <a:t>8/5/2022</a:t>
+              <a:t>8/29/2022</a:t>
             </a:fld>
             <a:endParaRPr lang="en-US"/>
           </a:p>
@@ -4958,7 +4833,7 @@
           <a:p>
             <a:fld id="{C3F78080-8D0A-4BE8-A5B4-CB115102D524}" type="datetimeFigureOut">
               <a:rPr lang="en-US" smtClean="0"/>
-              <a:t>8/5/2022</a:t>
+              <a:t>8/29/2022</a:t>
             </a:fld>
             <a:endParaRPr lang="en-US"/>
           </a:p>
@@ -5233,7 +5108,7 @@
           <a:p>
             <a:fld id="{C3F78080-8D0A-4BE8-A5B4-CB115102D524}" type="datetimeFigureOut">
               <a:rPr lang="en-US" smtClean="0"/>
-              <a:t>8/5/2022</a:t>
+              <a:t>8/29/2022</a:t>
             </a:fld>
             <a:endParaRPr lang="en-US"/>
           </a:p>
@@ -5498,7 +5373,7 @@
           <a:p>
             <a:fld id="{C3F78080-8D0A-4BE8-A5B4-CB115102D524}" type="datetimeFigureOut">
               <a:rPr lang="en-US" smtClean="0"/>
-              <a:t>8/5/2022</a:t>
+              <a:t>8/29/2022</a:t>
             </a:fld>
             <a:endParaRPr lang="en-US"/>
           </a:p>
@@ -5910,7 +5785,7 @@
           <a:p>
             <a:fld id="{C3F78080-8D0A-4BE8-A5B4-CB115102D524}" type="datetimeFigureOut">
               <a:rPr lang="en-US" smtClean="0"/>
-              <a:t>8/5/2022</a:t>
+              <a:t>8/29/2022</a:t>
             </a:fld>
             <a:endParaRPr lang="en-US"/>
           </a:p>
@@ -6051,7 +5926,7 @@
           <a:p>
             <a:fld id="{C3F78080-8D0A-4BE8-A5B4-CB115102D524}" type="datetimeFigureOut">
               <a:rPr lang="en-US" smtClean="0"/>
-              <a:t>8/5/2022</a:t>
+              <a:t>8/29/2022</a:t>
             </a:fld>
             <a:endParaRPr lang="en-US"/>
           </a:p>
@@ -6164,7 +6039,7 @@
           <a:p>
             <a:fld id="{C3F78080-8D0A-4BE8-A5B4-CB115102D524}" type="datetimeFigureOut">
               <a:rPr lang="en-US" smtClean="0"/>
-              <a:t>8/5/2022</a:t>
+              <a:t>8/29/2022</a:t>
             </a:fld>
             <a:endParaRPr lang="en-US"/>
           </a:p>
@@ -6475,7 +6350,7 @@
           <a:p>
             <a:fld id="{C3F78080-8D0A-4BE8-A5B4-CB115102D524}" type="datetimeFigureOut">
               <a:rPr lang="en-US" smtClean="0"/>
-              <a:t>8/5/2022</a:t>
+              <a:t>8/29/2022</a:t>
             </a:fld>
             <a:endParaRPr lang="en-US"/>
           </a:p>
@@ -6763,7 +6638,7 @@
           <a:p>
             <a:fld id="{C3F78080-8D0A-4BE8-A5B4-CB115102D524}" type="datetimeFigureOut">
               <a:rPr lang="en-US" smtClean="0"/>
-              <a:t>8/5/2022</a:t>
+              <a:t>8/29/2022</a:t>
             </a:fld>
             <a:endParaRPr lang="en-US"/>
           </a:p>
@@ -7004,7 +6879,7 @@
           <a:p>
             <a:fld id="{C3F78080-8D0A-4BE8-A5B4-CB115102D524}" type="datetimeFigureOut">
               <a:rPr lang="en-US" smtClean="0"/>
-              <a:t>8/5/2022</a:t>
+              <a:t>8/29/2022</a:t>
             </a:fld>
             <a:endParaRPr lang="en-US"/>
           </a:p>
@@ -7553,326 +7428,6 @@
         </p:nvSpPr>
         <p:spPr>
           <a:xfrm>
-            <a:off x="728420" y="1545870"/>
-            <a:ext cx="10585343" cy="1310754"/>
-          </a:xfrm>
-        </p:spPr>
-        <p:txBody>
-          <a:bodyPr>
-            <a:normAutofit/>
-          </a:bodyPr>
-          <a:lstStyle/>
-          <a:p>
-            <a:pPr marL="0" indent="0" algn="ctr">
-              <a:buNone/>
-            </a:pPr>
-            <a:endParaRPr lang="en-US" dirty="0">
-              <a:latin typeface="Palatino Linotype" panose="02040502050505030304" pitchFamily="18" charset="0"/>
-            </a:endParaRPr>
-          </a:p>
-          <a:p>
-            <a:pPr marL="0" indent="0" algn="ctr">
-              <a:buNone/>
-            </a:pPr>
-            <a:r>
-              <a:rPr lang="en-US" dirty="0">
-                <a:latin typeface="Palatino Linotype" panose="02040502050505030304" pitchFamily="18" charset="0"/>
-              </a:rPr>
-              <a:t>How do you plan to use AI?</a:t>
-            </a:r>
-          </a:p>
-          <a:p>
-            <a:pPr marL="0" indent="0" algn="ctr">
-              <a:buNone/>
-            </a:pPr>
-            <a:endParaRPr lang="en-US" dirty="0">
-              <a:latin typeface="Palatino Linotype" panose="02040502050505030304" pitchFamily="18" charset="0"/>
-            </a:endParaRPr>
-          </a:p>
-        </p:txBody>
-      </p:sp>
-      <p:pic>
-        <p:nvPicPr>
-          <p:cNvPr id="3" name="Picture 2">
-            <a:extLst>
-              <a:ext uri="{FF2B5EF4-FFF2-40B4-BE49-F238E27FC236}">
-                <a16:creationId xmlns:a16="http://schemas.microsoft.com/office/drawing/2014/main" id="{A034AEAE-8D98-4368-AE64-EC0D42A4741C}"/>
-              </a:ext>
-            </a:extLst>
-          </p:cNvPr>
-          <p:cNvPicPr>
-            <a:picLocks noChangeAspect="1"/>
-          </p:cNvPicPr>
-          <p:nvPr/>
-        </p:nvPicPr>
-        <p:blipFill>
-          <a:blip r:embed="rId3">
-            <a:extLst>
-              <a:ext uri="{BEBA8EAE-BF5A-486C-A8C5-ECC9F3942E4B}">
-                <a14:imgProps xmlns:a14="http://schemas.microsoft.com/office/drawing/2010/main">
-                  <a14:imgLayer r:embed="rId4">
-                    <a14:imgEffect>
-                      <a14:colorTemperature colorTemp="11200"/>
-                    </a14:imgEffect>
-                    <a14:imgEffect>
-                      <a14:saturation sat="60000"/>
-                    </a14:imgEffect>
-                  </a14:imgLayer>
-                </a14:imgProps>
-              </a:ext>
-              <a:ext uri="{28A0092B-C50C-407E-A947-70E740481C1C}">
-                <a14:useLocalDpi xmlns:a14="http://schemas.microsoft.com/office/drawing/2010/main" val="0"/>
-              </a:ext>
-            </a:extLst>
-          </a:blip>
-          <a:stretch>
-            <a:fillRect/>
-          </a:stretch>
-        </p:blipFill>
-        <p:spPr>
-          <a:xfrm>
-            <a:off x="4055100" y="523235"/>
-            <a:ext cx="3703754" cy="827416"/>
-          </a:xfrm>
-          <a:prstGeom prst="rect">
-            <a:avLst/>
-          </a:prstGeom>
-        </p:spPr>
-      </p:pic>
-      <p:sp>
-        <p:nvSpPr>
-          <p:cNvPr id="8" name="TextBox 7">
-            <a:extLst>
-              <a:ext uri="{FF2B5EF4-FFF2-40B4-BE49-F238E27FC236}">
-                <a16:creationId xmlns:a16="http://schemas.microsoft.com/office/drawing/2014/main" id="{D7CE6138-14E5-489A-96FA-9F95DC32FDE3}"/>
-              </a:ext>
-            </a:extLst>
-          </p:cNvPr>
-          <p:cNvSpPr txBox="1"/>
-          <p:nvPr/>
-        </p:nvSpPr>
-        <p:spPr>
-          <a:xfrm>
-            <a:off x="4582155" y="4167234"/>
-            <a:ext cx="2693289" cy="461665"/>
-          </a:xfrm>
-          <a:prstGeom prst="rect">
-            <a:avLst/>
-          </a:prstGeom>
-          <a:solidFill>
-            <a:schemeClr val="accent3">
-              <a:lumMod val="20000"/>
-              <a:lumOff val="80000"/>
-            </a:schemeClr>
-          </a:solidFill>
-          <a:ln>
-            <a:solidFill>
-              <a:schemeClr val="tx1">
-                <a:lumMod val="65000"/>
-                <a:lumOff val="35000"/>
-              </a:schemeClr>
-            </a:solidFill>
-          </a:ln>
-          <a:effectLst>
-            <a:outerShdw blurRad="50800" dist="38100" dir="2700000" algn="tl" rotWithShape="0">
-              <a:prstClr val="black">
-                <a:alpha val="40000"/>
-              </a:prstClr>
-            </a:outerShdw>
-          </a:effectLst>
-        </p:spPr>
-        <p:txBody>
-          <a:bodyPr wrap="square" rtlCol="0">
-            <a:spAutoFit/>
-          </a:bodyPr>
-          <a:lstStyle/>
-          <a:p>
-            <a:pPr algn="ctr"/>
-            <a:r>
-              <a:rPr lang="en-US" sz="2400" dirty="0">
-                <a:latin typeface="Palatino Linotype" panose="02040502050505030304" pitchFamily="18" charset="0"/>
-              </a:rPr>
-              <a:t>Research</a:t>
-            </a:r>
-          </a:p>
-        </p:txBody>
-      </p:sp>
-      <p:sp>
-        <p:nvSpPr>
-          <p:cNvPr id="9" name="TextBox 8">
-            <a:extLst>
-              <a:ext uri="{FF2B5EF4-FFF2-40B4-BE49-F238E27FC236}">
-                <a16:creationId xmlns:a16="http://schemas.microsoft.com/office/drawing/2014/main" id="{F58D04D3-2FEB-40E1-8912-8E51B943C806}"/>
-              </a:ext>
-            </a:extLst>
-          </p:cNvPr>
-          <p:cNvSpPr txBox="1"/>
-          <p:nvPr/>
-        </p:nvSpPr>
-        <p:spPr>
-          <a:xfrm>
-            <a:off x="4582155" y="3403139"/>
-            <a:ext cx="2693289" cy="461665"/>
-          </a:xfrm>
-          <a:prstGeom prst="rect">
-            <a:avLst/>
-          </a:prstGeom>
-          <a:solidFill>
-            <a:schemeClr val="accent3">
-              <a:lumMod val="20000"/>
-              <a:lumOff val="80000"/>
-            </a:schemeClr>
-          </a:solidFill>
-          <a:ln>
-            <a:solidFill>
-              <a:schemeClr val="tx1">
-                <a:lumMod val="65000"/>
-                <a:lumOff val="35000"/>
-              </a:schemeClr>
-            </a:solidFill>
-          </a:ln>
-          <a:effectLst>
-            <a:outerShdw blurRad="50800" dist="38100" dir="2700000" algn="tl" rotWithShape="0">
-              <a:prstClr val="black">
-                <a:alpha val="40000"/>
-              </a:prstClr>
-            </a:outerShdw>
-          </a:effectLst>
-        </p:spPr>
-        <p:txBody>
-          <a:bodyPr wrap="square" rtlCol="0">
-            <a:spAutoFit/>
-          </a:bodyPr>
-          <a:lstStyle/>
-          <a:p>
-            <a:pPr algn="ctr"/>
-            <a:r>
-              <a:rPr lang="en-US" sz="2400" dirty="0">
-                <a:latin typeface="Palatino Linotype" panose="02040502050505030304" pitchFamily="18" charset="0"/>
-              </a:rPr>
-              <a:t>Create a Service</a:t>
-            </a:r>
-          </a:p>
-        </p:txBody>
-      </p:sp>
-      <p:sp>
-        <p:nvSpPr>
-          <p:cNvPr id="10" name="TextBox 9">
-            <a:extLst>
-              <a:ext uri="{FF2B5EF4-FFF2-40B4-BE49-F238E27FC236}">
-                <a16:creationId xmlns:a16="http://schemas.microsoft.com/office/drawing/2014/main" id="{F163C85C-E986-4309-BAA4-6A07F26E20F4}"/>
-              </a:ext>
-            </a:extLst>
-          </p:cNvPr>
-          <p:cNvSpPr txBox="1"/>
-          <p:nvPr/>
-        </p:nvSpPr>
-        <p:spPr>
-          <a:xfrm>
-            <a:off x="4582155" y="4941268"/>
-            <a:ext cx="2693289" cy="461665"/>
-          </a:xfrm>
-          <a:prstGeom prst="rect">
-            <a:avLst/>
-          </a:prstGeom>
-          <a:solidFill>
-            <a:schemeClr val="accent3">
-              <a:lumMod val="20000"/>
-              <a:lumOff val="80000"/>
-            </a:schemeClr>
-          </a:solidFill>
-          <a:ln>
-            <a:solidFill>
-              <a:schemeClr val="tx1">
-                <a:lumMod val="65000"/>
-                <a:lumOff val="35000"/>
-              </a:schemeClr>
-            </a:solidFill>
-          </a:ln>
-          <a:effectLst>
-            <a:outerShdw blurRad="50800" dist="38100" dir="2700000" algn="tl" rotWithShape="0">
-              <a:prstClr val="black">
-                <a:alpha val="40000"/>
-              </a:prstClr>
-            </a:outerShdw>
-          </a:effectLst>
-        </p:spPr>
-        <p:txBody>
-          <a:bodyPr wrap="square" rtlCol="0">
-            <a:spAutoFit/>
-          </a:bodyPr>
-          <a:lstStyle/>
-          <a:p>
-            <a:pPr algn="ctr"/>
-            <a:r>
-              <a:rPr lang="en-US" sz="2400" dirty="0">
-                <a:latin typeface="Palatino Linotype" panose="02040502050505030304" pitchFamily="18" charset="0"/>
-              </a:rPr>
-              <a:t>Consult / Teach</a:t>
-            </a:r>
-          </a:p>
-        </p:txBody>
-      </p:sp>
-    </p:spTree>
-    <p:extLst>
-      <p:ext uri="{BB962C8B-B14F-4D97-AF65-F5344CB8AC3E}">
-        <p14:creationId xmlns:p14="http://schemas.microsoft.com/office/powerpoint/2010/main" val="276131639"/>
-      </p:ext>
-    </p:extLst>
-  </p:cSld>
-  <p:clrMapOvr>
-    <a:masterClrMapping/>
-  </p:clrMapOvr>
-  <mc:AlternateContent xmlns:mc="http://schemas.openxmlformats.org/markup-compatibility/2006" xmlns:p14="http://schemas.microsoft.com/office/powerpoint/2010/main">
-    <mc:Choice Requires="p14">
-      <p:transition spd="med" p14:dur="700">
-        <p:fade/>
-      </p:transition>
-    </mc:Choice>
-    <mc:Fallback xmlns="">
-      <p:transition spd="med">
-        <p:fade/>
-      </p:transition>
-    </mc:Fallback>
-  </mc:AlternateContent>
-</p:sld>
-</file>
-
-<file path=ppt/slides/slide11.xml><?xml version="1.0" encoding="utf-8"?>
-<p:sld xmlns:a="http://schemas.openxmlformats.org/drawingml/2006/main" xmlns:r="http://schemas.openxmlformats.org/officeDocument/2006/relationships" xmlns:p="http://schemas.openxmlformats.org/presentationml/2006/main">
-  <p:cSld>
-    <p:spTree>
-      <p:nvGrpSpPr>
-        <p:cNvPr id="1" name=""/>
-        <p:cNvGrpSpPr/>
-        <p:nvPr/>
-      </p:nvGrpSpPr>
-      <p:grpSpPr>
-        <a:xfrm>
-          <a:off x="0" y="0"/>
-          <a:ext cx="0" cy="0"/>
-          <a:chOff x="0" y="0"/>
-          <a:chExt cx="0" cy="0"/>
-        </a:xfrm>
-      </p:grpSpPr>
-      <p:sp>
-        <p:nvSpPr>
-          <p:cNvPr id="5" name="Content Placeholder 4">
-            <a:extLst>
-              <a:ext uri="{FF2B5EF4-FFF2-40B4-BE49-F238E27FC236}">
-                <a16:creationId xmlns:a16="http://schemas.microsoft.com/office/drawing/2014/main" id="{7C82B2FA-DB39-467C-9DC1-245874DCBCF1}"/>
-              </a:ext>
-            </a:extLst>
-          </p:cNvPr>
-          <p:cNvSpPr>
-            <a:spLocks noGrp="1"/>
-          </p:cNvSpPr>
-          <p:nvPr>
-            <p:ph idx="1"/>
-          </p:nvPr>
-        </p:nvSpPr>
-        <p:spPr>
-          <a:xfrm>
             <a:off x="807719" y="1552220"/>
             <a:ext cx="10576561" cy="2350318"/>
           </a:xfrm>
@@ -8087,7 +7642,7 @@
 </p:sld>
 </file>
 
-<file path=ppt/slides/slide12.xml><?xml version="1.0" encoding="utf-8"?>
+<file path=ppt/slides/slide11.xml><?xml version="1.0" encoding="utf-8"?>
 <p:sld xmlns:a="http://schemas.openxmlformats.org/drawingml/2006/main" xmlns:r="http://schemas.openxmlformats.org/officeDocument/2006/relationships" xmlns:p="http://schemas.openxmlformats.org/presentationml/2006/main">
   <p:cSld>
     <p:spTree>
@@ -8213,7 +7768,7 @@
 </p:sld>
 </file>
 
-<file path=ppt/slides/slide13.xml><?xml version="1.0" encoding="utf-8"?>
+<file path=ppt/slides/slide12.xml><?xml version="1.0" encoding="utf-8"?>
 <p:sld xmlns:a="http://schemas.openxmlformats.org/drawingml/2006/main" xmlns:r="http://schemas.openxmlformats.org/officeDocument/2006/relationships" xmlns:p="http://schemas.openxmlformats.org/presentationml/2006/main">
   <p:cSld>
     <p:spTree>
@@ -8327,512 +7882,7 @@
 </p:sld>
 </file>
 
-<file path=ppt/slides/slide14.xml><?xml version="1.0" encoding="utf-8"?>
-<p:sld xmlns:a="http://schemas.openxmlformats.org/drawingml/2006/main" xmlns:r="http://schemas.openxmlformats.org/officeDocument/2006/relationships" xmlns:p="http://schemas.openxmlformats.org/presentationml/2006/main">
-  <p:cSld>
-    <p:spTree>
-      <p:nvGrpSpPr>
-        <p:cNvPr id="1" name=""/>
-        <p:cNvGrpSpPr/>
-        <p:nvPr/>
-      </p:nvGrpSpPr>
-      <p:grpSpPr>
-        <a:xfrm>
-          <a:off x="0" y="0"/>
-          <a:ext cx="0" cy="0"/>
-          <a:chOff x="0" y="0"/>
-          <a:chExt cx="0" cy="0"/>
-        </a:xfrm>
-      </p:grpSpPr>
-      <p:sp>
-        <p:nvSpPr>
-          <p:cNvPr id="6" name="Rectangle 5">
-            <a:extLst>
-              <a:ext uri="{FF2B5EF4-FFF2-40B4-BE49-F238E27FC236}">
-                <a16:creationId xmlns:a16="http://schemas.microsoft.com/office/drawing/2014/main" id="{0AED260D-91FC-4000-B413-7CBF6388F332}"/>
-              </a:ext>
-            </a:extLst>
-          </p:cNvPr>
-          <p:cNvSpPr/>
-          <p:nvPr/>
-        </p:nvSpPr>
-        <p:spPr>
-          <a:xfrm>
-            <a:off x="7242680" y="3866150"/>
-            <a:ext cx="1757894" cy="1050407"/>
-          </a:xfrm>
-          <a:prstGeom prst="rect">
-            <a:avLst/>
-          </a:prstGeom>
-          <a:solidFill>
-            <a:schemeClr val="accent3">
-              <a:lumMod val="20000"/>
-              <a:lumOff val="80000"/>
-            </a:schemeClr>
-          </a:solidFill>
-          <a:ln>
-            <a:solidFill>
-              <a:schemeClr val="tx1">
-                <a:lumMod val="65000"/>
-                <a:lumOff val="35000"/>
-              </a:schemeClr>
-            </a:solidFill>
-          </a:ln>
-          <a:effectLst>
-            <a:outerShdw blurRad="50800" dist="38100" dir="2700000" algn="tl" rotWithShape="0">
-              <a:prstClr val="black">
-                <a:alpha val="40000"/>
-              </a:prstClr>
-            </a:outerShdw>
-          </a:effectLst>
-        </p:spPr>
-        <p:style>
-          <a:lnRef idx="2">
-            <a:schemeClr val="accent1"/>
-          </a:lnRef>
-          <a:fillRef idx="1">
-            <a:schemeClr val="lt1"/>
-          </a:fillRef>
-          <a:effectRef idx="0">
-            <a:schemeClr val="accent1"/>
-          </a:effectRef>
-          <a:fontRef idx="minor">
-            <a:schemeClr val="dk1"/>
-          </a:fontRef>
-        </p:style>
-        <p:txBody>
-          <a:bodyPr tIns="45720" rtlCol="0" anchor="t" anchorCtr="0"/>
-          <a:lstStyle/>
-          <a:p>
-            <a:pPr algn="ctr"/>
-            <a:endParaRPr lang="en-US" dirty="0">
-              <a:latin typeface="Palatino Linotype" panose="02040502050505030304" pitchFamily="18" charset="0"/>
-            </a:endParaRPr>
-          </a:p>
-          <a:p>
-            <a:pPr algn="ctr"/>
-            <a:r>
-              <a:rPr lang="en-US" dirty="0">
-                <a:latin typeface="Palatino Linotype" panose="02040502050505030304" pitchFamily="18" charset="0"/>
-              </a:rPr>
-              <a:t>Other</a:t>
-            </a:r>
-            <a:endParaRPr lang="en-US" dirty="0"/>
-          </a:p>
-        </p:txBody>
-      </p:sp>
-      <p:sp>
-        <p:nvSpPr>
-          <p:cNvPr id="7" name="Rectangle 6">
-            <a:extLst>
-              <a:ext uri="{FF2B5EF4-FFF2-40B4-BE49-F238E27FC236}">
-                <a16:creationId xmlns:a16="http://schemas.microsoft.com/office/drawing/2014/main" id="{E260980E-7AEF-4A9A-8082-EB6FC9E0ED8C}"/>
-              </a:ext>
-            </a:extLst>
-          </p:cNvPr>
-          <p:cNvSpPr/>
-          <p:nvPr/>
-        </p:nvSpPr>
-        <p:spPr>
-          <a:xfrm>
-            <a:off x="4875738" y="2137477"/>
-            <a:ext cx="1757894" cy="1050407"/>
-          </a:xfrm>
-          <a:prstGeom prst="rect">
-            <a:avLst/>
-          </a:prstGeom>
-          <a:solidFill>
-            <a:schemeClr val="accent3">
-              <a:lumMod val="20000"/>
-              <a:lumOff val="80000"/>
-            </a:schemeClr>
-          </a:solidFill>
-          <a:ln>
-            <a:solidFill>
-              <a:schemeClr val="tx1">
-                <a:lumMod val="65000"/>
-                <a:lumOff val="35000"/>
-              </a:schemeClr>
-            </a:solidFill>
-          </a:ln>
-          <a:effectLst>
-            <a:outerShdw blurRad="50800" dist="38100" dir="2700000" algn="tl" rotWithShape="0">
-              <a:prstClr val="black">
-                <a:alpha val="40000"/>
-              </a:prstClr>
-            </a:outerShdw>
-          </a:effectLst>
-        </p:spPr>
-        <p:style>
-          <a:lnRef idx="2">
-            <a:schemeClr val="accent1"/>
-          </a:lnRef>
-          <a:fillRef idx="1">
-            <a:schemeClr val="lt1"/>
-          </a:fillRef>
-          <a:effectRef idx="0">
-            <a:schemeClr val="accent1"/>
-          </a:effectRef>
-          <a:fontRef idx="minor">
-            <a:schemeClr val="dk1"/>
-          </a:fontRef>
-        </p:style>
-        <p:txBody>
-          <a:bodyPr tIns="45720" rtlCol="0" anchor="t" anchorCtr="0"/>
-          <a:lstStyle/>
-          <a:p>
-            <a:pPr algn="ctr"/>
-            <a:endParaRPr lang="en-US" dirty="0">
-              <a:latin typeface="Palatino Linotype" panose="02040502050505030304" pitchFamily="18" charset="0"/>
-            </a:endParaRPr>
-          </a:p>
-          <a:p>
-            <a:pPr algn="ctr"/>
-            <a:r>
-              <a:rPr lang="en-US" dirty="0">
-                <a:latin typeface="Palatino Linotype" panose="02040502050505030304" pitchFamily="18" charset="0"/>
-              </a:rPr>
-              <a:t>Humanities</a:t>
-            </a:r>
-            <a:endParaRPr lang="en-US" dirty="0"/>
-          </a:p>
-        </p:txBody>
-      </p:sp>
-      <p:sp>
-        <p:nvSpPr>
-          <p:cNvPr id="8" name="Rectangle 7">
-            <a:extLst>
-              <a:ext uri="{FF2B5EF4-FFF2-40B4-BE49-F238E27FC236}">
-                <a16:creationId xmlns:a16="http://schemas.microsoft.com/office/drawing/2014/main" id="{0E92874E-9331-4F4C-ABDE-9C086CEA8A60}"/>
-              </a:ext>
-            </a:extLst>
-          </p:cNvPr>
-          <p:cNvSpPr/>
-          <p:nvPr/>
-        </p:nvSpPr>
-        <p:spPr>
-          <a:xfrm>
-            <a:off x="2492373" y="2137477"/>
-            <a:ext cx="1761065" cy="1050407"/>
-          </a:xfrm>
-          <a:prstGeom prst="rect">
-            <a:avLst/>
-          </a:prstGeom>
-          <a:solidFill>
-            <a:schemeClr val="accent3">
-              <a:lumMod val="20000"/>
-              <a:lumOff val="80000"/>
-            </a:schemeClr>
-          </a:solidFill>
-          <a:ln>
-            <a:solidFill>
-              <a:schemeClr val="tx1">
-                <a:lumMod val="65000"/>
-                <a:lumOff val="35000"/>
-              </a:schemeClr>
-            </a:solidFill>
-          </a:ln>
-          <a:effectLst>
-            <a:outerShdw blurRad="50800" dist="38100" dir="2700000" algn="tl" rotWithShape="0">
-              <a:prstClr val="black">
-                <a:alpha val="40000"/>
-              </a:prstClr>
-            </a:outerShdw>
-          </a:effectLst>
-        </p:spPr>
-        <p:style>
-          <a:lnRef idx="2">
-            <a:schemeClr val="accent1"/>
-          </a:lnRef>
-          <a:fillRef idx="1">
-            <a:schemeClr val="lt1"/>
-          </a:fillRef>
-          <a:effectRef idx="0">
-            <a:schemeClr val="accent1"/>
-          </a:effectRef>
-          <a:fontRef idx="minor">
-            <a:schemeClr val="dk1"/>
-          </a:fontRef>
-        </p:style>
-        <p:txBody>
-          <a:bodyPr tIns="45720" rtlCol="0" anchor="t" anchorCtr="0"/>
-          <a:lstStyle/>
-          <a:p>
-            <a:pPr algn="ctr"/>
-            <a:endParaRPr lang="en-US" dirty="0">
-              <a:latin typeface="Palatino Linotype" panose="02040502050505030304" pitchFamily="18" charset="0"/>
-            </a:endParaRPr>
-          </a:p>
-          <a:p>
-            <a:pPr algn="ctr"/>
-            <a:r>
-              <a:rPr lang="en-US" dirty="0">
-                <a:latin typeface="Palatino Linotype" panose="02040502050505030304" pitchFamily="18" charset="0"/>
-              </a:rPr>
-              <a:t>Arts</a:t>
-            </a:r>
-            <a:endParaRPr lang="en-US" dirty="0"/>
-          </a:p>
-        </p:txBody>
-      </p:sp>
-      <p:sp>
-        <p:nvSpPr>
-          <p:cNvPr id="12" name="Rectangle 11">
-            <a:extLst>
-              <a:ext uri="{FF2B5EF4-FFF2-40B4-BE49-F238E27FC236}">
-                <a16:creationId xmlns:a16="http://schemas.microsoft.com/office/drawing/2014/main" id="{8F83821C-3A0E-4A25-A9C8-69146CE3B874}"/>
-              </a:ext>
-            </a:extLst>
-          </p:cNvPr>
-          <p:cNvSpPr/>
-          <p:nvPr/>
-        </p:nvSpPr>
-        <p:spPr>
-          <a:xfrm>
-            <a:off x="2492373" y="3866150"/>
-            <a:ext cx="1757895" cy="1050407"/>
-          </a:xfrm>
-          <a:prstGeom prst="rect">
-            <a:avLst/>
-          </a:prstGeom>
-          <a:solidFill>
-            <a:schemeClr val="accent3">
-              <a:lumMod val="20000"/>
-              <a:lumOff val="80000"/>
-            </a:schemeClr>
-          </a:solidFill>
-          <a:ln>
-            <a:solidFill>
-              <a:schemeClr val="tx1">
-                <a:lumMod val="65000"/>
-                <a:lumOff val="35000"/>
-              </a:schemeClr>
-            </a:solidFill>
-          </a:ln>
-          <a:effectLst>
-            <a:outerShdw blurRad="50800" dist="38100" dir="2700000" algn="tl" rotWithShape="0">
-              <a:prstClr val="black">
-                <a:alpha val="40000"/>
-              </a:prstClr>
-            </a:outerShdw>
-          </a:effectLst>
-        </p:spPr>
-        <p:style>
-          <a:lnRef idx="2">
-            <a:schemeClr val="accent1"/>
-          </a:lnRef>
-          <a:fillRef idx="1">
-            <a:schemeClr val="lt1"/>
-          </a:fillRef>
-          <a:effectRef idx="0">
-            <a:schemeClr val="accent1"/>
-          </a:effectRef>
-          <a:fontRef idx="minor">
-            <a:schemeClr val="dk1"/>
-          </a:fontRef>
-        </p:style>
-        <p:txBody>
-          <a:bodyPr tIns="45720" rtlCol="0" anchor="t" anchorCtr="0"/>
-          <a:lstStyle/>
-          <a:p>
-            <a:pPr algn="ctr"/>
-            <a:endParaRPr lang="en-US" dirty="0">
-              <a:latin typeface="Palatino Linotype" panose="02040502050505030304" pitchFamily="18" charset="0"/>
-            </a:endParaRPr>
-          </a:p>
-          <a:p>
-            <a:pPr algn="ctr"/>
-            <a:r>
-              <a:rPr lang="en-US" dirty="0">
-                <a:latin typeface="Palatino Linotype" panose="02040502050505030304" pitchFamily="18" charset="0"/>
-              </a:rPr>
-              <a:t>Social Science</a:t>
-            </a:r>
-            <a:r>
-              <a:rPr lang="en-US" sz="1600" dirty="0">
-                <a:latin typeface="Palatino Linotype" panose="02040502050505030304" pitchFamily="18" charset="0"/>
-              </a:rPr>
-              <a:t>s</a:t>
-            </a:r>
-            <a:endParaRPr lang="en-US" sz="1600" dirty="0"/>
-          </a:p>
-        </p:txBody>
-      </p:sp>
-      <p:sp>
-        <p:nvSpPr>
-          <p:cNvPr id="14" name="Rectangle 13">
-            <a:extLst>
-              <a:ext uri="{FF2B5EF4-FFF2-40B4-BE49-F238E27FC236}">
-                <a16:creationId xmlns:a16="http://schemas.microsoft.com/office/drawing/2014/main" id="{4294EF1F-50C2-4C3B-80DC-74C7D03E62F6}"/>
-              </a:ext>
-            </a:extLst>
-          </p:cNvPr>
-          <p:cNvSpPr/>
-          <p:nvPr/>
-        </p:nvSpPr>
-        <p:spPr>
-          <a:xfrm>
-            <a:off x="4875738" y="3866150"/>
-            <a:ext cx="1757894" cy="1050407"/>
-          </a:xfrm>
-          <a:prstGeom prst="rect">
-            <a:avLst/>
-          </a:prstGeom>
-          <a:solidFill>
-            <a:schemeClr val="accent3">
-              <a:lumMod val="20000"/>
-              <a:lumOff val="80000"/>
-            </a:schemeClr>
-          </a:solidFill>
-          <a:ln>
-            <a:solidFill>
-              <a:schemeClr val="tx1">
-                <a:lumMod val="65000"/>
-                <a:lumOff val="35000"/>
-              </a:schemeClr>
-            </a:solidFill>
-          </a:ln>
-          <a:effectLst>
-            <a:outerShdw blurRad="50800" dist="38100" dir="2700000" algn="tl" rotWithShape="0">
-              <a:prstClr val="black">
-                <a:alpha val="40000"/>
-              </a:prstClr>
-            </a:outerShdw>
-          </a:effectLst>
-        </p:spPr>
-        <p:style>
-          <a:lnRef idx="2">
-            <a:schemeClr val="accent1"/>
-          </a:lnRef>
-          <a:fillRef idx="1">
-            <a:schemeClr val="lt1"/>
-          </a:fillRef>
-          <a:effectRef idx="0">
-            <a:schemeClr val="accent1"/>
-          </a:effectRef>
-          <a:fontRef idx="minor">
-            <a:schemeClr val="dk1"/>
-          </a:fontRef>
-        </p:style>
-        <p:txBody>
-          <a:bodyPr tIns="45720" rtlCol="0" anchor="t" anchorCtr="0"/>
-          <a:lstStyle/>
-          <a:p>
-            <a:pPr algn="ctr"/>
-            <a:endParaRPr lang="en-US" dirty="0">
-              <a:latin typeface="Palatino Linotype" panose="02040502050505030304" pitchFamily="18" charset="0"/>
-            </a:endParaRPr>
-          </a:p>
-          <a:p>
-            <a:pPr algn="ctr"/>
-            <a:r>
-              <a:rPr lang="en-US" dirty="0">
-                <a:latin typeface="Palatino Linotype" panose="02040502050505030304" pitchFamily="18" charset="0"/>
-              </a:rPr>
-              <a:t>Business</a:t>
-            </a:r>
-            <a:endParaRPr lang="en-US" dirty="0"/>
-          </a:p>
-        </p:txBody>
-      </p:sp>
-      <p:sp>
-        <p:nvSpPr>
-          <p:cNvPr id="16" name="Rectangle 15">
-            <a:extLst>
-              <a:ext uri="{FF2B5EF4-FFF2-40B4-BE49-F238E27FC236}">
-                <a16:creationId xmlns:a16="http://schemas.microsoft.com/office/drawing/2014/main" id="{D641EAC9-1F0C-490E-A240-22DFF4823135}"/>
-              </a:ext>
-            </a:extLst>
-          </p:cNvPr>
-          <p:cNvSpPr/>
-          <p:nvPr/>
-        </p:nvSpPr>
-        <p:spPr>
-          <a:xfrm>
-            <a:off x="7255932" y="2137477"/>
-            <a:ext cx="1757894" cy="1050407"/>
-          </a:xfrm>
-          <a:prstGeom prst="rect">
-            <a:avLst/>
-          </a:prstGeom>
-          <a:solidFill>
-            <a:schemeClr val="accent3">
-              <a:lumMod val="20000"/>
-              <a:lumOff val="80000"/>
-            </a:schemeClr>
-          </a:solidFill>
-          <a:ln>
-            <a:solidFill>
-              <a:schemeClr val="tx1">
-                <a:lumMod val="65000"/>
-                <a:lumOff val="35000"/>
-              </a:schemeClr>
-            </a:solidFill>
-          </a:ln>
-          <a:effectLst>
-            <a:outerShdw blurRad="50800" dist="38100" dir="2700000" algn="tl" rotWithShape="0">
-              <a:prstClr val="black">
-                <a:alpha val="40000"/>
-              </a:prstClr>
-            </a:outerShdw>
-          </a:effectLst>
-        </p:spPr>
-        <p:style>
-          <a:lnRef idx="2">
-            <a:schemeClr val="accent1"/>
-          </a:lnRef>
-          <a:fillRef idx="1">
-            <a:schemeClr val="lt1"/>
-          </a:fillRef>
-          <a:effectRef idx="0">
-            <a:schemeClr val="accent1"/>
-          </a:effectRef>
-          <a:fontRef idx="minor">
-            <a:schemeClr val="dk1"/>
-          </a:fontRef>
-        </p:style>
-        <p:txBody>
-          <a:bodyPr tIns="45720" rtlCol="0" anchor="t" anchorCtr="0"/>
-          <a:lstStyle/>
-          <a:p>
-            <a:pPr algn="ctr"/>
-            <a:endParaRPr lang="en-US" dirty="0"/>
-          </a:p>
-          <a:p>
-            <a:pPr algn="ctr"/>
-            <a:r>
-              <a:rPr lang="en-US" dirty="0"/>
-              <a:t>Science</a:t>
-            </a:r>
-          </a:p>
-        </p:txBody>
-      </p:sp>
-    </p:spTree>
-    <p:extLst>
-      <p:ext uri="{BB962C8B-B14F-4D97-AF65-F5344CB8AC3E}">
-        <p14:creationId xmlns:p14="http://schemas.microsoft.com/office/powerpoint/2010/main" val="1077570755"/>
-      </p:ext>
-    </p:extLst>
-  </p:cSld>
-  <p:clrMapOvr>
-    <a:masterClrMapping/>
-  </p:clrMapOvr>
-  <mc:AlternateContent xmlns:mc="http://schemas.openxmlformats.org/markup-compatibility/2006" xmlns:p14="http://schemas.microsoft.com/office/powerpoint/2010/main">
-    <mc:Choice Requires="p14">
-      <p:transition spd="med" p14:dur="700">
-        <p:fade/>
-      </p:transition>
-    </mc:Choice>
-    <mc:Fallback xmlns="">
-      <p:transition spd="med">
-        <p:fade/>
-      </p:transition>
-    </mc:Fallback>
-  </mc:AlternateContent>
-</p:sld>
-</file>
-
-<file path=ppt/slides/slide15.xml><?xml version="1.0" encoding="utf-8"?>
+<file path=ppt/slides/slide13.xml><?xml version="1.0" encoding="utf-8"?>
 <p:sld xmlns:a="http://schemas.openxmlformats.org/drawingml/2006/main" xmlns:r="http://schemas.openxmlformats.org/officeDocument/2006/relationships" xmlns:p="http://schemas.openxmlformats.org/presentationml/2006/main">
   <p:cSld>
     <p:spTree>
@@ -8976,7 +8026,7 @@
 </p:sld>
 </file>
 
-<file path=ppt/slides/slide16.xml><?xml version="1.0" encoding="utf-8"?>
+<file path=ppt/slides/slide14.xml><?xml version="1.0" encoding="utf-8"?>
 <p:sld xmlns:a="http://schemas.openxmlformats.org/drawingml/2006/main" xmlns:r="http://schemas.openxmlformats.org/officeDocument/2006/relationships" xmlns:p="http://schemas.openxmlformats.org/presentationml/2006/main">
   <p:cSld>
     <p:spTree>
@@ -8993,12 +8043,42 @@
           <a:chExt cx="0" cy="0"/>
         </a:xfrm>
       </p:grpSpPr>
-      <p:sp>
-        <p:nvSpPr>
-          <p:cNvPr id="5" name="TextBox 4">
+      <p:pic>
+        <p:nvPicPr>
+          <p:cNvPr id="9" name="Picture 8">
             <a:extLst>
               <a:ext uri="{FF2B5EF4-FFF2-40B4-BE49-F238E27FC236}">
-                <a16:creationId xmlns:a16="http://schemas.microsoft.com/office/drawing/2014/main" id="{49DE9140-1A1A-4082-B612-87667D22C9EB}"/>
+                <a16:creationId xmlns:a16="http://schemas.microsoft.com/office/drawing/2014/main" id="{29E04617-8646-9172-AC63-5877BBA27634}"/>
+              </a:ext>
+            </a:extLst>
+          </p:cNvPr>
+          <p:cNvPicPr>
+            <a:picLocks noChangeAspect="1"/>
+          </p:cNvPicPr>
+          <p:nvPr/>
+        </p:nvPicPr>
+        <p:blipFill>
+          <a:blip r:embed="rId3"/>
+          <a:stretch>
+            <a:fillRect/>
+          </a:stretch>
+        </p:blipFill>
+        <p:spPr>
+          <a:xfrm>
+            <a:off x="674231" y="875568"/>
+            <a:ext cx="6277445" cy="5587770"/>
+          </a:xfrm>
+          <a:prstGeom prst="rect">
+            <a:avLst/>
+          </a:prstGeom>
+        </p:spPr>
+      </p:pic>
+      <p:sp>
+        <p:nvSpPr>
+          <p:cNvPr id="3" name="TextBox 2">
+            <a:extLst>
+              <a:ext uri="{FF2B5EF4-FFF2-40B4-BE49-F238E27FC236}">
+                <a16:creationId xmlns:a16="http://schemas.microsoft.com/office/drawing/2014/main" id="{10E624FE-7450-26DA-2C65-704FB4551A4A}"/>
               </a:ext>
             </a:extLst>
           </p:cNvPr>
@@ -9007,7 +8087,7 @@
         </p:nvSpPr>
         <p:spPr>
           <a:xfrm>
-            <a:off x="3575139" y="423682"/>
+            <a:off x="2992538" y="79995"/>
             <a:ext cx="2024913" cy="400110"/>
           </a:xfrm>
           <a:prstGeom prst="rect">
@@ -9022,7 +8102,7 @@
           <a:lstStyle/>
           <a:p>
             <a:r>
-              <a:rPr lang="en-US" sz="2000" dirty="0">
+              <a:rPr lang="en-US" sz="2000" b="1" dirty="0">
                 <a:solidFill>
                   <a:schemeClr val="tx1">
                     <a:lumMod val="65000"/>
@@ -9038,10 +8118,10 @@
       </p:sp>
       <p:sp>
         <p:nvSpPr>
-          <p:cNvPr id="6" name="TextBox 5">
+          <p:cNvPr id="4" name="TextBox 3">
             <a:extLst>
               <a:ext uri="{FF2B5EF4-FFF2-40B4-BE49-F238E27FC236}">
-                <a16:creationId xmlns:a16="http://schemas.microsoft.com/office/drawing/2014/main" id="{1D7FB243-81F9-4BF4-B6AE-550097A90DEA}"/>
+                <a16:creationId xmlns:a16="http://schemas.microsoft.com/office/drawing/2014/main" id="{D94B8F8A-6191-17A9-B9F8-C39BDA23DA40}"/>
               </a:ext>
             </a:extLst>
           </p:cNvPr>
@@ -9050,7 +8130,7 @@
         </p:nvSpPr>
         <p:spPr>
           <a:xfrm>
-            <a:off x="6101031" y="423682"/>
+            <a:off x="8187006" y="92995"/>
             <a:ext cx="2317173" cy="400110"/>
           </a:xfrm>
           <a:prstGeom prst="rect">
@@ -9065,7 +8145,7 @@
           <a:lstStyle/>
           <a:p>
             <a:r>
-              <a:rPr lang="en-US" sz="2000" dirty="0">
+              <a:rPr lang="en-US" sz="2000" b="1" dirty="0">
                 <a:solidFill>
                   <a:schemeClr val="tx1">
                     <a:lumMod val="65000"/>
@@ -9081,10 +8161,10 @@
       </p:sp>
       <p:cxnSp>
         <p:nvCxnSpPr>
-          <p:cNvPr id="7" name="Straight Arrow Connector 6">
+          <p:cNvPr id="5" name="Straight Arrow Connector 4">
             <a:extLst>
               <a:ext uri="{FF2B5EF4-FFF2-40B4-BE49-F238E27FC236}">
-                <a16:creationId xmlns:a16="http://schemas.microsoft.com/office/drawing/2014/main" id="{4B1E32A2-FF75-4533-A42F-10984FEC9752}"/>
+                <a16:creationId xmlns:a16="http://schemas.microsoft.com/office/drawing/2014/main" id="{9AA17EE3-DC2B-8EE5-C9C0-B8FDF12D667B}"/>
               </a:ext>
             </a:extLst>
           </p:cNvPr>
@@ -9094,9 +8174,9 @@
           <p:nvPr/>
         </p:nvCxnSpPr>
         <p:spPr>
-          <a:xfrm flipV="1">
-            <a:off x="1718208" y="793145"/>
-            <a:ext cx="8206169" cy="11527"/>
+          <a:xfrm>
+            <a:off x="751114" y="591073"/>
+            <a:ext cx="11008687" cy="19705"/>
           </a:xfrm>
           <a:prstGeom prst="straightConnector1">
             <a:avLst/>
@@ -9110,8 +8190,8 @@
             </a:solidFill>
             <a:prstDash val="solid"/>
             <a:round/>
-            <a:headEnd type="arrow" w="med" len="med"/>
-            <a:tailEnd type="arrow" w="med" len="med"/>
+            <a:headEnd type="none" w="lg" len="med"/>
+            <a:tailEnd type="none" w="lg" len="med"/>
           </a:ln>
         </p:spPr>
         <p:style>
@@ -9129,42 +8209,12 @@
           </a:fontRef>
         </p:style>
       </p:cxnSp>
-      <p:pic>
-        <p:nvPicPr>
-          <p:cNvPr id="8" name="Picture 7">
+      <p:sp>
+        <p:nvSpPr>
+          <p:cNvPr id="8" name="Rectangle 7">
             <a:extLst>
               <a:ext uri="{FF2B5EF4-FFF2-40B4-BE49-F238E27FC236}">
-                <a16:creationId xmlns:a16="http://schemas.microsoft.com/office/drawing/2014/main" id="{4B71B2D1-5C5A-41E0-AE33-9AF35016095D}"/>
-              </a:ext>
-            </a:extLst>
-          </p:cNvPr>
-          <p:cNvPicPr>
-            <a:picLocks noChangeAspect="1"/>
-          </p:cNvPicPr>
-          <p:nvPr/>
-        </p:nvPicPr>
-        <p:blipFill>
-          <a:blip r:embed="rId3"/>
-          <a:stretch>
-            <a:fillRect/>
-          </a:stretch>
-        </p:blipFill>
-        <p:spPr>
-          <a:xfrm>
-            <a:off x="1816534" y="1082969"/>
-            <a:ext cx="8535951" cy="5644261"/>
-          </a:xfrm>
-          <a:prstGeom prst="rect">
-            <a:avLst/>
-          </a:prstGeom>
-        </p:spPr>
-      </p:pic>
-      <p:sp>
-        <p:nvSpPr>
-          <p:cNvPr id="2" name="Rectangle 1">
-            <a:extLst>
-              <a:ext uri="{FF2B5EF4-FFF2-40B4-BE49-F238E27FC236}">
-                <a16:creationId xmlns:a16="http://schemas.microsoft.com/office/drawing/2014/main" id="{F00CC681-0C25-48B2-951D-26BD21A9BEEF}"/>
+                <a16:creationId xmlns:a16="http://schemas.microsoft.com/office/drawing/2014/main" id="{CED3FFDF-EDAE-6E06-A721-0A49200D9235}"/>
               </a:ext>
             </a:extLst>
           </p:cNvPr>
@@ -9173,8 +8223,8 @@
         </p:nvSpPr>
         <p:spPr>
           <a:xfrm>
-            <a:off x="5747664" y="103744"/>
-            <a:ext cx="5340626" cy="6650514"/>
+            <a:off x="7372342" y="799387"/>
+            <a:ext cx="4187311" cy="5831506"/>
           </a:xfrm>
           <a:prstGeom prst="rect">
             <a:avLst/>
@@ -9218,7 +8268,7 @@
           <a:p>
             <a:r>
               <a:rPr lang="en-US" sz="2000" i="1" dirty="0"/>
-              <a:t>                                                                </a:t>
+              <a:t>                                           </a:t>
             </a:r>
             <a:r>
               <a:rPr lang="en-US" sz="2000" b="1" i="1" dirty="0">
@@ -9234,28 +8284,428 @@
           </a:p>
         </p:txBody>
       </p:sp>
+      <p:cxnSp>
+        <p:nvCxnSpPr>
+          <p:cNvPr id="12" name="Straight Connector 11">
+            <a:extLst>
+              <a:ext uri="{FF2B5EF4-FFF2-40B4-BE49-F238E27FC236}">
+                <a16:creationId xmlns:a16="http://schemas.microsoft.com/office/drawing/2014/main" id="{6EF5F8D0-80C3-D25C-88D9-EE6F7D1DBEC2}"/>
+              </a:ext>
+            </a:extLst>
+          </p:cNvPr>
+          <p:cNvCxnSpPr>
+            <a:cxnSpLocks/>
+          </p:cNvCxnSpPr>
+          <p:nvPr/>
+        </p:nvCxnSpPr>
+        <p:spPr>
+          <a:xfrm>
+            <a:off x="6937570" y="3942912"/>
+            <a:ext cx="629090" cy="0"/>
+          </a:xfrm>
+          <a:prstGeom prst="line">
+            <a:avLst/>
+          </a:prstGeom>
+          <a:ln w="12700">
+            <a:solidFill>
+              <a:schemeClr val="tx1">
+                <a:lumMod val="75000"/>
+                <a:lumOff val="25000"/>
+              </a:schemeClr>
+            </a:solidFill>
+            <a:tailEnd type="oval"/>
+          </a:ln>
+        </p:spPr>
+        <p:style>
+          <a:lnRef idx="1">
+            <a:schemeClr val="accent1"/>
+          </a:lnRef>
+          <a:fillRef idx="0">
+            <a:schemeClr val="accent1"/>
+          </a:fillRef>
+          <a:effectRef idx="0">
+            <a:schemeClr val="accent1"/>
+          </a:effectRef>
+          <a:fontRef idx="minor">
+            <a:schemeClr val="tx1"/>
+          </a:fontRef>
+        </p:style>
+      </p:cxnSp>
+      <p:sp>
+        <p:nvSpPr>
+          <p:cNvPr id="21" name="Hexagon 20">
+            <a:extLst>
+              <a:ext uri="{FF2B5EF4-FFF2-40B4-BE49-F238E27FC236}">
+                <a16:creationId xmlns:a16="http://schemas.microsoft.com/office/drawing/2014/main" id="{CB6B5E4C-073B-EBDC-5FE9-72001DD4DB04}"/>
+              </a:ext>
+            </a:extLst>
+          </p:cNvPr>
+          <p:cNvSpPr/>
+          <p:nvPr/>
+        </p:nvSpPr>
+        <p:spPr>
+          <a:xfrm>
+            <a:off x="7707829" y="2547706"/>
+            <a:ext cx="1223329" cy="1005840"/>
+          </a:xfrm>
+          <a:prstGeom prst="hexagon">
+            <a:avLst/>
+          </a:prstGeom>
+          <a:solidFill>
+            <a:schemeClr val="accent4">
+              <a:lumMod val="20000"/>
+              <a:lumOff val="80000"/>
+            </a:schemeClr>
+          </a:solidFill>
+        </p:spPr>
+        <p:style>
+          <a:lnRef idx="2">
+            <a:schemeClr val="accent1">
+              <a:shade val="50000"/>
+            </a:schemeClr>
+          </a:lnRef>
+          <a:fillRef idx="1">
+            <a:schemeClr val="accent1"/>
+          </a:fillRef>
+          <a:effectRef idx="0">
+            <a:schemeClr val="accent1"/>
+          </a:effectRef>
+          <a:fontRef idx="minor">
+            <a:schemeClr val="lt1"/>
+          </a:fontRef>
+        </p:style>
+        <p:txBody>
+          <a:bodyPr rtlCol="0" anchor="ctr"/>
+          <a:lstStyle/>
+          <a:p>
+            <a:pPr algn="ctr"/>
+            <a:r>
+              <a:rPr lang="en-US" sz="1600" dirty="0">
+                <a:solidFill>
+                  <a:schemeClr val="tx1"/>
+                </a:solidFill>
+              </a:rPr>
+              <a:t>Time Series</a:t>
+            </a:r>
+          </a:p>
+        </p:txBody>
+      </p:sp>
+      <p:sp>
+        <p:nvSpPr>
+          <p:cNvPr id="22" name="Hexagon 21">
+            <a:extLst>
+              <a:ext uri="{FF2B5EF4-FFF2-40B4-BE49-F238E27FC236}">
+                <a16:creationId xmlns:a16="http://schemas.microsoft.com/office/drawing/2014/main" id="{E80BB2AF-A9D2-7E61-348C-FE44B2441EAB}"/>
+              </a:ext>
+            </a:extLst>
+          </p:cNvPr>
+          <p:cNvSpPr/>
+          <p:nvPr/>
+        </p:nvSpPr>
+        <p:spPr>
+          <a:xfrm>
+            <a:off x="8796867" y="4321755"/>
+            <a:ext cx="1223329" cy="1005839"/>
+          </a:xfrm>
+          <a:prstGeom prst="hexagon">
+            <a:avLst/>
+          </a:prstGeom>
+          <a:solidFill>
+            <a:schemeClr val="accent4">
+              <a:lumMod val="20000"/>
+              <a:lumOff val="80000"/>
+            </a:schemeClr>
+          </a:solidFill>
+        </p:spPr>
+        <p:style>
+          <a:lnRef idx="2">
+            <a:schemeClr val="accent1">
+              <a:shade val="50000"/>
+            </a:schemeClr>
+          </a:lnRef>
+          <a:fillRef idx="1">
+            <a:schemeClr val="accent1"/>
+          </a:fillRef>
+          <a:effectRef idx="0">
+            <a:schemeClr val="accent1"/>
+          </a:effectRef>
+          <a:fontRef idx="minor">
+            <a:schemeClr val="lt1"/>
+          </a:fontRef>
+        </p:style>
+        <p:txBody>
+          <a:bodyPr rtlCol="0" anchor="ctr"/>
+          <a:lstStyle/>
+          <a:p>
+            <a:pPr algn="ctr"/>
+            <a:r>
+              <a:rPr lang="en-US" sz="1600" dirty="0">
+                <a:solidFill>
+                  <a:schemeClr val="tx1"/>
+                </a:solidFill>
+              </a:rPr>
+              <a:t>Image</a:t>
+            </a:r>
+          </a:p>
+          <a:p>
+            <a:pPr algn="ctr"/>
+            <a:r>
+              <a:rPr lang="en-US" sz="1600" dirty="0">
+                <a:solidFill>
+                  <a:schemeClr val="tx1"/>
+                </a:solidFill>
+              </a:rPr>
+              <a:t>Process</a:t>
+            </a:r>
+          </a:p>
+        </p:txBody>
+      </p:sp>
+      <p:sp>
+        <p:nvSpPr>
+          <p:cNvPr id="23" name="Hexagon 22">
+            <a:extLst>
+              <a:ext uri="{FF2B5EF4-FFF2-40B4-BE49-F238E27FC236}">
+                <a16:creationId xmlns:a16="http://schemas.microsoft.com/office/drawing/2014/main" id="{27BA2733-C5D3-AD04-6ED3-386608944D0F}"/>
+              </a:ext>
+            </a:extLst>
+          </p:cNvPr>
+          <p:cNvSpPr/>
+          <p:nvPr/>
+        </p:nvSpPr>
+        <p:spPr>
+          <a:xfrm>
+            <a:off x="8796868" y="3152986"/>
+            <a:ext cx="1223329" cy="1005840"/>
+          </a:xfrm>
+          <a:prstGeom prst="hexagon">
+            <a:avLst/>
+          </a:prstGeom>
+          <a:solidFill>
+            <a:schemeClr val="accent4">
+              <a:lumMod val="20000"/>
+              <a:lumOff val="80000"/>
+            </a:schemeClr>
+          </a:solidFill>
+        </p:spPr>
+        <p:style>
+          <a:lnRef idx="2">
+            <a:schemeClr val="accent1">
+              <a:shade val="50000"/>
+            </a:schemeClr>
+          </a:lnRef>
+          <a:fillRef idx="1">
+            <a:schemeClr val="accent1"/>
+          </a:fillRef>
+          <a:effectRef idx="0">
+            <a:schemeClr val="accent1"/>
+          </a:effectRef>
+          <a:fontRef idx="minor">
+            <a:schemeClr val="lt1"/>
+          </a:fontRef>
+        </p:style>
+        <p:txBody>
+          <a:bodyPr rtlCol="0" anchor="ctr"/>
+          <a:lstStyle/>
+          <a:p>
+            <a:pPr algn="ctr"/>
+            <a:r>
+              <a:rPr lang="en-US" sz="1600" dirty="0">
+                <a:solidFill>
+                  <a:schemeClr val="tx1"/>
+                </a:solidFill>
+              </a:rPr>
+              <a:t>Data Science</a:t>
+            </a:r>
+          </a:p>
+        </p:txBody>
+      </p:sp>
+      <p:sp>
+        <p:nvSpPr>
+          <p:cNvPr id="24" name="Hexagon 23">
+            <a:extLst>
+              <a:ext uri="{FF2B5EF4-FFF2-40B4-BE49-F238E27FC236}">
+                <a16:creationId xmlns:a16="http://schemas.microsoft.com/office/drawing/2014/main" id="{66288A2F-0EAD-A277-FA55-886190D8AF4F}"/>
+              </a:ext>
+            </a:extLst>
+          </p:cNvPr>
+          <p:cNvSpPr/>
+          <p:nvPr/>
+        </p:nvSpPr>
+        <p:spPr>
+          <a:xfrm>
+            <a:off x="7650998" y="3713101"/>
+            <a:ext cx="1223329" cy="1005840"/>
+          </a:xfrm>
+          <a:prstGeom prst="hexagon">
+            <a:avLst/>
+          </a:prstGeom>
+          <a:solidFill>
+            <a:schemeClr val="accent4">
+              <a:lumMod val="20000"/>
+              <a:lumOff val="80000"/>
+            </a:schemeClr>
+          </a:solidFill>
+        </p:spPr>
+        <p:style>
+          <a:lnRef idx="2">
+            <a:schemeClr val="accent1">
+              <a:shade val="50000"/>
+            </a:schemeClr>
+          </a:lnRef>
+          <a:fillRef idx="1">
+            <a:schemeClr val="accent1"/>
+          </a:fillRef>
+          <a:effectRef idx="0">
+            <a:schemeClr val="accent1"/>
+          </a:effectRef>
+          <a:fontRef idx="minor">
+            <a:schemeClr val="lt1"/>
+          </a:fontRef>
+        </p:style>
+        <p:txBody>
+          <a:bodyPr rtlCol="0" anchor="ctr"/>
+          <a:lstStyle/>
+          <a:p>
+            <a:pPr algn="ctr"/>
+            <a:r>
+              <a:rPr lang="en-US" sz="1600" dirty="0">
+                <a:solidFill>
+                  <a:schemeClr val="tx1"/>
+                </a:solidFill>
+              </a:rPr>
+              <a:t>NLP</a:t>
+            </a:r>
+          </a:p>
+        </p:txBody>
+      </p:sp>
+      <p:sp>
+        <p:nvSpPr>
+          <p:cNvPr id="25" name="Hexagon 24">
+            <a:extLst>
+              <a:ext uri="{FF2B5EF4-FFF2-40B4-BE49-F238E27FC236}">
+                <a16:creationId xmlns:a16="http://schemas.microsoft.com/office/drawing/2014/main" id="{023F0A05-0E0F-FEF3-E23B-0D1AD81A15CC}"/>
+              </a:ext>
+            </a:extLst>
+          </p:cNvPr>
+          <p:cNvSpPr/>
+          <p:nvPr/>
+        </p:nvSpPr>
+        <p:spPr>
+          <a:xfrm>
+            <a:off x="9931306" y="3761005"/>
+            <a:ext cx="1223329" cy="1005840"/>
+          </a:xfrm>
+          <a:prstGeom prst="hexagon">
+            <a:avLst/>
+          </a:prstGeom>
+          <a:solidFill>
+            <a:schemeClr val="accent4">
+              <a:lumMod val="20000"/>
+              <a:lumOff val="80000"/>
+            </a:schemeClr>
+          </a:solidFill>
+        </p:spPr>
+        <p:style>
+          <a:lnRef idx="2">
+            <a:schemeClr val="accent1">
+              <a:shade val="50000"/>
+            </a:schemeClr>
+          </a:lnRef>
+          <a:fillRef idx="1">
+            <a:schemeClr val="accent1"/>
+          </a:fillRef>
+          <a:effectRef idx="0">
+            <a:schemeClr val="accent1"/>
+          </a:effectRef>
+          <a:fontRef idx="minor">
+            <a:schemeClr val="lt1"/>
+          </a:fontRef>
+        </p:style>
+        <p:txBody>
+          <a:bodyPr rtlCol="0" anchor="ctr"/>
+          <a:lstStyle/>
+          <a:p>
+            <a:pPr algn="ctr"/>
+            <a:r>
+              <a:rPr lang="en-US" sz="1600" dirty="0">
+                <a:solidFill>
+                  <a:schemeClr val="tx1"/>
+                </a:solidFill>
+              </a:rPr>
+              <a:t>Video</a:t>
+            </a:r>
+          </a:p>
+        </p:txBody>
+      </p:sp>
+      <p:sp>
+        <p:nvSpPr>
+          <p:cNvPr id="26" name="Hexagon 25">
+            <a:extLst>
+              <a:ext uri="{FF2B5EF4-FFF2-40B4-BE49-F238E27FC236}">
+                <a16:creationId xmlns:a16="http://schemas.microsoft.com/office/drawing/2014/main" id="{83742763-3307-7153-2B19-26F75E03968D}"/>
+              </a:ext>
+            </a:extLst>
+          </p:cNvPr>
+          <p:cNvSpPr/>
+          <p:nvPr/>
+        </p:nvSpPr>
+        <p:spPr>
+          <a:xfrm>
+            <a:off x="9908023" y="2582801"/>
+            <a:ext cx="1269897" cy="1005840"/>
+          </a:xfrm>
+          <a:prstGeom prst="hexagon">
+            <a:avLst/>
+          </a:prstGeom>
+          <a:solidFill>
+            <a:schemeClr val="accent4">
+              <a:lumMod val="20000"/>
+              <a:lumOff val="80000"/>
+            </a:schemeClr>
+          </a:solidFill>
+        </p:spPr>
+        <p:style>
+          <a:lnRef idx="2">
+            <a:schemeClr val="accent1">
+              <a:shade val="50000"/>
+            </a:schemeClr>
+          </a:lnRef>
+          <a:fillRef idx="1">
+            <a:schemeClr val="accent1"/>
+          </a:fillRef>
+          <a:effectRef idx="0">
+            <a:schemeClr val="accent1"/>
+          </a:effectRef>
+          <a:fontRef idx="minor">
+            <a:schemeClr val="lt1"/>
+          </a:fontRef>
+        </p:style>
+        <p:txBody>
+          <a:bodyPr rtlCol="0" anchor="ctr"/>
+          <a:lstStyle/>
+          <a:p>
+            <a:pPr algn="ctr"/>
+            <a:r>
+              <a:rPr lang="en-US" sz="1600" dirty="0">
+                <a:solidFill>
+                  <a:schemeClr val="tx1"/>
+                </a:solidFill>
+              </a:rPr>
+              <a:t>Creative</a:t>
+            </a:r>
+          </a:p>
+        </p:txBody>
+      </p:sp>
     </p:spTree>
     <p:extLst>
       <p:ext uri="{BB962C8B-B14F-4D97-AF65-F5344CB8AC3E}">
-        <p14:creationId xmlns:p14="http://schemas.microsoft.com/office/powerpoint/2010/main" val="3988138138"/>
+        <p14:creationId xmlns:p14="http://schemas.microsoft.com/office/powerpoint/2010/main" val="104182956"/>
       </p:ext>
     </p:extLst>
   </p:cSld>
   <p:clrMapOvr>
     <a:masterClrMapping/>
   </p:clrMapOvr>
-  <mc:AlternateContent xmlns:mc="http://schemas.openxmlformats.org/markup-compatibility/2006" xmlns:p14="http://schemas.microsoft.com/office/powerpoint/2010/main">
-    <mc:Choice Requires="p14">
-      <p:transition spd="med" p14:dur="700">
-        <p:fade/>
-      </p:transition>
-    </mc:Choice>
-    <mc:Fallback xmlns="">
-      <p:transition spd="med">
-        <p:fade/>
-      </p:transition>
-    </mc:Fallback>
-  </mc:AlternateContent>
   <p:timing>
     <p:tnLst>
       <p:par>
@@ -9290,7 +8740,7 @@
                                           </p:stCondLst>
                                         </p:cTn>
                                         <p:tgtEl>
-                                          <p:spTgt spid="5"/>
+                                          <p:spTgt spid="3"/>
                                         </p:tgtEl>
                                         <p:attrNameLst>
                                           <p:attrName>style.visibility</p:attrName>
@@ -9304,7 +8754,7 @@
                                       <p:cBhvr>
                                         <p:cTn id="7" dur="500"/>
                                         <p:tgtEl>
-                                          <p:spTgt spid="5"/>
+                                          <p:spTgt spid="3"/>
                                         </p:tgtEl>
                                       </p:cBhvr>
                                     </p:animEffect>
@@ -9325,7 +8775,7 @@
                                           </p:stCondLst>
                                         </p:cTn>
                                         <p:tgtEl>
-                                          <p:spTgt spid="6"/>
+                                          <p:spTgt spid="4"/>
                                         </p:tgtEl>
                                         <p:attrNameLst>
                                           <p:attrName>style.visibility</p:attrName>
@@ -9339,7 +8789,7 @@
                                       <p:cBhvr>
                                         <p:cTn id="10" dur="500"/>
                                         <p:tgtEl>
-                                          <p:spTgt spid="6"/>
+                                          <p:spTgt spid="4"/>
                                         </p:tgtEl>
                                       </p:cBhvr>
                                     </p:animEffect>
@@ -9360,7 +8810,7 @@
                                           </p:stCondLst>
                                         </p:cTn>
                                         <p:tgtEl>
-                                          <p:spTgt spid="7"/>
+                                          <p:spTgt spid="5"/>
                                         </p:tgtEl>
                                         <p:attrNameLst>
                                           <p:attrName>style.visibility</p:attrName>
@@ -9374,7 +8824,7 @@
                                       <p:cBhvr>
                                         <p:cTn id="13" dur="500"/>
                                         <p:tgtEl>
-                                          <p:spTgt spid="7"/>
+                                          <p:spTgt spid="5"/>
                                         </p:tgtEl>
                                       </p:cBhvr>
                                     </p:animEffect>
@@ -9413,7 +8863,7 @@
                                           </p:stCondLst>
                                         </p:cTn>
                                         <p:tgtEl>
-                                          <p:spTgt spid="2"/>
+                                          <p:spTgt spid="8"/>
                                         </p:tgtEl>
                                         <p:attrNameLst>
                                           <p:attrName>style.visibility</p:attrName>
@@ -9427,7 +8877,7 @@
                                       <p:cBhvr>
                                         <p:cTn id="18" dur="500"/>
                                         <p:tgtEl>
-                                          <p:spTgt spid="2"/>
+                                          <p:spTgt spid="8"/>
                                         </p:tgtEl>
                                       </p:cBhvr>
                                     </p:animEffect>
@@ -9462,15 +8912,15 @@
       </p:par>
     </p:tnLst>
     <p:bldLst>
-      <p:bldP spid="5" grpId="0"/>
-      <p:bldP spid="6" grpId="0"/>
-      <p:bldP spid="2" grpId="0" animBg="1"/>
+      <p:bldP spid="3" grpId="0"/>
+      <p:bldP spid="4" grpId="0"/>
+      <p:bldP spid="8" grpId="0" animBg="1"/>
     </p:bldLst>
   </p:timing>
 </p:sld>
 </file>
 
-<file path=ppt/slides/slide17.xml><?xml version="1.0" encoding="utf-8"?>
+<file path=ppt/slides/slide15.xml><?xml version="1.0" encoding="utf-8"?>
 <p:sld xmlns:a="http://schemas.openxmlformats.org/drawingml/2006/main" xmlns:r="http://schemas.openxmlformats.org/officeDocument/2006/relationships" xmlns:p="http://schemas.openxmlformats.org/presentationml/2006/main">
   <p:cSld>
     <p:spTree>
@@ -10475,7 +9925,7 @@
 </p:sld>
 </file>
 
-<file path=ppt/slides/slide18.xml><?xml version="1.0" encoding="utf-8"?>
+<file path=ppt/slides/slide16.xml><?xml version="1.0" encoding="utf-8"?>
 <p:sld xmlns:a="http://schemas.openxmlformats.org/drawingml/2006/main" xmlns:r="http://schemas.openxmlformats.org/officeDocument/2006/relationships" xmlns:p="http://schemas.openxmlformats.org/presentationml/2006/main">
   <p:cSld>
     <p:spTree>
@@ -10581,7 +10031,7 @@
 </p:sld>
 </file>
 
-<file path=ppt/slides/slide19.xml><?xml version="1.0" encoding="utf-8"?>
+<file path=ppt/slides/slide17.xml><?xml version="1.0" encoding="utf-8"?>
 <p:sld xmlns:a="http://schemas.openxmlformats.org/drawingml/2006/main" xmlns:r="http://schemas.openxmlformats.org/officeDocument/2006/relationships" xmlns:p="http://schemas.openxmlformats.org/presentationml/2006/main">
   <p:cSld>
     <p:spTree>
@@ -10713,512 +10163,7 @@
 </p:sld>
 </file>
 
-<file path=ppt/slides/slide2.xml><?xml version="1.0" encoding="utf-8"?>
-<p:sld xmlns:a="http://schemas.openxmlformats.org/drawingml/2006/main" xmlns:r="http://schemas.openxmlformats.org/officeDocument/2006/relationships" xmlns:p="http://schemas.openxmlformats.org/presentationml/2006/main">
-  <p:cSld>
-    <p:spTree>
-      <p:nvGrpSpPr>
-        <p:cNvPr id="1" name=""/>
-        <p:cNvGrpSpPr/>
-        <p:nvPr/>
-      </p:nvGrpSpPr>
-      <p:grpSpPr>
-        <a:xfrm>
-          <a:off x="0" y="0"/>
-          <a:ext cx="0" cy="0"/>
-          <a:chOff x="0" y="0"/>
-          <a:chExt cx="0" cy="0"/>
-        </a:xfrm>
-      </p:grpSpPr>
-      <p:sp>
-        <p:nvSpPr>
-          <p:cNvPr id="6" name="Rectangle 5">
-            <a:extLst>
-              <a:ext uri="{FF2B5EF4-FFF2-40B4-BE49-F238E27FC236}">
-                <a16:creationId xmlns:a16="http://schemas.microsoft.com/office/drawing/2014/main" id="{0AED260D-91FC-4000-B413-7CBF6388F332}"/>
-              </a:ext>
-            </a:extLst>
-          </p:cNvPr>
-          <p:cNvSpPr/>
-          <p:nvPr/>
-        </p:nvSpPr>
-        <p:spPr>
-          <a:xfrm>
-            <a:off x="7242680" y="3866150"/>
-            <a:ext cx="1757894" cy="1050407"/>
-          </a:xfrm>
-          <a:prstGeom prst="rect">
-            <a:avLst/>
-          </a:prstGeom>
-          <a:solidFill>
-            <a:schemeClr val="accent3">
-              <a:lumMod val="20000"/>
-              <a:lumOff val="80000"/>
-            </a:schemeClr>
-          </a:solidFill>
-          <a:ln>
-            <a:solidFill>
-              <a:schemeClr val="tx1">
-                <a:lumMod val="65000"/>
-                <a:lumOff val="35000"/>
-              </a:schemeClr>
-            </a:solidFill>
-          </a:ln>
-          <a:effectLst>
-            <a:outerShdw blurRad="50800" dist="38100" dir="2700000" algn="tl" rotWithShape="0">
-              <a:prstClr val="black">
-                <a:alpha val="40000"/>
-              </a:prstClr>
-            </a:outerShdw>
-          </a:effectLst>
-        </p:spPr>
-        <p:style>
-          <a:lnRef idx="2">
-            <a:schemeClr val="accent1"/>
-          </a:lnRef>
-          <a:fillRef idx="1">
-            <a:schemeClr val="lt1"/>
-          </a:fillRef>
-          <a:effectRef idx="0">
-            <a:schemeClr val="accent1"/>
-          </a:effectRef>
-          <a:fontRef idx="minor">
-            <a:schemeClr val="dk1"/>
-          </a:fontRef>
-        </p:style>
-        <p:txBody>
-          <a:bodyPr tIns="45720" rtlCol="0" anchor="t" anchorCtr="0"/>
-          <a:lstStyle/>
-          <a:p>
-            <a:pPr algn="ctr"/>
-            <a:endParaRPr lang="en-US" dirty="0">
-              <a:latin typeface="Palatino Linotype" panose="02040502050505030304" pitchFamily="18" charset="0"/>
-            </a:endParaRPr>
-          </a:p>
-          <a:p>
-            <a:pPr algn="ctr"/>
-            <a:r>
-              <a:rPr lang="en-US" dirty="0">
-                <a:latin typeface="Palatino Linotype" panose="02040502050505030304" pitchFamily="18" charset="0"/>
-              </a:rPr>
-              <a:t>Other</a:t>
-            </a:r>
-            <a:endParaRPr lang="en-US" dirty="0"/>
-          </a:p>
-        </p:txBody>
-      </p:sp>
-      <p:sp>
-        <p:nvSpPr>
-          <p:cNvPr id="7" name="Rectangle 6">
-            <a:extLst>
-              <a:ext uri="{FF2B5EF4-FFF2-40B4-BE49-F238E27FC236}">
-                <a16:creationId xmlns:a16="http://schemas.microsoft.com/office/drawing/2014/main" id="{E260980E-7AEF-4A9A-8082-EB6FC9E0ED8C}"/>
-              </a:ext>
-            </a:extLst>
-          </p:cNvPr>
-          <p:cNvSpPr/>
-          <p:nvPr/>
-        </p:nvSpPr>
-        <p:spPr>
-          <a:xfrm>
-            <a:off x="4875738" y="2137477"/>
-            <a:ext cx="1757894" cy="1050407"/>
-          </a:xfrm>
-          <a:prstGeom prst="rect">
-            <a:avLst/>
-          </a:prstGeom>
-          <a:solidFill>
-            <a:schemeClr val="accent3">
-              <a:lumMod val="20000"/>
-              <a:lumOff val="80000"/>
-            </a:schemeClr>
-          </a:solidFill>
-          <a:ln>
-            <a:solidFill>
-              <a:schemeClr val="tx1">
-                <a:lumMod val="65000"/>
-                <a:lumOff val="35000"/>
-              </a:schemeClr>
-            </a:solidFill>
-          </a:ln>
-          <a:effectLst>
-            <a:outerShdw blurRad="50800" dist="38100" dir="2700000" algn="tl" rotWithShape="0">
-              <a:prstClr val="black">
-                <a:alpha val="40000"/>
-              </a:prstClr>
-            </a:outerShdw>
-          </a:effectLst>
-        </p:spPr>
-        <p:style>
-          <a:lnRef idx="2">
-            <a:schemeClr val="accent1"/>
-          </a:lnRef>
-          <a:fillRef idx="1">
-            <a:schemeClr val="lt1"/>
-          </a:fillRef>
-          <a:effectRef idx="0">
-            <a:schemeClr val="accent1"/>
-          </a:effectRef>
-          <a:fontRef idx="minor">
-            <a:schemeClr val="dk1"/>
-          </a:fontRef>
-        </p:style>
-        <p:txBody>
-          <a:bodyPr tIns="45720" rtlCol="0" anchor="t" anchorCtr="0"/>
-          <a:lstStyle/>
-          <a:p>
-            <a:pPr algn="ctr"/>
-            <a:endParaRPr lang="en-US" dirty="0">
-              <a:latin typeface="Palatino Linotype" panose="02040502050505030304" pitchFamily="18" charset="0"/>
-            </a:endParaRPr>
-          </a:p>
-          <a:p>
-            <a:pPr algn="ctr"/>
-            <a:r>
-              <a:rPr lang="en-US" dirty="0">
-                <a:latin typeface="Palatino Linotype" panose="02040502050505030304" pitchFamily="18" charset="0"/>
-              </a:rPr>
-              <a:t>Humanities</a:t>
-            </a:r>
-            <a:endParaRPr lang="en-US" dirty="0"/>
-          </a:p>
-        </p:txBody>
-      </p:sp>
-      <p:sp>
-        <p:nvSpPr>
-          <p:cNvPr id="8" name="Rectangle 7">
-            <a:extLst>
-              <a:ext uri="{FF2B5EF4-FFF2-40B4-BE49-F238E27FC236}">
-                <a16:creationId xmlns:a16="http://schemas.microsoft.com/office/drawing/2014/main" id="{0E92874E-9331-4F4C-ABDE-9C086CEA8A60}"/>
-              </a:ext>
-            </a:extLst>
-          </p:cNvPr>
-          <p:cNvSpPr/>
-          <p:nvPr/>
-        </p:nvSpPr>
-        <p:spPr>
-          <a:xfrm>
-            <a:off x="2492373" y="2137477"/>
-            <a:ext cx="1761065" cy="1050407"/>
-          </a:xfrm>
-          <a:prstGeom prst="rect">
-            <a:avLst/>
-          </a:prstGeom>
-          <a:solidFill>
-            <a:schemeClr val="accent3">
-              <a:lumMod val="20000"/>
-              <a:lumOff val="80000"/>
-            </a:schemeClr>
-          </a:solidFill>
-          <a:ln>
-            <a:solidFill>
-              <a:schemeClr val="tx1">
-                <a:lumMod val="65000"/>
-                <a:lumOff val="35000"/>
-              </a:schemeClr>
-            </a:solidFill>
-          </a:ln>
-          <a:effectLst>
-            <a:outerShdw blurRad="50800" dist="38100" dir="2700000" algn="tl" rotWithShape="0">
-              <a:prstClr val="black">
-                <a:alpha val="40000"/>
-              </a:prstClr>
-            </a:outerShdw>
-          </a:effectLst>
-        </p:spPr>
-        <p:style>
-          <a:lnRef idx="2">
-            <a:schemeClr val="accent1"/>
-          </a:lnRef>
-          <a:fillRef idx="1">
-            <a:schemeClr val="lt1"/>
-          </a:fillRef>
-          <a:effectRef idx="0">
-            <a:schemeClr val="accent1"/>
-          </a:effectRef>
-          <a:fontRef idx="minor">
-            <a:schemeClr val="dk1"/>
-          </a:fontRef>
-        </p:style>
-        <p:txBody>
-          <a:bodyPr tIns="45720" rtlCol="0" anchor="t" anchorCtr="0"/>
-          <a:lstStyle/>
-          <a:p>
-            <a:pPr algn="ctr"/>
-            <a:endParaRPr lang="en-US" dirty="0">
-              <a:latin typeface="Palatino Linotype" panose="02040502050505030304" pitchFamily="18" charset="0"/>
-            </a:endParaRPr>
-          </a:p>
-          <a:p>
-            <a:pPr algn="ctr"/>
-            <a:r>
-              <a:rPr lang="en-US" dirty="0">
-                <a:latin typeface="Palatino Linotype" panose="02040502050505030304" pitchFamily="18" charset="0"/>
-              </a:rPr>
-              <a:t>Arts</a:t>
-            </a:r>
-            <a:endParaRPr lang="en-US" dirty="0"/>
-          </a:p>
-        </p:txBody>
-      </p:sp>
-      <p:sp>
-        <p:nvSpPr>
-          <p:cNvPr id="12" name="Rectangle 11">
-            <a:extLst>
-              <a:ext uri="{FF2B5EF4-FFF2-40B4-BE49-F238E27FC236}">
-                <a16:creationId xmlns:a16="http://schemas.microsoft.com/office/drawing/2014/main" id="{8F83821C-3A0E-4A25-A9C8-69146CE3B874}"/>
-              </a:ext>
-            </a:extLst>
-          </p:cNvPr>
-          <p:cNvSpPr/>
-          <p:nvPr/>
-        </p:nvSpPr>
-        <p:spPr>
-          <a:xfrm>
-            <a:off x="2492373" y="3866150"/>
-            <a:ext cx="1757895" cy="1050407"/>
-          </a:xfrm>
-          <a:prstGeom prst="rect">
-            <a:avLst/>
-          </a:prstGeom>
-          <a:solidFill>
-            <a:schemeClr val="accent3">
-              <a:lumMod val="20000"/>
-              <a:lumOff val="80000"/>
-            </a:schemeClr>
-          </a:solidFill>
-          <a:ln>
-            <a:solidFill>
-              <a:schemeClr val="tx1">
-                <a:lumMod val="65000"/>
-                <a:lumOff val="35000"/>
-              </a:schemeClr>
-            </a:solidFill>
-          </a:ln>
-          <a:effectLst>
-            <a:outerShdw blurRad="50800" dist="38100" dir="2700000" algn="tl" rotWithShape="0">
-              <a:prstClr val="black">
-                <a:alpha val="40000"/>
-              </a:prstClr>
-            </a:outerShdw>
-          </a:effectLst>
-        </p:spPr>
-        <p:style>
-          <a:lnRef idx="2">
-            <a:schemeClr val="accent1"/>
-          </a:lnRef>
-          <a:fillRef idx="1">
-            <a:schemeClr val="lt1"/>
-          </a:fillRef>
-          <a:effectRef idx="0">
-            <a:schemeClr val="accent1"/>
-          </a:effectRef>
-          <a:fontRef idx="minor">
-            <a:schemeClr val="dk1"/>
-          </a:fontRef>
-        </p:style>
-        <p:txBody>
-          <a:bodyPr tIns="45720" rtlCol="0" anchor="t" anchorCtr="0"/>
-          <a:lstStyle/>
-          <a:p>
-            <a:pPr algn="ctr"/>
-            <a:endParaRPr lang="en-US" dirty="0">
-              <a:latin typeface="Palatino Linotype" panose="02040502050505030304" pitchFamily="18" charset="0"/>
-            </a:endParaRPr>
-          </a:p>
-          <a:p>
-            <a:pPr algn="ctr"/>
-            <a:r>
-              <a:rPr lang="en-US" dirty="0">
-                <a:latin typeface="Palatino Linotype" panose="02040502050505030304" pitchFamily="18" charset="0"/>
-              </a:rPr>
-              <a:t>Social Science</a:t>
-            </a:r>
-            <a:r>
-              <a:rPr lang="en-US" sz="1600" dirty="0">
-                <a:latin typeface="Palatino Linotype" panose="02040502050505030304" pitchFamily="18" charset="0"/>
-              </a:rPr>
-              <a:t>s</a:t>
-            </a:r>
-            <a:endParaRPr lang="en-US" sz="1600" dirty="0"/>
-          </a:p>
-        </p:txBody>
-      </p:sp>
-      <p:sp>
-        <p:nvSpPr>
-          <p:cNvPr id="14" name="Rectangle 13">
-            <a:extLst>
-              <a:ext uri="{FF2B5EF4-FFF2-40B4-BE49-F238E27FC236}">
-                <a16:creationId xmlns:a16="http://schemas.microsoft.com/office/drawing/2014/main" id="{4294EF1F-50C2-4C3B-80DC-74C7D03E62F6}"/>
-              </a:ext>
-            </a:extLst>
-          </p:cNvPr>
-          <p:cNvSpPr/>
-          <p:nvPr/>
-        </p:nvSpPr>
-        <p:spPr>
-          <a:xfrm>
-            <a:off x="4875738" y="3866150"/>
-            <a:ext cx="1757894" cy="1050407"/>
-          </a:xfrm>
-          <a:prstGeom prst="rect">
-            <a:avLst/>
-          </a:prstGeom>
-          <a:solidFill>
-            <a:schemeClr val="accent3">
-              <a:lumMod val="20000"/>
-              <a:lumOff val="80000"/>
-            </a:schemeClr>
-          </a:solidFill>
-          <a:ln>
-            <a:solidFill>
-              <a:schemeClr val="tx1">
-                <a:lumMod val="65000"/>
-                <a:lumOff val="35000"/>
-              </a:schemeClr>
-            </a:solidFill>
-          </a:ln>
-          <a:effectLst>
-            <a:outerShdw blurRad="50800" dist="38100" dir="2700000" algn="tl" rotWithShape="0">
-              <a:prstClr val="black">
-                <a:alpha val="40000"/>
-              </a:prstClr>
-            </a:outerShdw>
-          </a:effectLst>
-        </p:spPr>
-        <p:style>
-          <a:lnRef idx="2">
-            <a:schemeClr val="accent1"/>
-          </a:lnRef>
-          <a:fillRef idx="1">
-            <a:schemeClr val="lt1"/>
-          </a:fillRef>
-          <a:effectRef idx="0">
-            <a:schemeClr val="accent1"/>
-          </a:effectRef>
-          <a:fontRef idx="minor">
-            <a:schemeClr val="dk1"/>
-          </a:fontRef>
-        </p:style>
-        <p:txBody>
-          <a:bodyPr tIns="45720" rtlCol="0" anchor="t" anchorCtr="0"/>
-          <a:lstStyle/>
-          <a:p>
-            <a:pPr algn="ctr"/>
-            <a:endParaRPr lang="en-US" dirty="0">
-              <a:latin typeface="Palatino Linotype" panose="02040502050505030304" pitchFamily="18" charset="0"/>
-            </a:endParaRPr>
-          </a:p>
-          <a:p>
-            <a:pPr algn="ctr"/>
-            <a:r>
-              <a:rPr lang="en-US" dirty="0">
-                <a:latin typeface="Palatino Linotype" panose="02040502050505030304" pitchFamily="18" charset="0"/>
-              </a:rPr>
-              <a:t>Business</a:t>
-            </a:r>
-            <a:endParaRPr lang="en-US" dirty="0"/>
-          </a:p>
-        </p:txBody>
-      </p:sp>
-      <p:sp>
-        <p:nvSpPr>
-          <p:cNvPr id="16" name="Rectangle 15">
-            <a:extLst>
-              <a:ext uri="{FF2B5EF4-FFF2-40B4-BE49-F238E27FC236}">
-                <a16:creationId xmlns:a16="http://schemas.microsoft.com/office/drawing/2014/main" id="{D641EAC9-1F0C-490E-A240-22DFF4823135}"/>
-              </a:ext>
-            </a:extLst>
-          </p:cNvPr>
-          <p:cNvSpPr/>
-          <p:nvPr/>
-        </p:nvSpPr>
-        <p:spPr>
-          <a:xfrm>
-            <a:off x="7255932" y="2137477"/>
-            <a:ext cx="1757894" cy="1050407"/>
-          </a:xfrm>
-          <a:prstGeom prst="rect">
-            <a:avLst/>
-          </a:prstGeom>
-          <a:solidFill>
-            <a:schemeClr val="accent3">
-              <a:lumMod val="20000"/>
-              <a:lumOff val="80000"/>
-            </a:schemeClr>
-          </a:solidFill>
-          <a:ln>
-            <a:solidFill>
-              <a:schemeClr val="tx1">
-                <a:lumMod val="65000"/>
-                <a:lumOff val="35000"/>
-              </a:schemeClr>
-            </a:solidFill>
-          </a:ln>
-          <a:effectLst>
-            <a:outerShdw blurRad="50800" dist="38100" dir="2700000" algn="tl" rotWithShape="0">
-              <a:prstClr val="black">
-                <a:alpha val="40000"/>
-              </a:prstClr>
-            </a:outerShdw>
-          </a:effectLst>
-        </p:spPr>
-        <p:style>
-          <a:lnRef idx="2">
-            <a:schemeClr val="accent1"/>
-          </a:lnRef>
-          <a:fillRef idx="1">
-            <a:schemeClr val="lt1"/>
-          </a:fillRef>
-          <a:effectRef idx="0">
-            <a:schemeClr val="accent1"/>
-          </a:effectRef>
-          <a:fontRef idx="minor">
-            <a:schemeClr val="dk1"/>
-          </a:fontRef>
-        </p:style>
-        <p:txBody>
-          <a:bodyPr tIns="45720" rtlCol="0" anchor="t" anchorCtr="0"/>
-          <a:lstStyle/>
-          <a:p>
-            <a:pPr algn="ctr"/>
-            <a:endParaRPr lang="en-US" dirty="0"/>
-          </a:p>
-          <a:p>
-            <a:pPr algn="ctr"/>
-            <a:r>
-              <a:rPr lang="en-US" dirty="0"/>
-              <a:t>Science</a:t>
-            </a:r>
-          </a:p>
-        </p:txBody>
-      </p:sp>
-    </p:spTree>
-    <p:extLst>
-      <p:ext uri="{BB962C8B-B14F-4D97-AF65-F5344CB8AC3E}">
-        <p14:creationId xmlns:p14="http://schemas.microsoft.com/office/powerpoint/2010/main" val="3167454443"/>
-      </p:ext>
-    </p:extLst>
-  </p:cSld>
-  <p:clrMapOvr>
-    <a:masterClrMapping/>
-  </p:clrMapOvr>
-  <mc:AlternateContent xmlns:mc="http://schemas.openxmlformats.org/markup-compatibility/2006" xmlns:p14="http://schemas.microsoft.com/office/powerpoint/2010/main">
-    <mc:Choice Requires="p14">
-      <p:transition spd="med" p14:dur="700">
-        <p:fade/>
-      </p:transition>
-    </mc:Choice>
-    <mc:Fallback xmlns="">
-      <p:transition spd="med">
-        <p:fade/>
-      </p:transition>
-    </mc:Fallback>
-  </mc:AlternateContent>
-</p:sld>
-</file>
-
-<file path=ppt/slides/slide20.xml><?xml version="1.0" encoding="utf-8"?>
+<file path=ppt/slides/slide18.xml><?xml version="1.0" encoding="utf-8"?>
 <p:sld xmlns:a="http://schemas.openxmlformats.org/drawingml/2006/main" xmlns:r="http://schemas.openxmlformats.org/officeDocument/2006/relationships" xmlns:p="http://schemas.openxmlformats.org/presentationml/2006/main">
   <p:cSld>
     <p:spTree>
@@ -11290,7 +10235,7 @@
 </p:sld>
 </file>
 
-<file path=ppt/slides/slide21.xml><?xml version="1.0" encoding="utf-8"?>
+<file path=ppt/slides/slide19.xml><?xml version="1.0" encoding="utf-8"?>
 <p:sld xmlns:a="http://schemas.openxmlformats.org/drawingml/2006/main" xmlns:r="http://schemas.openxmlformats.org/officeDocument/2006/relationships" xmlns:p="http://schemas.openxmlformats.org/presentationml/2006/main">
   <p:cSld>
     <p:spTree>
@@ -11362,7 +10307,122 @@
 </p:sld>
 </file>
 
-<file path=ppt/slides/slide22.xml><?xml version="1.0" encoding="utf-8"?>
+<file path=ppt/slides/slide2.xml><?xml version="1.0" encoding="utf-8"?>
+<p:sld xmlns:a="http://schemas.openxmlformats.org/drawingml/2006/main" xmlns:r="http://schemas.openxmlformats.org/officeDocument/2006/relationships" xmlns:p="http://schemas.openxmlformats.org/presentationml/2006/main">
+  <p:cSld>
+    <p:spTree>
+      <p:nvGrpSpPr>
+        <p:cNvPr id="1" name=""/>
+        <p:cNvGrpSpPr/>
+        <p:nvPr/>
+      </p:nvGrpSpPr>
+      <p:grpSpPr>
+        <a:xfrm>
+          <a:off x="0" y="0"/>
+          <a:ext cx="0" cy="0"/>
+          <a:chOff x="0" y="0"/>
+          <a:chExt cx="0" cy="0"/>
+        </a:xfrm>
+      </p:grpSpPr>
+      <p:sp>
+        <p:nvSpPr>
+          <p:cNvPr id="5" name="Content Placeholder 4">
+            <a:extLst>
+              <a:ext uri="{FF2B5EF4-FFF2-40B4-BE49-F238E27FC236}">
+                <a16:creationId xmlns:a16="http://schemas.microsoft.com/office/drawing/2014/main" id="{7C82B2FA-DB39-467C-9DC1-245874DCBCF1}"/>
+              </a:ext>
+            </a:extLst>
+          </p:cNvPr>
+          <p:cNvSpPr>
+            <a:spLocks noGrp="1"/>
+          </p:cNvSpPr>
+          <p:nvPr>
+            <p:ph idx="1"/>
+          </p:nvPr>
+        </p:nvSpPr>
+        <p:spPr>
+          <a:xfrm>
+            <a:off x="618697" y="1508760"/>
+            <a:ext cx="10576561" cy="4790124"/>
+          </a:xfrm>
+        </p:spPr>
+        <p:txBody>
+          <a:bodyPr>
+            <a:normAutofit/>
+          </a:bodyPr>
+          <a:lstStyle/>
+          <a:p>
+            <a:pPr marL="0" indent="0">
+              <a:buNone/>
+            </a:pPr>
+            <a:endParaRPr lang="en-US" dirty="0">
+              <a:latin typeface="Palatino Linotype" panose="02040502050505030304" pitchFamily="18" charset="0"/>
+            </a:endParaRPr>
+          </a:p>
+          <a:p>
+            <a:pPr marL="0" indent="0">
+              <a:buNone/>
+            </a:pPr>
+            <a:endParaRPr lang="en-US" dirty="0">
+              <a:latin typeface="Palatino Linotype" panose="02040502050505030304" pitchFamily="18" charset="0"/>
+            </a:endParaRPr>
+          </a:p>
+          <a:p>
+            <a:pPr marL="0" indent="0" algn="ctr">
+              <a:buNone/>
+            </a:pPr>
+            <a:r>
+              <a:rPr lang="en-US" sz="4400" dirty="0">
+                <a:latin typeface="Palatino Linotype" panose="02040502050505030304" pitchFamily="18" charset="0"/>
+              </a:rPr>
+              <a:t>Think about and </a:t>
+            </a:r>
+            <a:r>
+              <a:rPr lang="en-US" sz="4400" dirty="0">
+                <a:solidFill>
+                  <a:schemeClr val="accent1">
+                    <a:lumMod val="75000"/>
+                  </a:schemeClr>
+                </a:solidFill>
+                <a:latin typeface="Palatino Linotype" panose="02040502050505030304" pitchFamily="18" charset="0"/>
+              </a:rPr>
+              <a:t>creatively</a:t>
+            </a:r>
+            <a:r>
+              <a:rPr lang="en-US" sz="4400" dirty="0">
+                <a:latin typeface="Palatino Linotype" panose="02040502050505030304" pitchFamily="18" charset="0"/>
+              </a:rPr>
+              <a:t> apply AI to make the world a better place</a:t>
+            </a:r>
+          </a:p>
+        </p:txBody>
+      </p:sp>
+    </p:spTree>
+    <p:extLst>
+      <p:ext uri="{BB962C8B-B14F-4D97-AF65-F5344CB8AC3E}">
+        <p14:creationId xmlns:p14="http://schemas.microsoft.com/office/powerpoint/2010/main" val="2443628232"/>
+      </p:ext>
+    </p:extLst>
+  </p:cSld>
+  <p:clrMapOvr>
+    <a:masterClrMapping/>
+  </p:clrMapOvr>
+  <mc:AlternateContent xmlns:mc="http://schemas.openxmlformats.org/markup-compatibility/2006" xmlns:p14="http://schemas.microsoft.com/office/powerpoint/2010/main">
+    <mc:Choice Requires="p14">
+      <p:transition spd="med" p14:dur="700">
+        <p:fade/>
+      </p:transition>
+    </mc:Choice>
+    <mc:Fallback xmlns="">
+      <p:transition spd="med">
+        <p:fade/>
+      </p:transition>
+    </mc:Fallback>
+  </mc:AlternateContent>
+</p:sld>
+</file>
+
+<file path=ppt/slides/slide20.xml><?xml version="1.0" encoding="utf-8"?>
 <p:sld xmlns:a="http://schemas.openxmlformats.org/drawingml/2006/main" xmlns:r="http://schemas.openxmlformats.org/officeDocument/2006/relationships" xmlns:p="http://schemas.openxmlformats.org/presentationml/2006/main">
   <p:cSld>
     <p:spTree>
@@ -11434,7 +10494,7 @@
 </p:sld>
 </file>
 
-<file path=ppt/slides/slide23.xml><?xml version="1.0" encoding="utf-8"?>
+<file path=ppt/slides/slide21.xml><?xml version="1.0" encoding="utf-8"?>
 <p:sld xmlns:a="http://schemas.openxmlformats.org/drawingml/2006/main" xmlns:r="http://schemas.openxmlformats.org/officeDocument/2006/relationships" xmlns:p="http://schemas.openxmlformats.org/presentationml/2006/main">
   <p:cSld>
     <p:spTree>
@@ -11506,7 +10566,7 @@
 </p:sld>
 </file>
 
-<file path=ppt/slides/slide24.xml><?xml version="1.0" encoding="utf-8"?>
+<file path=ppt/slides/slide22.xml><?xml version="1.0" encoding="utf-8"?>
 <p:sld xmlns:a="http://schemas.openxmlformats.org/drawingml/2006/main" xmlns:r="http://schemas.openxmlformats.org/officeDocument/2006/relationships" xmlns:p="http://schemas.openxmlformats.org/presentationml/2006/main">
   <p:cSld>
     <p:spTree>
@@ -11578,7 +10638,7 @@
 </p:sld>
 </file>
 
-<file path=ppt/slides/slide25.xml><?xml version="1.0" encoding="utf-8"?>
+<file path=ppt/slides/slide23.xml><?xml version="1.0" encoding="utf-8"?>
 <p:sld xmlns:a="http://schemas.openxmlformats.org/drawingml/2006/main" xmlns:r="http://schemas.openxmlformats.org/officeDocument/2006/relationships" xmlns:p="http://schemas.openxmlformats.org/presentationml/2006/main">
   <p:cSld>
     <p:spTree>
@@ -11650,7 +10710,7 @@
 </p:sld>
 </file>
 
-<file path=ppt/slides/slide26.xml><?xml version="1.0" encoding="utf-8"?>
+<file path=ppt/slides/slide24.xml><?xml version="1.0" encoding="utf-8"?>
 <p:sld xmlns:a="http://schemas.openxmlformats.org/drawingml/2006/main" xmlns:r="http://schemas.openxmlformats.org/officeDocument/2006/relationships" xmlns:p="http://schemas.openxmlformats.org/presentationml/2006/main">
   <p:cSld>
     <p:spTree>
@@ -11979,7 +11039,7 @@
 </p:sld>
 </file>
 
-<file path=ppt/slides/slide27.xml><?xml version="1.0" encoding="utf-8"?>
+<file path=ppt/slides/slide25.xml><?xml version="1.0" encoding="utf-8"?>
 <p:sld xmlns:a="http://schemas.openxmlformats.org/drawingml/2006/main" xmlns:r="http://schemas.openxmlformats.org/officeDocument/2006/relationships" xmlns:p="http://schemas.openxmlformats.org/presentationml/2006/main">
   <p:cSld>
     <p:spTree>
@@ -12051,7 +11111,7 @@
 </p:sld>
 </file>
 
-<file path=ppt/slides/slide28.xml><?xml version="1.0" encoding="utf-8"?>
+<file path=ppt/slides/slide26.xml><?xml version="1.0" encoding="utf-8"?>
 <p:sld xmlns:a="http://schemas.openxmlformats.org/drawingml/2006/main" xmlns:r="http://schemas.openxmlformats.org/officeDocument/2006/relationships" xmlns:p="http://schemas.openxmlformats.org/presentationml/2006/main">
   <p:cSld>
     <p:spTree>
@@ -12196,10 +11256,10 @@
       </p:grpSpPr>
       <p:sp>
         <p:nvSpPr>
-          <p:cNvPr id="5" name="Content Placeholder 4">
+          <p:cNvPr id="2" name="Title 1">
             <a:extLst>
               <a:ext uri="{FF2B5EF4-FFF2-40B4-BE49-F238E27FC236}">
-                <a16:creationId xmlns:a16="http://schemas.microsoft.com/office/drawing/2014/main" id="{7C82B2FA-DB39-467C-9DC1-245874DCBCF1}"/>
+                <a16:creationId xmlns:a16="http://schemas.microsoft.com/office/drawing/2014/main" id="{28FF21C3-8FBB-4756-BF7C-FFD2E5CC2B06}"/>
               </a:ext>
             </a:extLst>
           </p:cNvPr>
@@ -12207,13 +11267,13 @@
             <a:spLocks noGrp="1"/>
           </p:cNvSpPr>
           <p:nvPr>
-            <p:ph idx="1"/>
+            <p:ph type="title"/>
           </p:nvPr>
         </p:nvSpPr>
         <p:spPr>
           <a:xfrm>
-            <a:off x="618697" y="1508760"/>
-            <a:ext cx="10576561" cy="4790124"/>
+            <a:off x="511791" y="440190"/>
+            <a:ext cx="11061510" cy="815404"/>
           </a:xfrm>
         </p:spPr>
         <p:txBody>
@@ -12222,47 +11282,90 @@
           </a:bodyPr>
           <a:lstStyle/>
           <a:p>
-            <a:pPr marL="0" indent="0">
-              <a:buNone/>
-            </a:pPr>
-            <a:endParaRPr lang="en-US" dirty="0">
-              <a:latin typeface="Palatino Linotype" panose="02040502050505030304" pitchFamily="18" charset="0"/>
-            </a:endParaRPr>
-          </a:p>
-          <a:p>
-            <a:pPr marL="0" indent="0">
-              <a:buNone/>
-            </a:pPr>
-            <a:endParaRPr lang="en-US" dirty="0">
-              <a:latin typeface="Palatino Linotype" panose="02040502050505030304" pitchFamily="18" charset="0"/>
-            </a:endParaRPr>
-          </a:p>
-          <a:p>
-            <a:pPr marL="0" indent="0" algn="ctr">
-              <a:buNone/>
-            </a:pPr>
-            <a:r>
-              <a:rPr lang="en-US" sz="4400" dirty="0">
-                <a:latin typeface="Palatino Linotype" panose="02040502050505030304" pitchFamily="18" charset="0"/>
-              </a:rPr>
-              <a:t>Think about and </a:t>
-            </a:r>
-            <a:r>
-              <a:rPr lang="en-US" sz="4400" dirty="0">
+            <a:pPr algn="ctr"/>
+            <a:r>
+              <a:rPr lang="en-US" sz="4000" dirty="0">
                 <a:solidFill>
-                  <a:schemeClr val="accent1">
+                  <a:schemeClr val="tx1">
                     <a:lumMod val="75000"/>
+                    <a:lumOff val="25000"/>
                   </a:schemeClr>
                 </a:solidFill>
                 <a:latin typeface="Palatino Linotype" panose="02040502050505030304" pitchFamily="18" charset="0"/>
+                <a:cs typeface="Segoe UI Light" panose="020B0502040204020203" pitchFamily="34" charset="0"/>
               </a:rPr>
-              <a:t>creatively</a:t>
-            </a:r>
-            <a:r>
-              <a:rPr lang="en-US" sz="4400" dirty="0">
+              <a:t>Unique Instructional Features</a:t>
+            </a:r>
+          </a:p>
+        </p:txBody>
+      </p:sp>
+      <p:sp>
+        <p:nvSpPr>
+          <p:cNvPr id="12" name="Content Placeholder 11">
+            <a:extLst>
+              <a:ext uri="{FF2B5EF4-FFF2-40B4-BE49-F238E27FC236}">
+                <a16:creationId xmlns:a16="http://schemas.microsoft.com/office/drawing/2014/main" id="{BBE625DF-4A5E-4AA2-BC23-690FAE22DDF7}"/>
+              </a:ext>
+            </a:extLst>
+          </p:cNvPr>
+          <p:cNvSpPr>
+            <a:spLocks noGrp="1"/>
+          </p:cNvSpPr>
+          <p:nvPr>
+            <p:ph idx="1"/>
+          </p:nvPr>
+        </p:nvSpPr>
+        <p:spPr>
+          <a:xfrm>
+            <a:off x="511791" y="1833939"/>
+            <a:ext cx="11061510" cy="4583871"/>
+          </a:xfrm>
+        </p:spPr>
+        <p:txBody>
+          <a:bodyPr>
+            <a:normAutofit/>
+          </a:bodyPr>
+          <a:lstStyle/>
+          <a:p>
+            <a:pPr marL="0" indent="0" algn="ctr">
+              <a:lnSpc>
+                <a:spcPct val="200000"/>
+              </a:lnSpc>
+              <a:buNone/>
+            </a:pPr>
+            <a:r>
+              <a:rPr lang="en-US" sz="2400" dirty="0">
                 <a:latin typeface="Palatino Linotype" panose="02040502050505030304" pitchFamily="18" charset="0"/>
               </a:rPr>
-              <a:t> apply AI to make the world a better place</a:t>
+              <a:t>Visual </a:t>
+            </a:r>
+          </a:p>
+          <a:p>
+            <a:pPr marL="0" indent="0" algn="ctr">
+              <a:lnSpc>
+                <a:spcPct val="200000"/>
+              </a:lnSpc>
+              <a:buNone/>
+            </a:pPr>
+            <a:r>
+              <a:rPr lang="en-US" sz="2400" dirty="0">
+                <a:latin typeface="Palatino Linotype" panose="02040502050505030304" pitchFamily="18" charset="0"/>
+              </a:rPr>
+              <a:t>Story-Driven</a:t>
+            </a:r>
+          </a:p>
+          <a:p>
+            <a:pPr marL="0" indent="0" algn="ctr">
+              <a:lnSpc>
+                <a:spcPct val="200000"/>
+              </a:lnSpc>
+              <a:buNone/>
+            </a:pPr>
+            <a:r>
+              <a:rPr lang="en-US" sz="2400" dirty="0">
+                <a:latin typeface="Palatino Linotype" panose="02040502050505030304" pitchFamily="18" charset="0"/>
+              </a:rPr>
+              <a:t>Hands-On Learning</a:t>
             </a:r>
           </a:p>
         </p:txBody>
@@ -12270,7 +11373,7 @@
     </p:spTree>
     <p:extLst>
       <p:ext uri="{BB962C8B-B14F-4D97-AF65-F5344CB8AC3E}">
-        <p14:creationId xmlns:p14="http://schemas.microsoft.com/office/powerpoint/2010/main" val="2443628232"/>
+        <p14:creationId xmlns:p14="http://schemas.microsoft.com/office/powerpoint/2010/main" val="2853843531"/>
       </p:ext>
     </p:extLst>
   </p:cSld>
@@ -12349,164 +11452,6 @@
                 <a:latin typeface="Palatino Linotype" panose="02040502050505030304" pitchFamily="18" charset="0"/>
                 <a:cs typeface="Segoe UI Light" panose="020B0502040204020203" pitchFamily="34" charset="0"/>
               </a:rPr>
-              <a:t>Unique Instructional Features</a:t>
-            </a:r>
-          </a:p>
-        </p:txBody>
-      </p:sp>
-      <p:sp>
-        <p:nvSpPr>
-          <p:cNvPr id="12" name="Content Placeholder 11">
-            <a:extLst>
-              <a:ext uri="{FF2B5EF4-FFF2-40B4-BE49-F238E27FC236}">
-                <a16:creationId xmlns:a16="http://schemas.microsoft.com/office/drawing/2014/main" id="{BBE625DF-4A5E-4AA2-BC23-690FAE22DDF7}"/>
-              </a:ext>
-            </a:extLst>
-          </p:cNvPr>
-          <p:cNvSpPr>
-            <a:spLocks noGrp="1"/>
-          </p:cNvSpPr>
-          <p:nvPr>
-            <p:ph idx="1"/>
-          </p:nvPr>
-        </p:nvSpPr>
-        <p:spPr>
-          <a:xfrm>
-            <a:off x="511791" y="1833939"/>
-            <a:ext cx="11061510" cy="4583871"/>
-          </a:xfrm>
-        </p:spPr>
-        <p:txBody>
-          <a:bodyPr>
-            <a:normAutofit/>
-          </a:bodyPr>
-          <a:lstStyle/>
-          <a:p>
-            <a:pPr marL="0" indent="0" algn="ctr">
-              <a:lnSpc>
-                <a:spcPct val="200000"/>
-              </a:lnSpc>
-              <a:buNone/>
-            </a:pPr>
-            <a:r>
-              <a:rPr lang="en-US" sz="2400" dirty="0">
-                <a:latin typeface="Palatino Linotype" panose="02040502050505030304" pitchFamily="18" charset="0"/>
-              </a:rPr>
-              <a:t>Visual </a:t>
-            </a:r>
-          </a:p>
-          <a:p>
-            <a:pPr marL="0" indent="0" algn="ctr">
-              <a:lnSpc>
-                <a:spcPct val="200000"/>
-              </a:lnSpc>
-              <a:buNone/>
-            </a:pPr>
-            <a:r>
-              <a:rPr lang="en-US" sz="2400" dirty="0">
-                <a:latin typeface="Palatino Linotype" panose="02040502050505030304" pitchFamily="18" charset="0"/>
-              </a:rPr>
-              <a:t>Story-Driven</a:t>
-            </a:r>
-          </a:p>
-          <a:p>
-            <a:pPr marL="0" indent="0" algn="ctr">
-              <a:lnSpc>
-                <a:spcPct val="200000"/>
-              </a:lnSpc>
-              <a:buNone/>
-            </a:pPr>
-            <a:r>
-              <a:rPr lang="en-US" sz="2400" dirty="0">
-                <a:latin typeface="Palatino Linotype" panose="02040502050505030304" pitchFamily="18" charset="0"/>
-              </a:rPr>
-              <a:t>Hands-On Learning</a:t>
-            </a:r>
-          </a:p>
-        </p:txBody>
-      </p:sp>
-    </p:spTree>
-    <p:extLst>
-      <p:ext uri="{BB962C8B-B14F-4D97-AF65-F5344CB8AC3E}">
-        <p14:creationId xmlns:p14="http://schemas.microsoft.com/office/powerpoint/2010/main" val="2853843531"/>
-      </p:ext>
-    </p:extLst>
-  </p:cSld>
-  <p:clrMapOvr>
-    <a:masterClrMapping/>
-  </p:clrMapOvr>
-  <mc:AlternateContent xmlns:mc="http://schemas.openxmlformats.org/markup-compatibility/2006" xmlns:p14="http://schemas.microsoft.com/office/powerpoint/2010/main">
-    <mc:Choice Requires="p14">
-      <p:transition spd="med" p14:dur="700">
-        <p:fade/>
-      </p:transition>
-    </mc:Choice>
-    <mc:Fallback xmlns="">
-      <p:transition spd="med">
-        <p:fade/>
-      </p:transition>
-    </mc:Fallback>
-  </mc:AlternateContent>
-</p:sld>
-</file>
-
-<file path=ppt/slides/slide5.xml><?xml version="1.0" encoding="utf-8"?>
-<p:sld xmlns:a="http://schemas.openxmlformats.org/drawingml/2006/main" xmlns:r="http://schemas.openxmlformats.org/officeDocument/2006/relationships" xmlns:p="http://schemas.openxmlformats.org/presentationml/2006/main">
-  <p:cSld>
-    <p:spTree>
-      <p:nvGrpSpPr>
-        <p:cNvPr id="1" name=""/>
-        <p:cNvGrpSpPr/>
-        <p:nvPr/>
-      </p:nvGrpSpPr>
-      <p:grpSpPr>
-        <a:xfrm>
-          <a:off x="0" y="0"/>
-          <a:ext cx="0" cy="0"/>
-          <a:chOff x="0" y="0"/>
-          <a:chExt cx="0" cy="0"/>
-        </a:xfrm>
-      </p:grpSpPr>
-      <p:sp>
-        <p:nvSpPr>
-          <p:cNvPr id="2" name="Title 1">
-            <a:extLst>
-              <a:ext uri="{FF2B5EF4-FFF2-40B4-BE49-F238E27FC236}">
-                <a16:creationId xmlns:a16="http://schemas.microsoft.com/office/drawing/2014/main" id="{28FF21C3-8FBB-4756-BF7C-FFD2E5CC2B06}"/>
-              </a:ext>
-            </a:extLst>
-          </p:cNvPr>
-          <p:cNvSpPr>
-            <a:spLocks noGrp="1"/>
-          </p:cNvSpPr>
-          <p:nvPr>
-            <p:ph type="title"/>
-          </p:nvPr>
-        </p:nvSpPr>
-        <p:spPr>
-          <a:xfrm>
-            <a:off x="511791" y="440190"/>
-            <a:ext cx="11061510" cy="815404"/>
-          </a:xfrm>
-        </p:spPr>
-        <p:txBody>
-          <a:bodyPr>
-            <a:normAutofit/>
-          </a:bodyPr>
-          <a:lstStyle/>
-          <a:p>
-            <a:pPr algn="ctr"/>
-            <a:r>
-              <a:rPr lang="en-US" sz="4000" dirty="0">
-                <a:solidFill>
-                  <a:schemeClr val="tx1">
-                    <a:lumMod val="75000"/>
-                    <a:lumOff val="25000"/>
-                  </a:schemeClr>
-                </a:solidFill>
-                <a:latin typeface="Palatino Linotype" panose="02040502050505030304" pitchFamily="18" charset="0"/>
-                <a:cs typeface="Segoe UI Light" panose="020B0502040204020203" pitchFamily="34" charset="0"/>
-              </a:rPr>
               <a:t>Our target audience is…</a:t>
             </a:r>
           </a:p>
@@ -12625,7 +11570,7 @@
 </p:sld>
 </file>
 
-<file path=ppt/slides/slide6.xml><?xml version="1.0" encoding="utf-8"?>
+<file path=ppt/slides/slide5.xml><?xml version="1.0" encoding="utf-8"?>
 <p:sld xmlns:a="http://schemas.openxmlformats.org/drawingml/2006/main" xmlns:r="http://schemas.openxmlformats.org/officeDocument/2006/relationships" xmlns:p="http://schemas.openxmlformats.org/presentationml/2006/main">
   <p:cSld>
     <p:spTree>
@@ -12798,7 +11743,7 @@
 </p:sld>
 </file>
 
-<file path=ppt/slides/slide7.xml><?xml version="1.0" encoding="utf-8"?>
+<file path=ppt/slides/slide6.xml><?xml version="1.0" encoding="utf-8"?>
 <p:sld xmlns:a="http://schemas.openxmlformats.org/drawingml/2006/main" xmlns:r="http://schemas.openxmlformats.org/officeDocument/2006/relationships" xmlns:p="http://schemas.openxmlformats.org/presentationml/2006/main">
   <p:cSld>
     <p:spTree>
@@ -12817,10 +11762,10 @@
       </p:grpSpPr>
       <p:pic>
         <p:nvPicPr>
-          <p:cNvPr id="8" name="Picture 7" descr="Diagram&#10;&#10;Description automatically generated">
+          <p:cNvPr id="9" name="Picture 8">
             <a:extLst>
               <a:ext uri="{FF2B5EF4-FFF2-40B4-BE49-F238E27FC236}">
-                <a16:creationId xmlns:a16="http://schemas.microsoft.com/office/drawing/2014/main" id="{31563A35-7A52-4C5E-A260-63D4E71C7292}"/>
+                <a16:creationId xmlns:a16="http://schemas.microsoft.com/office/drawing/2014/main" id="{29E04617-8646-9172-AC63-5877BBA27634}"/>
               </a:ext>
             </a:extLst>
           </p:cNvPr>
@@ -12830,135 +11775,35 @@
           <p:nvPr/>
         </p:nvPicPr>
         <p:blipFill>
-          <a:blip r:embed="rId3">
-            <a:extLst>
-              <a:ext uri="{28A0092B-C50C-407E-A947-70E740481C1C}">
-                <a14:useLocalDpi xmlns:a14="http://schemas.microsoft.com/office/drawing/2010/main" val="0"/>
-              </a:ext>
-            </a:extLst>
-          </a:blip>
+          <a:blip r:embed="rId3"/>
           <a:stretch>
             <a:fillRect/>
           </a:stretch>
         </p:blipFill>
         <p:spPr>
           <a:xfrm>
-            <a:off x="1793042" y="1038265"/>
-            <a:ext cx="3517710" cy="4117843"/>
+            <a:off x="2833898" y="525290"/>
+            <a:ext cx="6524204" cy="5807419"/>
           </a:xfrm>
           <a:prstGeom prst="rect">
             <a:avLst/>
           </a:prstGeom>
         </p:spPr>
       </p:pic>
-      <p:pic>
-        <p:nvPicPr>
-          <p:cNvPr id="9" name="Picture 8" descr="Diagram&#10;&#10;Description automatically generated">
-            <a:extLst>
-              <a:ext uri="{FF2B5EF4-FFF2-40B4-BE49-F238E27FC236}">
-                <a16:creationId xmlns:a16="http://schemas.microsoft.com/office/drawing/2014/main" id="{6195616D-3F0B-49E4-844B-7C53FDCB57A4}"/>
-              </a:ext>
-            </a:extLst>
-          </p:cNvPr>
-          <p:cNvPicPr>
-            <a:picLocks noChangeAspect="1"/>
-          </p:cNvPicPr>
-          <p:nvPr/>
-        </p:nvPicPr>
-        <p:blipFill>
-          <a:blip r:embed="rId4">
-            <a:extLst>
-              <a:ext uri="{28A0092B-C50C-407E-A947-70E740481C1C}">
-                <a14:useLocalDpi xmlns:a14="http://schemas.microsoft.com/office/drawing/2010/main" val="0"/>
-              </a:ext>
-            </a:extLst>
-          </a:blip>
-          <a:stretch>
-            <a:fillRect/>
-          </a:stretch>
-        </p:blipFill>
-        <p:spPr>
-          <a:xfrm>
-            <a:off x="5310752" y="772302"/>
-            <a:ext cx="5088206" cy="5837074"/>
-          </a:xfrm>
-          <a:prstGeom prst="rect">
-            <a:avLst/>
-          </a:prstGeom>
-        </p:spPr>
-      </p:pic>
-      <p:cxnSp>
-        <p:nvCxnSpPr>
-          <p:cNvPr id="10" name="Straight Connector 9">
-            <a:extLst>
-              <a:ext uri="{FF2B5EF4-FFF2-40B4-BE49-F238E27FC236}">
-                <a16:creationId xmlns:a16="http://schemas.microsoft.com/office/drawing/2014/main" id="{F1540590-E4EA-4674-AEF9-1F974FB22CDB}"/>
-              </a:ext>
-            </a:extLst>
-          </p:cNvPr>
-          <p:cNvCxnSpPr>
-            <a:cxnSpLocks/>
-          </p:cNvCxnSpPr>
-          <p:nvPr/>
-        </p:nvCxnSpPr>
-        <p:spPr>
-          <a:xfrm>
-            <a:off x="2927004" y="1340233"/>
-            <a:ext cx="4611188" cy="0"/>
-          </a:xfrm>
-          <a:prstGeom prst="line">
-            <a:avLst/>
-          </a:prstGeom>
-          <a:ln w="9525">
-            <a:solidFill>
-              <a:schemeClr val="tx1">
-                <a:lumMod val="75000"/>
-                <a:lumOff val="25000"/>
-              </a:schemeClr>
-            </a:solidFill>
-          </a:ln>
-        </p:spPr>
-        <p:style>
-          <a:lnRef idx="1">
-            <a:schemeClr val="dk1"/>
-          </a:lnRef>
-          <a:fillRef idx="0">
-            <a:schemeClr val="dk1"/>
-          </a:fillRef>
-          <a:effectRef idx="0">
-            <a:schemeClr val="dk1"/>
-          </a:effectRef>
-          <a:fontRef idx="minor">
-            <a:schemeClr val="tx1"/>
-          </a:fontRef>
-        </p:style>
-      </p:cxnSp>
     </p:spTree>
     <p:extLst>
       <p:ext uri="{BB962C8B-B14F-4D97-AF65-F5344CB8AC3E}">
-        <p14:creationId xmlns:p14="http://schemas.microsoft.com/office/powerpoint/2010/main" val="3024687135"/>
+        <p14:creationId xmlns:p14="http://schemas.microsoft.com/office/powerpoint/2010/main" val="2127040152"/>
       </p:ext>
     </p:extLst>
   </p:cSld>
   <p:clrMapOvr>
     <a:masterClrMapping/>
   </p:clrMapOvr>
-  <mc:AlternateContent xmlns:mc="http://schemas.openxmlformats.org/markup-compatibility/2006" xmlns:p14="http://schemas.microsoft.com/office/powerpoint/2010/main">
-    <mc:Choice Requires="p14">
-      <p:transition spd="med" p14:dur="700">
-        <p:fade/>
-      </p:transition>
-    </mc:Choice>
-    <mc:Fallback xmlns="">
-      <p:transition spd="med">
-        <p:fade/>
-      </p:transition>
-    </mc:Fallback>
-  </mc:AlternateContent>
 </p:sld>
 </file>
 
-<file path=ppt/slides/slide8.xml><?xml version="1.0" encoding="utf-8"?>
+<file path=ppt/slides/slide7.xml><?xml version="1.0" encoding="utf-8"?>
 <p:sld xmlns:a="http://schemas.openxmlformats.org/drawingml/2006/main" xmlns:r="http://schemas.openxmlformats.org/officeDocument/2006/relationships" xmlns:p="http://schemas.openxmlformats.org/presentationml/2006/main">
   <p:cSld>
     <p:spTree>
@@ -13852,6 +12697,127 @@
 </p:sld>
 </file>
 
+<file path=ppt/slides/slide8.xml><?xml version="1.0" encoding="utf-8"?>
+<p:sld xmlns:a="http://schemas.openxmlformats.org/drawingml/2006/main" xmlns:r="http://schemas.openxmlformats.org/officeDocument/2006/relationships" xmlns:p="http://schemas.openxmlformats.org/presentationml/2006/main">
+  <p:cSld>
+    <p:spTree>
+      <p:nvGrpSpPr>
+        <p:cNvPr id="1" name=""/>
+        <p:cNvGrpSpPr/>
+        <p:nvPr/>
+      </p:nvGrpSpPr>
+      <p:grpSpPr>
+        <a:xfrm>
+          <a:off x="0" y="0"/>
+          <a:ext cx="0" cy="0"/>
+          <a:chOff x="0" y="0"/>
+          <a:chExt cx="0" cy="0"/>
+        </a:xfrm>
+      </p:grpSpPr>
+      <p:sp>
+        <p:nvSpPr>
+          <p:cNvPr id="5" name="Content Placeholder 4">
+            <a:extLst>
+              <a:ext uri="{FF2B5EF4-FFF2-40B4-BE49-F238E27FC236}">
+                <a16:creationId xmlns:a16="http://schemas.microsoft.com/office/drawing/2014/main" id="{7C82B2FA-DB39-467C-9DC1-245874DCBCF1}"/>
+              </a:ext>
+            </a:extLst>
+          </p:cNvPr>
+          <p:cNvSpPr>
+            <a:spLocks noGrp="1"/>
+          </p:cNvSpPr>
+          <p:nvPr>
+            <p:ph idx="1"/>
+          </p:nvPr>
+        </p:nvSpPr>
+        <p:spPr>
+          <a:xfrm>
+            <a:off x="1" y="1386840"/>
+            <a:ext cx="12192000" cy="4790124"/>
+          </a:xfrm>
+        </p:spPr>
+        <p:txBody>
+          <a:bodyPr>
+            <a:normAutofit/>
+          </a:bodyPr>
+          <a:lstStyle/>
+          <a:p>
+            <a:pPr marL="0" indent="0">
+              <a:buNone/>
+            </a:pPr>
+            <a:endParaRPr lang="en-US" dirty="0">
+              <a:latin typeface="Palatino Linotype" panose="02040502050505030304" pitchFamily="18" charset="0"/>
+            </a:endParaRPr>
+          </a:p>
+          <a:p>
+            <a:pPr marL="0" indent="0">
+              <a:buNone/>
+            </a:pPr>
+            <a:endParaRPr lang="en-US" dirty="0">
+              <a:latin typeface="Palatino Linotype" panose="02040502050505030304" pitchFamily="18" charset="0"/>
+            </a:endParaRPr>
+          </a:p>
+          <a:p>
+            <a:pPr marL="0" indent="0">
+              <a:buNone/>
+            </a:pPr>
+            <a:endParaRPr lang="en-US" dirty="0">
+              <a:latin typeface="Palatino Linotype" panose="02040502050505030304" pitchFamily="18" charset="0"/>
+            </a:endParaRPr>
+          </a:p>
+          <a:p>
+            <a:pPr marL="0" indent="0" algn="ctr">
+              <a:buNone/>
+            </a:pPr>
+            <a:r>
+              <a:rPr lang="en-US" sz="4000" dirty="0">
+                <a:latin typeface="Palatino Linotype" panose="02040502050505030304" pitchFamily="18" charset="0"/>
+              </a:rPr>
+              <a:t>Start with your </a:t>
+            </a:r>
+            <a:r>
+              <a:rPr lang="en-US" sz="4000" dirty="0">
+                <a:solidFill>
+                  <a:srgbClr val="80BE63"/>
+                </a:solidFill>
+                <a:latin typeface="Palatino Linotype" panose="02040502050505030304" pitchFamily="18" charset="0"/>
+              </a:rPr>
+              <a:t>Interests, </a:t>
+            </a:r>
+            <a:r>
+              <a:rPr lang="en-US" sz="4000" dirty="0">
+                <a:latin typeface="Palatino Linotype" panose="02040502050505030304" pitchFamily="18" charset="0"/>
+              </a:rPr>
+              <a:t>not the Technology</a:t>
+            </a:r>
+          </a:p>
+        </p:txBody>
+      </p:sp>
+    </p:spTree>
+    <p:extLst>
+      <p:ext uri="{BB962C8B-B14F-4D97-AF65-F5344CB8AC3E}">
+        <p14:creationId xmlns:p14="http://schemas.microsoft.com/office/powerpoint/2010/main" val="1397534281"/>
+      </p:ext>
+    </p:extLst>
+  </p:cSld>
+  <p:clrMapOvr>
+    <a:masterClrMapping/>
+  </p:clrMapOvr>
+  <mc:AlternateContent xmlns:mc="http://schemas.openxmlformats.org/markup-compatibility/2006" xmlns:p14="http://schemas.microsoft.com/office/powerpoint/2010/main">
+    <mc:Choice Requires="p14">
+      <p:transition spd="med" p14:dur="700">
+        <p:fade/>
+      </p:transition>
+    </mc:Choice>
+    <mc:Fallback xmlns="">
+      <p:transition spd="med">
+        <p:fade/>
+      </p:transition>
+    </mc:Fallback>
+  </mc:AlternateContent>
+</p:sld>
+</file>
+
 <file path=ppt/slides/slide9.xml><?xml version="1.0" encoding="utf-8"?>
 <p:sld xmlns:a="http://schemas.openxmlformats.org/drawingml/2006/main" xmlns:r="http://schemas.openxmlformats.org/officeDocument/2006/relationships" xmlns:p="http://schemas.openxmlformats.org/presentationml/2006/main">
   <p:cSld>
@@ -13887,8 +12853,8 @@
         </p:nvSpPr>
         <p:spPr>
           <a:xfrm>
-            <a:off x="1" y="1386840"/>
-            <a:ext cx="12192000" cy="4790124"/>
+            <a:off x="728420" y="1545870"/>
+            <a:ext cx="10585343" cy="1310754"/>
           </a:xfrm>
         </p:spPr>
         <p:txBody>
@@ -13897,7 +12863,7 @@
           </a:bodyPr>
           <a:lstStyle/>
           <a:p>
-            <a:pPr marL="0" indent="0">
+            <a:pPr marL="0" indent="0" algn="ctr">
               <a:buNone/>
             </a:pPr>
             <a:endParaRPr lang="en-US" dirty="0">
@@ -13905,45 +12871,244 @@
             </a:endParaRPr>
           </a:p>
           <a:p>
-            <a:pPr marL="0" indent="0">
+            <a:pPr marL="0" indent="0" algn="ctr">
+              <a:buNone/>
+            </a:pPr>
+            <a:r>
+              <a:rPr lang="en-US" dirty="0">
+                <a:latin typeface="Palatino Linotype" panose="02040502050505030304" pitchFamily="18" charset="0"/>
+              </a:rPr>
+              <a:t>How do you plan to use AI?</a:t>
+            </a:r>
+          </a:p>
+          <a:p>
+            <a:pPr marL="0" indent="0" algn="ctr">
               <a:buNone/>
             </a:pPr>
             <a:endParaRPr lang="en-US" dirty="0">
               <a:latin typeface="Palatino Linotype" panose="02040502050505030304" pitchFamily="18" charset="0"/>
             </a:endParaRPr>
           </a:p>
-          <a:p>
-            <a:pPr marL="0" indent="0">
-              <a:buNone/>
-            </a:pPr>
-            <a:endParaRPr lang="en-US" dirty="0">
-              <a:latin typeface="Palatino Linotype" panose="02040502050505030304" pitchFamily="18" charset="0"/>
-            </a:endParaRPr>
-          </a:p>
-          <a:p>
-            <a:pPr marL="0" indent="0" algn="ctr">
-              <a:buNone/>
-            </a:pPr>
-            <a:r>
-              <a:rPr lang="en-US" sz="4000" dirty="0">
+        </p:txBody>
+      </p:sp>
+      <p:pic>
+        <p:nvPicPr>
+          <p:cNvPr id="3" name="Picture 2">
+            <a:extLst>
+              <a:ext uri="{FF2B5EF4-FFF2-40B4-BE49-F238E27FC236}">
+                <a16:creationId xmlns:a16="http://schemas.microsoft.com/office/drawing/2014/main" id="{A034AEAE-8D98-4368-AE64-EC0D42A4741C}"/>
+              </a:ext>
+            </a:extLst>
+          </p:cNvPr>
+          <p:cNvPicPr>
+            <a:picLocks noChangeAspect="1"/>
+          </p:cNvPicPr>
+          <p:nvPr/>
+        </p:nvPicPr>
+        <p:blipFill>
+          <a:blip r:embed="rId3">
+            <a:extLst>
+              <a:ext uri="{BEBA8EAE-BF5A-486C-A8C5-ECC9F3942E4B}">
+                <a14:imgProps xmlns:a14="http://schemas.microsoft.com/office/drawing/2010/main">
+                  <a14:imgLayer r:embed="rId4">
+                    <a14:imgEffect>
+                      <a14:colorTemperature colorTemp="11200"/>
+                    </a14:imgEffect>
+                    <a14:imgEffect>
+                      <a14:saturation sat="60000"/>
+                    </a14:imgEffect>
+                  </a14:imgLayer>
+                </a14:imgProps>
+              </a:ext>
+              <a:ext uri="{28A0092B-C50C-407E-A947-70E740481C1C}">
+                <a14:useLocalDpi xmlns:a14="http://schemas.microsoft.com/office/drawing/2010/main" val="0"/>
+              </a:ext>
+            </a:extLst>
+          </a:blip>
+          <a:stretch>
+            <a:fillRect/>
+          </a:stretch>
+        </p:blipFill>
+        <p:spPr>
+          <a:xfrm>
+            <a:off x="4055100" y="523235"/>
+            <a:ext cx="3703754" cy="827416"/>
+          </a:xfrm>
+          <a:prstGeom prst="rect">
+            <a:avLst/>
+          </a:prstGeom>
+        </p:spPr>
+      </p:pic>
+      <p:sp>
+        <p:nvSpPr>
+          <p:cNvPr id="8" name="TextBox 7">
+            <a:extLst>
+              <a:ext uri="{FF2B5EF4-FFF2-40B4-BE49-F238E27FC236}">
+                <a16:creationId xmlns:a16="http://schemas.microsoft.com/office/drawing/2014/main" id="{D7CE6138-14E5-489A-96FA-9F95DC32FDE3}"/>
+              </a:ext>
+            </a:extLst>
+          </p:cNvPr>
+          <p:cNvSpPr txBox="1"/>
+          <p:nvPr/>
+        </p:nvSpPr>
+        <p:spPr>
+          <a:xfrm>
+            <a:off x="4582155" y="4167234"/>
+            <a:ext cx="2693289" cy="461665"/>
+          </a:xfrm>
+          <a:prstGeom prst="rect">
+            <a:avLst/>
+          </a:prstGeom>
+          <a:solidFill>
+            <a:schemeClr val="accent3">
+              <a:lumMod val="20000"/>
+              <a:lumOff val="80000"/>
+            </a:schemeClr>
+          </a:solidFill>
+          <a:ln>
+            <a:solidFill>
+              <a:schemeClr val="tx1">
+                <a:lumMod val="65000"/>
+                <a:lumOff val="35000"/>
+              </a:schemeClr>
+            </a:solidFill>
+          </a:ln>
+          <a:effectLst>
+            <a:outerShdw blurRad="50800" dist="38100" dir="2700000" algn="tl" rotWithShape="0">
+              <a:prstClr val="black">
+                <a:alpha val="40000"/>
+              </a:prstClr>
+            </a:outerShdw>
+          </a:effectLst>
+        </p:spPr>
+        <p:txBody>
+          <a:bodyPr wrap="square" rtlCol="0">
+            <a:spAutoFit/>
+          </a:bodyPr>
+          <a:lstStyle/>
+          <a:p>
+            <a:pPr algn="ctr"/>
+            <a:r>
+              <a:rPr lang="en-US" sz="2400" dirty="0">
                 <a:latin typeface="Palatino Linotype" panose="02040502050505030304" pitchFamily="18" charset="0"/>
               </a:rPr>
-              <a:t>Start with your </a:t>
-            </a:r>
-            <a:r>
-              <a:rPr lang="en-US" sz="4000" dirty="0">
-                <a:solidFill>
-                  <a:srgbClr val="80BE63"/>
-                </a:solidFill>
+              <a:t>Research</a:t>
+            </a:r>
+          </a:p>
+        </p:txBody>
+      </p:sp>
+      <p:sp>
+        <p:nvSpPr>
+          <p:cNvPr id="9" name="TextBox 8">
+            <a:extLst>
+              <a:ext uri="{FF2B5EF4-FFF2-40B4-BE49-F238E27FC236}">
+                <a16:creationId xmlns:a16="http://schemas.microsoft.com/office/drawing/2014/main" id="{F58D04D3-2FEB-40E1-8912-8E51B943C806}"/>
+              </a:ext>
+            </a:extLst>
+          </p:cNvPr>
+          <p:cNvSpPr txBox="1"/>
+          <p:nvPr/>
+        </p:nvSpPr>
+        <p:spPr>
+          <a:xfrm>
+            <a:off x="4582155" y="3403139"/>
+            <a:ext cx="2693289" cy="461665"/>
+          </a:xfrm>
+          <a:prstGeom prst="rect">
+            <a:avLst/>
+          </a:prstGeom>
+          <a:solidFill>
+            <a:schemeClr val="accent3">
+              <a:lumMod val="20000"/>
+              <a:lumOff val="80000"/>
+            </a:schemeClr>
+          </a:solidFill>
+          <a:ln>
+            <a:solidFill>
+              <a:schemeClr val="tx1">
+                <a:lumMod val="65000"/>
+                <a:lumOff val="35000"/>
+              </a:schemeClr>
+            </a:solidFill>
+          </a:ln>
+          <a:effectLst>
+            <a:outerShdw blurRad="50800" dist="38100" dir="2700000" algn="tl" rotWithShape="0">
+              <a:prstClr val="black">
+                <a:alpha val="40000"/>
+              </a:prstClr>
+            </a:outerShdw>
+          </a:effectLst>
+        </p:spPr>
+        <p:txBody>
+          <a:bodyPr wrap="square" rtlCol="0">
+            <a:spAutoFit/>
+          </a:bodyPr>
+          <a:lstStyle/>
+          <a:p>
+            <a:pPr algn="ctr"/>
+            <a:r>
+              <a:rPr lang="en-US" sz="2400" dirty="0">
                 <a:latin typeface="Palatino Linotype" panose="02040502050505030304" pitchFamily="18" charset="0"/>
               </a:rPr>
-              <a:t>Interests, </a:t>
-            </a:r>
-            <a:r>
-              <a:rPr lang="en-US" sz="4000" dirty="0">
+              <a:t>Create a Service</a:t>
+            </a:r>
+          </a:p>
+        </p:txBody>
+      </p:sp>
+      <p:sp>
+        <p:nvSpPr>
+          <p:cNvPr id="10" name="TextBox 9">
+            <a:extLst>
+              <a:ext uri="{FF2B5EF4-FFF2-40B4-BE49-F238E27FC236}">
+                <a16:creationId xmlns:a16="http://schemas.microsoft.com/office/drawing/2014/main" id="{F163C85C-E986-4309-BAA4-6A07F26E20F4}"/>
+              </a:ext>
+            </a:extLst>
+          </p:cNvPr>
+          <p:cNvSpPr txBox="1"/>
+          <p:nvPr/>
+        </p:nvSpPr>
+        <p:spPr>
+          <a:xfrm>
+            <a:off x="4582155" y="4941268"/>
+            <a:ext cx="2693289" cy="461665"/>
+          </a:xfrm>
+          <a:prstGeom prst="rect">
+            <a:avLst/>
+          </a:prstGeom>
+          <a:solidFill>
+            <a:schemeClr val="accent3">
+              <a:lumMod val="20000"/>
+              <a:lumOff val="80000"/>
+            </a:schemeClr>
+          </a:solidFill>
+          <a:ln>
+            <a:solidFill>
+              <a:schemeClr val="tx1">
+                <a:lumMod val="65000"/>
+                <a:lumOff val="35000"/>
+              </a:schemeClr>
+            </a:solidFill>
+          </a:ln>
+          <a:effectLst>
+            <a:outerShdw blurRad="50800" dist="38100" dir="2700000" algn="tl" rotWithShape="0">
+              <a:prstClr val="black">
+                <a:alpha val="40000"/>
+              </a:prstClr>
+            </a:outerShdw>
+          </a:effectLst>
+        </p:spPr>
+        <p:txBody>
+          <a:bodyPr wrap="square" rtlCol="0">
+            <a:spAutoFit/>
+          </a:bodyPr>
+          <a:lstStyle/>
+          <a:p>
+            <a:pPr algn="ctr"/>
+            <a:r>
+              <a:rPr lang="en-US" sz="2400" dirty="0">
                 <a:latin typeface="Palatino Linotype" panose="02040502050505030304" pitchFamily="18" charset="0"/>
               </a:rPr>
-              <a:t>not the Technology</a:t>
+              <a:t>Consult / Teach</a:t>
             </a:r>
           </a:p>
         </p:txBody>
@@ -13951,7 +13116,7 @@
     </p:spTree>
     <p:extLst>
       <p:ext uri="{BB962C8B-B14F-4D97-AF65-F5344CB8AC3E}">
-        <p14:creationId xmlns:p14="http://schemas.microsoft.com/office/powerpoint/2010/main" val="1397534281"/>
+        <p14:creationId xmlns:p14="http://schemas.microsoft.com/office/powerpoint/2010/main" val="276131639"/>
       </p:ext>
     </p:extLst>
   </p:cSld>

--- a/presentations/01_practicum_intro.pptx
+++ b/presentations/01_practicum_intro.pptx
@@ -5,7 +5,7 @@
     <p:sldMasterId id="2147483648" r:id="rId1"/>
   </p:sldMasterIdLst>
   <p:notesMasterIdLst>
-    <p:notesMasterId r:id="rId28"/>
+    <p:notesMasterId r:id="rId30"/>
   </p:notesMasterIdLst>
   <p:sldIdLst>
     <p:sldId id="324" r:id="rId2"/>
@@ -23,17 +23,19 @@
     <p:sldId id="331" r:id="rId14"/>
     <p:sldId id="335" r:id="rId15"/>
     <p:sldId id="326" r:id="rId16"/>
-    <p:sldId id="321" r:id="rId17"/>
-    <p:sldId id="292" r:id="rId18"/>
-    <p:sldId id="305" r:id="rId19"/>
-    <p:sldId id="306" r:id="rId20"/>
-    <p:sldId id="307" r:id="rId21"/>
-    <p:sldId id="308" r:id="rId22"/>
-    <p:sldId id="309" r:id="rId23"/>
-    <p:sldId id="310" r:id="rId24"/>
-    <p:sldId id="294" r:id="rId25"/>
-    <p:sldId id="333" r:id="rId26"/>
-    <p:sldId id="301" r:id="rId27"/>
+    <p:sldId id="336" r:id="rId17"/>
+    <p:sldId id="321" r:id="rId18"/>
+    <p:sldId id="292" r:id="rId19"/>
+    <p:sldId id="337" r:id="rId20"/>
+    <p:sldId id="305" r:id="rId21"/>
+    <p:sldId id="306" r:id="rId22"/>
+    <p:sldId id="307" r:id="rId23"/>
+    <p:sldId id="308" r:id="rId24"/>
+    <p:sldId id="309" r:id="rId25"/>
+    <p:sldId id="310" r:id="rId26"/>
+    <p:sldId id="333" r:id="rId27"/>
+    <p:sldId id="294" r:id="rId28"/>
+    <p:sldId id="301" r:id="rId29"/>
   </p:sldIdLst>
   <p:sldSz cx="12192000" cy="6858000"/>
   <p:notesSz cx="7023100" cy="9309100"/>
@@ -233,7 +235,7 @@
           <a:p>
             <a:fld id="{FD93C9B2-20F6-4DB1-B471-224337D0AC79}" type="datetimeFigureOut">
               <a:rPr lang="en-US" smtClean="0"/>
-              <a:t>8/29/2022</a:t>
+              <a:t>8/31/2022</a:t>
             </a:fld>
             <a:endParaRPr lang="en-US"/>
           </a:p>
@@ -1409,46 +1411,10 @@
           <a:bodyPr/>
           <a:lstStyle/>
           <a:p>
-            <a:pPr marL="233309" indent="-233309">
-              <a:buAutoNum type="arabicPeriod"/>
-            </a:pPr>
             <a:r>
               <a:rPr lang="en-US" dirty="0"/>
-              <a:t>Clive Humby, 2006.</a:t>
-            </a:r>
-          </a:p>
-          <a:p>
-            <a:pPr marL="233309" indent="-233309">
-              <a:buAutoNum type="arabicPeriod"/>
-            </a:pPr>
-            <a:r>
-              <a:rPr lang="en-US" dirty="0"/>
-              <a:t>Data powers deep learning AI systems</a:t>
-            </a:r>
-          </a:p>
-          <a:p>
-            <a:pPr defTabSz="933237">
-              <a:defRPr/>
-            </a:pPr>
-            <a:endParaRPr lang="en-US" dirty="0"/>
-          </a:p>
-          <a:p>
-            <a:pPr defTabSz="933237">
-              <a:defRPr/>
-            </a:pPr>
-            <a:r>
-              <a:rPr lang="en-US" dirty="0"/>
-              <a:t>=====</a:t>
-            </a:r>
-          </a:p>
-          <a:p>
-            <a:r>
-              <a:rPr lang="en-US" dirty="0"/>
-              <a:t>In 2006, a British entrepreneur named Clive Humby coined the phrase “Data is the new oil.”  Data powers A.I. systems, and it comes in a variety of formats.  Thus, data is a logical starting point for thinking about AI.  So, what kinds of data are you presently working with?  </a:t>
-            </a:r>
-          </a:p>
-          <a:p>
-            <a:endParaRPr lang="en-US" dirty="0"/>
+              <a:t>Now that we’ve introduced our Practicum AI program, let’s get practical.  How does one get an AI project off the ground?  Typically, a project begins with a research question or idea for a product.  But sometimes a unique dataset sets a project in motion.  When that’s the case, the data informs and delimits the “askable” questions.  The data and questions, in turn, drive the selection of suitable AI methods and techniques.  Question, data, and method all mutually influence each other – as pictured here with the bi-directional arrows.  In other words, you cannot think of one in isolation from the other two.</a:t>
+            </a:r>
           </a:p>
         </p:txBody>
       </p:sp>
@@ -1478,7 +1444,7 @@
     </p:spTree>
     <p:extLst>
       <p:ext uri="{BB962C8B-B14F-4D97-AF65-F5344CB8AC3E}">
-        <p14:creationId xmlns:p14="http://schemas.microsoft.com/office/powerpoint/2010/main" val="2921774388"/>
+        <p14:creationId xmlns:p14="http://schemas.microsoft.com/office/powerpoint/2010/main" val="3515819231"/>
       </p:ext>
     </p:extLst>
   </p:cSld>
@@ -1537,15 +1503,7 @@
             </a:pPr>
             <a:r>
               <a:rPr lang="en-US" dirty="0"/>
-              <a:t>Bill Inman – </a:t>
-            </a:r>
-            <a:r>
-              <a:rPr lang="en-US" i="1" dirty="0"/>
-              <a:t>Data Architecture: A Primer for the Data Scientist – </a:t>
-            </a:r>
-            <a:r>
-              <a:rPr lang="en-US" i="0" dirty="0"/>
-              <a:t>structured / unstructured data – most data is unstructured</a:t>
+              <a:t>Clive Humby, 2006.</a:t>
             </a:r>
           </a:p>
           <a:p>
@@ -1553,61 +1511,8 @@
               <a:buAutoNum type="arabicPeriod"/>
             </a:pPr>
             <a:r>
-              <a:rPr lang="en-US" i="0" dirty="0"/>
-              <a:t>Structured data – contained in rows and columns – two types</a:t>
-            </a:r>
-          </a:p>
-          <a:p>
-            <a:pPr marL="699927" lvl="1" indent="-233309">
-              <a:buAutoNum type="arabicPeriod"/>
-            </a:pPr>
-            <a:r>
-              <a:rPr lang="en-US" i="0" dirty="0"/>
-              <a:t>Database management systems (Oracle, SQLServer, MySQL, and </a:t>
-            </a:r>
-            <a:r>
-              <a:rPr lang="en-US" i="0" dirty="0" err="1"/>
-              <a:t>PostGres</a:t>
-            </a:r>
-            <a:r>
-              <a:rPr lang="en-US" i="0" dirty="0"/>
-              <a:t>)</a:t>
-            </a:r>
-          </a:p>
-          <a:p>
-            <a:pPr marL="699927" lvl="1" indent="-233309">
-              <a:buAutoNum type="arabicPeriod"/>
-            </a:pPr>
-            <a:r>
-              <a:rPr lang="en-US" i="0" dirty="0"/>
-              <a:t>Repetitive data (sensor output, telephone call records, metered data, etc…)</a:t>
-            </a:r>
-          </a:p>
-          <a:p>
-            <a:pPr marL="233309" indent="-233309">
-              <a:buAutoNum type="arabicPeriod"/>
-            </a:pPr>
-            <a:r>
               <a:rPr lang="en-US" dirty="0"/>
-              <a:t>Unstructured data – not contained in row-column databases – each record is unique – two types</a:t>
-            </a:r>
-          </a:p>
-          <a:p>
-            <a:pPr marL="699927" lvl="1" indent="-233309">
-              <a:buAutoNum type="arabicPeriod"/>
-            </a:pPr>
-            <a:r>
-              <a:rPr lang="en-US" dirty="0"/>
-              <a:t>Textual – emails, transcribed conversations, literary texts</a:t>
-            </a:r>
-          </a:p>
-          <a:p>
-            <a:pPr marL="699927" lvl="1" indent="-233309">
-              <a:buAutoNum type="arabicPeriod"/>
-            </a:pPr>
-            <a:r>
-              <a:rPr lang="en-US" dirty="0"/>
-              <a:t>Non-Textual – images, video, and audio recordings</a:t>
+              <a:t>Data powers deep learning AI systems</a:t>
             </a:r>
           </a:p>
           <a:p>
@@ -1628,58 +1533,11 @@
           <a:p>
             <a:r>
               <a:rPr lang="en-US" dirty="0"/>
-              <a:t>In his book, </a:t>
-            </a:r>
-            <a:r>
-              <a:rPr lang="en-US" i="1" dirty="0"/>
-              <a:t>Data Architecture: A Primer for the Data Scientist, </a:t>
-            </a:r>
-            <a:r>
-              <a:rPr lang="en-US" i="0" dirty="0"/>
-              <a:t>Bill Inman makes a distinction between two foundational types of data – between structured data and its unstructured counterpart.  A</a:t>
-            </a:r>
-            <a:r>
-              <a:rPr lang="en-US" dirty="0"/>
-              <a:t>s he points out, most of the world’s data is unstructured.  So, what’s the difference between the two? </a:t>
+              <a:t>In 2006, a British entrepreneur named Clive Humby coined the phrase “Data is the new oil.”  Data powers A.I. systems, and it comes in a variety of formats.  Thus, data is a logical starting point for thinking about AI.  So, what kinds of data are you presently working with?  </a:t>
             </a:r>
           </a:p>
           <a:p>
             <a:endParaRPr lang="en-US" dirty="0"/>
-          </a:p>
-          <a:p>
-            <a:r>
-              <a:rPr lang="en-US" b="0" i="0" dirty="0">
-                <a:solidFill>
-                  <a:srgbClr val="333333"/>
-                </a:solidFill>
-                <a:effectLst/>
-                <a:latin typeface="Georgia" panose="02040502050405020303" pitchFamily="18" charset="0"/>
-              </a:rPr>
-              <a:t>Structured data is easy to search and organize because it is usually contained in rows and columns and its elements can be mapped into fixed, pre-defined fields.  </a:t>
-            </a:r>
-            <a:r>
-              <a:rPr lang="en-US" dirty="0"/>
-              <a:t>Structured data is of two types.  The first type is data which comes from a database management system – Oracle, SQLServer, etc…  The Epic healthcare system – used by UF Health – is a structured data source, though it also stores unstructured text data in the form of physician notes.  The second is repetitive data, consisting of structured records coming from a variety of non-database sources.  Some examples of repetitive data include sensor output, telephone call records, metered data, and so forth. </a:t>
-            </a:r>
-          </a:p>
-          <a:p>
-            <a:endParaRPr lang="en-US" dirty="0"/>
-          </a:p>
-          <a:p>
-            <a:r>
-              <a:rPr lang="en-US" b="0" i="0" dirty="0">
-                <a:solidFill>
-                  <a:srgbClr val="333333"/>
-                </a:solidFill>
-                <a:effectLst/>
-                <a:latin typeface="Georgia" panose="02040502050405020303" pitchFamily="18" charset="0"/>
-              </a:rPr>
-              <a:t>Unstructured data is data that cannot be contained in a row-column database and does not have an associated data model.  Each record is unique in terms of its structure and content.  Now t</a:t>
-            </a:r>
-            <a:r>
-              <a:rPr lang="en-US" dirty="0"/>
-              <a:t>here are two types of unstructured data – textual and non-textual.  Examples of textual data include emails, transcribed conversations, literary texts, and so on.  Non-textual data includes images, video, and audio recordings.</a:t>
-            </a:r>
           </a:p>
         </p:txBody>
       </p:sp>
@@ -1709,7 +1567,7 @@
     </p:spTree>
     <p:extLst>
       <p:ext uri="{BB962C8B-B14F-4D97-AF65-F5344CB8AC3E}">
-        <p14:creationId xmlns:p14="http://schemas.microsoft.com/office/powerpoint/2010/main" val="107510316"/>
+        <p14:creationId xmlns:p14="http://schemas.microsoft.com/office/powerpoint/2010/main" val="2921774388"/>
       </p:ext>
     </p:extLst>
   </p:cSld>
@@ -1768,16 +1626,89 @@
             </a:pPr>
             <a:r>
               <a:rPr lang="en-US" dirty="0"/>
-              <a:t>Review acronyms in Methods column</a:t>
-            </a:r>
-          </a:p>
-          <a:p>
-            <a:endParaRPr lang="en-US" dirty="0"/>
+              <a:t>Bill Inman – </a:t>
+            </a:r>
+            <a:r>
+              <a:rPr lang="en-US" i="1" dirty="0"/>
+              <a:t>Data Architecture: A Primer for the Data Scientist – </a:t>
+            </a:r>
+            <a:r>
+              <a:rPr lang="en-US" i="0" dirty="0"/>
+              <a:t>structured / unstructured data – most data is unstructured</a:t>
+            </a:r>
+          </a:p>
+          <a:p>
+            <a:pPr marL="233309" indent="-233309">
+              <a:buAutoNum type="arabicPeriod"/>
+            </a:pPr>
+            <a:r>
+              <a:rPr lang="en-US" i="0" dirty="0"/>
+              <a:t>Structured data – contained in rows and columns – two types</a:t>
+            </a:r>
+          </a:p>
+          <a:p>
+            <a:pPr marL="699927" lvl="1" indent="-233309">
+              <a:buAutoNum type="arabicPeriod"/>
+            </a:pPr>
+            <a:r>
+              <a:rPr lang="en-US" i="0" dirty="0"/>
+              <a:t>Database management systems (Oracle, SQLServer, MySQL, and </a:t>
+            </a:r>
+            <a:r>
+              <a:rPr lang="en-US" i="0" dirty="0" err="1"/>
+              <a:t>PostGres</a:t>
+            </a:r>
+            <a:r>
+              <a:rPr lang="en-US" i="0" dirty="0"/>
+              <a:t>)</a:t>
+            </a:r>
+          </a:p>
+          <a:p>
+            <a:pPr marL="699927" lvl="1" indent="-233309">
+              <a:buAutoNum type="arabicPeriod"/>
+            </a:pPr>
+            <a:r>
+              <a:rPr lang="en-US" i="0" dirty="0"/>
+              <a:t>Repetitive data (sensor output, telephone call records, metered data, etc…)</a:t>
+            </a:r>
+          </a:p>
+          <a:p>
+            <a:pPr marL="233309" indent="-233309">
+              <a:buAutoNum type="arabicPeriod"/>
+            </a:pPr>
+            <a:r>
+              <a:rPr lang="en-US" dirty="0"/>
+              <a:t>Unstructured data – not contained in row-column databases – each record is unique – two types</a:t>
+            </a:r>
+          </a:p>
+          <a:p>
+            <a:pPr marL="699927" lvl="1" indent="-233309">
+              <a:buAutoNum type="arabicPeriod"/>
+            </a:pPr>
+            <a:r>
+              <a:rPr lang="en-US" dirty="0"/>
+              <a:t>Textual – emails, transcribed conversations, literary texts</a:t>
+            </a:r>
+          </a:p>
+          <a:p>
+            <a:pPr marL="699927" lvl="1" indent="-233309">
+              <a:buAutoNum type="arabicPeriod"/>
+            </a:pPr>
+            <a:r>
+              <a:rPr lang="en-US" dirty="0"/>
+              <a:t>Non-Textual – images, video, and audio recordings</a:t>
+            </a:r>
           </a:p>
           <a:p>
             <a:pPr defTabSz="933237">
               <a:defRPr/>
             </a:pPr>
+            <a:endParaRPr lang="en-US" dirty="0"/>
+          </a:p>
+          <a:p>
+            <a:pPr defTabSz="933237">
+              <a:defRPr/>
+            </a:pPr>
             <a:r>
               <a:rPr lang="en-US" dirty="0"/>
               <a:t>=====</a:t>
@@ -1786,7 +1717,19 @@
           <a:p>
             <a:r>
               <a:rPr lang="en-US" dirty="0"/>
-              <a:t>With our primary data sources identified, let’s organize everything in a table.  On the leftmost column, our data sources are listed, followed by a column of generic questions we might like to ask of our data, another column which lists the related AI task for each question, and finally a column of AI methods and technologies.  This table, then, becomes a roadmap to guide your AI learning.  The question and AI task columns are self-explanatory, but I’d like to take a few seconds to unpack the abbreviations in the Methods column.  Don’t worry about the vocabulary at this point as these terms will be defined in our workshops.  But let’s quickly run through the acronyms in the Methods column.  NLP – Natural Language Processing; RNN – Recurrent Neural Network;  CNN – Convolutional Neural Network; GAN – Generative Adversarial Network;  RAPIDS – Nvidia’s data science framework;  Transformer – A new kind of neural network.</a:t>
+              <a:t>In his book, </a:t>
+            </a:r>
+            <a:r>
+              <a:rPr lang="en-US" i="1" dirty="0"/>
+              <a:t>Data Architecture: A Primer for the Data Scientist, </a:t>
+            </a:r>
+            <a:r>
+              <a:rPr lang="en-US" i="0" dirty="0"/>
+              <a:t>Bill Inman makes a distinction between two foundational types of data – between structured data and its unstructured counterpart.  A</a:t>
+            </a:r>
+            <a:r>
+              <a:rPr lang="en-US" dirty="0"/>
+              <a:t>s he points out, most of the world’s data is unstructured.  So, what’s the difference between the two? </a:t>
             </a:r>
           </a:p>
           <a:p>
@@ -1794,18 +1737,38 @@
           </a:p>
           <a:p>
             <a:r>
+              <a:rPr lang="en-US" b="0" i="0" dirty="0">
+                <a:solidFill>
+                  <a:srgbClr val="333333"/>
+                </a:solidFill>
+                <a:effectLst/>
+                <a:latin typeface="Georgia" panose="02040502050405020303" pitchFamily="18" charset="0"/>
+              </a:rPr>
+              <a:t>Structured data is easy to search and organize because it is usually contained in rows and columns and its elements can be mapped into fixed, pre-defined fields.  </a:t>
+            </a:r>
+            <a:r>
               <a:rPr lang="en-US" dirty="0"/>
-              <a:t>We will now consider each data source, the types of questions one can ask of each, and the associated AI methods. </a:t>
+              <a:t>Structured data is of two types.  The first type is data which comes from a database management system – Oracle, SQLServer, etc…  The Epic healthcare system – used by UF Health – is a structured data source, though it also stores unstructured text data in the form of physician notes.  The second is repetitive data, consisting of structured records coming from a variety of non-database sources.  Some examples of repetitive data include sensor output, telephone call records, metered data, and so forth. </a:t>
             </a:r>
           </a:p>
           <a:p>
             <a:endParaRPr lang="en-US" dirty="0"/>
           </a:p>
           <a:p>
-            <a:endParaRPr lang="en-US" dirty="0"/>
-          </a:p>
-          <a:p>
-            <a:endParaRPr lang="en-US" dirty="0"/>
+            <a:r>
+              <a:rPr lang="en-US" b="0" i="0" dirty="0">
+                <a:solidFill>
+                  <a:srgbClr val="333333"/>
+                </a:solidFill>
+                <a:effectLst/>
+                <a:latin typeface="Georgia" panose="02040502050405020303" pitchFamily="18" charset="0"/>
+              </a:rPr>
+              <a:t>Unstructured data is data that cannot be contained in a row-column database and does not have an associated data model.  Each record is unique in terms of its structure and content.  Now t</a:t>
+            </a:r>
+            <a:r>
+              <a:rPr lang="en-US" dirty="0"/>
+              <a:t>here are two types of unstructured data – textual and non-textual.  Examples of textual data include emails, transcribed conversations, literary texts, and so on.  Non-textual data includes images, video, and audio recordings.</a:t>
+            </a:r>
           </a:p>
         </p:txBody>
       </p:sp>
@@ -1835,7 +1798,7 @@
     </p:spTree>
     <p:extLst>
       <p:ext uri="{BB962C8B-B14F-4D97-AF65-F5344CB8AC3E}">
-        <p14:creationId xmlns:p14="http://schemas.microsoft.com/office/powerpoint/2010/main" val="1003415448"/>
+        <p14:creationId xmlns:p14="http://schemas.microsoft.com/office/powerpoint/2010/main" val="107510316"/>
       </p:ext>
     </p:extLst>
   </p:cSld>
@@ -1889,83 +1852,10 @@
           <a:bodyPr/>
           <a:lstStyle/>
           <a:p>
-            <a:pPr marL="228600" indent="-228600" defTabSz="933237">
-              <a:buAutoNum type="arabicPeriod"/>
-              <a:defRPr/>
-            </a:pPr>
             <a:r>
               <a:rPr lang="en-US" dirty="0"/>
-              <a:t>Nvidia’s RAPIDS development environment best for structured data</a:t>
-            </a:r>
-          </a:p>
-          <a:p>
-            <a:pPr marL="685800" lvl="1" indent="-228600" defTabSz="933237">
-              <a:buAutoNum type="arabicPeriod"/>
-              <a:defRPr/>
-            </a:pPr>
-            <a:r>
-              <a:rPr lang="en-US" dirty="0"/>
-              <a:t>cuDF similar to popular Pandas library</a:t>
-            </a:r>
-          </a:p>
-          <a:p>
-            <a:pPr marL="685800" lvl="1" indent="-228600" defTabSz="933237">
-              <a:buAutoNum type="arabicPeriod"/>
-              <a:defRPr/>
-            </a:pPr>
-            <a:r>
-              <a:rPr lang="en-US" dirty="0"/>
-              <a:t>Support for dataframes, data cleaning, and data management</a:t>
-            </a:r>
-          </a:p>
-          <a:p>
-            <a:pPr marL="685800" lvl="1" indent="-228600" defTabSz="933237">
-              <a:buAutoNum type="arabicPeriod"/>
-              <a:defRPr/>
-            </a:pPr>
-            <a:r>
-              <a:rPr lang="en-US" dirty="0"/>
-              <a:t>Huge performance boost – 10 to 100 times faster</a:t>
-            </a:r>
-          </a:p>
-          <a:p>
-            <a:pPr defTabSz="933237">
-              <a:defRPr/>
-            </a:pPr>
-            <a:endParaRPr lang="en-US" dirty="0"/>
-          </a:p>
-          <a:p>
-            <a:pPr defTabSz="933237">
-              <a:defRPr/>
-            </a:pPr>
-            <a:r>
-              <a:rPr lang="en-US" dirty="0"/>
-              <a:t>=====</a:t>
-            </a:r>
-          </a:p>
-          <a:p>
-            <a:pPr defTabSz="933237">
-              <a:defRPr/>
-            </a:pPr>
-            <a:r>
-              <a:rPr lang="en-US" dirty="0"/>
-              <a:t>In the case of structured data – data derived from databases or repetitive data from sensors – the Nvidia RAPIDS development environment is your best starting point.  RAPIDS provides a set of useful libraries, with machine learning functions for almost any research task.  The RAPIDS cuDF library, for example, is equivalent to the popular Pandas library which supports dataframes as well as basic data management and cleaning.   </a:t>
-            </a:r>
-          </a:p>
-          <a:p>
-            <a:pPr defTabSz="933237">
-              <a:defRPr/>
-            </a:pPr>
-            <a:endParaRPr lang="en-US" dirty="0"/>
-          </a:p>
-          <a:p>
-            <a:pPr defTabSz="933237">
-              <a:defRPr/>
-            </a:pPr>
-            <a:endParaRPr lang="en-US" dirty="0"/>
-          </a:p>
-          <a:p>
-            <a:endParaRPr lang="en-US" dirty="0"/>
+              <a:t>Methods and techniques fall into two primary categories – machine learning and deep learning.  ML algorithms rose to prominence in the 1990’s, with advances in computer hardware.  Deep learning, on the other hand, came into its own shortly after 2010.  This second revolution was powered by Graphic Processing Units (GPUs), plentiful data, and deep learning frameworks – first Tensorflow and then Pytorch.  </a:t>
+            </a:r>
           </a:p>
         </p:txBody>
       </p:sp>
@@ -1995,7 +1885,7 @@
     </p:spTree>
     <p:extLst>
       <p:ext uri="{BB962C8B-B14F-4D97-AF65-F5344CB8AC3E}">
-        <p14:creationId xmlns:p14="http://schemas.microsoft.com/office/powerpoint/2010/main" val="268399345"/>
+        <p14:creationId xmlns:p14="http://schemas.microsoft.com/office/powerpoint/2010/main" val="3009881722"/>
       </p:ext>
     </p:extLst>
   </p:cSld>
@@ -2223,7 +2113,7 @@
             </a:pPr>
             <a:r>
               <a:rPr lang="en-US" dirty="0"/>
-              <a:t>Text generating GANs are a unique animal, different from GANs used to generate images</a:t>
+              <a:t>Review acronyms in Methods column</a:t>
             </a:r>
           </a:p>
           <a:p>
@@ -2241,14 +2131,17 @@
           <a:p>
             <a:r>
               <a:rPr lang="en-US" dirty="0"/>
-              <a:t>With text data, transformers and recurrent neural networks are established deep learning technologies, appropriate for detection, classification, segmentation, recommendation, and creation tasks.  These will solve most text problems, or at least get you started in the right direction.  Generative Adversarial Networks or GANs are another choice.  However, keep in mind that text generating GANs are a unique animal, different and distinct from GANs used to generate images.</a:t>
+              <a:t>With our primary data sources identified, let’s organize everything in a table.  On the leftmost column, our data sources are listed, followed by a column of generic questions we might like to ask of our data, another column which lists the related AI task for each question, and finally a column of AI methods and technologies.  This table, then, becomes a roadmap to guide your AI learning.  The question and AI task columns are self-explanatory, but I’d like to take a few seconds to unpack the abbreviations in the Methods column.  Don’t worry about the vocabulary at this point as these terms will be defined in our workshops.  But let’s quickly run through the acronyms in the Methods column.  NLP – Natural Language Processing; RNN – Recurrent Neural Network;  CNN – Convolutional Neural Network; GAN – Generative Adversarial Network;  RAPIDS – Nvidia’s data science framework;  Transformer – A new kind of neural network.</a:t>
             </a:r>
           </a:p>
           <a:p>
             <a:endParaRPr lang="en-US" dirty="0"/>
           </a:p>
           <a:p>
-            <a:endParaRPr lang="en-US" dirty="0"/>
+            <a:r>
+              <a:rPr lang="en-US" dirty="0"/>
+              <a:t>We will now consider each data source, the types of questions one can ask of each, and the associated AI methods. </a:t>
+            </a:r>
           </a:p>
           <a:p>
             <a:endParaRPr lang="en-US" dirty="0"/>
@@ -2287,7 +2180,7 @@
     </p:spTree>
     <p:extLst>
       <p:ext uri="{BB962C8B-B14F-4D97-AF65-F5344CB8AC3E}">
-        <p14:creationId xmlns:p14="http://schemas.microsoft.com/office/powerpoint/2010/main" val="132608395"/>
+        <p14:creationId xmlns:p14="http://schemas.microsoft.com/office/powerpoint/2010/main" val="1003415448"/>
       </p:ext>
     </p:extLst>
   </p:cSld>
@@ -2341,66 +2234,80 @@
           <a:bodyPr/>
           <a:lstStyle/>
           <a:p>
-            <a:pPr marL="233309" indent="-233309">
+            <a:pPr marL="228600" indent="-228600" defTabSz="933237">
               <a:buAutoNum type="arabicPeriod"/>
+              <a:defRPr/>
             </a:pPr>
             <a:r>
               <a:rPr lang="en-US" dirty="0"/>
-              <a:t>Convolutional neural networks – bread and butter of image work.</a:t>
-            </a:r>
-          </a:p>
-          <a:p>
-            <a:pPr marL="233309" indent="-233309">
+              <a:t>Nvidia’s RAPIDS development environment best for structured data</a:t>
+            </a:r>
+          </a:p>
+          <a:p>
+            <a:pPr marL="685800" lvl="1" indent="-228600" defTabSz="933237">
               <a:buAutoNum type="arabicPeriod"/>
+              <a:defRPr/>
             </a:pPr>
             <a:r>
               <a:rPr lang="en-US" dirty="0"/>
-              <a:t>Recent development -- transformers + GANs = TransGAN.</a:t>
-            </a:r>
-          </a:p>
-          <a:p>
-            <a:pPr marL="233309" indent="-233309">
+              <a:t>cuDF similar to popular Pandas library</a:t>
+            </a:r>
+          </a:p>
+          <a:p>
+            <a:pPr marL="685800" lvl="1" indent="-228600" defTabSz="933237">
               <a:buAutoNum type="arabicPeriod"/>
+              <a:defRPr/>
             </a:pPr>
             <a:r>
               <a:rPr lang="en-US" dirty="0"/>
-              <a:t>Special models for single shot detection and real time object detection.</a:t>
-            </a:r>
-          </a:p>
-          <a:p>
-            <a:endParaRPr lang="en-US" dirty="0"/>
+              <a:t>Support for dataframes, data cleaning, and data management</a:t>
+            </a:r>
+          </a:p>
+          <a:p>
+            <a:pPr marL="685800" lvl="1" indent="-228600" defTabSz="933237">
+              <a:buAutoNum type="arabicPeriod"/>
+              <a:defRPr/>
+            </a:pPr>
+            <a:r>
+              <a:rPr lang="en-US" dirty="0"/>
+              <a:t>Huge performance boost – 10 to 100 times faster</a:t>
+            </a:r>
           </a:p>
           <a:p>
             <a:pPr defTabSz="933237">
               <a:defRPr/>
             </a:pPr>
+            <a:endParaRPr lang="en-US" dirty="0"/>
+          </a:p>
+          <a:p>
+            <a:pPr defTabSz="933237">
+              <a:defRPr/>
+            </a:pPr>
             <a:r>
               <a:rPr lang="en-US" dirty="0"/>
               <a:t>=====</a:t>
             </a:r>
           </a:p>
           <a:p>
+            <a:pPr defTabSz="933237">
+              <a:defRPr/>
+            </a:pPr>
             <a:r>
               <a:rPr lang="en-US" dirty="0"/>
-              <a:t>Convolutional neural networks (CNNs) have been the bread and butter of the image world for some time now.  In short, CNNs do it all.  For image creation, GANs continue to be the tool of choice, typically constructed with CNN components.  Another recent development has been the merging of transformers and GANs, with TransGAN being a prominent example.</a:t>
-            </a:r>
-          </a:p>
-          <a:p>
+              <a:t>In the case of structured data – data derived from databases or repetitive data from sensors – the Nvidia RAPIDS development environment is your best starting point.  RAPIDS provides a set of useful libraries, with machine learning functions for almost any research task.  The RAPIDS cuDF library, for example, is equivalent to the popular Pandas library which supports dataframes as well as basic data management and cleaning.   </a:t>
+            </a:r>
+          </a:p>
+          <a:p>
+            <a:pPr defTabSz="933237">
+              <a:defRPr/>
+            </a:pPr>
             <a:endParaRPr lang="en-US" dirty="0"/>
           </a:p>
           <a:p>
-            <a:r>
-              <a:rPr lang="en-US" dirty="0"/>
-              <a:t>For detection, consider </a:t>
-            </a:r>
-            <a:r>
-              <a:rPr lang="en-US" b="1" dirty="0"/>
-              <a:t>single shot detection models </a:t>
-            </a:r>
-            <a:r>
-              <a:rPr lang="en-US" dirty="0"/>
-              <a:t>(SSDs) or YOLO (real-time object detection).  Faster-RCNN or EfficientDet are also options, depending on the computational resources available.  Classification is a typical CNN task, with ResNet and its variants being popular.  And finally – for segmentation tasks – Mask-RCNN or Unet ought to be considered.  </a:t>
-            </a:r>
+            <a:pPr defTabSz="933237">
+              <a:defRPr/>
+            </a:pPr>
+            <a:endParaRPr lang="en-US" dirty="0"/>
           </a:p>
           <a:p>
             <a:endParaRPr lang="en-US" dirty="0"/>
@@ -2433,7 +2340,7 @@
     </p:spTree>
     <p:extLst>
       <p:ext uri="{BB962C8B-B14F-4D97-AF65-F5344CB8AC3E}">
-        <p14:creationId xmlns:p14="http://schemas.microsoft.com/office/powerpoint/2010/main" val="3841188136"/>
+        <p14:creationId xmlns:p14="http://schemas.microsoft.com/office/powerpoint/2010/main" val="268399345"/>
       </p:ext>
     </p:extLst>
   </p:cSld>
@@ -2492,37 +2399,16 @@
             </a:pPr>
             <a:r>
               <a:rPr lang="en-US" dirty="0"/>
-              <a:t>Video data is unique in that it is a time series of images</a:t>
-            </a:r>
-          </a:p>
-          <a:p>
-            <a:pPr marL="233309" indent="-233309">
-              <a:buAutoNum type="arabicPeriod"/>
-            </a:pPr>
-            <a:r>
-              <a:rPr lang="en-US" dirty="0"/>
-              <a:t>CNNs paired with RNNs as there is both temporal and spatial characteristics</a:t>
-            </a:r>
-          </a:p>
-          <a:p>
-            <a:pPr marL="233309" indent="-233309">
-              <a:buAutoNum type="arabicPeriod"/>
-            </a:pPr>
-            <a:r>
-              <a:rPr lang="en-US" dirty="0"/>
-              <a:t>New development is video GANs which generate new frames, one by one – Cutting edge technology</a:t>
-            </a:r>
+              <a:t>Text generating GANs are a unique animal, different from GANs used to generate images</a:t>
+            </a:r>
+          </a:p>
+          <a:p>
+            <a:endParaRPr lang="en-US" dirty="0"/>
           </a:p>
           <a:p>
             <a:pPr defTabSz="933237">
               <a:defRPr/>
             </a:pPr>
-            <a:endParaRPr lang="en-US" dirty="0"/>
-          </a:p>
-          <a:p>
-            <a:pPr defTabSz="933237">
-              <a:defRPr/>
-            </a:pPr>
             <a:r>
               <a:rPr lang="en-US" dirty="0"/>
               <a:t>=====</a:t>
@@ -2531,8 +2417,14 @@
           <a:p>
             <a:r>
               <a:rPr lang="en-US" dirty="0"/>
-              <a:t>Video data is unique, being a time series of images.  As with image data, convolutional neural networks have captured most of this market, though CNNs are frequently paired with RNNs as there is both temporal and spatial characteristics in each image frame.  With video, single and multi-object tracking is also possible.  Interestingly, there are now video GANs, which basically build frame by frame what it thinks the video should look like.  This is cutting-edge technology.</a:t>
-            </a:r>
+              <a:t>With text data, transformers and recurrent neural networks are established deep learning technologies, appropriate for detection, classification, segmentation, recommendation, and creation tasks.  These will solve most text problems, or at least get you started in the right direction.  Generative Adversarial Networks or GANs are another choice.  However, keep in mind that text generating GANs are a unique animal, different and distinct from GANs used to generate images.</a:t>
+            </a:r>
+          </a:p>
+          <a:p>
+            <a:endParaRPr lang="en-US" dirty="0"/>
+          </a:p>
+          <a:p>
+            <a:endParaRPr lang="en-US" dirty="0"/>
           </a:p>
           <a:p>
             <a:endParaRPr lang="en-US" dirty="0"/>
@@ -2571,7 +2463,7 @@
     </p:spTree>
     <p:extLst>
       <p:ext uri="{BB962C8B-B14F-4D97-AF65-F5344CB8AC3E}">
-        <p14:creationId xmlns:p14="http://schemas.microsoft.com/office/powerpoint/2010/main" val="2566424567"/>
+        <p14:creationId xmlns:p14="http://schemas.microsoft.com/office/powerpoint/2010/main" val="132608395"/>
       </p:ext>
     </p:extLst>
   </p:cSld>
@@ -2630,7 +2522,7 @@
             </a:pPr>
             <a:r>
               <a:rPr lang="en-US" dirty="0"/>
-              <a:t>Audio interesting format </a:t>
+              <a:t>Convolutional neural networks – bread and butter of image work.</a:t>
             </a:r>
           </a:p>
           <a:p>
@@ -2639,7 +2531,7 @@
             </a:pPr>
             <a:r>
               <a:rPr lang="en-US" dirty="0"/>
-              <a:t>MEL spectrum representation – 2D spectrogram of a recording</a:t>
+              <a:t>Special models for single shot detection and real time object detection.</a:t>
             </a:r>
           </a:p>
           <a:p>
@@ -2648,19 +2540,16 @@
             </a:pPr>
             <a:r>
               <a:rPr lang="en-US" dirty="0"/>
-              <a:t>Audio is time series, just like video</a:t>
-            </a:r>
+              <a:t>Recent development – transformers + GANs = TransGAN.  Also, diffusion models are gaining traction.</a:t>
+            </a:r>
+          </a:p>
+          <a:p>
+            <a:endParaRPr lang="en-US" dirty="0"/>
           </a:p>
           <a:p>
             <a:pPr defTabSz="933237">
               <a:defRPr/>
             </a:pPr>
-            <a:endParaRPr lang="en-US" dirty="0"/>
-          </a:p>
-          <a:p>
-            <a:pPr defTabSz="933237">
-              <a:defRPr/>
-            </a:pPr>
             <a:r>
               <a:rPr lang="en-US" dirty="0"/>
               <a:t>=====</a:t>
@@ -2669,14 +2558,25 @@
           <a:p>
             <a:r>
               <a:rPr lang="en-US" dirty="0"/>
-              <a:t>Audio is another interesting format.  Many audio methods are derived from a MEL spectrum representation, a 2D spectrogram of the recording.  Like video, audio is also a time series.  Transformers, CNNs, RNNs, and GANs can all be used with audio data.  Now that we have covered the various types of data and their associated methods, it’s time to do something practical.</a:t>
+              <a:t>Convolutional neural networks (CNNs) have been the bread and butter of the image world for some time now.  In short, CNNs do it all.  For image creation, GANs continue to be the tool of choice, typically constructed with CNN components.  Another recent development has been the merging of transformers and GANs, with TransGAN being a prominent example.</a:t>
             </a:r>
           </a:p>
           <a:p>
             <a:endParaRPr lang="en-US" dirty="0"/>
           </a:p>
           <a:p>
-            <a:endParaRPr lang="en-US" dirty="0"/>
+            <a:r>
+              <a:rPr lang="en-US" dirty="0"/>
+              <a:t>For detection, consider </a:t>
+            </a:r>
+            <a:r>
+              <a:rPr lang="en-US" b="1" dirty="0"/>
+              <a:t>single shot detection models </a:t>
+            </a:r>
+            <a:r>
+              <a:rPr lang="en-US" dirty="0"/>
+              <a:t>(SSDs) or YOLO (real-time object detection).  Faster-RCNN or EfficientDet are also options, depending on the computational resources available.  Classification is a typical CNN task, with ResNet and its variants being popular.  And finally – for segmentation tasks – Mask-RCNN or Unet ought to be considered.  </a:t>
+            </a:r>
           </a:p>
           <a:p>
             <a:endParaRPr lang="en-US" dirty="0"/>
@@ -2709,7 +2609,7 @@
     </p:spTree>
     <p:extLst>
       <p:ext uri="{BB962C8B-B14F-4D97-AF65-F5344CB8AC3E}">
-        <p14:creationId xmlns:p14="http://schemas.microsoft.com/office/powerpoint/2010/main" val="2786040527"/>
+        <p14:creationId xmlns:p14="http://schemas.microsoft.com/office/powerpoint/2010/main" val="3841188136"/>
       </p:ext>
     </p:extLst>
   </p:cSld>
@@ -2763,10 +2663,58 @@
           <a:bodyPr/>
           <a:lstStyle/>
           <a:p>
+            <a:pPr marL="233309" indent="-233309">
+              <a:buAutoNum type="arabicPeriod"/>
+            </a:pPr>
             <a:r>
               <a:rPr lang="en-US" dirty="0"/>
-              <a:t>We have now arrived at our hands-on activity.  Let’s take a poll, I would like for you to describe the data you’re currently working with and possible AI methods to use on that data.  Grab a pen and a pad of paper or fire up your word processor and write out a response.</a:t>
-            </a:r>
+              <a:t>Video data is unique in that it is a time series of images</a:t>
+            </a:r>
+          </a:p>
+          <a:p>
+            <a:pPr marL="233309" indent="-233309">
+              <a:buAutoNum type="arabicPeriod"/>
+            </a:pPr>
+            <a:r>
+              <a:rPr lang="en-US" dirty="0"/>
+              <a:t>CNNs paired with RNNs as there is both temporal and spatial characteristics</a:t>
+            </a:r>
+          </a:p>
+          <a:p>
+            <a:pPr marL="233309" indent="-233309">
+              <a:buAutoNum type="arabicPeriod"/>
+            </a:pPr>
+            <a:r>
+              <a:rPr lang="en-US" dirty="0"/>
+              <a:t>New development is video GANs which generate new frames, one by one – Cutting edge technology</a:t>
+            </a:r>
+          </a:p>
+          <a:p>
+            <a:pPr defTabSz="933237">
+              <a:defRPr/>
+            </a:pPr>
+            <a:endParaRPr lang="en-US" dirty="0"/>
+          </a:p>
+          <a:p>
+            <a:pPr defTabSz="933237">
+              <a:defRPr/>
+            </a:pPr>
+            <a:r>
+              <a:rPr lang="en-US" dirty="0"/>
+              <a:t>=====</a:t>
+            </a:r>
+          </a:p>
+          <a:p>
+            <a:r>
+              <a:rPr lang="en-US" dirty="0"/>
+              <a:t>Video data is unique, being a time series of images.  As with image data, convolutional neural networks have captured most of this market, though CNNs are frequently paired with RNNs as there is both temporal and spatial characteristics in each image frame.  With video, single and multi-object tracking is also possible.  Interestingly, there are now video GANs, which basically build frame by frame what it thinks the video should look like.  This is cutting-edge technology.</a:t>
+            </a:r>
+          </a:p>
+          <a:p>
+            <a:endParaRPr lang="en-US" dirty="0"/>
+          </a:p>
+          <a:p>
+            <a:endParaRPr lang="en-US" dirty="0"/>
           </a:p>
           <a:p>
             <a:endParaRPr lang="en-US" dirty="0"/>
@@ -2799,7 +2747,7 @@
     </p:spTree>
     <p:extLst>
       <p:ext uri="{BB962C8B-B14F-4D97-AF65-F5344CB8AC3E}">
-        <p14:creationId xmlns:p14="http://schemas.microsoft.com/office/powerpoint/2010/main" val="4235018632"/>
+        <p14:creationId xmlns:p14="http://schemas.microsoft.com/office/powerpoint/2010/main" val="2566424567"/>
       </p:ext>
     </p:extLst>
   </p:cSld>
@@ -2853,6 +2801,60 @@
           <a:bodyPr/>
           <a:lstStyle/>
           <a:p>
+            <a:pPr marL="233309" indent="-233309">
+              <a:buAutoNum type="arabicPeriod"/>
+            </a:pPr>
+            <a:r>
+              <a:rPr lang="en-US" dirty="0"/>
+              <a:t>Audio interesting format </a:t>
+            </a:r>
+          </a:p>
+          <a:p>
+            <a:pPr marL="233309" indent="-233309">
+              <a:buAutoNum type="arabicPeriod"/>
+            </a:pPr>
+            <a:r>
+              <a:rPr lang="en-US" dirty="0"/>
+              <a:t>MEL spectrum representation – 2D spectrogram of a recording</a:t>
+            </a:r>
+          </a:p>
+          <a:p>
+            <a:pPr marL="233309" indent="-233309">
+              <a:buAutoNum type="arabicPeriod"/>
+            </a:pPr>
+            <a:r>
+              <a:rPr lang="en-US" dirty="0"/>
+              <a:t>Audio is time series, just like video</a:t>
+            </a:r>
+          </a:p>
+          <a:p>
+            <a:pPr defTabSz="933237">
+              <a:defRPr/>
+            </a:pPr>
+            <a:endParaRPr lang="en-US" dirty="0"/>
+          </a:p>
+          <a:p>
+            <a:pPr defTabSz="933237">
+              <a:defRPr/>
+            </a:pPr>
+            <a:r>
+              <a:rPr lang="en-US" dirty="0"/>
+              <a:t>=====</a:t>
+            </a:r>
+          </a:p>
+          <a:p>
+            <a:r>
+              <a:rPr lang="en-US" dirty="0"/>
+              <a:t>Audio is another interesting format.  Many audio methods are derived from a MEL spectrum representation, a 2D spectrogram of the recording.  Like video, audio is also a time series.  Transformers, CNNs, RNNs, and GANs can all be used with audio data.  Now that we have covered the various types of data and their associated methods, it’s time to do something practical.</a:t>
+            </a:r>
+          </a:p>
+          <a:p>
+            <a:endParaRPr lang="en-US" dirty="0"/>
+          </a:p>
+          <a:p>
+            <a:endParaRPr lang="en-US" dirty="0"/>
+          </a:p>
+          <a:p>
             <a:endParaRPr lang="en-US" dirty="0"/>
           </a:p>
         </p:txBody>
@@ -2883,7 +2885,7 @@
     </p:spTree>
     <p:extLst>
       <p:ext uri="{BB962C8B-B14F-4D97-AF65-F5344CB8AC3E}">
-        <p14:creationId xmlns:p14="http://schemas.microsoft.com/office/powerpoint/2010/main" val="672039410"/>
+        <p14:creationId xmlns:p14="http://schemas.microsoft.com/office/powerpoint/2010/main" val="2786040527"/>
       </p:ext>
     </p:extLst>
   </p:cSld>
@@ -2939,11 +2941,8 @@
           <a:p>
             <a:r>
               <a:rPr lang="en-US" dirty="0"/>
-              <a:t>And finally, do we have any questions?  </a:t>
-            </a:r>
-          </a:p>
-          <a:p>
-            <a:endParaRPr lang="en-US" dirty="0"/>
+              <a:t>The full AI-project lifecycle is shown here.  Interestingly, data-related activities usually consume about 80% of project time.  Given that fact, Andrew Ng – one of the world’s leading AI experts – recently launched a Data-Centric AI movement.  His argument is simple.  Data is the most important ingredient in a deep learning project.  And I agree.</a:t>
+            </a:r>
           </a:p>
         </p:txBody>
       </p:sp>
@@ -2965,6 +2964,189 @@
             <a:fld id="{3148858F-F1DB-4027-9C85-CCA6849540DD}" type="slidenum">
               <a:rPr lang="en-US" smtClean="0"/>
               <a:t>26</a:t>
+            </a:fld>
+            <a:endParaRPr lang="en-US"/>
+          </a:p>
+        </p:txBody>
+      </p:sp>
+    </p:spTree>
+    <p:extLst>
+      <p:ext uri="{BB962C8B-B14F-4D97-AF65-F5344CB8AC3E}">
+        <p14:creationId xmlns:p14="http://schemas.microsoft.com/office/powerpoint/2010/main" val="672039410"/>
+      </p:ext>
+    </p:extLst>
+  </p:cSld>
+  <p:clrMapOvr>
+    <a:masterClrMapping/>
+  </p:clrMapOvr>
+</p:notes>
+</file>
+
+<file path=ppt/notesSlides/notesSlide27.xml><?xml version="1.0" encoding="utf-8"?>
+<p:notes xmlns:a="http://schemas.openxmlformats.org/drawingml/2006/main" xmlns:r="http://schemas.openxmlformats.org/officeDocument/2006/relationships" xmlns:p="http://schemas.openxmlformats.org/presentationml/2006/main">
+  <p:cSld>
+    <p:spTree>
+      <p:nvGrpSpPr>
+        <p:cNvPr id="1" name=""/>
+        <p:cNvGrpSpPr/>
+        <p:nvPr/>
+      </p:nvGrpSpPr>
+      <p:grpSpPr>
+        <a:xfrm>
+          <a:off x="0" y="0"/>
+          <a:ext cx="0" cy="0"/>
+          <a:chOff x="0" y="0"/>
+          <a:chExt cx="0" cy="0"/>
+        </a:xfrm>
+      </p:grpSpPr>
+      <p:sp>
+        <p:nvSpPr>
+          <p:cNvPr id="2" name="Slide Image Placeholder 1"/>
+          <p:cNvSpPr>
+            <a:spLocks noGrp="1" noRot="1" noChangeAspect="1"/>
+          </p:cNvSpPr>
+          <p:nvPr>
+            <p:ph type="sldImg"/>
+          </p:nvPr>
+        </p:nvSpPr>
+        <p:spPr/>
+      </p:sp>
+      <p:sp>
+        <p:nvSpPr>
+          <p:cNvPr id="3" name="Notes Placeholder 2"/>
+          <p:cNvSpPr>
+            <a:spLocks noGrp="1"/>
+          </p:cNvSpPr>
+          <p:nvPr>
+            <p:ph type="body" idx="1"/>
+          </p:nvPr>
+        </p:nvSpPr>
+        <p:spPr/>
+        <p:txBody>
+          <a:bodyPr/>
+          <a:lstStyle/>
+          <a:p>
+            <a:r>
+              <a:rPr lang="en-US" dirty="0"/>
+              <a:t>We have now arrived at our hands-on activity.  Take a minute to describe the AI project you’d like to execute.  What’s your question?  What machine learning or deep learning methods do you think are appropriate?  And what kind of data will you need to collect?</a:t>
+            </a:r>
+          </a:p>
+          <a:p>
+            <a:endParaRPr lang="en-US" dirty="0"/>
+          </a:p>
+          <a:p>
+            <a:endParaRPr lang="en-US" dirty="0"/>
+          </a:p>
+        </p:txBody>
+      </p:sp>
+      <p:sp>
+        <p:nvSpPr>
+          <p:cNvPr id="4" name="Slide Number Placeholder 3"/>
+          <p:cNvSpPr>
+            <a:spLocks noGrp="1"/>
+          </p:cNvSpPr>
+          <p:nvPr>
+            <p:ph type="sldNum" sz="quarter" idx="5"/>
+          </p:nvPr>
+        </p:nvSpPr>
+        <p:spPr/>
+        <p:txBody>
+          <a:bodyPr/>
+          <a:lstStyle/>
+          <a:p>
+            <a:fld id="{3148858F-F1DB-4027-9C85-CCA6849540DD}" type="slidenum">
+              <a:rPr lang="en-US" smtClean="0"/>
+              <a:t>27</a:t>
+            </a:fld>
+            <a:endParaRPr lang="en-US"/>
+          </a:p>
+        </p:txBody>
+      </p:sp>
+    </p:spTree>
+    <p:extLst>
+      <p:ext uri="{BB962C8B-B14F-4D97-AF65-F5344CB8AC3E}">
+        <p14:creationId xmlns:p14="http://schemas.microsoft.com/office/powerpoint/2010/main" val="4235018632"/>
+      </p:ext>
+    </p:extLst>
+  </p:cSld>
+  <p:clrMapOvr>
+    <a:masterClrMapping/>
+  </p:clrMapOvr>
+</p:notes>
+</file>
+
+<file path=ppt/notesSlides/notesSlide28.xml><?xml version="1.0" encoding="utf-8"?>
+<p:notes xmlns:a="http://schemas.openxmlformats.org/drawingml/2006/main" xmlns:r="http://schemas.openxmlformats.org/officeDocument/2006/relationships" xmlns:p="http://schemas.openxmlformats.org/presentationml/2006/main">
+  <p:cSld>
+    <p:spTree>
+      <p:nvGrpSpPr>
+        <p:cNvPr id="1" name=""/>
+        <p:cNvGrpSpPr/>
+        <p:nvPr/>
+      </p:nvGrpSpPr>
+      <p:grpSpPr>
+        <a:xfrm>
+          <a:off x="0" y="0"/>
+          <a:ext cx="0" cy="0"/>
+          <a:chOff x="0" y="0"/>
+          <a:chExt cx="0" cy="0"/>
+        </a:xfrm>
+      </p:grpSpPr>
+      <p:sp>
+        <p:nvSpPr>
+          <p:cNvPr id="2" name="Slide Image Placeholder 1"/>
+          <p:cNvSpPr>
+            <a:spLocks noGrp="1" noRot="1" noChangeAspect="1"/>
+          </p:cNvSpPr>
+          <p:nvPr>
+            <p:ph type="sldImg"/>
+          </p:nvPr>
+        </p:nvSpPr>
+        <p:spPr/>
+      </p:sp>
+      <p:sp>
+        <p:nvSpPr>
+          <p:cNvPr id="3" name="Notes Placeholder 2"/>
+          <p:cNvSpPr>
+            <a:spLocks noGrp="1"/>
+          </p:cNvSpPr>
+          <p:nvPr>
+            <p:ph type="body" idx="1"/>
+          </p:nvPr>
+        </p:nvSpPr>
+        <p:spPr/>
+        <p:txBody>
+          <a:bodyPr/>
+          <a:lstStyle/>
+          <a:p>
+            <a:r>
+              <a:rPr lang="en-US" dirty="0"/>
+              <a:t>And finally, do we have any questions?  </a:t>
+            </a:r>
+          </a:p>
+          <a:p>
+            <a:endParaRPr lang="en-US" dirty="0"/>
+          </a:p>
+        </p:txBody>
+      </p:sp>
+      <p:sp>
+        <p:nvSpPr>
+          <p:cNvPr id="4" name="Slide Number Placeholder 3"/>
+          <p:cNvSpPr>
+            <a:spLocks noGrp="1"/>
+          </p:cNvSpPr>
+          <p:nvPr>
+            <p:ph type="sldNum" sz="quarter" idx="5"/>
+          </p:nvPr>
+        </p:nvSpPr>
+        <p:spPr/>
+        <p:txBody>
+          <a:bodyPr/>
+          <a:lstStyle/>
+          <a:p>
+            <a:fld id="{3148858F-F1DB-4027-9C85-CCA6849540DD}" type="slidenum">
+              <a:rPr lang="en-US" smtClean="0"/>
+              <a:t>28</a:t>
             </a:fld>
             <a:endParaRPr lang="en-US"/>
           </a:p>
@@ -4229,7 +4411,7 @@
           <a:p>
             <a:fld id="{C3F78080-8D0A-4BE8-A5B4-CB115102D524}" type="datetimeFigureOut">
               <a:rPr lang="en-US" smtClean="0"/>
-              <a:t>8/29/2022</a:t>
+              <a:t>8/31/2022</a:t>
             </a:fld>
             <a:endParaRPr lang="en-US"/>
           </a:p>
@@ -4427,7 +4609,7 @@
           <a:p>
             <a:fld id="{C3F78080-8D0A-4BE8-A5B4-CB115102D524}" type="datetimeFigureOut">
               <a:rPr lang="en-US" smtClean="0"/>
-              <a:t>8/29/2022</a:t>
+              <a:t>8/31/2022</a:t>
             </a:fld>
             <a:endParaRPr lang="en-US"/>
           </a:p>
@@ -4635,7 +4817,7 @@
           <a:p>
             <a:fld id="{C3F78080-8D0A-4BE8-A5B4-CB115102D524}" type="datetimeFigureOut">
               <a:rPr lang="en-US" smtClean="0"/>
-              <a:t>8/29/2022</a:t>
+              <a:t>8/31/2022</a:t>
             </a:fld>
             <a:endParaRPr lang="en-US"/>
           </a:p>
@@ -4833,7 +5015,7 @@
           <a:p>
             <a:fld id="{C3F78080-8D0A-4BE8-A5B4-CB115102D524}" type="datetimeFigureOut">
               <a:rPr lang="en-US" smtClean="0"/>
-              <a:t>8/29/2022</a:t>
+              <a:t>8/31/2022</a:t>
             </a:fld>
             <a:endParaRPr lang="en-US"/>
           </a:p>
@@ -5108,7 +5290,7 @@
           <a:p>
             <a:fld id="{C3F78080-8D0A-4BE8-A5B4-CB115102D524}" type="datetimeFigureOut">
               <a:rPr lang="en-US" smtClean="0"/>
-              <a:t>8/29/2022</a:t>
+              <a:t>8/31/2022</a:t>
             </a:fld>
             <a:endParaRPr lang="en-US"/>
           </a:p>
@@ -5373,7 +5555,7 @@
           <a:p>
             <a:fld id="{C3F78080-8D0A-4BE8-A5B4-CB115102D524}" type="datetimeFigureOut">
               <a:rPr lang="en-US" smtClean="0"/>
-              <a:t>8/29/2022</a:t>
+              <a:t>8/31/2022</a:t>
             </a:fld>
             <a:endParaRPr lang="en-US"/>
           </a:p>
@@ -5785,7 +5967,7 @@
           <a:p>
             <a:fld id="{C3F78080-8D0A-4BE8-A5B4-CB115102D524}" type="datetimeFigureOut">
               <a:rPr lang="en-US" smtClean="0"/>
-              <a:t>8/29/2022</a:t>
+              <a:t>8/31/2022</a:t>
             </a:fld>
             <a:endParaRPr lang="en-US"/>
           </a:p>
@@ -5926,7 +6108,7 @@
           <a:p>
             <a:fld id="{C3F78080-8D0A-4BE8-A5B4-CB115102D524}" type="datetimeFigureOut">
               <a:rPr lang="en-US" smtClean="0"/>
-              <a:t>8/29/2022</a:t>
+              <a:t>8/31/2022</a:t>
             </a:fld>
             <a:endParaRPr lang="en-US"/>
           </a:p>
@@ -6039,7 +6221,7 @@
           <a:p>
             <a:fld id="{C3F78080-8D0A-4BE8-A5B4-CB115102D524}" type="datetimeFigureOut">
               <a:rPr lang="en-US" smtClean="0"/>
-              <a:t>8/29/2022</a:t>
+              <a:t>8/31/2022</a:t>
             </a:fld>
             <a:endParaRPr lang="en-US"/>
           </a:p>
@@ -6350,7 +6532,7 @@
           <a:p>
             <a:fld id="{C3F78080-8D0A-4BE8-A5B4-CB115102D524}" type="datetimeFigureOut">
               <a:rPr lang="en-US" smtClean="0"/>
-              <a:t>8/29/2022</a:t>
+              <a:t>8/31/2022</a:t>
             </a:fld>
             <a:endParaRPr lang="en-US"/>
           </a:p>
@@ -6638,7 +6820,7 @@
           <a:p>
             <a:fld id="{C3F78080-8D0A-4BE8-A5B4-CB115102D524}" type="datetimeFigureOut">
               <a:rPr lang="en-US" smtClean="0"/>
-              <a:t>8/29/2022</a:t>
+              <a:t>8/31/2022</a:t>
             </a:fld>
             <a:endParaRPr lang="en-US"/>
           </a:p>
@@ -6879,7 +7061,7 @@
           <a:p>
             <a:fld id="{C3F78080-8D0A-4BE8-A5B4-CB115102D524}" type="datetimeFigureOut">
               <a:rPr lang="en-US" smtClean="0"/>
-              <a:t>8/29/2022</a:t>
+              <a:t>8/31/2022</a:t>
             </a:fld>
             <a:endParaRPr lang="en-US"/>
           </a:p>
@@ -7755,12 +7937,12 @@
   </p:clrMapOvr>
   <mc:AlternateContent xmlns:mc="http://schemas.openxmlformats.org/markup-compatibility/2006" xmlns:p14="http://schemas.microsoft.com/office/powerpoint/2010/main">
     <mc:Choice Requires="p14">
-      <p:transition spd="slow" p14:dur="3400">
-        <p14:reveal/>
+      <p:transition spd="med" p14:dur="700">
+        <p:fade/>
       </p:transition>
     </mc:Choice>
     <mc:Fallback xmlns="">
-      <p:transition spd="slow">
+      <p:transition spd="med">
         <p:fade/>
       </p:transition>
     </mc:Fallback>
@@ -8706,6 +8888,18 @@
   <p:clrMapOvr>
     <a:masterClrMapping/>
   </p:clrMapOvr>
+  <mc:AlternateContent xmlns:mc="http://schemas.openxmlformats.org/markup-compatibility/2006" xmlns:p14="http://schemas.microsoft.com/office/powerpoint/2010/main">
+    <mc:Choice Requires="p14">
+      <p:transition spd="med" p14:dur="700">
+        <p:fade/>
+      </p:transition>
+    </mc:Choice>
+    <mc:Fallback xmlns="">
+      <p:transition spd="med">
+        <p:fade/>
+      </p:transition>
+    </mc:Fallback>
+  </mc:AlternateContent>
   <p:timing>
     <p:tnLst>
       <p:par>
@@ -9944,6 +10138,142 @@
       </p:grpSpPr>
       <p:sp>
         <p:nvSpPr>
+          <p:cNvPr id="10" name="Title 1">
+            <a:extLst>
+              <a:ext uri="{FF2B5EF4-FFF2-40B4-BE49-F238E27FC236}">
+                <a16:creationId xmlns:a16="http://schemas.microsoft.com/office/drawing/2014/main" id="{5E96C13B-40E9-7FAF-35BA-2019D8CE3A7C}"/>
+              </a:ext>
+            </a:extLst>
+          </p:cNvPr>
+          <p:cNvSpPr txBox="1">
+            <a:spLocks/>
+          </p:cNvSpPr>
+          <p:nvPr/>
+        </p:nvSpPr>
+        <p:spPr>
+          <a:xfrm>
+            <a:off x="0" y="440190"/>
+            <a:ext cx="12192000" cy="834428"/>
+          </a:xfrm>
+          <a:prstGeom prst="rect">
+            <a:avLst/>
+          </a:prstGeom>
+        </p:spPr>
+        <p:txBody>
+          <a:bodyPr>
+            <a:normAutofit/>
+          </a:bodyPr>
+          <a:lstStyle>
+            <a:lvl1pPr algn="l" defTabSz="914400" rtl="0" eaLnBrk="1" latinLnBrk="0" hangingPunct="1">
+              <a:lnSpc>
+                <a:spcPct val="90000"/>
+              </a:lnSpc>
+              <a:spcBef>
+                <a:spcPct val="0"/>
+              </a:spcBef>
+              <a:buNone/>
+              <a:defRPr sz="4400" kern="1200">
+                <a:solidFill>
+                  <a:schemeClr val="tx1"/>
+                </a:solidFill>
+                <a:latin typeface="+mj-lt"/>
+                <a:ea typeface="+mj-ea"/>
+                <a:cs typeface="+mj-cs"/>
+              </a:defRPr>
+            </a:lvl1pPr>
+          </a:lstStyle>
+          <a:p>
+            <a:pPr algn="ctr"/>
+            <a:r>
+              <a:rPr lang="en-US" sz="4000" dirty="0">
+                <a:solidFill>
+                  <a:schemeClr val="tx1">
+                    <a:lumMod val="75000"/>
+                    <a:lumOff val="25000"/>
+                  </a:schemeClr>
+                </a:solidFill>
+                <a:latin typeface="Palatino Linotype" panose="02040502050505030304" pitchFamily="18" charset="0"/>
+                <a:cs typeface="Segoe UI Light" panose="020B0502040204020203" pitchFamily="34" charset="0"/>
+              </a:rPr>
+              <a:t>Getting Started</a:t>
+            </a:r>
+          </a:p>
+        </p:txBody>
+      </p:sp>
+      <p:pic>
+        <p:nvPicPr>
+          <p:cNvPr id="12" name="Picture 11">
+            <a:extLst>
+              <a:ext uri="{FF2B5EF4-FFF2-40B4-BE49-F238E27FC236}">
+                <a16:creationId xmlns:a16="http://schemas.microsoft.com/office/drawing/2014/main" id="{F9384A53-8700-AA0F-F1C5-29F34869820C}"/>
+              </a:ext>
+            </a:extLst>
+          </p:cNvPr>
+          <p:cNvPicPr>
+            <a:picLocks noChangeAspect="1"/>
+          </p:cNvPicPr>
+          <p:nvPr/>
+        </p:nvPicPr>
+        <p:blipFill>
+          <a:blip r:embed="rId3"/>
+          <a:stretch>
+            <a:fillRect/>
+          </a:stretch>
+        </p:blipFill>
+        <p:spPr>
+          <a:xfrm>
+            <a:off x="4356453" y="1653372"/>
+            <a:ext cx="3479093" cy="4193654"/>
+          </a:xfrm>
+          <a:prstGeom prst="rect">
+            <a:avLst/>
+          </a:prstGeom>
+        </p:spPr>
+      </p:pic>
+    </p:spTree>
+    <p:extLst>
+      <p:ext uri="{BB962C8B-B14F-4D97-AF65-F5344CB8AC3E}">
+        <p14:creationId xmlns:p14="http://schemas.microsoft.com/office/powerpoint/2010/main" val="3265904287"/>
+      </p:ext>
+    </p:extLst>
+  </p:cSld>
+  <p:clrMapOvr>
+    <a:masterClrMapping/>
+  </p:clrMapOvr>
+  <mc:AlternateContent xmlns:mc="http://schemas.openxmlformats.org/markup-compatibility/2006" xmlns:p14="http://schemas.microsoft.com/office/powerpoint/2010/main">
+    <mc:Choice Requires="p14">
+      <p:transition spd="med" p14:dur="700">
+        <p:fade/>
+      </p:transition>
+    </mc:Choice>
+    <mc:Fallback xmlns="">
+      <p:transition spd="med">
+        <p:fade/>
+      </p:transition>
+    </mc:Fallback>
+  </mc:AlternateContent>
+</p:sld>
+</file>
+
+<file path=ppt/slides/slide17.xml><?xml version="1.0" encoding="utf-8"?>
+<p:sld xmlns:a="http://schemas.openxmlformats.org/drawingml/2006/main" xmlns:r="http://schemas.openxmlformats.org/officeDocument/2006/relationships" xmlns:p="http://schemas.openxmlformats.org/presentationml/2006/main">
+  <p:cSld>
+    <p:spTree>
+      <p:nvGrpSpPr>
+        <p:cNvPr id="1" name=""/>
+        <p:cNvGrpSpPr/>
+        <p:nvPr/>
+      </p:nvGrpSpPr>
+      <p:grpSpPr>
+        <a:xfrm>
+          <a:off x="0" y="0"/>
+          <a:ext cx="0" cy="0"/>
+          <a:chOff x="0" y="0"/>
+          <a:chExt cx="0" cy="0"/>
+        </a:xfrm>
+      </p:grpSpPr>
+      <p:sp>
+        <p:nvSpPr>
           <p:cNvPr id="5" name="Content Placeholder 4">
             <a:extLst>
               <a:ext uri="{FF2B5EF4-FFF2-40B4-BE49-F238E27FC236}">
@@ -10031,7 +10361,7 @@
 </p:sld>
 </file>
 
-<file path=ppt/slides/slide17.xml><?xml version="1.0" encoding="utf-8"?>
+<file path=ppt/slides/slide18.xml><?xml version="1.0" encoding="utf-8"?>
 <p:sld xmlns:a="http://schemas.openxmlformats.org/drawingml/2006/main" xmlns:r="http://schemas.openxmlformats.org/officeDocument/2006/relationships" xmlns:p="http://schemas.openxmlformats.org/presentationml/2006/main">
   <p:cSld>
     <p:spTree>
@@ -10163,7 +10493,530 @@
 </p:sld>
 </file>
 
-<file path=ppt/slides/slide18.xml><?xml version="1.0" encoding="utf-8"?>
+<file path=ppt/slides/slide19.xml><?xml version="1.0" encoding="utf-8"?>
+<p:sld xmlns:a="http://schemas.openxmlformats.org/drawingml/2006/main" xmlns:r="http://schemas.openxmlformats.org/officeDocument/2006/relationships" xmlns:p="http://schemas.openxmlformats.org/presentationml/2006/main">
+  <p:cSld>
+    <p:spTree>
+      <p:nvGrpSpPr>
+        <p:cNvPr id="1" name=""/>
+        <p:cNvGrpSpPr/>
+        <p:nvPr/>
+      </p:nvGrpSpPr>
+      <p:grpSpPr>
+        <a:xfrm>
+          <a:off x="0" y="0"/>
+          <a:ext cx="0" cy="0"/>
+          <a:chOff x="0" y="0"/>
+          <a:chExt cx="0" cy="0"/>
+        </a:xfrm>
+      </p:grpSpPr>
+      <p:sp>
+        <p:nvSpPr>
+          <p:cNvPr id="3" name="Content Placeholder 2">
+            <a:extLst>
+              <a:ext uri="{FF2B5EF4-FFF2-40B4-BE49-F238E27FC236}">
+                <a16:creationId xmlns:a16="http://schemas.microsoft.com/office/drawing/2014/main" id="{56D4209D-D6DC-068B-995D-1A2B6B974E4A}"/>
+              </a:ext>
+            </a:extLst>
+          </p:cNvPr>
+          <p:cNvSpPr>
+            <a:spLocks noGrp="1"/>
+          </p:cNvSpPr>
+          <p:nvPr>
+            <p:ph idx="1"/>
+          </p:nvPr>
+        </p:nvSpPr>
+        <p:spPr>
+          <a:xfrm>
+            <a:off x="1139328" y="1735655"/>
+            <a:ext cx="4956672" cy="4463342"/>
+          </a:xfrm>
+        </p:spPr>
+        <p:txBody>
+          <a:bodyPr>
+            <a:normAutofit/>
+          </a:bodyPr>
+          <a:lstStyle/>
+          <a:p>
+            <a:pPr marL="0" indent="0">
+              <a:buNone/>
+            </a:pPr>
+            <a:r>
+              <a:rPr lang="en-US" sz="3600" dirty="0">
+                <a:solidFill>
+                  <a:srgbClr val="60BA7B"/>
+                </a:solidFill>
+              </a:rPr>
+              <a:t>Machine Learning</a:t>
+            </a:r>
+          </a:p>
+          <a:p>
+            <a:r>
+              <a:rPr lang="en-US" dirty="0"/>
+              <a:t>Regression</a:t>
+            </a:r>
+          </a:p>
+          <a:p>
+            <a:r>
+              <a:rPr lang="en-US" dirty="0"/>
+              <a:t>Principle Component Analysis</a:t>
+            </a:r>
+          </a:p>
+          <a:p>
+            <a:r>
+              <a:rPr lang="en-US" dirty="0"/>
+              <a:t>Decision Trees</a:t>
+            </a:r>
+          </a:p>
+          <a:p>
+            <a:r>
+              <a:rPr lang="en-US" dirty="0"/>
+              <a:t>Support Vector Machines</a:t>
+            </a:r>
+          </a:p>
+          <a:p>
+            <a:r>
+              <a:rPr lang="en-US" dirty="0"/>
+              <a:t>Others…</a:t>
+            </a:r>
+          </a:p>
+        </p:txBody>
+      </p:sp>
+      <p:sp>
+        <p:nvSpPr>
+          <p:cNvPr id="4" name="Title 1">
+            <a:extLst>
+              <a:ext uri="{FF2B5EF4-FFF2-40B4-BE49-F238E27FC236}">
+                <a16:creationId xmlns:a16="http://schemas.microsoft.com/office/drawing/2014/main" id="{484B8318-5A79-FFC5-A7EC-F23C2C0E7FA9}"/>
+              </a:ext>
+            </a:extLst>
+          </p:cNvPr>
+          <p:cNvSpPr txBox="1">
+            <a:spLocks/>
+          </p:cNvSpPr>
+          <p:nvPr/>
+        </p:nvSpPr>
+        <p:spPr>
+          <a:xfrm>
+            <a:off x="0" y="440190"/>
+            <a:ext cx="12192000" cy="834428"/>
+          </a:xfrm>
+          <a:prstGeom prst="rect">
+            <a:avLst/>
+          </a:prstGeom>
+        </p:spPr>
+        <p:txBody>
+          <a:bodyPr>
+            <a:normAutofit/>
+          </a:bodyPr>
+          <a:lstStyle>
+            <a:lvl1pPr algn="l" defTabSz="914400" rtl="0" eaLnBrk="1" latinLnBrk="0" hangingPunct="1">
+              <a:lnSpc>
+                <a:spcPct val="90000"/>
+              </a:lnSpc>
+              <a:spcBef>
+                <a:spcPct val="0"/>
+              </a:spcBef>
+              <a:buNone/>
+              <a:defRPr sz="4400" kern="1200">
+                <a:solidFill>
+                  <a:schemeClr val="tx1"/>
+                </a:solidFill>
+                <a:latin typeface="+mj-lt"/>
+                <a:ea typeface="+mj-ea"/>
+                <a:cs typeface="+mj-cs"/>
+              </a:defRPr>
+            </a:lvl1pPr>
+          </a:lstStyle>
+          <a:p>
+            <a:pPr algn="ctr"/>
+            <a:r>
+              <a:rPr lang="en-US" sz="4000" dirty="0">
+                <a:solidFill>
+                  <a:schemeClr val="tx1">
+                    <a:lumMod val="75000"/>
+                    <a:lumOff val="25000"/>
+                  </a:schemeClr>
+                </a:solidFill>
+                <a:latin typeface="Palatino Linotype" panose="02040502050505030304" pitchFamily="18" charset="0"/>
+                <a:cs typeface="Segoe UI Light" panose="020B0502040204020203" pitchFamily="34" charset="0"/>
+              </a:rPr>
+              <a:t>Methods</a:t>
+            </a:r>
+          </a:p>
+        </p:txBody>
+      </p:sp>
+      <p:sp>
+        <p:nvSpPr>
+          <p:cNvPr id="5" name="Content Placeholder 2">
+            <a:extLst>
+              <a:ext uri="{FF2B5EF4-FFF2-40B4-BE49-F238E27FC236}">
+                <a16:creationId xmlns:a16="http://schemas.microsoft.com/office/drawing/2014/main" id="{6E65BEA4-38D7-EB5B-2354-A07D3799F88D}"/>
+              </a:ext>
+            </a:extLst>
+          </p:cNvPr>
+          <p:cNvSpPr txBox="1">
+            <a:spLocks/>
+          </p:cNvSpPr>
+          <p:nvPr/>
+        </p:nvSpPr>
+        <p:spPr>
+          <a:xfrm>
+            <a:off x="6720288" y="1735655"/>
+            <a:ext cx="5471711" cy="4351338"/>
+          </a:xfrm>
+          <a:prstGeom prst="rect">
+            <a:avLst/>
+          </a:prstGeom>
+        </p:spPr>
+        <p:txBody>
+          <a:bodyPr vert="horz" lIns="91440" tIns="45720" rIns="91440" bIns="45720" rtlCol="0">
+            <a:normAutofit/>
+          </a:bodyPr>
+          <a:lstStyle>
+            <a:lvl1pPr marL="228600" indent="-228600" algn="l" defTabSz="914400" rtl="0" eaLnBrk="1" latinLnBrk="0" hangingPunct="1">
+              <a:lnSpc>
+                <a:spcPct val="90000"/>
+              </a:lnSpc>
+              <a:spcBef>
+                <a:spcPts val="1000"/>
+              </a:spcBef>
+              <a:buFont typeface="Arial" panose="020B0604020202020204" pitchFamily="34" charset="0"/>
+              <a:buChar char="•"/>
+              <a:defRPr sz="2800" kern="1200">
+                <a:solidFill>
+                  <a:schemeClr val="tx1"/>
+                </a:solidFill>
+                <a:latin typeface="+mn-lt"/>
+                <a:ea typeface="+mn-ea"/>
+                <a:cs typeface="+mn-cs"/>
+              </a:defRPr>
+            </a:lvl1pPr>
+            <a:lvl2pPr marL="685800" indent="-228600" algn="l" defTabSz="914400" rtl="0" eaLnBrk="1" latinLnBrk="0" hangingPunct="1">
+              <a:lnSpc>
+                <a:spcPct val="90000"/>
+              </a:lnSpc>
+              <a:spcBef>
+                <a:spcPts val="500"/>
+              </a:spcBef>
+              <a:buFont typeface="Arial" panose="020B0604020202020204" pitchFamily="34" charset="0"/>
+              <a:buChar char="•"/>
+              <a:defRPr sz="2400" kern="1200">
+                <a:solidFill>
+                  <a:schemeClr val="tx1"/>
+                </a:solidFill>
+                <a:latin typeface="+mn-lt"/>
+                <a:ea typeface="+mn-ea"/>
+                <a:cs typeface="+mn-cs"/>
+              </a:defRPr>
+            </a:lvl2pPr>
+            <a:lvl3pPr marL="1143000" indent="-228600" algn="l" defTabSz="914400" rtl="0" eaLnBrk="1" latinLnBrk="0" hangingPunct="1">
+              <a:lnSpc>
+                <a:spcPct val="90000"/>
+              </a:lnSpc>
+              <a:spcBef>
+                <a:spcPts val="500"/>
+              </a:spcBef>
+              <a:buFont typeface="Arial" panose="020B0604020202020204" pitchFamily="34" charset="0"/>
+              <a:buChar char="•"/>
+              <a:defRPr sz="2000" kern="1200">
+                <a:solidFill>
+                  <a:schemeClr val="tx1"/>
+                </a:solidFill>
+                <a:latin typeface="+mn-lt"/>
+                <a:ea typeface="+mn-ea"/>
+                <a:cs typeface="+mn-cs"/>
+              </a:defRPr>
+            </a:lvl3pPr>
+            <a:lvl4pPr marL="1600200" indent="-228600" algn="l" defTabSz="914400" rtl="0" eaLnBrk="1" latinLnBrk="0" hangingPunct="1">
+              <a:lnSpc>
+                <a:spcPct val="90000"/>
+              </a:lnSpc>
+              <a:spcBef>
+                <a:spcPts val="500"/>
+              </a:spcBef>
+              <a:buFont typeface="Arial" panose="020B0604020202020204" pitchFamily="34" charset="0"/>
+              <a:buChar char="•"/>
+              <a:defRPr sz="1800" kern="1200">
+                <a:solidFill>
+                  <a:schemeClr val="tx1"/>
+                </a:solidFill>
+                <a:latin typeface="+mn-lt"/>
+                <a:ea typeface="+mn-ea"/>
+                <a:cs typeface="+mn-cs"/>
+              </a:defRPr>
+            </a:lvl4pPr>
+            <a:lvl5pPr marL="2057400" indent="-228600" algn="l" defTabSz="914400" rtl="0" eaLnBrk="1" latinLnBrk="0" hangingPunct="1">
+              <a:lnSpc>
+                <a:spcPct val="90000"/>
+              </a:lnSpc>
+              <a:spcBef>
+                <a:spcPts val="500"/>
+              </a:spcBef>
+              <a:buFont typeface="Arial" panose="020B0604020202020204" pitchFamily="34" charset="0"/>
+              <a:buChar char="•"/>
+              <a:defRPr sz="1800" kern="1200">
+                <a:solidFill>
+                  <a:schemeClr val="tx1"/>
+                </a:solidFill>
+                <a:latin typeface="+mn-lt"/>
+                <a:ea typeface="+mn-ea"/>
+                <a:cs typeface="+mn-cs"/>
+              </a:defRPr>
+            </a:lvl5pPr>
+            <a:lvl6pPr marL="2514600" indent="-228600" algn="l" defTabSz="914400" rtl="0" eaLnBrk="1" latinLnBrk="0" hangingPunct="1">
+              <a:lnSpc>
+                <a:spcPct val="90000"/>
+              </a:lnSpc>
+              <a:spcBef>
+                <a:spcPts val="500"/>
+              </a:spcBef>
+              <a:buFont typeface="Arial" panose="020B0604020202020204" pitchFamily="34" charset="0"/>
+              <a:buChar char="•"/>
+              <a:defRPr sz="1800" kern="1200">
+                <a:solidFill>
+                  <a:schemeClr val="tx1"/>
+                </a:solidFill>
+                <a:latin typeface="+mn-lt"/>
+                <a:ea typeface="+mn-ea"/>
+                <a:cs typeface="+mn-cs"/>
+              </a:defRPr>
+            </a:lvl6pPr>
+            <a:lvl7pPr marL="2971800" indent="-228600" algn="l" defTabSz="914400" rtl="0" eaLnBrk="1" latinLnBrk="0" hangingPunct="1">
+              <a:lnSpc>
+                <a:spcPct val="90000"/>
+              </a:lnSpc>
+              <a:spcBef>
+                <a:spcPts val="500"/>
+              </a:spcBef>
+              <a:buFont typeface="Arial" panose="020B0604020202020204" pitchFamily="34" charset="0"/>
+              <a:buChar char="•"/>
+              <a:defRPr sz="1800" kern="1200">
+                <a:solidFill>
+                  <a:schemeClr val="tx1"/>
+                </a:solidFill>
+                <a:latin typeface="+mn-lt"/>
+                <a:ea typeface="+mn-ea"/>
+                <a:cs typeface="+mn-cs"/>
+              </a:defRPr>
+            </a:lvl7pPr>
+            <a:lvl8pPr marL="3429000" indent="-228600" algn="l" defTabSz="914400" rtl="0" eaLnBrk="1" latinLnBrk="0" hangingPunct="1">
+              <a:lnSpc>
+                <a:spcPct val="90000"/>
+              </a:lnSpc>
+              <a:spcBef>
+                <a:spcPts val="500"/>
+              </a:spcBef>
+              <a:buFont typeface="Arial" panose="020B0604020202020204" pitchFamily="34" charset="0"/>
+              <a:buChar char="•"/>
+              <a:defRPr sz="1800" kern="1200">
+                <a:solidFill>
+                  <a:schemeClr val="tx1"/>
+                </a:solidFill>
+                <a:latin typeface="+mn-lt"/>
+                <a:ea typeface="+mn-ea"/>
+                <a:cs typeface="+mn-cs"/>
+              </a:defRPr>
+            </a:lvl8pPr>
+            <a:lvl9pPr marL="3886200" indent="-228600" algn="l" defTabSz="914400" rtl="0" eaLnBrk="1" latinLnBrk="0" hangingPunct="1">
+              <a:lnSpc>
+                <a:spcPct val="90000"/>
+              </a:lnSpc>
+              <a:spcBef>
+                <a:spcPts val="500"/>
+              </a:spcBef>
+              <a:buFont typeface="Arial" panose="020B0604020202020204" pitchFamily="34" charset="0"/>
+              <a:buChar char="•"/>
+              <a:defRPr sz="1800" kern="1200">
+                <a:solidFill>
+                  <a:schemeClr val="tx1"/>
+                </a:solidFill>
+                <a:latin typeface="+mn-lt"/>
+                <a:ea typeface="+mn-ea"/>
+                <a:cs typeface="+mn-cs"/>
+              </a:defRPr>
+            </a:lvl9pPr>
+          </a:lstStyle>
+          <a:p>
+            <a:pPr marL="0" indent="0">
+              <a:buNone/>
+            </a:pPr>
+            <a:r>
+              <a:rPr lang="en-US" sz="3600" dirty="0">
+                <a:solidFill>
+                  <a:srgbClr val="6CB677"/>
+                </a:solidFill>
+              </a:rPr>
+              <a:t>Deep Learning</a:t>
+            </a:r>
+          </a:p>
+          <a:p>
+            <a:r>
+              <a:rPr lang="en-US" dirty="0"/>
+              <a:t>Supervised</a:t>
+            </a:r>
+          </a:p>
+          <a:p>
+            <a:r>
+              <a:rPr lang="en-US" dirty="0"/>
+              <a:t>Unsupervised</a:t>
+            </a:r>
+          </a:p>
+          <a:p>
+            <a:r>
+              <a:rPr lang="en-US" dirty="0"/>
+              <a:t>Semi-Supervised</a:t>
+            </a:r>
+          </a:p>
+          <a:p>
+            <a:r>
+              <a:rPr lang="en-US" dirty="0"/>
+              <a:t>Reinforcement</a:t>
+            </a:r>
+          </a:p>
+        </p:txBody>
+      </p:sp>
+    </p:spTree>
+    <p:extLst>
+      <p:ext uri="{BB962C8B-B14F-4D97-AF65-F5344CB8AC3E}">
+        <p14:creationId xmlns:p14="http://schemas.microsoft.com/office/powerpoint/2010/main" val="3302509771"/>
+      </p:ext>
+    </p:extLst>
+  </p:cSld>
+  <p:clrMapOvr>
+    <a:masterClrMapping/>
+  </p:clrMapOvr>
+  <mc:AlternateContent xmlns:mc="http://schemas.openxmlformats.org/markup-compatibility/2006" xmlns:p14="http://schemas.microsoft.com/office/powerpoint/2010/main">
+    <mc:Choice Requires="p14">
+      <p:transition spd="med" p14:dur="700">
+        <p:fade/>
+      </p:transition>
+    </mc:Choice>
+    <mc:Fallback xmlns="">
+      <p:transition spd="med">
+        <p:fade/>
+      </p:transition>
+    </mc:Fallback>
+  </mc:AlternateContent>
+</p:sld>
+</file>
+
+<file path=ppt/slides/slide2.xml><?xml version="1.0" encoding="utf-8"?>
+<p:sld xmlns:a="http://schemas.openxmlformats.org/drawingml/2006/main" xmlns:r="http://schemas.openxmlformats.org/officeDocument/2006/relationships" xmlns:p="http://schemas.openxmlformats.org/presentationml/2006/main">
+  <p:cSld>
+    <p:spTree>
+      <p:nvGrpSpPr>
+        <p:cNvPr id="1" name=""/>
+        <p:cNvGrpSpPr/>
+        <p:nvPr/>
+      </p:nvGrpSpPr>
+      <p:grpSpPr>
+        <a:xfrm>
+          <a:off x="0" y="0"/>
+          <a:ext cx="0" cy="0"/>
+          <a:chOff x="0" y="0"/>
+          <a:chExt cx="0" cy="0"/>
+        </a:xfrm>
+      </p:grpSpPr>
+      <p:sp>
+        <p:nvSpPr>
+          <p:cNvPr id="5" name="Content Placeholder 4">
+            <a:extLst>
+              <a:ext uri="{FF2B5EF4-FFF2-40B4-BE49-F238E27FC236}">
+                <a16:creationId xmlns:a16="http://schemas.microsoft.com/office/drawing/2014/main" id="{7C82B2FA-DB39-467C-9DC1-245874DCBCF1}"/>
+              </a:ext>
+            </a:extLst>
+          </p:cNvPr>
+          <p:cNvSpPr>
+            <a:spLocks noGrp="1"/>
+          </p:cNvSpPr>
+          <p:nvPr>
+            <p:ph idx="1"/>
+          </p:nvPr>
+        </p:nvSpPr>
+        <p:spPr>
+          <a:xfrm>
+            <a:off x="618697" y="1508760"/>
+            <a:ext cx="10576561" cy="4790124"/>
+          </a:xfrm>
+        </p:spPr>
+        <p:txBody>
+          <a:bodyPr>
+            <a:normAutofit/>
+          </a:bodyPr>
+          <a:lstStyle/>
+          <a:p>
+            <a:pPr marL="0" indent="0">
+              <a:buNone/>
+            </a:pPr>
+            <a:endParaRPr lang="en-US" dirty="0">
+              <a:latin typeface="Palatino Linotype" panose="02040502050505030304" pitchFamily="18" charset="0"/>
+            </a:endParaRPr>
+          </a:p>
+          <a:p>
+            <a:pPr marL="0" indent="0">
+              <a:buNone/>
+            </a:pPr>
+            <a:endParaRPr lang="en-US" dirty="0">
+              <a:latin typeface="Palatino Linotype" panose="02040502050505030304" pitchFamily="18" charset="0"/>
+            </a:endParaRPr>
+          </a:p>
+          <a:p>
+            <a:pPr marL="0" indent="0" algn="ctr">
+              <a:buNone/>
+            </a:pPr>
+            <a:r>
+              <a:rPr lang="en-US" sz="4400" dirty="0">
+                <a:latin typeface="Palatino Linotype" panose="02040502050505030304" pitchFamily="18" charset="0"/>
+              </a:rPr>
+              <a:t>Think about and </a:t>
+            </a:r>
+            <a:r>
+              <a:rPr lang="en-US" sz="4400" dirty="0">
+                <a:solidFill>
+                  <a:schemeClr val="accent1">
+                    <a:lumMod val="75000"/>
+                  </a:schemeClr>
+                </a:solidFill>
+                <a:latin typeface="Palatino Linotype" panose="02040502050505030304" pitchFamily="18" charset="0"/>
+              </a:rPr>
+              <a:t>creatively</a:t>
+            </a:r>
+            <a:r>
+              <a:rPr lang="en-US" sz="4400" dirty="0">
+                <a:latin typeface="Palatino Linotype" panose="02040502050505030304" pitchFamily="18" charset="0"/>
+              </a:rPr>
+              <a:t> apply AI to make the world a better place</a:t>
+            </a:r>
+          </a:p>
+        </p:txBody>
+      </p:sp>
+    </p:spTree>
+    <p:extLst>
+      <p:ext uri="{BB962C8B-B14F-4D97-AF65-F5344CB8AC3E}">
+        <p14:creationId xmlns:p14="http://schemas.microsoft.com/office/powerpoint/2010/main" val="2443628232"/>
+      </p:ext>
+    </p:extLst>
+  </p:cSld>
+  <p:clrMapOvr>
+    <a:masterClrMapping/>
+  </p:clrMapOvr>
+  <mc:AlternateContent xmlns:mc="http://schemas.openxmlformats.org/markup-compatibility/2006" xmlns:p14="http://schemas.microsoft.com/office/powerpoint/2010/main">
+    <mc:Choice Requires="p14">
+      <p:transition spd="med" p14:dur="700">
+        <p:fade/>
+      </p:transition>
+    </mc:Choice>
+    <mc:Fallback xmlns="">
+      <p:transition spd="med">
+        <p:fade/>
+      </p:transition>
+    </mc:Fallback>
+  </mc:AlternateContent>
+</p:sld>
+</file>
+
+<file path=ppt/slides/slide20.xml><?xml version="1.0" encoding="utf-8"?>
 <p:sld xmlns:a="http://schemas.openxmlformats.org/drawingml/2006/main" xmlns:r="http://schemas.openxmlformats.org/officeDocument/2006/relationships" xmlns:p="http://schemas.openxmlformats.org/presentationml/2006/main">
   <p:cSld>
     <p:spTree>
@@ -10235,7 +11088,7 @@
 </p:sld>
 </file>
 
-<file path=ppt/slides/slide19.xml><?xml version="1.0" encoding="utf-8"?>
+<file path=ppt/slides/slide21.xml><?xml version="1.0" encoding="utf-8"?>
 <p:sld xmlns:a="http://schemas.openxmlformats.org/drawingml/2006/main" xmlns:r="http://schemas.openxmlformats.org/officeDocument/2006/relationships" xmlns:p="http://schemas.openxmlformats.org/presentationml/2006/main">
   <p:cSld>
     <p:spTree>
@@ -10307,122 +11160,7 @@
 </p:sld>
 </file>
 
-<file path=ppt/slides/slide2.xml><?xml version="1.0" encoding="utf-8"?>
-<p:sld xmlns:a="http://schemas.openxmlformats.org/drawingml/2006/main" xmlns:r="http://schemas.openxmlformats.org/officeDocument/2006/relationships" xmlns:p="http://schemas.openxmlformats.org/presentationml/2006/main">
-  <p:cSld>
-    <p:spTree>
-      <p:nvGrpSpPr>
-        <p:cNvPr id="1" name=""/>
-        <p:cNvGrpSpPr/>
-        <p:nvPr/>
-      </p:nvGrpSpPr>
-      <p:grpSpPr>
-        <a:xfrm>
-          <a:off x="0" y="0"/>
-          <a:ext cx="0" cy="0"/>
-          <a:chOff x="0" y="0"/>
-          <a:chExt cx="0" cy="0"/>
-        </a:xfrm>
-      </p:grpSpPr>
-      <p:sp>
-        <p:nvSpPr>
-          <p:cNvPr id="5" name="Content Placeholder 4">
-            <a:extLst>
-              <a:ext uri="{FF2B5EF4-FFF2-40B4-BE49-F238E27FC236}">
-                <a16:creationId xmlns:a16="http://schemas.microsoft.com/office/drawing/2014/main" id="{7C82B2FA-DB39-467C-9DC1-245874DCBCF1}"/>
-              </a:ext>
-            </a:extLst>
-          </p:cNvPr>
-          <p:cNvSpPr>
-            <a:spLocks noGrp="1"/>
-          </p:cNvSpPr>
-          <p:nvPr>
-            <p:ph idx="1"/>
-          </p:nvPr>
-        </p:nvSpPr>
-        <p:spPr>
-          <a:xfrm>
-            <a:off x="618697" y="1508760"/>
-            <a:ext cx="10576561" cy="4790124"/>
-          </a:xfrm>
-        </p:spPr>
-        <p:txBody>
-          <a:bodyPr>
-            <a:normAutofit/>
-          </a:bodyPr>
-          <a:lstStyle/>
-          <a:p>
-            <a:pPr marL="0" indent="0">
-              <a:buNone/>
-            </a:pPr>
-            <a:endParaRPr lang="en-US" dirty="0">
-              <a:latin typeface="Palatino Linotype" panose="02040502050505030304" pitchFamily="18" charset="0"/>
-            </a:endParaRPr>
-          </a:p>
-          <a:p>
-            <a:pPr marL="0" indent="0">
-              <a:buNone/>
-            </a:pPr>
-            <a:endParaRPr lang="en-US" dirty="0">
-              <a:latin typeface="Palatino Linotype" panose="02040502050505030304" pitchFamily="18" charset="0"/>
-            </a:endParaRPr>
-          </a:p>
-          <a:p>
-            <a:pPr marL="0" indent="0" algn="ctr">
-              <a:buNone/>
-            </a:pPr>
-            <a:r>
-              <a:rPr lang="en-US" sz="4400" dirty="0">
-                <a:latin typeface="Palatino Linotype" panose="02040502050505030304" pitchFamily="18" charset="0"/>
-              </a:rPr>
-              <a:t>Think about and </a:t>
-            </a:r>
-            <a:r>
-              <a:rPr lang="en-US" sz="4400" dirty="0">
-                <a:solidFill>
-                  <a:schemeClr val="accent1">
-                    <a:lumMod val="75000"/>
-                  </a:schemeClr>
-                </a:solidFill>
-                <a:latin typeface="Palatino Linotype" panose="02040502050505030304" pitchFamily="18" charset="0"/>
-              </a:rPr>
-              <a:t>creatively</a:t>
-            </a:r>
-            <a:r>
-              <a:rPr lang="en-US" sz="4400" dirty="0">
-                <a:latin typeface="Palatino Linotype" panose="02040502050505030304" pitchFamily="18" charset="0"/>
-              </a:rPr>
-              <a:t> apply AI to make the world a better place</a:t>
-            </a:r>
-          </a:p>
-        </p:txBody>
-      </p:sp>
-    </p:spTree>
-    <p:extLst>
-      <p:ext uri="{BB962C8B-B14F-4D97-AF65-F5344CB8AC3E}">
-        <p14:creationId xmlns:p14="http://schemas.microsoft.com/office/powerpoint/2010/main" val="2443628232"/>
-      </p:ext>
-    </p:extLst>
-  </p:cSld>
-  <p:clrMapOvr>
-    <a:masterClrMapping/>
-  </p:clrMapOvr>
-  <mc:AlternateContent xmlns:mc="http://schemas.openxmlformats.org/markup-compatibility/2006" xmlns:p14="http://schemas.microsoft.com/office/powerpoint/2010/main">
-    <mc:Choice Requires="p14">
-      <p:transition spd="med" p14:dur="700">
-        <p:fade/>
-      </p:transition>
-    </mc:Choice>
-    <mc:Fallback xmlns="">
-      <p:transition spd="med">
-        <p:fade/>
-      </p:transition>
-    </mc:Fallback>
-  </mc:AlternateContent>
-</p:sld>
-</file>
-
-<file path=ppt/slides/slide20.xml><?xml version="1.0" encoding="utf-8"?>
+<file path=ppt/slides/slide22.xml><?xml version="1.0" encoding="utf-8"?>
 <p:sld xmlns:a="http://schemas.openxmlformats.org/drawingml/2006/main" xmlns:r="http://schemas.openxmlformats.org/officeDocument/2006/relationships" xmlns:p="http://schemas.openxmlformats.org/presentationml/2006/main">
   <p:cSld>
     <p:spTree>
@@ -10494,7 +11232,7 @@
 </p:sld>
 </file>
 
-<file path=ppt/slides/slide21.xml><?xml version="1.0" encoding="utf-8"?>
+<file path=ppt/slides/slide23.xml><?xml version="1.0" encoding="utf-8"?>
 <p:sld xmlns:a="http://schemas.openxmlformats.org/drawingml/2006/main" xmlns:r="http://schemas.openxmlformats.org/officeDocument/2006/relationships" xmlns:p="http://schemas.openxmlformats.org/presentationml/2006/main">
   <p:cSld>
     <p:spTree>
@@ -10566,7 +11304,7 @@
 </p:sld>
 </file>
 
-<file path=ppt/slides/slide22.xml><?xml version="1.0" encoding="utf-8"?>
+<file path=ppt/slides/slide24.xml><?xml version="1.0" encoding="utf-8"?>
 <p:sld xmlns:a="http://schemas.openxmlformats.org/drawingml/2006/main" xmlns:r="http://schemas.openxmlformats.org/officeDocument/2006/relationships" xmlns:p="http://schemas.openxmlformats.org/presentationml/2006/main">
   <p:cSld>
     <p:spTree>
@@ -10638,7 +11376,7 @@
 </p:sld>
 </file>
 
-<file path=ppt/slides/slide23.xml><?xml version="1.0" encoding="utf-8"?>
+<file path=ppt/slides/slide25.xml><?xml version="1.0" encoding="utf-8"?>
 <p:sld xmlns:a="http://schemas.openxmlformats.org/drawingml/2006/main" xmlns:r="http://schemas.openxmlformats.org/officeDocument/2006/relationships" xmlns:p="http://schemas.openxmlformats.org/presentationml/2006/main">
   <p:cSld>
     <p:spTree>
@@ -10710,7 +11448,7 @@
 </p:sld>
 </file>
 
-<file path=ppt/slides/slide24.xml><?xml version="1.0" encoding="utf-8"?>
+<file path=ppt/slides/slide26.xml><?xml version="1.0" encoding="utf-8"?>
 <p:sld xmlns:a="http://schemas.openxmlformats.org/drawingml/2006/main" xmlns:r="http://schemas.openxmlformats.org/officeDocument/2006/relationships" xmlns:p="http://schemas.openxmlformats.org/presentationml/2006/main">
   <p:cSld>
     <p:spTree>
@@ -10727,54 +11465,78 @@
           <a:chExt cx="0" cy="0"/>
         </a:xfrm>
       </p:grpSpPr>
-      <p:sp>
-        <p:nvSpPr>
-          <p:cNvPr id="5" name="Content Placeholder 4">
+      <p:pic>
+        <p:nvPicPr>
+          <p:cNvPr id="4" name="Picture 3">
             <a:extLst>
               <a:ext uri="{FF2B5EF4-FFF2-40B4-BE49-F238E27FC236}">
-                <a16:creationId xmlns:a16="http://schemas.microsoft.com/office/drawing/2014/main" id="{7C82B2FA-DB39-467C-9DC1-245874DCBCF1}"/>
+                <a16:creationId xmlns:a16="http://schemas.microsoft.com/office/drawing/2014/main" id="{76BC83F4-4EE1-6975-16A6-970017DE2188}"/>
               </a:ext>
             </a:extLst>
           </p:cNvPr>
-          <p:cNvSpPr>
-            <a:spLocks noGrp="1"/>
-          </p:cNvSpPr>
-          <p:nvPr>
-            <p:ph idx="1"/>
-          </p:nvPr>
-        </p:nvSpPr>
+          <p:cNvPicPr>
+            <a:picLocks noChangeAspect="1"/>
+          </p:cNvPicPr>
+          <p:nvPr/>
+        </p:nvPicPr>
+        <p:blipFill>
+          <a:blip r:embed="rId3"/>
+          <a:stretch>
+            <a:fillRect/>
+          </a:stretch>
+        </p:blipFill>
         <p:spPr>
           <a:xfrm>
-            <a:off x="0" y="894276"/>
-            <a:ext cx="12192000" cy="978525"/>
+            <a:off x="1516943" y="155843"/>
+            <a:ext cx="9158114" cy="6546314"/>
           </a:xfrm>
+          <a:prstGeom prst="rect">
+            <a:avLst/>
+          </a:prstGeom>
         </p:spPr>
-        <p:txBody>
-          <a:bodyPr>
-            <a:normAutofit lnSpcReduction="10000"/>
-          </a:bodyPr>
-          <a:lstStyle/>
-          <a:p>
-            <a:pPr marL="0" indent="0" algn="ctr">
-              <a:buNone/>
-            </a:pPr>
-            <a:endParaRPr lang="en-US" dirty="0">
-              <a:latin typeface="Palatino Linotype" panose="02040502050505030304" pitchFamily="18" charset="0"/>
-            </a:endParaRPr>
-          </a:p>
-          <a:p>
-            <a:pPr marL="0" indent="0" algn="ctr">
-              <a:buNone/>
-            </a:pPr>
-            <a:r>
-              <a:rPr lang="en-US" dirty="0">
-                <a:latin typeface="Palatino Linotype" panose="02040502050505030304" pitchFamily="18" charset="0"/>
-              </a:rPr>
-              <a:t>What does your data look like? </a:t>
-            </a:r>
-          </a:p>
-        </p:txBody>
-      </p:sp>
+      </p:pic>
+    </p:spTree>
+    <p:extLst>
+      <p:ext uri="{BB962C8B-B14F-4D97-AF65-F5344CB8AC3E}">
+        <p14:creationId xmlns:p14="http://schemas.microsoft.com/office/powerpoint/2010/main" val="2635872209"/>
+      </p:ext>
+    </p:extLst>
+  </p:cSld>
+  <p:clrMapOvr>
+    <a:masterClrMapping/>
+  </p:clrMapOvr>
+  <mc:AlternateContent xmlns:mc="http://schemas.openxmlformats.org/markup-compatibility/2006" xmlns:p14="http://schemas.microsoft.com/office/powerpoint/2010/main">
+    <mc:Choice Requires="p14">
+      <p:transition spd="med" p14:dur="700">
+        <p:fade/>
+      </p:transition>
+    </mc:Choice>
+    <mc:Fallback xmlns="">
+      <p:transition spd="med">
+        <p:fade/>
+      </p:transition>
+    </mc:Fallback>
+  </mc:AlternateContent>
+</p:sld>
+</file>
+
+<file path=ppt/slides/slide27.xml><?xml version="1.0" encoding="utf-8"?>
+<p:sld xmlns:a="http://schemas.openxmlformats.org/drawingml/2006/main" xmlns:r="http://schemas.openxmlformats.org/officeDocument/2006/relationships" xmlns:p="http://schemas.openxmlformats.org/presentationml/2006/main">
+  <p:cSld>
+    <p:spTree>
+      <p:nvGrpSpPr>
+        <p:cNvPr id="1" name=""/>
+        <p:cNvGrpSpPr/>
+        <p:nvPr/>
+      </p:nvGrpSpPr>
+      <p:grpSpPr>
+        <a:xfrm>
+          <a:off x="0" y="0"/>
+          <a:ext cx="0" cy="0"/>
+          <a:chOff x="0" y="0"/>
+          <a:chExt cx="0" cy="0"/>
+        </a:xfrm>
+      </p:grpSpPr>
       <p:pic>
         <p:nvPicPr>
           <p:cNvPr id="6" name="Picture 5">
@@ -10812,7 +11574,7 @@
         </p:blipFill>
         <p:spPr>
           <a:xfrm>
-            <a:off x="4244123" y="186914"/>
+            <a:off x="4244123" y="5590394"/>
             <a:ext cx="3703754" cy="827416"/>
           </a:xfrm>
           <a:prstGeom prst="rect">
@@ -10822,195 +11584,578 @@
       </p:pic>
       <p:sp>
         <p:nvSpPr>
-          <p:cNvPr id="9" name="TextBox 8">
+          <p:cNvPr id="12" name="Title 1">
             <a:extLst>
               <a:ext uri="{FF2B5EF4-FFF2-40B4-BE49-F238E27FC236}">
-                <a16:creationId xmlns:a16="http://schemas.microsoft.com/office/drawing/2014/main" id="{71FA8412-2A89-4D01-8696-01FE54832167}"/>
+                <a16:creationId xmlns:a16="http://schemas.microsoft.com/office/drawing/2014/main" id="{31510425-5CCF-CD7E-C725-99B262AFF309}"/>
               </a:ext>
             </a:extLst>
           </p:cNvPr>
-          <p:cNvSpPr txBox="1"/>
+          <p:cNvSpPr txBox="1">
+            <a:spLocks/>
+          </p:cNvSpPr>
           <p:nvPr/>
         </p:nvSpPr>
         <p:spPr>
           <a:xfrm>
-            <a:off x="1918474" y="2977506"/>
-            <a:ext cx="2775119" cy="400110"/>
+            <a:off x="0" y="440190"/>
+            <a:ext cx="12192000" cy="834428"/>
           </a:xfrm>
           <a:prstGeom prst="rect">
             <a:avLst/>
           </a:prstGeom>
-          <a:noFill/>
         </p:spPr>
         <p:txBody>
-          <a:bodyPr wrap="none" rtlCol="0">
-            <a:spAutoFit/>
+          <a:bodyPr>
+            <a:normAutofit/>
           </a:bodyPr>
-          <a:lstStyle/>
+          <a:lstStyle>
+            <a:lvl1pPr algn="l" defTabSz="914400" rtl="0" eaLnBrk="1" latinLnBrk="0" hangingPunct="1">
+              <a:lnSpc>
+                <a:spcPct val="90000"/>
+              </a:lnSpc>
+              <a:spcBef>
+                <a:spcPct val="0"/>
+              </a:spcBef>
+              <a:buNone/>
+              <a:defRPr sz="4400" kern="1200">
+                <a:solidFill>
+                  <a:schemeClr val="tx1"/>
+                </a:solidFill>
+                <a:latin typeface="+mj-lt"/>
+                <a:ea typeface="+mj-ea"/>
+                <a:cs typeface="+mj-cs"/>
+              </a:defRPr>
+            </a:lvl1pPr>
+          </a:lstStyle>
           <a:p>
             <a:pPr algn="ctr"/>
             <a:r>
-              <a:rPr lang="en-US" sz="2000" dirty="0">
-                <a:latin typeface="Palatino Linotype" panose="02040502050505030304" pitchFamily="18" charset="0"/>
-              </a:rPr>
-              <a:t>Structured </a:t>
-            </a:r>
-            <a:r>
-              <a:rPr lang="en-US" sz="2000" dirty="0">
+              <a:rPr lang="en-US" sz="4000" dirty="0">
                 <a:solidFill>
-                  <a:srgbClr val="517495"/>
+                  <a:schemeClr val="tx1">
+                    <a:lumMod val="75000"/>
+                    <a:lumOff val="25000"/>
+                  </a:schemeClr>
                 </a:solidFill>
                 <a:latin typeface="Palatino Linotype" panose="02040502050505030304" pitchFamily="18" charset="0"/>
+                <a:cs typeface="Segoe UI Light" panose="020B0502040204020203" pitchFamily="34" charset="0"/>
               </a:rPr>
-              <a:t>(Databases)</a:t>
-            </a:r>
-          </a:p>
-        </p:txBody>
-      </p:sp>
-      <p:sp>
-        <p:nvSpPr>
-          <p:cNvPr id="10" name="TextBox 9">
+              <a:t>What do you want to do?</a:t>
+            </a:r>
+          </a:p>
+        </p:txBody>
+      </p:sp>
+      <p:sp>
+        <p:nvSpPr>
+          <p:cNvPr id="14" name="Content Placeholder 2">
             <a:extLst>
               <a:ext uri="{FF2B5EF4-FFF2-40B4-BE49-F238E27FC236}">
-                <a16:creationId xmlns:a16="http://schemas.microsoft.com/office/drawing/2014/main" id="{2FC53033-C8E9-4648-952A-68D1FC2814DD}"/>
+                <a16:creationId xmlns:a16="http://schemas.microsoft.com/office/drawing/2014/main" id="{1F28550C-F646-7E80-D9B9-997BE2C6FA00}"/>
               </a:ext>
             </a:extLst>
           </p:cNvPr>
-          <p:cNvSpPr txBox="1"/>
-          <p:nvPr/>
+          <p:cNvSpPr>
+            <a:spLocks noGrp="1"/>
+          </p:cNvSpPr>
+          <p:nvPr>
+            <p:ph idx="1"/>
+          </p:nvPr>
         </p:nvSpPr>
         <p:spPr>
           <a:xfrm>
-            <a:off x="6813203" y="2967685"/>
-            <a:ext cx="4003468" cy="400110"/>
+            <a:off x="7105904" y="1797090"/>
+            <a:ext cx="4822760" cy="2973211"/>
+          </a:xfrm>
+        </p:spPr>
+        <p:txBody>
+          <a:bodyPr>
+            <a:normAutofit/>
+          </a:bodyPr>
+          <a:lstStyle/>
+          <a:p>
+            <a:pPr marL="0" indent="0">
+              <a:buNone/>
+            </a:pPr>
+            <a:r>
+              <a:rPr lang="en-US" sz="3600" dirty="0">
+                <a:solidFill>
+                  <a:srgbClr val="60BA7B"/>
+                </a:solidFill>
+              </a:rPr>
+              <a:t>Data</a:t>
+            </a:r>
+          </a:p>
+          <a:p>
+            <a:r>
+              <a:rPr lang="en-US" sz="2400" dirty="0"/>
+              <a:t>Structured (Databases)</a:t>
+            </a:r>
+          </a:p>
+          <a:p>
+            <a:r>
+              <a:rPr lang="en-US" sz="2400" dirty="0"/>
+              <a:t>Repetitive (Sensors, Instruments)</a:t>
+            </a:r>
+          </a:p>
+          <a:p>
+            <a:r>
+              <a:rPr lang="en-US" sz="2400" dirty="0"/>
+              <a:t>Textual (Documents, Email, Web)</a:t>
+            </a:r>
+          </a:p>
+          <a:p>
+            <a:r>
+              <a:rPr lang="en-US" sz="2400" dirty="0"/>
+              <a:t>Non-Textual (Images, Video, Audio)</a:t>
+            </a:r>
+          </a:p>
+        </p:txBody>
+      </p:sp>
+      <p:sp>
+        <p:nvSpPr>
+          <p:cNvPr id="15" name="Content Placeholder 2">
+            <a:extLst>
+              <a:ext uri="{FF2B5EF4-FFF2-40B4-BE49-F238E27FC236}">
+                <a16:creationId xmlns:a16="http://schemas.microsoft.com/office/drawing/2014/main" id="{FAE4DF93-FD24-C610-6291-9F7887F25B74}"/>
+              </a:ext>
+            </a:extLst>
+          </p:cNvPr>
+          <p:cNvSpPr txBox="1">
+            <a:spLocks/>
+          </p:cNvSpPr>
+          <p:nvPr/>
+        </p:nvSpPr>
+        <p:spPr>
+          <a:xfrm>
+            <a:off x="3807160" y="1797089"/>
+            <a:ext cx="2948848" cy="2973211"/>
           </a:xfrm>
           <a:prstGeom prst="rect">
             <a:avLst/>
           </a:prstGeom>
-          <a:noFill/>
         </p:spPr>
         <p:txBody>
-          <a:bodyPr wrap="none" rtlCol="0">
-            <a:spAutoFit/>
+          <a:bodyPr vert="horz" lIns="91440" tIns="45720" rIns="91440" bIns="45720" rtlCol="0">
+            <a:normAutofit/>
           </a:bodyPr>
-          <a:lstStyle/>
-          <a:p>
-            <a:pPr algn="ctr"/>
-            <a:r>
-              <a:rPr lang="en-US" sz="2000" dirty="0">
-                <a:latin typeface="Palatino Linotype" panose="02040502050505030304" pitchFamily="18" charset="0"/>
+          <a:lstStyle>
+            <a:lvl1pPr marL="228600" indent="-228600" algn="l" defTabSz="914400" rtl="0" eaLnBrk="1" latinLnBrk="0" hangingPunct="1">
+              <a:lnSpc>
+                <a:spcPct val="90000"/>
+              </a:lnSpc>
+              <a:spcBef>
+                <a:spcPts val="1000"/>
+              </a:spcBef>
+              <a:buFont typeface="Arial" panose="020B0604020202020204" pitchFamily="34" charset="0"/>
+              <a:buChar char="•"/>
+              <a:defRPr sz="2800" kern="1200">
+                <a:solidFill>
+                  <a:schemeClr val="tx1"/>
+                </a:solidFill>
+                <a:latin typeface="+mn-lt"/>
+                <a:ea typeface="+mn-ea"/>
+                <a:cs typeface="+mn-cs"/>
+              </a:defRPr>
+            </a:lvl1pPr>
+            <a:lvl2pPr marL="685800" indent="-228600" algn="l" defTabSz="914400" rtl="0" eaLnBrk="1" latinLnBrk="0" hangingPunct="1">
+              <a:lnSpc>
+                <a:spcPct val="90000"/>
+              </a:lnSpc>
+              <a:spcBef>
+                <a:spcPts val="500"/>
+              </a:spcBef>
+              <a:buFont typeface="Arial" panose="020B0604020202020204" pitchFamily="34" charset="0"/>
+              <a:buChar char="•"/>
+              <a:defRPr sz="2400" kern="1200">
+                <a:solidFill>
+                  <a:schemeClr val="tx1"/>
+                </a:solidFill>
+                <a:latin typeface="+mn-lt"/>
+                <a:ea typeface="+mn-ea"/>
+                <a:cs typeface="+mn-cs"/>
+              </a:defRPr>
+            </a:lvl2pPr>
+            <a:lvl3pPr marL="1143000" indent="-228600" algn="l" defTabSz="914400" rtl="0" eaLnBrk="1" latinLnBrk="0" hangingPunct="1">
+              <a:lnSpc>
+                <a:spcPct val="90000"/>
+              </a:lnSpc>
+              <a:spcBef>
+                <a:spcPts val="500"/>
+              </a:spcBef>
+              <a:buFont typeface="Arial" panose="020B0604020202020204" pitchFamily="34" charset="0"/>
+              <a:buChar char="•"/>
+              <a:defRPr sz="2000" kern="1200">
+                <a:solidFill>
+                  <a:schemeClr val="tx1"/>
+                </a:solidFill>
+                <a:latin typeface="+mn-lt"/>
+                <a:ea typeface="+mn-ea"/>
+                <a:cs typeface="+mn-cs"/>
+              </a:defRPr>
+            </a:lvl3pPr>
+            <a:lvl4pPr marL="1600200" indent="-228600" algn="l" defTabSz="914400" rtl="0" eaLnBrk="1" latinLnBrk="0" hangingPunct="1">
+              <a:lnSpc>
+                <a:spcPct val="90000"/>
+              </a:lnSpc>
+              <a:spcBef>
+                <a:spcPts val="500"/>
+              </a:spcBef>
+              <a:buFont typeface="Arial" panose="020B0604020202020204" pitchFamily="34" charset="0"/>
+              <a:buChar char="•"/>
+              <a:defRPr sz="1800" kern="1200">
+                <a:solidFill>
+                  <a:schemeClr val="tx1"/>
+                </a:solidFill>
+                <a:latin typeface="+mn-lt"/>
+                <a:ea typeface="+mn-ea"/>
+                <a:cs typeface="+mn-cs"/>
+              </a:defRPr>
+            </a:lvl4pPr>
+            <a:lvl5pPr marL="2057400" indent="-228600" algn="l" defTabSz="914400" rtl="0" eaLnBrk="1" latinLnBrk="0" hangingPunct="1">
+              <a:lnSpc>
+                <a:spcPct val="90000"/>
+              </a:lnSpc>
+              <a:spcBef>
+                <a:spcPts val="500"/>
+              </a:spcBef>
+              <a:buFont typeface="Arial" panose="020B0604020202020204" pitchFamily="34" charset="0"/>
+              <a:buChar char="•"/>
+              <a:defRPr sz="1800" kern="1200">
+                <a:solidFill>
+                  <a:schemeClr val="tx1"/>
+                </a:solidFill>
+                <a:latin typeface="+mn-lt"/>
+                <a:ea typeface="+mn-ea"/>
+                <a:cs typeface="+mn-cs"/>
+              </a:defRPr>
+            </a:lvl5pPr>
+            <a:lvl6pPr marL="2514600" indent="-228600" algn="l" defTabSz="914400" rtl="0" eaLnBrk="1" latinLnBrk="0" hangingPunct="1">
+              <a:lnSpc>
+                <a:spcPct val="90000"/>
+              </a:lnSpc>
+              <a:spcBef>
+                <a:spcPts val="500"/>
+              </a:spcBef>
+              <a:buFont typeface="Arial" panose="020B0604020202020204" pitchFamily="34" charset="0"/>
+              <a:buChar char="•"/>
+              <a:defRPr sz="1800" kern="1200">
+                <a:solidFill>
+                  <a:schemeClr val="tx1"/>
+                </a:solidFill>
+                <a:latin typeface="+mn-lt"/>
+                <a:ea typeface="+mn-ea"/>
+                <a:cs typeface="+mn-cs"/>
+              </a:defRPr>
+            </a:lvl6pPr>
+            <a:lvl7pPr marL="2971800" indent="-228600" algn="l" defTabSz="914400" rtl="0" eaLnBrk="1" latinLnBrk="0" hangingPunct="1">
+              <a:lnSpc>
+                <a:spcPct val="90000"/>
+              </a:lnSpc>
+              <a:spcBef>
+                <a:spcPts val="500"/>
+              </a:spcBef>
+              <a:buFont typeface="Arial" panose="020B0604020202020204" pitchFamily="34" charset="0"/>
+              <a:buChar char="•"/>
+              <a:defRPr sz="1800" kern="1200">
+                <a:solidFill>
+                  <a:schemeClr val="tx1"/>
+                </a:solidFill>
+                <a:latin typeface="+mn-lt"/>
+                <a:ea typeface="+mn-ea"/>
+                <a:cs typeface="+mn-cs"/>
+              </a:defRPr>
+            </a:lvl7pPr>
+            <a:lvl8pPr marL="3429000" indent="-228600" algn="l" defTabSz="914400" rtl="0" eaLnBrk="1" latinLnBrk="0" hangingPunct="1">
+              <a:lnSpc>
+                <a:spcPct val="90000"/>
+              </a:lnSpc>
+              <a:spcBef>
+                <a:spcPts val="500"/>
+              </a:spcBef>
+              <a:buFont typeface="Arial" panose="020B0604020202020204" pitchFamily="34" charset="0"/>
+              <a:buChar char="•"/>
+              <a:defRPr sz="1800" kern="1200">
+                <a:solidFill>
+                  <a:schemeClr val="tx1"/>
+                </a:solidFill>
+                <a:latin typeface="+mn-lt"/>
+                <a:ea typeface="+mn-ea"/>
+                <a:cs typeface="+mn-cs"/>
+              </a:defRPr>
+            </a:lvl8pPr>
+            <a:lvl9pPr marL="3886200" indent="-228600" algn="l" defTabSz="914400" rtl="0" eaLnBrk="1" latinLnBrk="0" hangingPunct="1">
+              <a:lnSpc>
+                <a:spcPct val="90000"/>
+              </a:lnSpc>
+              <a:spcBef>
+                <a:spcPts val="500"/>
+              </a:spcBef>
+              <a:buFont typeface="Arial" panose="020B0604020202020204" pitchFamily="34" charset="0"/>
+              <a:buChar char="•"/>
+              <a:defRPr sz="1800" kern="1200">
+                <a:solidFill>
+                  <a:schemeClr val="tx1"/>
+                </a:solidFill>
+                <a:latin typeface="+mn-lt"/>
+                <a:ea typeface="+mn-ea"/>
+                <a:cs typeface="+mn-cs"/>
+              </a:defRPr>
+            </a:lvl9pPr>
+          </a:lstStyle>
+          <a:p>
+            <a:pPr marL="0" indent="0">
+              <a:buFont typeface="Arial" panose="020B0604020202020204" pitchFamily="34" charset="0"/>
+              <a:buNone/>
+            </a:pPr>
+            <a:r>
+              <a:rPr lang="en-US" sz="3600" dirty="0">
+                <a:solidFill>
+                  <a:srgbClr val="60BA7B"/>
+                </a:solidFill>
               </a:rPr>
-              <a:t>Repetitive </a:t>
-            </a:r>
-            <a:r>
-              <a:rPr lang="en-US" sz="2000" dirty="0">
-                <a:solidFill>
-                  <a:schemeClr val="accent5">
-                    <a:lumMod val="75000"/>
-                  </a:schemeClr>
-                </a:solidFill>
-                <a:latin typeface="Palatino Linotype" panose="02040502050505030304" pitchFamily="18" charset="0"/>
-              </a:rPr>
-              <a:t>(Sensors, Instruments) </a:t>
-            </a:r>
-          </a:p>
-        </p:txBody>
-      </p:sp>
-      <p:sp>
-        <p:nvSpPr>
-          <p:cNvPr id="11" name="TextBox 10">
+              <a:t>Method</a:t>
+            </a:r>
+          </a:p>
+          <a:p>
+            <a:r>
+              <a:rPr lang="en-US" sz="2400" dirty="0"/>
+              <a:t>Machine Learning</a:t>
+            </a:r>
+          </a:p>
+          <a:p>
+            <a:r>
+              <a:rPr lang="en-US" sz="2400" dirty="0"/>
+              <a:t>Deep Learning</a:t>
+            </a:r>
+          </a:p>
+        </p:txBody>
+      </p:sp>
+      <p:sp>
+        <p:nvSpPr>
+          <p:cNvPr id="16" name="Content Placeholder 2">
             <a:extLst>
               <a:ext uri="{FF2B5EF4-FFF2-40B4-BE49-F238E27FC236}">
-                <a16:creationId xmlns:a16="http://schemas.microsoft.com/office/drawing/2014/main" id="{B5BF4CB7-83FC-4BBF-BA71-9EEE9C5AC9C6}"/>
+                <a16:creationId xmlns:a16="http://schemas.microsoft.com/office/drawing/2014/main" id="{6ED6EA24-D78A-4867-7B25-03065C4804C5}"/>
               </a:ext>
             </a:extLst>
           </p:cNvPr>
-          <p:cNvSpPr txBox="1"/>
+          <p:cNvSpPr txBox="1">
+            <a:spLocks/>
+          </p:cNvSpPr>
           <p:nvPr/>
         </p:nvSpPr>
         <p:spPr>
           <a:xfrm>
-            <a:off x="712097" y="4236087"/>
-            <a:ext cx="5187875" cy="400110"/>
+            <a:off x="739916" y="1797088"/>
+            <a:ext cx="2948848" cy="2973211"/>
           </a:xfrm>
           <a:prstGeom prst="rect">
             <a:avLst/>
           </a:prstGeom>
-          <a:noFill/>
         </p:spPr>
         <p:txBody>
-          <a:bodyPr wrap="square" rtlCol="0">
-            <a:spAutoFit/>
+          <a:bodyPr vert="horz" lIns="91440" tIns="45720" rIns="91440" bIns="45720" rtlCol="0">
+            <a:normAutofit/>
           </a:bodyPr>
-          <a:lstStyle/>
-          <a:p>
-            <a:pPr algn="ctr"/>
-            <a:r>
-              <a:rPr lang="en-US" sz="2000" dirty="0">
-                <a:latin typeface="Palatino Linotype" panose="02040502050505030304" pitchFamily="18" charset="0"/>
+          <a:lstStyle>
+            <a:lvl1pPr marL="228600" indent="-228600" algn="l" defTabSz="914400" rtl="0" eaLnBrk="1" latinLnBrk="0" hangingPunct="1">
+              <a:lnSpc>
+                <a:spcPct val="90000"/>
+              </a:lnSpc>
+              <a:spcBef>
+                <a:spcPts val="1000"/>
+              </a:spcBef>
+              <a:buFont typeface="Arial" panose="020B0604020202020204" pitchFamily="34" charset="0"/>
+              <a:buChar char="•"/>
+              <a:defRPr sz="2800" kern="1200">
+                <a:solidFill>
+                  <a:schemeClr val="tx1"/>
+                </a:solidFill>
+                <a:latin typeface="+mn-lt"/>
+                <a:ea typeface="+mn-ea"/>
+                <a:cs typeface="+mn-cs"/>
+              </a:defRPr>
+            </a:lvl1pPr>
+            <a:lvl2pPr marL="685800" indent="-228600" algn="l" defTabSz="914400" rtl="0" eaLnBrk="1" latinLnBrk="0" hangingPunct="1">
+              <a:lnSpc>
+                <a:spcPct val="90000"/>
+              </a:lnSpc>
+              <a:spcBef>
+                <a:spcPts val="500"/>
+              </a:spcBef>
+              <a:buFont typeface="Arial" panose="020B0604020202020204" pitchFamily="34" charset="0"/>
+              <a:buChar char="•"/>
+              <a:defRPr sz="2400" kern="1200">
+                <a:solidFill>
+                  <a:schemeClr val="tx1"/>
+                </a:solidFill>
+                <a:latin typeface="+mn-lt"/>
+                <a:ea typeface="+mn-ea"/>
+                <a:cs typeface="+mn-cs"/>
+              </a:defRPr>
+            </a:lvl2pPr>
+            <a:lvl3pPr marL="1143000" indent="-228600" algn="l" defTabSz="914400" rtl="0" eaLnBrk="1" latinLnBrk="0" hangingPunct="1">
+              <a:lnSpc>
+                <a:spcPct val="90000"/>
+              </a:lnSpc>
+              <a:spcBef>
+                <a:spcPts val="500"/>
+              </a:spcBef>
+              <a:buFont typeface="Arial" panose="020B0604020202020204" pitchFamily="34" charset="0"/>
+              <a:buChar char="•"/>
+              <a:defRPr sz="2000" kern="1200">
+                <a:solidFill>
+                  <a:schemeClr val="tx1"/>
+                </a:solidFill>
+                <a:latin typeface="+mn-lt"/>
+                <a:ea typeface="+mn-ea"/>
+                <a:cs typeface="+mn-cs"/>
+              </a:defRPr>
+            </a:lvl3pPr>
+            <a:lvl4pPr marL="1600200" indent="-228600" algn="l" defTabSz="914400" rtl="0" eaLnBrk="1" latinLnBrk="0" hangingPunct="1">
+              <a:lnSpc>
+                <a:spcPct val="90000"/>
+              </a:lnSpc>
+              <a:spcBef>
+                <a:spcPts val="500"/>
+              </a:spcBef>
+              <a:buFont typeface="Arial" panose="020B0604020202020204" pitchFamily="34" charset="0"/>
+              <a:buChar char="•"/>
+              <a:defRPr sz="1800" kern="1200">
+                <a:solidFill>
+                  <a:schemeClr val="tx1"/>
+                </a:solidFill>
+                <a:latin typeface="+mn-lt"/>
+                <a:ea typeface="+mn-ea"/>
+                <a:cs typeface="+mn-cs"/>
+              </a:defRPr>
+            </a:lvl4pPr>
+            <a:lvl5pPr marL="2057400" indent="-228600" algn="l" defTabSz="914400" rtl="0" eaLnBrk="1" latinLnBrk="0" hangingPunct="1">
+              <a:lnSpc>
+                <a:spcPct val="90000"/>
+              </a:lnSpc>
+              <a:spcBef>
+                <a:spcPts val="500"/>
+              </a:spcBef>
+              <a:buFont typeface="Arial" panose="020B0604020202020204" pitchFamily="34" charset="0"/>
+              <a:buChar char="•"/>
+              <a:defRPr sz="1800" kern="1200">
+                <a:solidFill>
+                  <a:schemeClr val="tx1"/>
+                </a:solidFill>
+                <a:latin typeface="+mn-lt"/>
+                <a:ea typeface="+mn-ea"/>
+                <a:cs typeface="+mn-cs"/>
+              </a:defRPr>
+            </a:lvl5pPr>
+            <a:lvl6pPr marL="2514600" indent="-228600" algn="l" defTabSz="914400" rtl="0" eaLnBrk="1" latinLnBrk="0" hangingPunct="1">
+              <a:lnSpc>
+                <a:spcPct val="90000"/>
+              </a:lnSpc>
+              <a:spcBef>
+                <a:spcPts val="500"/>
+              </a:spcBef>
+              <a:buFont typeface="Arial" panose="020B0604020202020204" pitchFamily="34" charset="0"/>
+              <a:buChar char="•"/>
+              <a:defRPr sz="1800" kern="1200">
+                <a:solidFill>
+                  <a:schemeClr val="tx1"/>
+                </a:solidFill>
+                <a:latin typeface="+mn-lt"/>
+                <a:ea typeface="+mn-ea"/>
+                <a:cs typeface="+mn-cs"/>
+              </a:defRPr>
+            </a:lvl6pPr>
+            <a:lvl7pPr marL="2971800" indent="-228600" algn="l" defTabSz="914400" rtl="0" eaLnBrk="1" latinLnBrk="0" hangingPunct="1">
+              <a:lnSpc>
+                <a:spcPct val="90000"/>
+              </a:lnSpc>
+              <a:spcBef>
+                <a:spcPts val="500"/>
+              </a:spcBef>
+              <a:buFont typeface="Arial" panose="020B0604020202020204" pitchFamily="34" charset="0"/>
+              <a:buChar char="•"/>
+              <a:defRPr sz="1800" kern="1200">
+                <a:solidFill>
+                  <a:schemeClr val="tx1"/>
+                </a:solidFill>
+                <a:latin typeface="+mn-lt"/>
+                <a:ea typeface="+mn-ea"/>
+                <a:cs typeface="+mn-cs"/>
+              </a:defRPr>
+            </a:lvl7pPr>
+            <a:lvl8pPr marL="3429000" indent="-228600" algn="l" defTabSz="914400" rtl="0" eaLnBrk="1" latinLnBrk="0" hangingPunct="1">
+              <a:lnSpc>
+                <a:spcPct val="90000"/>
+              </a:lnSpc>
+              <a:spcBef>
+                <a:spcPts val="500"/>
+              </a:spcBef>
+              <a:buFont typeface="Arial" panose="020B0604020202020204" pitchFamily="34" charset="0"/>
+              <a:buChar char="•"/>
+              <a:defRPr sz="1800" kern="1200">
+                <a:solidFill>
+                  <a:schemeClr val="tx1"/>
+                </a:solidFill>
+                <a:latin typeface="+mn-lt"/>
+                <a:ea typeface="+mn-ea"/>
+                <a:cs typeface="+mn-cs"/>
+              </a:defRPr>
+            </a:lvl8pPr>
+            <a:lvl9pPr marL="3886200" indent="-228600" algn="l" defTabSz="914400" rtl="0" eaLnBrk="1" latinLnBrk="0" hangingPunct="1">
+              <a:lnSpc>
+                <a:spcPct val="90000"/>
+              </a:lnSpc>
+              <a:spcBef>
+                <a:spcPts val="500"/>
+              </a:spcBef>
+              <a:buFont typeface="Arial" panose="020B0604020202020204" pitchFamily="34" charset="0"/>
+              <a:buChar char="•"/>
+              <a:defRPr sz="1800" kern="1200">
+                <a:solidFill>
+                  <a:schemeClr val="tx1"/>
+                </a:solidFill>
+                <a:latin typeface="+mn-lt"/>
+                <a:ea typeface="+mn-ea"/>
+                <a:cs typeface="+mn-cs"/>
+              </a:defRPr>
+            </a:lvl9pPr>
+          </a:lstStyle>
+          <a:p>
+            <a:pPr marL="0" indent="0">
+              <a:buFont typeface="Arial" panose="020B0604020202020204" pitchFamily="34" charset="0"/>
+              <a:buNone/>
+            </a:pPr>
+            <a:r>
+              <a:rPr lang="en-US" sz="3600" dirty="0">
+                <a:solidFill>
+                  <a:srgbClr val="60BA7B"/>
+                </a:solidFill>
               </a:rPr>
-              <a:t>Textual </a:t>
-            </a:r>
-            <a:r>
-              <a:rPr lang="en-US" sz="2000" dirty="0">
-                <a:solidFill>
-                  <a:schemeClr val="accent5">
-                    <a:lumMod val="75000"/>
-                  </a:schemeClr>
-                </a:solidFill>
-                <a:latin typeface="Palatino Linotype" panose="02040502050505030304" pitchFamily="18" charset="0"/>
-              </a:rPr>
-              <a:t>(Documents, Email, Web Content)</a:t>
-            </a:r>
-          </a:p>
-        </p:txBody>
-      </p:sp>
-      <p:sp>
-        <p:nvSpPr>
-          <p:cNvPr id="13" name="TextBox 12">
-            <a:extLst>
-              <a:ext uri="{FF2B5EF4-FFF2-40B4-BE49-F238E27FC236}">
-                <a16:creationId xmlns:a16="http://schemas.microsoft.com/office/drawing/2014/main" id="{D2D802A4-1BE1-4CEA-9A99-BDC1530D2E89}"/>
-              </a:ext>
-            </a:extLst>
-          </p:cNvPr>
-          <p:cNvSpPr txBox="1"/>
-          <p:nvPr/>
-        </p:nvSpPr>
-        <p:spPr>
-          <a:xfrm>
-            <a:off x="6512351" y="4231926"/>
-            <a:ext cx="4304320" cy="400110"/>
-          </a:xfrm>
-          <a:prstGeom prst="rect">
-            <a:avLst/>
-          </a:prstGeom>
-          <a:noFill/>
-        </p:spPr>
-        <p:txBody>
-          <a:bodyPr wrap="none" rtlCol="0">
-            <a:spAutoFit/>
-          </a:bodyPr>
-          <a:lstStyle/>
-          <a:p>
-            <a:pPr algn="ctr"/>
-            <a:r>
-              <a:rPr lang="en-US" sz="2000" dirty="0">
-                <a:latin typeface="Palatino Linotype" panose="02040502050505030304" pitchFamily="18" charset="0"/>
-              </a:rPr>
-              <a:t>Non-Textual </a:t>
-            </a:r>
-            <a:r>
-              <a:rPr lang="en-US" sz="2000" dirty="0">
-                <a:solidFill>
-                  <a:schemeClr val="accent5">
-                    <a:lumMod val="75000"/>
-                  </a:schemeClr>
-                </a:solidFill>
-                <a:latin typeface="Palatino Linotype" panose="02040502050505030304" pitchFamily="18" charset="0"/>
-              </a:rPr>
-              <a:t>(Images, Video, Audio)</a:t>
-            </a:r>
+              <a:t>Question</a:t>
+            </a:r>
+          </a:p>
+          <a:p>
+            <a:r>
+              <a:rPr lang="en-US" sz="2400" dirty="0"/>
+              <a:t>What?</a:t>
+            </a:r>
+          </a:p>
+          <a:p>
+            <a:r>
+              <a:rPr lang="en-US" sz="2400" dirty="0"/>
+              <a:t>Why?</a:t>
+            </a:r>
+          </a:p>
+          <a:p>
+            <a:r>
+              <a:rPr lang="en-US" sz="2400" dirty="0"/>
+              <a:t>How?</a:t>
+            </a:r>
+          </a:p>
+          <a:p>
+            <a:endParaRPr lang="en-US" sz="2400" dirty="0"/>
           </a:p>
         </p:txBody>
       </p:sp>
@@ -11039,79 +12184,7 @@
 </p:sld>
 </file>
 
-<file path=ppt/slides/slide25.xml><?xml version="1.0" encoding="utf-8"?>
-<p:sld xmlns:a="http://schemas.openxmlformats.org/drawingml/2006/main" xmlns:r="http://schemas.openxmlformats.org/officeDocument/2006/relationships" xmlns:p="http://schemas.openxmlformats.org/presentationml/2006/main">
-  <p:cSld>
-    <p:spTree>
-      <p:nvGrpSpPr>
-        <p:cNvPr id="1" name=""/>
-        <p:cNvGrpSpPr/>
-        <p:nvPr/>
-      </p:nvGrpSpPr>
-      <p:grpSpPr>
-        <a:xfrm>
-          <a:off x="0" y="0"/>
-          <a:ext cx="0" cy="0"/>
-          <a:chOff x="0" y="0"/>
-          <a:chExt cx="0" cy="0"/>
-        </a:xfrm>
-      </p:grpSpPr>
-      <p:pic>
-        <p:nvPicPr>
-          <p:cNvPr id="17" name="Picture 16">
-            <a:extLst>
-              <a:ext uri="{FF2B5EF4-FFF2-40B4-BE49-F238E27FC236}">
-                <a16:creationId xmlns:a16="http://schemas.microsoft.com/office/drawing/2014/main" id="{0F52C6C2-BFB8-474F-9665-8B9559A02619}"/>
-              </a:ext>
-            </a:extLst>
-          </p:cNvPr>
-          <p:cNvPicPr>
-            <a:picLocks noChangeAspect="1"/>
-          </p:cNvPicPr>
-          <p:nvPr/>
-        </p:nvPicPr>
-        <p:blipFill>
-          <a:blip r:embed="rId3"/>
-          <a:stretch>
-            <a:fillRect/>
-          </a:stretch>
-        </p:blipFill>
-        <p:spPr>
-          <a:xfrm>
-            <a:off x="2176462" y="600075"/>
-            <a:ext cx="7839075" cy="5657850"/>
-          </a:xfrm>
-          <a:prstGeom prst="rect">
-            <a:avLst/>
-          </a:prstGeom>
-        </p:spPr>
-      </p:pic>
-    </p:spTree>
-    <p:extLst>
-      <p:ext uri="{BB962C8B-B14F-4D97-AF65-F5344CB8AC3E}">
-        <p14:creationId xmlns:p14="http://schemas.microsoft.com/office/powerpoint/2010/main" val="2635872209"/>
-      </p:ext>
-    </p:extLst>
-  </p:cSld>
-  <p:clrMapOvr>
-    <a:masterClrMapping/>
-  </p:clrMapOvr>
-  <mc:AlternateContent xmlns:mc="http://schemas.openxmlformats.org/markup-compatibility/2006" xmlns:p14="http://schemas.microsoft.com/office/powerpoint/2010/main">
-    <mc:Choice Requires="p14">
-      <p:transition spd="slow" p14:dur="3400">
-        <p14:reveal/>
-      </p:transition>
-    </mc:Choice>
-    <mc:Fallback xmlns="">
-      <p:transition spd="slow">
-        <p:fade/>
-      </p:transition>
-    </mc:Fallback>
-  </mc:AlternateContent>
-</p:sld>
-</file>
-
-<file path=ppt/slides/slide26.xml><?xml version="1.0" encoding="utf-8"?>
+<file path=ppt/slides/slide28.xml><?xml version="1.0" encoding="utf-8"?>
 <p:sld xmlns:a="http://schemas.openxmlformats.org/drawingml/2006/main" xmlns:r="http://schemas.openxmlformats.org/officeDocument/2006/relationships" xmlns:p="http://schemas.openxmlformats.org/presentationml/2006/main">
   <p:cSld>
     <p:spTree>
@@ -11224,12 +12297,12 @@
   </p:clrMapOvr>
   <mc:AlternateContent xmlns:mc="http://schemas.openxmlformats.org/markup-compatibility/2006" xmlns:p14="http://schemas.microsoft.com/office/powerpoint/2010/main">
     <mc:Choice Requires="p14">
-      <p:transition spd="slow" p14:dur="3400">
-        <p14:reveal/>
+      <p:transition spd="med" p14:dur="700">
+        <p:fade/>
       </p:transition>
     </mc:Choice>
     <mc:Fallback xmlns="">
-      <p:transition spd="slow">
+      <p:transition spd="med">
         <p:fade/>
       </p:transition>
     </mc:Fallback>
@@ -11800,6 +12873,18 @@
   <p:clrMapOvr>
     <a:masterClrMapping/>
   </p:clrMapOvr>
+  <mc:AlternateContent xmlns:mc="http://schemas.openxmlformats.org/markup-compatibility/2006" xmlns:p14="http://schemas.microsoft.com/office/powerpoint/2010/main">
+    <mc:Choice Requires="p14">
+      <p:transition spd="med" p14:dur="700">
+        <p:fade/>
+      </p:transition>
+    </mc:Choice>
+    <mc:Fallback xmlns="">
+      <p:transition spd="med">
+        <p:fade/>
+      </p:transition>
+    </mc:Fallback>
+  </mc:AlternateContent>
 </p:sld>
 </file>
 
@@ -12835,62 +13920,6 @@
           <a:chExt cx="0" cy="0"/>
         </a:xfrm>
       </p:grpSpPr>
-      <p:sp>
-        <p:nvSpPr>
-          <p:cNvPr id="5" name="Content Placeholder 4">
-            <a:extLst>
-              <a:ext uri="{FF2B5EF4-FFF2-40B4-BE49-F238E27FC236}">
-                <a16:creationId xmlns:a16="http://schemas.microsoft.com/office/drawing/2014/main" id="{7C82B2FA-DB39-467C-9DC1-245874DCBCF1}"/>
-              </a:ext>
-            </a:extLst>
-          </p:cNvPr>
-          <p:cNvSpPr>
-            <a:spLocks noGrp="1"/>
-          </p:cNvSpPr>
-          <p:nvPr>
-            <p:ph idx="1"/>
-          </p:nvPr>
-        </p:nvSpPr>
-        <p:spPr>
-          <a:xfrm>
-            <a:off x="728420" y="1545870"/>
-            <a:ext cx="10585343" cy="1310754"/>
-          </a:xfrm>
-        </p:spPr>
-        <p:txBody>
-          <a:bodyPr>
-            <a:normAutofit/>
-          </a:bodyPr>
-          <a:lstStyle/>
-          <a:p>
-            <a:pPr marL="0" indent="0" algn="ctr">
-              <a:buNone/>
-            </a:pPr>
-            <a:endParaRPr lang="en-US" dirty="0">
-              <a:latin typeface="Palatino Linotype" panose="02040502050505030304" pitchFamily="18" charset="0"/>
-            </a:endParaRPr>
-          </a:p>
-          <a:p>
-            <a:pPr marL="0" indent="0" algn="ctr">
-              <a:buNone/>
-            </a:pPr>
-            <a:r>
-              <a:rPr lang="en-US" dirty="0">
-                <a:latin typeface="Palatino Linotype" panose="02040502050505030304" pitchFamily="18" charset="0"/>
-              </a:rPr>
-              <a:t>How do you plan to use AI?</a:t>
-            </a:r>
-          </a:p>
-          <a:p>
-            <a:pPr marL="0" indent="0" algn="ctr">
-              <a:buNone/>
-            </a:pPr>
-            <a:endParaRPr lang="en-US" dirty="0">
-              <a:latin typeface="Palatino Linotype" panose="02040502050505030304" pitchFamily="18" charset="0"/>
-            </a:endParaRPr>
-          </a:p>
-        </p:txBody>
-      </p:sp>
       <p:pic>
         <p:nvPicPr>
           <p:cNvPr id="3" name="Picture 2">
@@ -12931,7 +13960,7 @@
         </p:blipFill>
         <p:spPr>
           <a:xfrm>
-            <a:off x="4055100" y="523235"/>
+            <a:off x="4244123" y="5590394"/>
             <a:ext cx="3703754" cy="827416"/>
           </a:xfrm>
           <a:prstGeom prst="rect">
@@ -12953,7 +13982,7 @@
         </p:nvSpPr>
         <p:spPr>
           <a:xfrm>
-            <a:off x="4582155" y="4167234"/>
+            <a:off x="4582155" y="3065547"/>
             <a:ext cx="2693289" cy="461665"/>
           </a:xfrm>
           <a:prstGeom prst="rect">
@@ -13011,7 +14040,7 @@
         </p:nvSpPr>
         <p:spPr>
           <a:xfrm>
-            <a:off x="4582155" y="3403139"/>
+            <a:off x="4582155" y="2301452"/>
             <a:ext cx="2693289" cy="461665"/>
           </a:xfrm>
           <a:prstGeom prst="rect">
@@ -13069,7 +14098,7 @@
         </p:nvSpPr>
         <p:spPr>
           <a:xfrm>
-            <a:off x="4582155" y="4941268"/>
+            <a:off x="4582155" y="3839581"/>
             <a:ext cx="2693289" cy="461665"/>
           </a:xfrm>
           <a:prstGeom prst="rect">
@@ -13109,6 +14138,70 @@
                 <a:latin typeface="Palatino Linotype" panose="02040502050505030304" pitchFamily="18" charset="0"/>
               </a:rPr>
               <a:t>Consult / Teach</a:t>
+            </a:r>
+          </a:p>
+        </p:txBody>
+      </p:sp>
+      <p:sp>
+        <p:nvSpPr>
+          <p:cNvPr id="7" name="Title 1">
+            <a:extLst>
+              <a:ext uri="{FF2B5EF4-FFF2-40B4-BE49-F238E27FC236}">
+                <a16:creationId xmlns:a16="http://schemas.microsoft.com/office/drawing/2014/main" id="{24B94AA1-EB04-6998-0714-191CCFCCE774}"/>
+              </a:ext>
+            </a:extLst>
+          </p:cNvPr>
+          <p:cNvSpPr txBox="1">
+            <a:spLocks/>
+          </p:cNvSpPr>
+          <p:nvPr/>
+        </p:nvSpPr>
+        <p:spPr>
+          <a:xfrm>
+            <a:off x="0" y="440190"/>
+            <a:ext cx="12192000" cy="834428"/>
+          </a:xfrm>
+          <a:prstGeom prst="rect">
+            <a:avLst/>
+          </a:prstGeom>
+        </p:spPr>
+        <p:txBody>
+          <a:bodyPr>
+            <a:normAutofit/>
+          </a:bodyPr>
+          <a:lstStyle>
+            <a:lvl1pPr algn="l" defTabSz="914400" rtl="0" eaLnBrk="1" latinLnBrk="0" hangingPunct="1">
+              <a:lnSpc>
+                <a:spcPct val="90000"/>
+              </a:lnSpc>
+              <a:spcBef>
+                <a:spcPct val="0"/>
+              </a:spcBef>
+              <a:buNone/>
+              <a:defRPr sz="4400" kern="1200">
+                <a:solidFill>
+                  <a:schemeClr val="tx1"/>
+                </a:solidFill>
+                <a:latin typeface="+mj-lt"/>
+                <a:ea typeface="+mj-ea"/>
+                <a:cs typeface="+mj-cs"/>
+              </a:defRPr>
+            </a:lvl1pPr>
+          </a:lstStyle>
+          <a:p>
+            <a:pPr algn="ctr"/>
+            <a:r>
+              <a:rPr lang="en-US" sz="4000" dirty="0">
+                <a:solidFill>
+                  <a:schemeClr val="tx1">
+                    <a:lumMod val="75000"/>
+                    <a:lumOff val="25000"/>
+                  </a:schemeClr>
+                </a:solidFill>
+                <a:latin typeface="Palatino Linotype" panose="02040502050505030304" pitchFamily="18" charset="0"/>
+                <a:cs typeface="Segoe UI Light" panose="020B0502040204020203" pitchFamily="34" charset="0"/>
+              </a:rPr>
+              <a:t>How do you plan to use AI?</a:t>
             </a:r>
           </a:p>
         </p:txBody>

--- a/presentations/01_practicum_intro.pptx
+++ b/presentations/01_practicum_intro.pptx
@@ -5,11 +5,11 @@
     <p:sldMasterId id="2147483648" r:id="rId1"/>
   </p:sldMasterIdLst>
   <p:notesMasterIdLst>
-    <p:notesMasterId r:id="rId30"/>
+    <p:notesMasterId r:id="rId33"/>
   </p:notesMasterIdLst>
   <p:sldIdLst>
     <p:sldId id="324" r:id="rId2"/>
-    <p:sldId id="295" r:id="rId3"/>
+    <p:sldId id="351" r:id="rId3"/>
     <p:sldId id="275" r:id="rId4"/>
     <p:sldId id="318" r:id="rId5"/>
     <p:sldId id="317" r:id="rId6"/>
@@ -20,22 +20,25 @@
     <p:sldId id="327" r:id="rId11"/>
     <p:sldId id="328" r:id="rId12"/>
     <p:sldId id="325" r:id="rId13"/>
-    <p:sldId id="331" r:id="rId14"/>
-    <p:sldId id="335" r:id="rId15"/>
-    <p:sldId id="326" r:id="rId16"/>
-    <p:sldId id="336" r:id="rId17"/>
-    <p:sldId id="321" r:id="rId18"/>
-    <p:sldId id="292" r:id="rId19"/>
-    <p:sldId id="337" r:id="rId20"/>
-    <p:sldId id="305" r:id="rId21"/>
-    <p:sldId id="306" r:id="rId22"/>
-    <p:sldId id="307" r:id="rId23"/>
-    <p:sldId id="308" r:id="rId24"/>
-    <p:sldId id="309" r:id="rId25"/>
-    <p:sldId id="310" r:id="rId26"/>
-    <p:sldId id="333" r:id="rId27"/>
-    <p:sldId id="294" r:id="rId28"/>
-    <p:sldId id="301" r:id="rId29"/>
+    <p:sldId id="350" r:id="rId14"/>
+    <p:sldId id="331" r:id="rId15"/>
+    <p:sldId id="335" r:id="rId16"/>
+    <p:sldId id="338" r:id="rId17"/>
+    <p:sldId id="336" r:id="rId18"/>
+    <p:sldId id="321" r:id="rId19"/>
+    <p:sldId id="292" r:id="rId20"/>
+    <p:sldId id="337" r:id="rId21"/>
+    <p:sldId id="305" r:id="rId22"/>
+    <p:sldId id="306" r:id="rId23"/>
+    <p:sldId id="307" r:id="rId24"/>
+    <p:sldId id="308" r:id="rId25"/>
+    <p:sldId id="309" r:id="rId26"/>
+    <p:sldId id="310" r:id="rId27"/>
+    <p:sldId id="333" r:id="rId28"/>
+    <p:sldId id="294" r:id="rId29"/>
+    <p:sldId id="301" r:id="rId30"/>
+    <p:sldId id="352" r:id="rId31"/>
+    <p:sldId id="295" r:id="rId32"/>
   </p:sldIdLst>
   <p:sldSz cx="12192000" cy="6858000"/>
   <p:notesSz cx="7023100" cy="9309100"/>
@@ -195,7 +198,7 @@
           </a:prstGeom>
         </p:spPr>
         <p:txBody>
-          <a:bodyPr vert="horz" lIns="93324" tIns="46662" rIns="93324" bIns="46662" rtlCol="0"/>
+          <a:bodyPr vert="horz" lIns="93312" tIns="46656" rIns="93312" bIns="46656" rtlCol="0"/>
           <a:lstStyle>
             <a:lvl1pPr algn="l">
               <a:defRPr sz="1200"/>
@@ -226,7 +229,7 @@
           </a:prstGeom>
         </p:spPr>
         <p:txBody>
-          <a:bodyPr vert="horz" lIns="93324" tIns="46662" rIns="93324" bIns="46662" rtlCol="0"/>
+          <a:bodyPr vert="horz" lIns="93312" tIns="46656" rIns="93312" bIns="46656" rtlCol="0"/>
           <a:lstStyle>
             <a:lvl1pPr algn="r">
               <a:defRPr sz="1200"/>
@@ -235,7 +238,7 @@
           <a:p>
             <a:fld id="{FD93C9B2-20F6-4DB1-B471-224337D0AC79}" type="datetimeFigureOut">
               <a:rPr lang="en-US" smtClean="0"/>
-              <a:t>8/31/2022</a:t>
+              <a:t>9/1/2022</a:t>
             </a:fld>
             <a:endParaRPr lang="en-US"/>
           </a:p>
@@ -267,7 +270,7 @@
           </a:ln>
         </p:spPr>
         <p:txBody>
-          <a:bodyPr vert="horz" lIns="93324" tIns="46662" rIns="93324" bIns="46662" rtlCol="0" anchor="ctr"/>
+          <a:bodyPr vert="horz" lIns="93312" tIns="46656" rIns="93312" bIns="46656" rtlCol="0" anchor="ctr"/>
           <a:lstStyle/>
           <a:p>
             <a:endParaRPr lang="en-US"/>
@@ -294,7 +297,7 @@
           </a:prstGeom>
         </p:spPr>
         <p:txBody>
-          <a:bodyPr vert="horz" lIns="93324" tIns="46662" rIns="93324" bIns="46662" rtlCol="0"/>
+          <a:bodyPr vert="horz" lIns="93312" tIns="46656" rIns="93312" bIns="46656" rtlCol="0"/>
           <a:lstStyle/>
           <a:p>
             <a:pPr lvl="0"/>
@@ -345,7 +348,7 @@
         </p:nvSpPr>
         <p:spPr>
           <a:xfrm>
-            <a:off x="0" y="8842030"/>
+            <a:off x="0" y="8842031"/>
             <a:ext cx="3043343" cy="467071"/>
           </a:xfrm>
           <a:prstGeom prst="rect">
@@ -353,7 +356,7 @@
           </a:prstGeom>
         </p:spPr>
         <p:txBody>
-          <a:bodyPr vert="horz" lIns="93324" tIns="46662" rIns="93324" bIns="46662" rtlCol="0" anchor="b"/>
+          <a:bodyPr vert="horz" lIns="93312" tIns="46656" rIns="93312" bIns="46656" rtlCol="0" anchor="b"/>
           <a:lstStyle>
             <a:lvl1pPr algn="l">
               <a:defRPr sz="1200"/>
@@ -376,7 +379,7 @@
         </p:nvSpPr>
         <p:spPr>
           <a:xfrm>
-            <a:off x="3978132" y="8842030"/>
+            <a:off x="3978132" y="8842031"/>
             <a:ext cx="3043343" cy="467071"/>
           </a:xfrm>
           <a:prstGeom prst="rect">
@@ -384,7 +387,7 @@
           </a:prstGeom>
         </p:spPr>
         <p:txBody>
-          <a:bodyPr vert="horz" lIns="93324" tIns="46662" rIns="93324" bIns="46662" rtlCol="0" anchor="b"/>
+          <a:bodyPr vert="horz" lIns="93312" tIns="46656" rIns="93312" bIns="46656" rtlCol="0" anchor="b"/>
           <a:lstStyle>
             <a:lvl1pPr algn="r">
               <a:defRPr sz="1200"/>
@@ -546,7 +549,7 @@
           <a:bodyPr/>
           <a:lstStyle/>
           <a:p>
-            <a:pPr defTabSz="933237">
+            <a:pPr defTabSz="933111">
               <a:defRPr/>
             </a:pPr>
             <a:r>
@@ -650,7 +653,7 @@
           <a:p>
             <a:r>
               <a:rPr lang="en-US" dirty="0"/>
-              <a:t>Group discussion…</a:t>
+              <a:t>And finally, do we have any questions?  For next week, you have a couple readings.  And I hope you will take time to make an entry in your AI journal and join the conversation on the Discussion Board.</a:t>
             </a:r>
           </a:p>
           <a:p>
@@ -678,7 +681,7 @@
           <a:p>
             <a:fld id="{3148858F-F1DB-4027-9C85-CCA6849540DD}" type="slidenum">
               <a:rPr lang="en-US" smtClean="0"/>
-              <a:t>10</a:t>
+              <a:t>11</a:t>
             </a:fld>
             <a:endParaRPr lang="en-US"/>
           </a:p>
@@ -687,7 +690,7 @@
     </p:spTree>
     <p:extLst>
       <p:ext uri="{BB962C8B-B14F-4D97-AF65-F5344CB8AC3E}">
-        <p14:creationId xmlns:p14="http://schemas.microsoft.com/office/powerpoint/2010/main" val="3008905254"/>
+        <p14:creationId xmlns:p14="http://schemas.microsoft.com/office/powerpoint/2010/main" val="851494294"/>
       </p:ext>
     </p:extLst>
   </p:cSld>
@@ -741,16 +744,25 @@
           <a:bodyPr/>
           <a:lstStyle/>
           <a:p>
-            <a:r>
-              <a:rPr lang="en-US" dirty="0"/>
-              <a:t>And finally, do we have any questions?  For next week, you have a couple readings.  And I hope you will take time to make an entry in your AI journal and join the conversation on the Discussion Board.</a:t>
-            </a:r>
-          </a:p>
-          <a:p>
-            <a:endParaRPr lang="en-US" dirty="0"/>
-          </a:p>
-          <a:p>
-            <a:endParaRPr lang="en-US" dirty="0"/>
+            <a:pPr defTabSz="933111">
+              <a:defRPr/>
+            </a:pPr>
+            <a:r>
+              <a:rPr lang="en-US" dirty="0">
+                <a:latin typeface="Palatino Linotype" panose="02040502050505030304" pitchFamily="18" charset="0"/>
+              </a:rPr>
+              <a:t>Hello and welcome to an overview of the Practicum AI workshop series.  I’m Dan Maxwell and I’m an AI trainer in the Research Computing department.  </a:t>
+            </a:r>
+          </a:p>
+          <a:p>
+            <a:endParaRPr lang="en-US" dirty="0">
+              <a:latin typeface="Palatino Linotype" panose="02040502050505030304" pitchFamily="18" charset="0"/>
+            </a:endParaRPr>
+          </a:p>
+          <a:p>
+            <a:endParaRPr lang="en-US" dirty="0">
+              <a:latin typeface="Palatino Linotype" panose="02040502050505030304" pitchFamily="18" charset="0"/>
+            </a:endParaRPr>
           </a:p>
         </p:txBody>
       </p:sp>
@@ -771,7 +783,7 @@
           <a:p>
             <a:fld id="{3148858F-F1DB-4027-9C85-CCA6849540DD}" type="slidenum">
               <a:rPr lang="en-US" smtClean="0"/>
-              <a:t>11</a:t>
+              <a:t>12</a:t>
             </a:fld>
             <a:endParaRPr lang="en-US"/>
           </a:p>
@@ -780,7 +792,7 @@
     </p:spTree>
     <p:extLst>
       <p:ext uri="{BB962C8B-B14F-4D97-AF65-F5344CB8AC3E}">
-        <p14:creationId xmlns:p14="http://schemas.microsoft.com/office/powerpoint/2010/main" val="851494294"/>
+        <p14:creationId xmlns:p14="http://schemas.microsoft.com/office/powerpoint/2010/main" val="3031339008"/>
       </p:ext>
     </p:extLst>
   </p:cSld>
@@ -834,25 +846,81 @@
           <a:bodyPr/>
           <a:lstStyle/>
           <a:p>
-            <a:pPr defTabSz="933237">
+            <a:pPr marL="233277" indent="-233277" defTabSz="933111">
+              <a:buFontTx/>
+              <a:buAutoNum type="arabicPeriod"/>
               <a:defRPr/>
             </a:pPr>
             <a:r>
-              <a:rPr lang="en-US" dirty="0">
-                <a:latin typeface="Palatino Linotype" panose="02040502050505030304" pitchFamily="18" charset="0"/>
-              </a:rPr>
-              <a:t>Hello and welcome to an overview of the Practicum AI workshop series.  I’m Dan Maxwell and I’m an AI trainer in the Research Computing department.  </a:t>
-            </a:r>
-          </a:p>
-          <a:p>
-            <a:endParaRPr lang="en-US" dirty="0">
-              <a:latin typeface="Palatino Linotype" panose="02040502050505030304" pitchFamily="18" charset="0"/>
-            </a:endParaRPr>
-          </a:p>
-          <a:p>
-            <a:endParaRPr lang="en-US" dirty="0">
-              <a:latin typeface="Palatino Linotype" panose="02040502050505030304" pitchFamily="18" charset="0"/>
-            </a:endParaRPr>
+              <a:rPr lang="en-US" dirty="0"/>
+              <a:t>Python experience or other programming language experience – faculty member with extensive MatLab coding experience</a:t>
+            </a:r>
+          </a:p>
+          <a:p>
+            <a:pPr marL="699832" lvl="1" indent="-233277" defTabSz="933111">
+              <a:buFontTx/>
+              <a:buAutoNum type="arabicPeriod"/>
+              <a:defRPr/>
+            </a:pPr>
+            <a:r>
+              <a:rPr lang="en-US" dirty="0"/>
+              <a:t>We provide the code in these workshops – you’re not writing programs from scratch</a:t>
+            </a:r>
+          </a:p>
+          <a:p>
+            <a:pPr marL="699832" lvl="1" indent="-233277" defTabSz="933111">
+              <a:buFontTx/>
+              <a:buAutoNum type="arabicPeriod"/>
+              <a:defRPr/>
+            </a:pPr>
+            <a:r>
+              <a:rPr lang="en-US" dirty="0"/>
+              <a:t>Working knowledge of programming vocabulary, looping constructs, functions, etc…</a:t>
+            </a:r>
+          </a:p>
+          <a:p>
+            <a:pPr marL="233277" indent="-233277" defTabSz="933111">
+              <a:buFontTx/>
+              <a:buAutoNum type="arabicPeriod"/>
+              <a:defRPr/>
+            </a:pPr>
+            <a:r>
+              <a:rPr lang="en-US" dirty="0"/>
+              <a:t>Deep Learning Vocabulary</a:t>
+            </a:r>
+          </a:p>
+          <a:p>
+            <a:pPr marL="699832" lvl="1" indent="-233277" defTabSz="933111">
+              <a:buFontTx/>
+              <a:buAutoNum type="arabicPeriod"/>
+              <a:defRPr/>
+            </a:pPr>
+            <a:r>
+              <a:rPr lang="en-US" dirty="0"/>
+              <a:t>We do not provide definitions of basic deep learning terms and concepts in this series.</a:t>
+            </a:r>
+          </a:p>
+          <a:p>
+            <a:pPr marL="699832" lvl="1" indent="-233277" defTabSz="933111">
+              <a:buFontTx/>
+              <a:buAutoNum type="arabicPeriod"/>
+              <a:defRPr/>
+            </a:pPr>
+            <a:r>
+              <a:rPr lang="en-US" dirty="0"/>
+              <a:t>Know what a layer, a node or neuron, a loss function, etc… is</a:t>
+            </a:r>
+          </a:p>
+          <a:p>
+            <a:pPr marL="699832" lvl="1" indent="-233277" defTabSz="933111">
+              <a:buFontTx/>
+              <a:buAutoNum type="arabicPeriod"/>
+              <a:defRPr/>
+            </a:pPr>
+            <a:r>
+              <a:rPr lang="en-US" dirty="0"/>
+              <a:t>Please consider our Practicum AI Beginner sequence if you do not have these pre-requisites</a:t>
+            </a:r>
           </a:p>
         </p:txBody>
       </p:sp>
@@ -873,7 +941,7 @@
           <a:p>
             <a:fld id="{3148858F-F1DB-4027-9C85-CCA6849540DD}" type="slidenum">
               <a:rPr lang="en-US" smtClean="0"/>
-              <a:t>12</a:t>
+              <a:t>14</a:t>
             </a:fld>
             <a:endParaRPr lang="en-US"/>
           </a:p>
@@ -882,7 +950,7 @@
     </p:spTree>
     <p:extLst>
       <p:ext uri="{BB962C8B-B14F-4D97-AF65-F5344CB8AC3E}">
-        <p14:creationId xmlns:p14="http://schemas.microsoft.com/office/powerpoint/2010/main" val="3031339008"/>
+        <p14:creationId xmlns:p14="http://schemas.microsoft.com/office/powerpoint/2010/main" val="2959314834"/>
       </p:ext>
     </p:extLst>
   </p:cSld>
@@ -936,81 +1004,141 @@
           <a:bodyPr/>
           <a:lstStyle/>
           <a:p>
-            <a:pPr marL="233309" indent="-233309" defTabSz="933237">
+            <a:pPr marL="233277" indent="-233277">
+              <a:buAutoNum type="arabicPeriod"/>
+            </a:pPr>
+            <a:r>
+              <a:rPr lang="en-US" dirty="0"/>
+              <a:t>Overview</a:t>
+            </a:r>
+          </a:p>
+          <a:p>
+            <a:pPr marL="233277" indent="-233277">
+              <a:buAutoNum type="arabicPeriod"/>
+            </a:pPr>
+            <a:r>
+              <a:rPr lang="en-US" dirty="0"/>
+              <a:t>Blue (beginner) – Purple (intermediate) – Yellow (advanced);</a:t>
+            </a:r>
+          </a:p>
+          <a:p>
+            <a:pPr marL="233277" indent="-233277" defTabSz="914276">
               <a:buFontTx/>
               <a:buAutoNum type="arabicPeriod"/>
               <a:defRPr/>
             </a:pPr>
             <a:r>
               <a:rPr lang="en-US" dirty="0"/>
-              <a:t>Python experience or other programming language experience – faculty member with extensive MatLab coding experience</a:t>
-            </a:r>
-          </a:p>
-          <a:p>
-            <a:pPr marL="699927" lvl="1" indent="-233309" defTabSz="933237">
-              <a:buFontTx/>
+              <a:t>Hexagons are possible specializations</a:t>
+            </a:r>
+          </a:p>
+          <a:p>
+            <a:pPr marL="233277" indent="-233277">
               <a:buAutoNum type="arabicPeriod"/>
+            </a:pPr>
+            <a:r>
+              <a:rPr lang="en-US" dirty="0"/>
+              <a:t>Intermediate – setup for advanced workshops &amp; project learning</a:t>
+            </a:r>
+          </a:p>
+          <a:p>
+            <a:pPr marL="699832" lvl="1" indent="-233277">
+              <a:buAutoNum type="arabicPeriod"/>
+            </a:pPr>
+            <a:r>
+              <a:rPr lang="en-US" dirty="0"/>
+              <a:t>Dashed line – data emphasis</a:t>
+            </a:r>
+          </a:p>
+          <a:p>
+            <a:pPr marL="699832" lvl="1" indent="-233277">
+              <a:buAutoNum type="arabicPeriod"/>
+            </a:pPr>
+            <a:r>
+              <a:rPr lang="en-US" dirty="0"/>
+              <a:t>Identified research question or problem</a:t>
+            </a:r>
+          </a:p>
+          <a:p>
+            <a:pPr marL="699832" lvl="1" indent="-233277">
+              <a:buAutoNum type="arabicPeriod"/>
+            </a:pPr>
+            <a:r>
+              <a:rPr lang="en-US" dirty="0"/>
+              <a:t>Identified data to execute a given project</a:t>
+            </a:r>
+          </a:p>
+          <a:p>
+            <a:pPr marL="233277" indent="-233277">
+              <a:buAutoNum type="arabicPeriod"/>
+            </a:pPr>
+            <a:r>
+              <a:rPr lang="en-US" dirty="0"/>
+              <a:t>Data is important</a:t>
+            </a:r>
+          </a:p>
+          <a:p>
+            <a:pPr marL="699832" lvl="1" indent="-233277">
+              <a:buAutoNum type="arabicPeriod"/>
+            </a:pPr>
+            <a:r>
+              <a:rPr lang="en-US" dirty="0"/>
+              <a:t>Delimits range of AI tools</a:t>
+            </a:r>
+          </a:p>
+          <a:p>
+            <a:pPr marL="699832" lvl="1" indent="-233277">
+              <a:buAutoNum type="arabicPeriod"/>
+            </a:pPr>
+            <a:r>
+              <a:rPr lang="en-US" dirty="0"/>
+              <a:t>Data – Questions – Tools </a:t>
+            </a:r>
+          </a:p>
+          <a:p>
+            <a:pPr defTabSz="933111">
               <a:defRPr/>
             </a:pPr>
-            <a:r>
-              <a:rPr lang="en-US" dirty="0"/>
-              <a:t>We provide the code in these workshops – you’re not writing programs from scratch</a:t>
-            </a:r>
-          </a:p>
-          <a:p>
-            <a:pPr marL="699927" lvl="1" indent="-233309" defTabSz="933237">
-              <a:buFontTx/>
-              <a:buAutoNum type="arabicPeriod"/>
+            <a:endParaRPr lang="en-US" dirty="0"/>
+          </a:p>
+          <a:p>
+            <a:pPr defTabSz="933111">
               <a:defRPr/>
             </a:pPr>
             <a:r>
               <a:rPr lang="en-US" dirty="0"/>
-              <a:t>Working knowledge of programming vocabulary, looping constructs, functions, etc…</a:t>
-            </a:r>
-          </a:p>
-          <a:p>
-            <a:pPr marL="233309" indent="-233309" defTabSz="933237">
-              <a:buFontTx/>
-              <a:buAutoNum type="arabicPeriod"/>
+              <a:t>=====</a:t>
+            </a:r>
+          </a:p>
+          <a:p>
+            <a:r>
+              <a:rPr lang="en-US" dirty="0"/>
+              <a:t>Earlier, I mentioned that today’s presentation would be divided into two parts.  In the last section, I presented the Practicum AI curriculum, and the image of the complete program is presented here once again.  Except – in this case – I add an instructional continuum at the top.   As pictured here, our introductory and intermediate workshops deliver content visually, supported by extensive hands-on (programming) exercises. That shifts, however, in the advanced workshops where the learning process is now project-driven – defined by the interests of the student – with case-studies providing inspiration.</a:t>
+            </a:r>
+          </a:p>
+          <a:p>
+            <a:endParaRPr lang="en-US" dirty="0"/>
+          </a:p>
+          <a:p>
+            <a:r>
+              <a:rPr lang="en-US" dirty="0"/>
+              <a:t>A shift to project-based learning, however, assumes that you – the student – has identified a problem or research question to work on.  That, in turn, assumes that you have identified the data needed to execute a project.  Hence, data is an important consideration, especially in the advanced workshops.  So, in the second half of today’s workshop, I want to introduce you to the different types of data and the suitable AI tools for each.</a:t>
+            </a:r>
+          </a:p>
+          <a:p>
+            <a:endParaRPr lang="en-US" dirty="0"/>
+          </a:p>
+          <a:p>
+            <a:pPr defTabSz="933111">
               <a:defRPr/>
             </a:pPr>
             <a:r>
               <a:rPr lang="en-US" dirty="0"/>
-              <a:t>Deep Learning Vocabulary</a:t>
-            </a:r>
-          </a:p>
-          <a:p>
-            <a:pPr marL="699927" lvl="1" indent="-233309" defTabSz="933237">
-              <a:buFontTx/>
-              <a:buAutoNum type="arabicPeriod"/>
-              <a:defRPr/>
-            </a:pPr>
-            <a:r>
-              <a:rPr lang="en-US" dirty="0"/>
-              <a:t>We do not provide definitions of basic deep learning terms and concepts in this series.</a:t>
-            </a:r>
-          </a:p>
-          <a:p>
-            <a:pPr marL="699927" lvl="1" indent="-233309" defTabSz="933237">
-              <a:buFontTx/>
-              <a:buAutoNum type="arabicPeriod"/>
-              <a:defRPr/>
-            </a:pPr>
-            <a:r>
-              <a:rPr lang="en-US" dirty="0"/>
-              <a:t>Know what a layer, a node or neuron, a loss function, etc… is</a:t>
-            </a:r>
-          </a:p>
-          <a:p>
-            <a:pPr marL="699927" lvl="1" indent="-233309" defTabSz="933237">
-              <a:buFontTx/>
-              <a:buAutoNum type="arabicPeriod"/>
-              <a:defRPr/>
-            </a:pPr>
-            <a:r>
-              <a:rPr lang="en-US" dirty="0"/>
-              <a:t>Please consider our Practicum AI Beginner sequence if you do not have these pre-requisites</a:t>
-            </a:r>
+              <a:t>Note: we provide the data sets for the entry-level and intermediate workshops.  But once you transition into our advanced workshops, the content presented in this half of today’s presentation is important and worth your time.</a:t>
+            </a:r>
+          </a:p>
+          <a:p>
+            <a:endParaRPr lang="en-US" dirty="0"/>
           </a:p>
         </p:txBody>
       </p:sp>
@@ -1031,7 +1159,7 @@
           <a:p>
             <a:fld id="{3148858F-F1DB-4027-9C85-CCA6849540DD}" type="slidenum">
               <a:rPr lang="en-US" smtClean="0"/>
-              <a:t>13</a:t>
+              <a:t>15</a:t>
             </a:fld>
             <a:endParaRPr lang="en-US"/>
           </a:p>
@@ -1040,7 +1168,7 @@
     </p:spTree>
     <p:extLst>
       <p:ext uri="{BB962C8B-B14F-4D97-AF65-F5344CB8AC3E}">
-        <p14:creationId xmlns:p14="http://schemas.microsoft.com/office/powerpoint/2010/main" val="2959314834"/>
+        <p14:creationId xmlns:p14="http://schemas.microsoft.com/office/powerpoint/2010/main" val="1266454550"/>
       </p:ext>
     </p:extLst>
   </p:cSld>
@@ -1094,153 +1222,10 @@
           <a:bodyPr/>
           <a:lstStyle/>
           <a:p>
-            <a:pPr marL="233309" indent="-233309">
-              <a:buAutoNum type="arabicPeriod"/>
-            </a:pPr>
             <a:r>
               <a:rPr lang="en-US" dirty="0"/>
-              <a:t>Overview</a:t>
-            </a:r>
-          </a:p>
-          <a:p>
-            <a:pPr marL="233309" indent="-233309">
-              <a:buAutoNum type="arabicPeriod"/>
-            </a:pPr>
-            <a:r>
-              <a:rPr lang="en-US" dirty="0"/>
-              <a:t>Blue (beginner) – Purple (intermediate) – Yellow (advanced);</a:t>
-            </a:r>
-          </a:p>
-          <a:p>
-            <a:pPr marL="233309" marR="0" lvl="0" indent="-233309" algn="l" defTabSz="914400" rtl="0" eaLnBrk="1" fontAlgn="auto" latinLnBrk="0" hangingPunct="1">
-              <a:lnSpc>
-                <a:spcPct val="100000"/>
-              </a:lnSpc>
-              <a:spcBef>
-                <a:spcPts val="0"/>
-              </a:spcBef>
-              <a:spcAft>
-                <a:spcPts val="0"/>
-              </a:spcAft>
-              <a:buClrTx/>
-              <a:buSzTx/>
-              <a:buFontTx/>
-              <a:buAutoNum type="arabicPeriod"/>
-              <a:tabLst/>
-              <a:defRPr/>
-            </a:pPr>
-            <a:r>
-              <a:rPr lang="en-US" dirty="0"/>
-              <a:t>Hexagons are possible specializations</a:t>
-            </a:r>
-          </a:p>
-          <a:p>
-            <a:pPr marL="233309" indent="-233309">
-              <a:buAutoNum type="arabicPeriod"/>
-            </a:pPr>
-            <a:r>
-              <a:rPr lang="en-US" dirty="0"/>
-              <a:t>Intermediate – setup for advanced workshops &amp; project learning</a:t>
-            </a:r>
-          </a:p>
-          <a:p>
-            <a:pPr marL="699927" lvl="1" indent="-233309">
-              <a:buAutoNum type="arabicPeriod"/>
-            </a:pPr>
-            <a:r>
-              <a:rPr lang="en-US" dirty="0"/>
-              <a:t>Dashed line – data emphasis</a:t>
-            </a:r>
-          </a:p>
-          <a:p>
-            <a:pPr marL="699927" lvl="1" indent="-233309">
-              <a:buAutoNum type="arabicPeriod"/>
-            </a:pPr>
-            <a:r>
-              <a:rPr lang="en-US" dirty="0"/>
-              <a:t>Identified research question or problem</a:t>
-            </a:r>
-          </a:p>
-          <a:p>
-            <a:pPr marL="699927" lvl="1" indent="-233309">
-              <a:buAutoNum type="arabicPeriod"/>
-            </a:pPr>
-            <a:r>
-              <a:rPr lang="en-US" dirty="0"/>
-              <a:t>Identified data to execute a given project</a:t>
-            </a:r>
-          </a:p>
-          <a:p>
-            <a:pPr marL="233309" indent="-233309">
-              <a:buAutoNum type="arabicPeriod"/>
-            </a:pPr>
-            <a:r>
-              <a:rPr lang="en-US" dirty="0"/>
-              <a:t>Data is important</a:t>
-            </a:r>
-          </a:p>
-          <a:p>
-            <a:pPr marL="699927" lvl="1" indent="-233309">
-              <a:buAutoNum type="arabicPeriod"/>
-            </a:pPr>
-            <a:r>
-              <a:rPr lang="en-US" dirty="0"/>
-              <a:t>Delimits range of AI tools</a:t>
-            </a:r>
-          </a:p>
-          <a:p>
-            <a:pPr marL="699927" lvl="1" indent="-233309">
-              <a:buAutoNum type="arabicPeriod"/>
-            </a:pPr>
-            <a:r>
-              <a:rPr lang="en-US" dirty="0"/>
-              <a:t>Data – Questions – Tools </a:t>
-            </a:r>
-          </a:p>
-          <a:p>
-            <a:pPr defTabSz="933237">
-              <a:defRPr/>
-            </a:pPr>
-            <a:endParaRPr lang="en-US" dirty="0"/>
-          </a:p>
-          <a:p>
-            <a:pPr defTabSz="933237">
-              <a:defRPr/>
-            </a:pPr>
-            <a:r>
-              <a:rPr lang="en-US" dirty="0"/>
-              <a:t>=====</a:t>
-            </a:r>
-          </a:p>
-          <a:p>
-            <a:r>
-              <a:rPr lang="en-US" dirty="0"/>
-              <a:t>Earlier, I mentioned that today’s presentation would be divided into two parts.  In the last section, I presented the Practicum AI curriculum, and the image of the complete program is presented here once again.  Except – in this case – I add an instructional continuum at the top.   As pictured here, our introductory and intermediate workshops deliver content visually, supported by extensive hands-on (programming) exercises. That shifts, however, in the advanced workshops where the learning process is now project-driven – defined by the interests of the student – with case-studies providing inspiration.</a:t>
-            </a:r>
-          </a:p>
-          <a:p>
-            <a:endParaRPr lang="en-US" dirty="0"/>
-          </a:p>
-          <a:p>
-            <a:r>
-              <a:rPr lang="en-US" dirty="0"/>
-              <a:t>A shift to project-based learning, however, assumes that you – the student – has identified a problem or research question to work on.  That, in turn, assumes that you have identified the data needed to execute a project.  Hence, data is an important consideration, especially in the advanced workshops.  So, in the second half of today’s workshop, I want to introduce you to the different types of data and the suitable AI tools for each.</a:t>
-            </a:r>
-          </a:p>
-          <a:p>
-            <a:endParaRPr lang="en-US" dirty="0"/>
-          </a:p>
-          <a:p>
-            <a:pPr defTabSz="933237">
-              <a:defRPr/>
-            </a:pPr>
-            <a:r>
-              <a:rPr lang="en-US" dirty="0"/>
-              <a:t>Note: we provide the data sets for the entry-level and intermediate workshops.  But once you transition into our advanced workshops, the content presented in this half of today’s presentation is important and worth your time.</a:t>
-            </a:r>
-          </a:p>
-          <a:p>
-            <a:endParaRPr lang="en-US" dirty="0"/>
+              <a:t>RNN and Reinforcement Learning are not offered this semester.</a:t>
+            </a:r>
           </a:p>
         </p:txBody>
       </p:sp>
@@ -1261,7 +1246,7 @@
           <a:p>
             <a:fld id="{3148858F-F1DB-4027-9C85-CCA6849540DD}" type="slidenum">
               <a:rPr lang="en-US" smtClean="0"/>
-              <a:t>14</a:t>
+              <a:t>16</a:t>
             </a:fld>
             <a:endParaRPr lang="en-US"/>
           </a:p>
@@ -1270,7 +1255,7 @@
     </p:spTree>
     <p:extLst>
       <p:ext uri="{BB962C8B-B14F-4D97-AF65-F5344CB8AC3E}">
-        <p14:creationId xmlns:p14="http://schemas.microsoft.com/office/powerpoint/2010/main" val="1266454550"/>
+        <p14:creationId xmlns:p14="http://schemas.microsoft.com/office/powerpoint/2010/main" val="2947398233"/>
       </p:ext>
     </p:extLst>
   </p:cSld>
@@ -1326,7 +1311,7 @@
           <a:p>
             <a:r>
               <a:rPr lang="en-US" dirty="0"/>
-              <a:t>… and the list of workshops we plan to offer this semester.</a:t>
+              <a:t>Now that we’ve introduced our Practicum AI program, let’s get practical.  How does one get an AI project off the ground?  Typically, a project begins with a research question or idea for a product.  But sometimes a unique dataset sets a project in motion.  When that’s the case, the data informs and delimits the “askable” questions.  The data and questions, in turn, drive the selection of suitable AI methods and techniques.  Question, data, and method all mutually influence each other – as pictured here with the bi-directional arrows.  In other words, you cannot think of one in isolation from the other two.</a:t>
             </a:r>
           </a:p>
         </p:txBody>
@@ -1348,7 +1333,7 @@
           <a:p>
             <a:fld id="{3148858F-F1DB-4027-9C85-CCA6849540DD}" type="slidenum">
               <a:rPr lang="en-US" smtClean="0"/>
-              <a:t>15</a:t>
+              <a:t>17</a:t>
             </a:fld>
             <a:endParaRPr lang="en-US"/>
           </a:p>
@@ -1357,7 +1342,7 @@
     </p:spTree>
     <p:extLst>
       <p:ext uri="{BB962C8B-B14F-4D97-AF65-F5344CB8AC3E}">
-        <p14:creationId xmlns:p14="http://schemas.microsoft.com/office/powerpoint/2010/main" val="2871018651"/>
+        <p14:creationId xmlns:p14="http://schemas.microsoft.com/office/powerpoint/2010/main" val="3515819231"/>
       </p:ext>
     </p:extLst>
   </p:cSld>
@@ -1411,10 +1396,46 @@
           <a:bodyPr/>
           <a:lstStyle/>
           <a:p>
+            <a:pPr marL="233277" indent="-233277">
+              <a:buAutoNum type="arabicPeriod"/>
+            </a:pPr>
             <a:r>
               <a:rPr lang="en-US" dirty="0"/>
-              <a:t>Now that we’ve introduced our Practicum AI program, let’s get practical.  How does one get an AI project off the ground?  Typically, a project begins with a research question or idea for a product.  But sometimes a unique dataset sets a project in motion.  When that’s the case, the data informs and delimits the “askable” questions.  The data and questions, in turn, drive the selection of suitable AI methods and techniques.  Question, data, and method all mutually influence each other – as pictured here with the bi-directional arrows.  In other words, you cannot think of one in isolation from the other two.</a:t>
-            </a:r>
+              <a:t>Clive Humby, 2006.</a:t>
+            </a:r>
+          </a:p>
+          <a:p>
+            <a:pPr marL="233277" indent="-233277">
+              <a:buAutoNum type="arabicPeriod"/>
+            </a:pPr>
+            <a:r>
+              <a:rPr lang="en-US" dirty="0"/>
+              <a:t>Data powers deep learning AI systems</a:t>
+            </a:r>
+          </a:p>
+          <a:p>
+            <a:pPr defTabSz="933111">
+              <a:defRPr/>
+            </a:pPr>
+            <a:endParaRPr lang="en-US" dirty="0"/>
+          </a:p>
+          <a:p>
+            <a:pPr defTabSz="933111">
+              <a:defRPr/>
+            </a:pPr>
+            <a:r>
+              <a:rPr lang="en-US" dirty="0"/>
+              <a:t>=====</a:t>
+            </a:r>
+          </a:p>
+          <a:p>
+            <a:r>
+              <a:rPr lang="en-US" dirty="0"/>
+              <a:t>In 2006, a British entrepreneur named Clive Humby coined the phrase “Data is the new oil.”  Data powers A.I. systems, and it comes in a variety of formats.  Thus, data is a logical starting point for thinking about AI.  So, what kinds of data are you presently working with?  </a:t>
+            </a:r>
+          </a:p>
+          <a:p>
+            <a:endParaRPr lang="en-US" dirty="0"/>
           </a:p>
         </p:txBody>
       </p:sp>
@@ -1435,7 +1456,7 @@
           <a:p>
             <a:fld id="{3148858F-F1DB-4027-9C85-CCA6849540DD}" type="slidenum">
               <a:rPr lang="en-US" smtClean="0"/>
-              <a:t>16</a:t>
+              <a:t>18</a:t>
             </a:fld>
             <a:endParaRPr lang="en-US"/>
           </a:p>
@@ -1444,7 +1465,7 @@
     </p:spTree>
     <p:extLst>
       <p:ext uri="{BB962C8B-B14F-4D97-AF65-F5344CB8AC3E}">
-        <p14:creationId xmlns:p14="http://schemas.microsoft.com/office/powerpoint/2010/main" val="3515819231"/>
+        <p14:creationId xmlns:p14="http://schemas.microsoft.com/office/powerpoint/2010/main" val="2921774388"/>
       </p:ext>
     </p:extLst>
   </p:cSld>
@@ -1498,31 +1519,92 @@
           <a:bodyPr/>
           <a:lstStyle/>
           <a:p>
-            <a:pPr marL="233309" indent="-233309">
+            <a:pPr marL="233277" indent="-233277">
               <a:buAutoNum type="arabicPeriod"/>
             </a:pPr>
             <a:r>
               <a:rPr lang="en-US" dirty="0"/>
-              <a:t>Clive Humby, 2006.</a:t>
-            </a:r>
-          </a:p>
-          <a:p>
-            <a:pPr marL="233309" indent="-233309">
+              <a:t>Bill Inman – </a:t>
+            </a:r>
+            <a:r>
+              <a:rPr lang="en-US" i="1" dirty="0"/>
+              <a:t>Data Architecture: A Primer for the Data Scientist – </a:t>
+            </a:r>
+            <a:r>
+              <a:rPr lang="en-US" i="0" dirty="0"/>
+              <a:t>structured / unstructured data – most data is unstructured</a:t>
+            </a:r>
+          </a:p>
+          <a:p>
+            <a:pPr marL="233277" indent="-233277">
               <a:buAutoNum type="arabicPeriod"/>
             </a:pPr>
             <a:r>
+              <a:rPr lang="en-US" i="0" dirty="0"/>
+              <a:t>Structured data – contained in rows and columns – two types</a:t>
+            </a:r>
+          </a:p>
+          <a:p>
+            <a:pPr marL="699832" lvl="1" indent="-233277">
+              <a:buAutoNum type="arabicPeriod"/>
+            </a:pPr>
+            <a:r>
+              <a:rPr lang="en-US" i="0" dirty="0"/>
+              <a:t>Database management systems (Oracle, SQLServer, MySQL, and </a:t>
+            </a:r>
+            <a:r>
+              <a:rPr lang="en-US" i="0" dirty="0" err="1"/>
+              <a:t>PostGres</a:t>
+            </a:r>
+            <a:r>
+              <a:rPr lang="en-US" i="0" dirty="0"/>
+              <a:t>)</a:t>
+            </a:r>
+          </a:p>
+          <a:p>
+            <a:pPr marL="699832" lvl="1" indent="-233277">
+              <a:buAutoNum type="arabicPeriod"/>
+            </a:pPr>
+            <a:r>
+              <a:rPr lang="en-US" i="0" dirty="0"/>
+              <a:t>Repetitive data (sensor output, telephone call records, metered data, etc…)</a:t>
+            </a:r>
+          </a:p>
+          <a:p>
+            <a:pPr marL="233277" indent="-233277">
+              <a:buAutoNum type="arabicPeriod"/>
+            </a:pPr>
+            <a:r>
               <a:rPr lang="en-US" dirty="0"/>
-              <a:t>Data powers deep learning AI systems</a:t>
-            </a:r>
-          </a:p>
-          <a:p>
-            <a:pPr defTabSz="933237">
+              <a:t>Unstructured data – not contained in row-column databases – each record is unique – two types</a:t>
+            </a:r>
+          </a:p>
+          <a:p>
+            <a:pPr marL="699832" lvl="1" indent="-233277">
+              <a:buAutoNum type="arabicPeriod"/>
+            </a:pPr>
+            <a:r>
+              <a:rPr lang="en-US" dirty="0"/>
+              <a:t>Textual – emails, transcribed conversations, literary texts</a:t>
+            </a:r>
+          </a:p>
+          <a:p>
+            <a:pPr marL="699832" lvl="1" indent="-233277">
+              <a:buAutoNum type="arabicPeriod"/>
+            </a:pPr>
+            <a:r>
+              <a:rPr lang="en-US" dirty="0"/>
+              <a:t>Non-Textual – images, video, and audio recordings</a:t>
+            </a:r>
+          </a:p>
+          <a:p>
+            <a:pPr defTabSz="933111">
               <a:defRPr/>
             </a:pPr>
             <a:endParaRPr lang="en-US" dirty="0"/>
           </a:p>
           <a:p>
-            <a:pPr defTabSz="933237">
+            <a:pPr defTabSz="933111">
               <a:defRPr/>
             </a:pPr>
             <a:r>
@@ -1533,11 +1615,58 @@
           <a:p>
             <a:r>
               <a:rPr lang="en-US" dirty="0"/>
-              <a:t>In 2006, a British entrepreneur named Clive Humby coined the phrase “Data is the new oil.”  Data powers A.I. systems, and it comes in a variety of formats.  Thus, data is a logical starting point for thinking about AI.  So, what kinds of data are you presently working with?  </a:t>
+              <a:t>In his book, </a:t>
+            </a:r>
+            <a:r>
+              <a:rPr lang="en-US" i="1" dirty="0"/>
+              <a:t>Data Architecture: A Primer for the Data Scientist, </a:t>
+            </a:r>
+            <a:r>
+              <a:rPr lang="en-US" i="0" dirty="0"/>
+              <a:t>Bill Inman makes a distinction between two foundational types of data – between structured data and its unstructured counterpart.  A</a:t>
+            </a:r>
+            <a:r>
+              <a:rPr lang="en-US" dirty="0"/>
+              <a:t>s he points out, most of the world’s data is unstructured.  So, what’s the difference between the two? </a:t>
             </a:r>
           </a:p>
           <a:p>
             <a:endParaRPr lang="en-US" dirty="0"/>
+          </a:p>
+          <a:p>
+            <a:r>
+              <a:rPr lang="en-US" b="0" i="0" dirty="0">
+                <a:solidFill>
+                  <a:srgbClr val="333333"/>
+                </a:solidFill>
+                <a:effectLst/>
+                <a:latin typeface="Georgia" panose="02040502050405020303" pitchFamily="18" charset="0"/>
+              </a:rPr>
+              <a:t>Structured data is easy to search and organize because it is usually contained in rows and columns and its elements can be mapped into fixed, pre-defined fields.  </a:t>
+            </a:r>
+            <a:r>
+              <a:rPr lang="en-US" dirty="0"/>
+              <a:t>Structured data is of two types.  The first type is data which comes from a database management system – Oracle, SQLServer, etc…  The Epic healthcare system – used by UF Health – is a structured data source, though it also stores unstructured text data in the form of physician notes.  The second is repetitive data, consisting of structured records coming from a variety of non-database sources.  Some examples of repetitive data include sensor output, telephone call records, metered data, and so forth. </a:t>
+            </a:r>
+          </a:p>
+          <a:p>
+            <a:endParaRPr lang="en-US" dirty="0"/>
+          </a:p>
+          <a:p>
+            <a:r>
+              <a:rPr lang="en-US" b="0" i="0" dirty="0">
+                <a:solidFill>
+                  <a:srgbClr val="333333"/>
+                </a:solidFill>
+                <a:effectLst/>
+                <a:latin typeface="Georgia" panose="02040502050405020303" pitchFamily="18" charset="0"/>
+              </a:rPr>
+              <a:t>Unstructured data is data that cannot be contained in a row-column database and does not have an associated data model.  Each record is unique in terms of its structure and content.  Now t</a:t>
+            </a:r>
+            <a:r>
+              <a:rPr lang="en-US" dirty="0"/>
+              <a:t>here are two types of unstructured data – textual and non-textual.  Examples of textual data include emails, transcribed conversations, literary texts, and so on.  Non-textual data includes images, video, and audio recordings.</a:t>
+            </a:r>
           </a:p>
         </p:txBody>
       </p:sp>
@@ -1558,7 +1687,7 @@
           <a:p>
             <a:fld id="{3148858F-F1DB-4027-9C85-CCA6849540DD}" type="slidenum">
               <a:rPr lang="en-US" smtClean="0"/>
-              <a:t>17</a:t>
+              <a:t>19</a:t>
             </a:fld>
             <a:endParaRPr lang="en-US"/>
           </a:p>
@@ -1567,7 +1696,7 @@
     </p:spTree>
     <p:extLst>
       <p:ext uri="{BB962C8B-B14F-4D97-AF65-F5344CB8AC3E}">
-        <p14:creationId xmlns:p14="http://schemas.microsoft.com/office/powerpoint/2010/main" val="2921774388"/>
+        <p14:creationId xmlns:p14="http://schemas.microsoft.com/office/powerpoint/2010/main" val="107510316"/>
       </p:ext>
     </p:extLst>
   </p:cSld>
@@ -1621,153 +1750,9 @@
           <a:bodyPr/>
           <a:lstStyle/>
           <a:p>
-            <a:pPr marL="233309" indent="-233309">
-              <a:buAutoNum type="arabicPeriod"/>
-            </a:pPr>
             <a:r>
               <a:rPr lang="en-US" dirty="0"/>
-              <a:t>Bill Inman – </a:t>
-            </a:r>
-            <a:r>
-              <a:rPr lang="en-US" i="1" dirty="0"/>
-              <a:t>Data Architecture: A Primer for the Data Scientist – </a:t>
-            </a:r>
-            <a:r>
-              <a:rPr lang="en-US" i="0" dirty="0"/>
-              <a:t>structured / unstructured data – most data is unstructured</a:t>
-            </a:r>
-          </a:p>
-          <a:p>
-            <a:pPr marL="233309" indent="-233309">
-              <a:buAutoNum type="arabicPeriod"/>
-            </a:pPr>
-            <a:r>
-              <a:rPr lang="en-US" i="0" dirty="0"/>
-              <a:t>Structured data – contained in rows and columns – two types</a:t>
-            </a:r>
-          </a:p>
-          <a:p>
-            <a:pPr marL="699927" lvl="1" indent="-233309">
-              <a:buAutoNum type="arabicPeriod"/>
-            </a:pPr>
-            <a:r>
-              <a:rPr lang="en-US" i="0" dirty="0"/>
-              <a:t>Database management systems (Oracle, SQLServer, MySQL, and </a:t>
-            </a:r>
-            <a:r>
-              <a:rPr lang="en-US" i="0" dirty="0" err="1"/>
-              <a:t>PostGres</a:t>
-            </a:r>
-            <a:r>
-              <a:rPr lang="en-US" i="0" dirty="0"/>
-              <a:t>)</a:t>
-            </a:r>
-          </a:p>
-          <a:p>
-            <a:pPr marL="699927" lvl="1" indent="-233309">
-              <a:buAutoNum type="arabicPeriod"/>
-            </a:pPr>
-            <a:r>
-              <a:rPr lang="en-US" i="0" dirty="0"/>
-              <a:t>Repetitive data (sensor output, telephone call records, metered data, etc…)</a:t>
-            </a:r>
-          </a:p>
-          <a:p>
-            <a:pPr marL="233309" indent="-233309">
-              <a:buAutoNum type="arabicPeriod"/>
-            </a:pPr>
-            <a:r>
-              <a:rPr lang="en-US" dirty="0"/>
-              <a:t>Unstructured data – not contained in row-column databases – each record is unique – two types</a:t>
-            </a:r>
-          </a:p>
-          <a:p>
-            <a:pPr marL="699927" lvl="1" indent="-233309">
-              <a:buAutoNum type="arabicPeriod"/>
-            </a:pPr>
-            <a:r>
-              <a:rPr lang="en-US" dirty="0"/>
-              <a:t>Textual – emails, transcribed conversations, literary texts</a:t>
-            </a:r>
-          </a:p>
-          <a:p>
-            <a:pPr marL="699927" lvl="1" indent="-233309">
-              <a:buAutoNum type="arabicPeriod"/>
-            </a:pPr>
-            <a:r>
-              <a:rPr lang="en-US" dirty="0"/>
-              <a:t>Non-Textual – images, video, and audio recordings</a:t>
-            </a:r>
-          </a:p>
-          <a:p>
-            <a:pPr defTabSz="933237">
-              <a:defRPr/>
-            </a:pPr>
-            <a:endParaRPr lang="en-US" dirty="0"/>
-          </a:p>
-          <a:p>
-            <a:pPr defTabSz="933237">
-              <a:defRPr/>
-            </a:pPr>
-            <a:r>
-              <a:rPr lang="en-US" dirty="0"/>
-              <a:t>=====</a:t>
-            </a:r>
-          </a:p>
-          <a:p>
-            <a:r>
-              <a:rPr lang="en-US" dirty="0"/>
-              <a:t>In his book, </a:t>
-            </a:r>
-            <a:r>
-              <a:rPr lang="en-US" i="1" dirty="0"/>
-              <a:t>Data Architecture: A Primer for the Data Scientist, </a:t>
-            </a:r>
-            <a:r>
-              <a:rPr lang="en-US" i="0" dirty="0"/>
-              <a:t>Bill Inman makes a distinction between two foundational types of data – between structured data and its unstructured counterpart.  A</a:t>
-            </a:r>
-            <a:r>
-              <a:rPr lang="en-US" dirty="0"/>
-              <a:t>s he points out, most of the world’s data is unstructured.  So, what’s the difference between the two? </a:t>
-            </a:r>
-          </a:p>
-          <a:p>
-            <a:endParaRPr lang="en-US" dirty="0"/>
-          </a:p>
-          <a:p>
-            <a:r>
-              <a:rPr lang="en-US" b="0" i="0" dirty="0">
-                <a:solidFill>
-                  <a:srgbClr val="333333"/>
-                </a:solidFill>
-                <a:effectLst/>
-                <a:latin typeface="Georgia" panose="02040502050405020303" pitchFamily="18" charset="0"/>
-              </a:rPr>
-              <a:t>Structured data is easy to search and organize because it is usually contained in rows and columns and its elements can be mapped into fixed, pre-defined fields.  </a:t>
-            </a:r>
-            <a:r>
-              <a:rPr lang="en-US" dirty="0"/>
-              <a:t>Structured data is of two types.  The first type is data which comes from a database management system – Oracle, SQLServer, etc…  The Epic healthcare system – used by UF Health – is a structured data source, though it also stores unstructured text data in the form of physician notes.  The second is repetitive data, consisting of structured records coming from a variety of non-database sources.  Some examples of repetitive data include sensor output, telephone call records, metered data, and so forth. </a:t>
-            </a:r>
-          </a:p>
-          <a:p>
-            <a:endParaRPr lang="en-US" dirty="0"/>
-          </a:p>
-          <a:p>
-            <a:r>
-              <a:rPr lang="en-US" b="0" i="0" dirty="0">
-                <a:solidFill>
-                  <a:srgbClr val="333333"/>
-                </a:solidFill>
-                <a:effectLst/>
-                <a:latin typeface="Georgia" panose="02040502050405020303" pitchFamily="18" charset="0"/>
-              </a:rPr>
-              <a:t>Unstructured data is data that cannot be contained in a row-column database and does not have an associated data model.  Each record is unique in terms of its structure and content.  Now t</a:t>
-            </a:r>
-            <a:r>
-              <a:rPr lang="en-US" dirty="0"/>
-              <a:t>here are two types of unstructured data – textual and non-textual.  Examples of textual data include emails, transcribed conversations, literary texts, and so on.  Non-textual data includes images, video, and audio recordings.</a:t>
+              <a:t>Methods and techniques fall into two primary categories – machine learning and deep learning.  ML algorithms rose to prominence in the 1990’s, with advances in computer hardware.  Deep learning, on the other hand, came into its own shortly after 2010.  This second revolution was powered by Graphic Processing Units (GPUs), plentiful data, and deep learning frameworks – first Tensorflow and then Pytorch.  </a:t>
             </a:r>
           </a:p>
         </p:txBody>
@@ -1789,7 +1774,7 @@
           <a:p>
             <a:fld id="{3148858F-F1DB-4027-9C85-CCA6849540DD}" type="slidenum">
               <a:rPr lang="en-US" smtClean="0"/>
-              <a:t>18</a:t>
+              <a:t>20</a:t>
             </a:fld>
             <a:endParaRPr lang="en-US"/>
           </a:p>
@@ -1798,7 +1783,7 @@
     </p:spTree>
     <p:extLst>
       <p:ext uri="{BB962C8B-B14F-4D97-AF65-F5344CB8AC3E}">
-        <p14:creationId xmlns:p14="http://schemas.microsoft.com/office/powerpoint/2010/main" val="107510316"/>
+        <p14:creationId xmlns:p14="http://schemas.microsoft.com/office/powerpoint/2010/main" val="3009881722"/>
       </p:ext>
     </p:extLst>
   </p:cSld>
@@ -1852,10 +1837,49 @@
           <a:bodyPr/>
           <a:lstStyle/>
           <a:p>
+            <a:pPr marL="233277" indent="-233277">
+              <a:buAutoNum type="arabicPeriod"/>
+            </a:pPr>
             <a:r>
               <a:rPr lang="en-US" dirty="0"/>
-              <a:t>Methods and techniques fall into two primary categories – machine learning and deep learning.  ML algorithms rose to prominence in the 1990’s, with advances in computer hardware.  Deep learning, on the other hand, came into its own shortly after 2010.  This second revolution was powered by Graphic Processing Units (GPUs), plentiful data, and deep learning frameworks – first Tensorflow and then Pytorch.  </a:t>
-            </a:r>
+              <a:t>Review acronyms in Methods column</a:t>
+            </a:r>
+          </a:p>
+          <a:p>
+            <a:endParaRPr lang="en-US" dirty="0"/>
+          </a:p>
+          <a:p>
+            <a:pPr defTabSz="933111">
+              <a:defRPr/>
+            </a:pPr>
+            <a:r>
+              <a:rPr lang="en-US" dirty="0"/>
+              <a:t>=====</a:t>
+            </a:r>
+          </a:p>
+          <a:p>
+            <a:r>
+              <a:rPr lang="en-US" dirty="0"/>
+              <a:t>With our primary data sources identified, let’s organize everything in a table.  On the leftmost column, our data sources are listed, followed by a column of generic questions we might like to ask of our data, another column which lists the related AI task for each question, and finally a column of AI methods and technologies.  This table, then, becomes a roadmap to guide your AI learning.  The question and AI task columns are self-explanatory, but I’d like to take a few seconds to unpack the abbreviations in the Methods column.  Don’t worry about the vocabulary at this point as these terms will be defined in our workshops.  But let’s quickly run through the acronyms in the Methods column.  NLP – Natural Language Processing; RNN – Recurrent Neural Network;  CNN – Convolutional Neural Network; GAN – Generative Adversarial Network;  RAPIDS – Nvidia’s data science framework;  Transformer – A new kind of neural network.</a:t>
+            </a:r>
+          </a:p>
+          <a:p>
+            <a:endParaRPr lang="en-US" dirty="0"/>
+          </a:p>
+          <a:p>
+            <a:r>
+              <a:rPr lang="en-US" dirty="0"/>
+              <a:t>We will now consider each data source, the types of questions one can ask of each, and the associated AI methods. </a:t>
+            </a:r>
+          </a:p>
+          <a:p>
+            <a:endParaRPr lang="en-US" dirty="0"/>
+          </a:p>
+          <a:p>
+            <a:endParaRPr lang="en-US" dirty="0"/>
+          </a:p>
+          <a:p>
+            <a:endParaRPr lang="en-US" dirty="0"/>
           </a:p>
         </p:txBody>
       </p:sp>
@@ -1876,7 +1900,7 @@
           <a:p>
             <a:fld id="{3148858F-F1DB-4027-9C85-CCA6849540DD}" type="slidenum">
               <a:rPr lang="en-US" smtClean="0"/>
-              <a:t>19</a:t>
+              <a:t>21</a:t>
             </a:fld>
             <a:endParaRPr lang="en-US"/>
           </a:p>
@@ -1885,7 +1909,7 @@
     </p:spTree>
     <p:extLst>
       <p:ext uri="{BB962C8B-B14F-4D97-AF65-F5344CB8AC3E}">
-        <p14:creationId xmlns:p14="http://schemas.microsoft.com/office/powerpoint/2010/main" val="3009881722"/>
+        <p14:creationId xmlns:p14="http://schemas.microsoft.com/office/powerpoint/2010/main" val="1003415448"/>
       </p:ext>
     </p:extLst>
   </p:cSld>
@@ -1939,62 +1963,79 @@
           <a:bodyPr/>
           <a:lstStyle/>
           <a:p>
-            <a:pPr marL="233309" indent="-233309">
+            <a:pPr marL="233277" indent="-233277" defTabSz="933111">
+              <a:buFontTx/>
               <a:buAutoNum type="arabicPeriod"/>
+              <a:defRPr/>
             </a:pPr>
             <a:r>
               <a:rPr lang="en-US" dirty="0"/>
-              <a:t>AI is a CREATIVE challenge of the 1</a:t>
-            </a:r>
-            <a:r>
-              <a:rPr lang="en-US" baseline="30000" dirty="0"/>
-              <a:t>st</a:t>
-            </a:r>
+              <a:t>A picture is worth a thousand words or in this case, a thousand mathematical symbols</a:t>
+            </a:r>
+          </a:p>
+          <a:p>
+            <a:pPr marL="699832" lvl="1" indent="-233277" defTabSz="933111">
+              <a:buFontTx/>
+              <a:buAutoNum type="arabicPeriod"/>
+              <a:defRPr/>
+            </a:pPr>
             <a:r>
               <a:rPr lang="en-US" dirty="0"/>
-              <a:t> order</a:t>
-            </a:r>
-          </a:p>
-          <a:p>
-            <a:pPr marL="233309" indent="-233309">
+              <a:t>Dual-coding – visual / verbal channels</a:t>
+            </a:r>
+          </a:p>
+          <a:p>
+            <a:pPr marL="233277" indent="-233277" defTabSz="933111">
+              <a:buFontTx/>
               <a:buAutoNum type="arabicPeriod"/>
+              <a:defRPr/>
             </a:pPr>
             <a:r>
               <a:rPr lang="en-US" dirty="0"/>
-              <a:t>Most important question is: “What do you want to do?  What problems or research questions interest you?”</a:t>
-            </a:r>
-          </a:p>
-          <a:p>
-            <a:pPr marL="233309" indent="-233309">
+              <a:t>The human brain is a story machine.  </a:t>
+            </a:r>
+          </a:p>
+          <a:p>
+            <a:pPr marL="699832" lvl="1" indent="-233277" defTabSz="933111">
+              <a:buFontTx/>
               <a:buAutoNum type="arabicPeriod"/>
+              <a:defRPr/>
             </a:pPr>
             <a:r>
               <a:rPr lang="en-US" dirty="0"/>
-              <a:t>Start with your questions, everything else falls into place.</a:t>
-            </a:r>
-          </a:p>
-          <a:p>
-            <a:pPr defTabSz="933237">
+              <a:t>Stories are the best way to deliver content</a:t>
+            </a:r>
+          </a:p>
+          <a:p>
+            <a:pPr marL="699832" lvl="1" indent="-233277" defTabSz="933111">
+              <a:buFontTx/>
+              <a:buAutoNum type="arabicPeriod"/>
+              <a:defRPr/>
+            </a:pPr>
+            <a:r>
+              <a:rPr lang="en-US" dirty="0"/>
+              <a:t>Stories are the best way to retain content</a:t>
+            </a:r>
+          </a:p>
+          <a:p>
+            <a:pPr marL="233277" indent="-233277" defTabSz="933111">
+              <a:buFontTx/>
+              <a:buAutoNum type="arabicPeriod"/>
+              <a:defRPr/>
+            </a:pPr>
+            <a:r>
+              <a:rPr lang="en-US" dirty="0"/>
+              <a:t>Hands-on learning via Jupyter Notebooks</a:t>
+            </a:r>
+          </a:p>
+          <a:p>
+            <a:pPr defTabSz="933111">
               <a:defRPr/>
             </a:pPr>
             <a:endParaRPr lang="en-US" dirty="0"/>
           </a:p>
           <a:p>
-            <a:pPr marL="0" marR="0" lvl="0" indent="0" algn="l" defTabSz="933237" rtl="0" eaLnBrk="1" fontAlgn="auto" latinLnBrk="0" hangingPunct="1">
-              <a:lnSpc>
-                <a:spcPct val="100000"/>
-              </a:lnSpc>
-              <a:spcBef>
-                <a:spcPts val="0"/>
-              </a:spcBef>
-              <a:spcAft>
-                <a:spcPts val="0"/>
-              </a:spcAft>
-              <a:buClrTx/>
-              <a:buSzTx/>
-              <a:buFontTx/>
-              <a:buNone/>
-              <a:tabLst/>
+            <a:pPr defTabSz="933111">
               <a:defRPr/>
             </a:pPr>
             <a:r>
@@ -2003,27 +2044,39 @@
             </a:r>
           </a:p>
           <a:p>
+            <a:pPr defTabSz="933111">
+              <a:defRPr/>
+            </a:pPr>
             <a:r>
               <a:rPr lang="en-US" dirty="0"/>
-              <a:t>So, let’s start with the big picture.  The Practicum AI program is designed to help you think about and creatively apply AI to make the world a better place.</a:t>
-            </a:r>
-          </a:p>
-          <a:p>
+              <a:t>Let’s start with a quick statement of the Practicum AI approach to learning.  </a:t>
+            </a:r>
+          </a:p>
+          <a:p>
+            <a:pPr defTabSz="933111">
+              <a:defRPr/>
+            </a:pPr>
             <a:endParaRPr lang="en-US" dirty="0"/>
           </a:p>
           <a:p>
+            <a:pPr defTabSz="933111">
+              <a:defRPr/>
+            </a:pPr>
             <a:r>
               <a:rPr lang="en-US" dirty="0"/>
-              <a:t>You might be surprised to learn that we view the AI opportunity as a creative challenge of the first order.  Of course, you will participate in a considerable number of technical activities in this workshop series.  But the more important question is,  “What do you want to do?  What problems or research questions interest you?”  Once you answer that, everything else falls into place.  The best learning happens when you have a clear goal in mind.    </a:t>
-            </a:r>
-          </a:p>
-          <a:p>
+              <a:t>The three elements highlighted in blue are distinguishing features of Practicum AI.  First, AI content is presented in a visual way rather than mathematically.  As they say, “A picture is worth a thousand words.”  Or in this case, a thousand mathematical symbols.  Second, narrative (or story-driven) forms of instruction are used, especially at the advanced levels where case-studies are prominently featured.  And finally, abundant hands-on coding exercises develop student programming skills.</a:t>
+            </a:r>
+          </a:p>
+          <a:p>
+            <a:pPr defTabSz="933111">
+              <a:defRPr/>
+            </a:pPr>
             <a:endParaRPr lang="en-US" dirty="0"/>
           </a:p>
           <a:p>
             <a:r>
               <a:rPr lang="en-US" dirty="0"/>
-              <a:t>So, I encourage you to think of AI - not from a technical point-of-view - but as a new way of answering questions, delivering services, and solving problems. </a:t>
+              <a:t>Four levels of hands-on coding.  Level 1: student retypes example code.  Level 2: student modifies and/or extends example code.  Level 3: student writes code from scratch, given an algorithm.  Level 4: student solves a problem by defining an algorithm and then writing the code to instantiate it.</a:t>
             </a:r>
           </a:p>
         </p:txBody>
@@ -2045,7 +2098,7 @@
           <a:p>
             <a:fld id="{3148858F-F1DB-4027-9C85-CCA6849540DD}" type="slidenum">
               <a:rPr lang="en-US" smtClean="0"/>
-              <a:t>2</a:t>
+              <a:t>3</a:t>
             </a:fld>
             <a:endParaRPr lang="en-US"/>
           </a:p>
@@ -2054,7 +2107,7 @@
     </p:spTree>
     <p:extLst>
       <p:ext uri="{BB962C8B-B14F-4D97-AF65-F5344CB8AC3E}">
-        <p14:creationId xmlns:p14="http://schemas.microsoft.com/office/powerpoint/2010/main" val="1421259055"/>
+        <p14:creationId xmlns:p14="http://schemas.microsoft.com/office/powerpoint/2010/main" val="3145646012"/>
       </p:ext>
     </p:extLst>
   </p:cSld>
@@ -2108,45 +2161,79 @@
           <a:bodyPr/>
           <a:lstStyle/>
           <a:p>
-            <a:pPr marL="233309" indent="-233309">
+            <a:pPr marL="228569" indent="-228569" defTabSz="933111">
               <a:buAutoNum type="arabicPeriod"/>
-            </a:pPr>
-            <a:r>
-              <a:rPr lang="en-US" dirty="0"/>
-              <a:t>Review acronyms in Methods column</a:t>
-            </a:r>
-          </a:p>
-          <a:p>
-            <a:endParaRPr lang="en-US" dirty="0"/>
-          </a:p>
-          <a:p>
-            <a:pPr defTabSz="933237">
               <a:defRPr/>
             </a:pPr>
             <a:r>
               <a:rPr lang="en-US" dirty="0"/>
+              <a:t>Nvidia’s RAPIDS development environment best for structured data</a:t>
+            </a:r>
+          </a:p>
+          <a:p>
+            <a:pPr marL="685707" lvl="1" indent="-228569" defTabSz="933111">
+              <a:buAutoNum type="arabicPeriod"/>
+              <a:defRPr/>
+            </a:pPr>
+            <a:r>
+              <a:rPr lang="en-US" dirty="0"/>
+              <a:t>cuDF similar to popular Pandas library</a:t>
+            </a:r>
+          </a:p>
+          <a:p>
+            <a:pPr marL="685707" lvl="1" indent="-228569" defTabSz="933111">
+              <a:buAutoNum type="arabicPeriod"/>
+              <a:defRPr/>
+            </a:pPr>
+            <a:r>
+              <a:rPr lang="en-US" dirty="0"/>
+              <a:t>Support for dataframes, data cleaning, and data management</a:t>
+            </a:r>
+          </a:p>
+          <a:p>
+            <a:pPr marL="685707" lvl="1" indent="-228569" defTabSz="933111">
+              <a:buAutoNum type="arabicPeriod"/>
+              <a:defRPr/>
+            </a:pPr>
+            <a:r>
+              <a:rPr lang="en-US" dirty="0"/>
+              <a:t>Huge performance boost – 10 to 100 times faster</a:t>
+            </a:r>
+          </a:p>
+          <a:p>
+            <a:pPr defTabSz="933111">
+              <a:defRPr/>
+            </a:pPr>
+            <a:endParaRPr lang="en-US" dirty="0"/>
+          </a:p>
+          <a:p>
+            <a:pPr defTabSz="933111">
+              <a:defRPr/>
+            </a:pPr>
+            <a:r>
+              <a:rPr lang="en-US" dirty="0"/>
               <a:t>=====</a:t>
             </a:r>
           </a:p>
           <a:p>
+            <a:pPr defTabSz="933111">
+              <a:defRPr/>
+            </a:pPr>
             <a:r>
               <a:rPr lang="en-US" dirty="0"/>
-              <a:t>With our primary data sources identified, let’s organize everything in a table.  On the leftmost column, our data sources are listed, followed by a column of generic questions we might like to ask of our data, another column which lists the related AI task for each question, and finally a column of AI methods and technologies.  This table, then, becomes a roadmap to guide your AI learning.  The question and AI task columns are self-explanatory, but I’d like to take a few seconds to unpack the abbreviations in the Methods column.  Don’t worry about the vocabulary at this point as these terms will be defined in our workshops.  But let’s quickly run through the acronyms in the Methods column.  NLP – Natural Language Processing; RNN – Recurrent Neural Network;  CNN – Convolutional Neural Network; GAN – Generative Adversarial Network;  RAPIDS – Nvidia’s data science framework;  Transformer – A new kind of neural network.</a:t>
-            </a:r>
-          </a:p>
-          <a:p>
+              <a:t>In the case of structured data – data derived from databases or repetitive data from sensors – the Nvidia RAPIDS development environment is your best starting point.  RAPIDS provides a set of useful libraries, with machine learning functions for almost any research task.  The RAPIDS cuDF library, for example, is equivalent to the popular Pandas library which supports dataframes as well as basic data management and cleaning.   </a:t>
+            </a:r>
+          </a:p>
+          <a:p>
+            <a:pPr defTabSz="933111">
+              <a:defRPr/>
+            </a:pPr>
             <a:endParaRPr lang="en-US" dirty="0"/>
           </a:p>
           <a:p>
-            <a:r>
-              <a:rPr lang="en-US" dirty="0"/>
-              <a:t>We will now consider each data source, the types of questions one can ask of each, and the associated AI methods. </a:t>
-            </a:r>
-          </a:p>
-          <a:p>
-            <a:endParaRPr lang="en-US" dirty="0"/>
-          </a:p>
-          <a:p>
+            <a:pPr defTabSz="933111">
+              <a:defRPr/>
+            </a:pPr>
             <a:endParaRPr lang="en-US" dirty="0"/>
           </a:p>
           <a:p>
@@ -2171,7 +2258,7 @@
           <a:p>
             <a:fld id="{3148858F-F1DB-4027-9C85-CCA6849540DD}" type="slidenum">
               <a:rPr lang="en-US" smtClean="0"/>
-              <a:t>20</a:t>
+              <a:t>22</a:t>
             </a:fld>
             <a:endParaRPr lang="en-US"/>
           </a:p>
@@ -2180,7 +2267,7 @@
     </p:spTree>
     <p:extLst>
       <p:ext uri="{BB962C8B-B14F-4D97-AF65-F5344CB8AC3E}">
-        <p14:creationId xmlns:p14="http://schemas.microsoft.com/office/powerpoint/2010/main" val="1003415448"/>
+        <p14:creationId xmlns:p14="http://schemas.microsoft.com/office/powerpoint/2010/main" val="268399345"/>
       </p:ext>
     </p:extLst>
   </p:cSld>
@@ -2234,79 +2321,42 @@
           <a:bodyPr/>
           <a:lstStyle/>
           <a:p>
-            <a:pPr marL="228600" indent="-228600" defTabSz="933237">
+            <a:pPr marL="233277" indent="-233277">
               <a:buAutoNum type="arabicPeriod"/>
+            </a:pPr>
+            <a:r>
+              <a:rPr lang="en-US" dirty="0"/>
+              <a:t>Text generating GANs are a unique animal, different from GANs used to generate images</a:t>
+            </a:r>
+          </a:p>
+          <a:p>
+            <a:endParaRPr lang="en-US" dirty="0"/>
+          </a:p>
+          <a:p>
+            <a:pPr defTabSz="933111">
               <a:defRPr/>
             </a:pPr>
             <a:r>
               <a:rPr lang="en-US" dirty="0"/>
-              <a:t>Nvidia’s RAPIDS development environment best for structured data</a:t>
-            </a:r>
-          </a:p>
-          <a:p>
-            <a:pPr marL="685800" lvl="1" indent="-228600" defTabSz="933237">
-              <a:buAutoNum type="arabicPeriod"/>
-              <a:defRPr/>
-            </a:pPr>
+              <a:t>=====</a:t>
+            </a:r>
+          </a:p>
+          <a:p>
             <a:r>
               <a:rPr lang="en-US" dirty="0"/>
-              <a:t>cuDF similar to popular Pandas library</a:t>
-            </a:r>
-          </a:p>
-          <a:p>
-            <a:pPr marL="685800" lvl="1" indent="-228600" defTabSz="933237">
-              <a:buAutoNum type="arabicPeriod"/>
-              <a:defRPr/>
-            </a:pPr>
-            <a:r>
-              <a:rPr lang="en-US" dirty="0"/>
-              <a:t>Support for dataframes, data cleaning, and data management</a:t>
-            </a:r>
-          </a:p>
-          <a:p>
-            <a:pPr marL="685800" lvl="1" indent="-228600" defTabSz="933237">
-              <a:buAutoNum type="arabicPeriod"/>
-              <a:defRPr/>
-            </a:pPr>
-            <a:r>
-              <a:rPr lang="en-US" dirty="0"/>
-              <a:t>Huge performance boost – 10 to 100 times faster</a:t>
-            </a:r>
-          </a:p>
-          <a:p>
-            <a:pPr defTabSz="933237">
-              <a:defRPr/>
-            </a:pPr>
+              <a:t>With text data, transformers and recurrent neural networks are established deep learning technologies, appropriate for detection, classification, segmentation, recommendation, and creation tasks.  These will solve most text problems, or at least get you started in the right direction.  Generative Adversarial Networks or GANs are another choice.  However, keep in mind that text generating GANs are a unique animal, different and distinct from GANs used to generate images.</a:t>
+            </a:r>
+          </a:p>
+          <a:p>
             <a:endParaRPr lang="en-US" dirty="0"/>
           </a:p>
           <a:p>
-            <a:pPr defTabSz="933237">
-              <a:defRPr/>
-            </a:pPr>
-            <a:r>
-              <a:rPr lang="en-US" dirty="0"/>
-              <a:t>=====</a:t>
-            </a:r>
-          </a:p>
-          <a:p>
-            <a:pPr defTabSz="933237">
-              <a:defRPr/>
-            </a:pPr>
-            <a:r>
-              <a:rPr lang="en-US" dirty="0"/>
-              <a:t>In the case of structured data – data derived from databases or repetitive data from sensors – the Nvidia RAPIDS development environment is your best starting point.  RAPIDS provides a set of useful libraries, with machine learning functions for almost any research task.  The RAPIDS cuDF library, for example, is equivalent to the popular Pandas library which supports dataframes as well as basic data management and cleaning.   </a:t>
-            </a:r>
-          </a:p>
-          <a:p>
-            <a:pPr defTabSz="933237">
-              <a:defRPr/>
-            </a:pPr>
             <a:endParaRPr lang="en-US" dirty="0"/>
           </a:p>
           <a:p>
-            <a:pPr defTabSz="933237">
-              <a:defRPr/>
-            </a:pPr>
+            <a:endParaRPr lang="en-US" dirty="0"/>
+          </a:p>
+          <a:p>
             <a:endParaRPr lang="en-US" dirty="0"/>
           </a:p>
           <a:p>
@@ -2331,7 +2381,7 @@
           <a:p>
             <a:fld id="{3148858F-F1DB-4027-9C85-CCA6849540DD}" type="slidenum">
               <a:rPr lang="en-US" smtClean="0"/>
-              <a:t>21</a:t>
+              <a:t>23</a:t>
             </a:fld>
             <a:endParaRPr lang="en-US"/>
           </a:p>
@@ -2340,7 +2390,7 @@
     </p:spTree>
     <p:extLst>
       <p:ext uri="{BB962C8B-B14F-4D97-AF65-F5344CB8AC3E}">
-        <p14:creationId xmlns:p14="http://schemas.microsoft.com/office/powerpoint/2010/main" val="268399345"/>
+        <p14:creationId xmlns:p14="http://schemas.microsoft.com/office/powerpoint/2010/main" val="132608395"/>
       </p:ext>
     </p:extLst>
   </p:cSld>
@@ -2394,19 +2444,37 @@
           <a:bodyPr/>
           <a:lstStyle/>
           <a:p>
-            <a:pPr marL="233309" indent="-233309">
+            <a:pPr marL="233277" indent="-233277">
               <a:buAutoNum type="arabicPeriod"/>
             </a:pPr>
             <a:r>
               <a:rPr lang="en-US" dirty="0"/>
-              <a:t>Text generating GANs are a unique animal, different from GANs used to generate images</a:t>
+              <a:t>Convolutional neural networks – bread and butter of image work.</a:t>
+            </a:r>
+          </a:p>
+          <a:p>
+            <a:pPr marL="233277" indent="-233277">
+              <a:buAutoNum type="arabicPeriod"/>
+            </a:pPr>
+            <a:r>
+              <a:rPr lang="en-US" dirty="0"/>
+              <a:t>Special models for single shot detection and real time object detection.</a:t>
+            </a:r>
+          </a:p>
+          <a:p>
+            <a:pPr marL="233277" indent="-233277">
+              <a:buAutoNum type="arabicPeriod"/>
+            </a:pPr>
+            <a:r>
+              <a:rPr lang="en-US" dirty="0"/>
+              <a:t>Recent development – transformers + GANs = TransGAN.  Also, diffusion models are gaining traction.</a:t>
             </a:r>
           </a:p>
           <a:p>
             <a:endParaRPr lang="en-US" dirty="0"/>
           </a:p>
           <a:p>
-            <a:pPr defTabSz="933237">
+            <a:pPr defTabSz="933111">
               <a:defRPr/>
             </a:pPr>
             <a:r>
@@ -2417,20 +2485,25 @@
           <a:p>
             <a:r>
               <a:rPr lang="en-US" dirty="0"/>
-              <a:t>With text data, transformers and recurrent neural networks are established deep learning technologies, appropriate for detection, classification, segmentation, recommendation, and creation tasks.  These will solve most text problems, or at least get you started in the right direction.  Generative Adversarial Networks or GANs are another choice.  However, keep in mind that text generating GANs are a unique animal, different and distinct from GANs used to generate images.</a:t>
+              <a:t>Convolutional neural networks (CNNs) have been the bread and butter of the image world for some time now.  In short, CNNs do it all.  For image creation, GANs continue to be the tool of choice, typically constructed with CNN components.  Another recent development has been the merging of transformers and GANs, with TransGAN being a prominent example.</a:t>
             </a:r>
           </a:p>
           <a:p>
             <a:endParaRPr lang="en-US" dirty="0"/>
           </a:p>
           <a:p>
-            <a:endParaRPr lang="en-US" dirty="0"/>
-          </a:p>
-          <a:p>
-            <a:endParaRPr lang="en-US" dirty="0"/>
-          </a:p>
-          <a:p>
-            <a:endParaRPr lang="en-US" dirty="0"/>
+            <a:r>
+              <a:rPr lang="en-US" dirty="0"/>
+              <a:t>For detection, consider </a:t>
+            </a:r>
+            <a:r>
+              <a:rPr lang="en-US" b="1" dirty="0"/>
+              <a:t>single shot detection models </a:t>
+            </a:r>
+            <a:r>
+              <a:rPr lang="en-US" dirty="0"/>
+              <a:t>(SSDs) or YOLO (real-time object detection).  Faster-RCNN or EfficientDet are also options, depending on the computational resources available.  Classification is a typical CNN task, with ResNet and its variants being popular.  And finally – for segmentation tasks – Mask-RCNN or Unet ought to be considered.  </a:t>
+            </a:r>
           </a:p>
           <a:p>
             <a:endParaRPr lang="en-US" dirty="0"/>
@@ -2454,7 +2527,7 @@
           <a:p>
             <a:fld id="{3148858F-F1DB-4027-9C85-CCA6849540DD}" type="slidenum">
               <a:rPr lang="en-US" smtClean="0"/>
-              <a:t>22</a:t>
+              <a:t>24</a:t>
             </a:fld>
             <a:endParaRPr lang="en-US"/>
           </a:p>
@@ -2463,7 +2536,7 @@
     </p:spTree>
     <p:extLst>
       <p:ext uri="{BB962C8B-B14F-4D97-AF65-F5344CB8AC3E}">
-        <p14:creationId xmlns:p14="http://schemas.microsoft.com/office/powerpoint/2010/main" val="132608395"/>
+        <p14:creationId xmlns:p14="http://schemas.microsoft.com/office/powerpoint/2010/main" val="3841188136"/>
       </p:ext>
     </p:extLst>
   </p:cSld>
@@ -2517,39 +2590,42 @@
           <a:bodyPr/>
           <a:lstStyle/>
           <a:p>
-            <a:pPr marL="233309" indent="-233309">
+            <a:pPr marL="233277" indent="-233277">
               <a:buAutoNum type="arabicPeriod"/>
             </a:pPr>
             <a:r>
               <a:rPr lang="en-US" dirty="0"/>
-              <a:t>Convolutional neural networks – bread and butter of image work.</a:t>
-            </a:r>
-          </a:p>
-          <a:p>
-            <a:pPr marL="233309" indent="-233309">
+              <a:t>Video data is unique in that it is a time series of images</a:t>
+            </a:r>
+          </a:p>
+          <a:p>
+            <a:pPr marL="233277" indent="-233277">
               <a:buAutoNum type="arabicPeriod"/>
             </a:pPr>
             <a:r>
               <a:rPr lang="en-US" dirty="0"/>
-              <a:t>Special models for single shot detection and real time object detection.</a:t>
-            </a:r>
-          </a:p>
-          <a:p>
-            <a:pPr marL="233309" indent="-233309">
+              <a:t>CNNs paired with RNNs as there is both temporal and spatial characteristics</a:t>
+            </a:r>
+          </a:p>
+          <a:p>
+            <a:pPr marL="233277" indent="-233277">
               <a:buAutoNum type="arabicPeriod"/>
             </a:pPr>
             <a:r>
               <a:rPr lang="en-US" dirty="0"/>
-              <a:t>Recent development – transformers + GANs = TransGAN.  Also, diffusion models are gaining traction.</a:t>
-            </a:r>
-          </a:p>
-          <a:p>
-            <a:endParaRPr lang="en-US" dirty="0"/>
-          </a:p>
-          <a:p>
-            <a:pPr defTabSz="933237">
+              <a:t>New development is video GANs which generate new frames, one by one – Cutting edge technology</a:t>
+            </a:r>
+          </a:p>
+          <a:p>
+            <a:pPr defTabSz="933111">
               <a:defRPr/>
             </a:pPr>
+            <a:endParaRPr lang="en-US" dirty="0"/>
+          </a:p>
+          <a:p>
+            <a:pPr defTabSz="933111">
+              <a:defRPr/>
+            </a:pPr>
             <a:r>
               <a:rPr lang="en-US" dirty="0"/>
               <a:t>=====</a:t>
@@ -2558,25 +2634,14 @@
           <a:p>
             <a:r>
               <a:rPr lang="en-US" dirty="0"/>
-              <a:t>Convolutional neural networks (CNNs) have been the bread and butter of the image world for some time now.  In short, CNNs do it all.  For image creation, GANs continue to be the tool of choice, typically constructed with CNN components.  Another recent development has been the merging of transformers and GANs, with TransGAN being a prominent example.</a:t>
+              <a:t>Video data is unique, being a time series of images.  As with image data, convolutional neural networks have captured most of this market, though CNNs are frequently paired with RNNs as there is both temporal and spatial characteristics in each image frame.  With video, single and multi-object tracking is also possible.  Interestingly, there are now video GANs, which basically build frame by frame what it thinks the video should look like.  This is cutting-edge technology.</a:t>
             </a:r>
           </a:p>
           <a:p>
             <a:endParaRPr lang="en-US" dirty="0"/>
           </a:p>
           <a:p>
-            <a:r>
-              <a:rPr lang="en-US" dirty="0"/>
-              <a:t>For detection, consider </a:t>
-            </a:r>
-            <a:r>
-              <a:rPr lang="en-US" b="1" dirty="0"/>
-              <a:t>single shot detection models </a:t>
-            </a:r>
-            <a:r>
-              <a:rPr lang="en-US" dirty="0"/>
-              <a:t>(SSDs) or YOLO (real-time object detection).  Faster-RCNN or EfficientDet are also options, depending on the computational resources available.  Classification is a typical CNN task, with ResNet and its variants being popular.  And finally – for segmentation tasks – Mask-RCNN or Unet ought to be considered.  </a:t>
-            </a:r>
+            <a:endParaRPr lang="en-US" dirty="0"/>
           </a:p>
           <a:p>
             <a:endParaRPr lang="en-US" dirty="0"/>
@@ -2600,7 +2665,7 @@
           <a:p>
             <a:fld id="{3148858F-F1DB-4027-9C85-CCA6849540DD}" type="slidenum">
               <a:rPr lang="en-US" smtClean="0"/>
-              <a:t>23</a:t>
+              <a:t>25</a:t>
             </a:fld>
             <a:endParaRPr lang="en-US"/>
           </a:p>
@@ -2609,7 +2674,7 @@
     </p:spTree>
     <p:extLst>
       <p:ext uri="{BB962C8B-B14F-4D97-AF65-F5344CB8AC3E}">
-        <p14:creationId xmlns:p14="http://schemas.microsoft.com/office/powerpoint/2010/main" val="3841188136"/>
+        <p14:creationId xmlns:p14="http://schemas.microsoft.com/office/powerpoint/2010/main" val="2566424567"/>
       </p:ext>
     </p:extLst>
   </p:cSld>
@@ -2663,40 +2728,40 @@
           <a:bodyPr/>
           <a:lstStyle/>
           <a:p>
-            <a:pPr marL="233309" indent="-233309">
+            <a:pPr marL="233277" indent="-233277">
               <a:buAutoNum type="arabicPeriod"/>
             </a:pPr>
             <a:r>
               <a:rPr lang="en-US" dirty="0"/>
-              <a:t>Video data is unique in that it is a time series of images</a:t>
-            </a:r>
-          </a:p>
-          <a:p>
-            <a:pPr marL="233309" indent="-233309">
+              <a:t>Audio interesting format </a:t>
+            </a:r>
+          </a:p>
+          <a:p>
+            <a:pPr marL="233277" indent="-233277">
               <a:buAutoNum type="arabicPeriod"/>
             </a:pPr>
             <a:r>
               <a:rPr lang="en-US" dirty="0"/>
-              <a:t>CNNs paired with RNNs as there is both temporal and spatial characteristics</a:t>
-            </a:r>
-          </a:p>
-          <a:p>
-            <a:pPr marL="233309" indent="-233309">
+              <a:t>MEL spectrum representation – 2D spectrogram of a recording</a:t>
+            </a:r>
+          </a:p>
+          <a:p>
+            <a:pPr marL="233277" indent="-233277">
               <a:buAutoNum type="arabicPeriod"/>
             </a:pPr>
             <a:r>
               <a:rPr lang="en-US" dirty="0"/>
-              <a:t>New development is video GANs which generate new frames, one by one – Cutting edge technology</a:t>
-            </a:r>
-          </a:p>
-          <a:p>
-            <a:pPr defTabSz="933237">
+              <a:t>Audio is time series, just like video</a:t>
+            </a:r>
+          </a:p>
+          <a:p>
+            <a:pPr defTabSz="933111">
               <a:defRPr/>
             </a:pPr>
             <a:endParaRPr lang="en-US" dirty="0"/>
           </a:p>
           <a:p>
-            <a:pPr defTabSz="933237">
+            <a:pPr defTabSz="933111">
               <a:defRPr/>
             </a:pPr>
             <a:r>
@@ -2707,7 +2772,7 @@
           <a:p>
             <a:r>
               <a:rPr lang="en-US" dirty="0"/>
-              <a:t>Video data is unique, being a time series of images.  As with image data, convolutional neural networks have captured most of this market, though CNNs are frequently paired with RNNs as there is both temporal and spatial characteristics in each image frame.  With video, single and multi-object tracking is also possible.  Interestingly, there are now video GANs, which basically build frame by frame what it thinks the video should look like.  This is cutting-edge technology.</a:t>
+              <a:t>Audio is another interesting format.  Many audio methods are derived from a MEL spectrum representation, a 2D spectrogram of the recording.  Like video, audio is also a time series.  Transformers, CNNs, RNNs, and GANs can all be used with audio data.  Now that we have covered the various types of data and their associated methods, it’s time to do something practical.</a:t>
             </a:r>
           </a:p>
           <a:p>
@@ -2738,7 +2803,7 @@
           <a:p>
             <a:fld id="{3148858F-F1DB-4027-9C85-CCA6849540DD}" type="slidenum">
               <a:rPr lang="en-US" smtClean="0"/>
-              <a:t>24</a:t>
+              <a:t>26</a:t>
             </a:fld>
             <a:endParaRPr lang="en-US"/>
           </a:p>
@@ -2747,7 +2812,7 @@
     </p:spTree>
     <p:extLst>
       <p:ext uri="{BB962C8B-B14F-4D97-AF65-F5344CB8AC3E}">
-        <p14:creationId xmlns:p14="http://schemas.microsoft.com/office/powerpoint/2010/main" val="2566424567"/>
+        <p14:creationId xmlns:p14="http://schemas.microsoft.com/office/powerpoint/2010/main" val="2786040527"/>
       </p:ext>
     </p:extLst>
   </p:cSld>
@@ -2801,61 +2866,10 @@
           <a:bodyPr/>
           <a:lstStyle/>
           <a:p>
-            <a:pPr marL="233309" indent="-233309">
-              <a:buAutoNum type="arabicPeriod"/>
-            </a:pPr>
             <a:r>
               <a:rPr lang="en-US" dirty="0"/>
-              <a:t>Audio interesting format </a:t>
-            </a:r>
-          </a:p>
-          <a:p>
-            <a:pPr marL="233309" indent="-233309">
-              <a:buAutoNum type="arabicPeriod"/>
-            </a:pPr>
-            <a:r>
-              <a:rPr lang="en-US" dirty="0"/>
-              <a:t>MEL spectrum representation – 2D spectrogram of a recording</a:t>
-            </a:r>
-          </a:p>
-          <a:p>
-            <a:pPr marL="233309" indent="-233309">
-              <a:buAutoNum type="arabicPeriod"/>
-            </a:pPr>
-            <a:r>
-              <a:rPr lang="en-US" dirty="0"/>
-              <a:t>Audio is time series, just like video</a:t>
-            </a:r>
-          </a:p>
-          <a:p>
-            <a:pPr defTabSz="933237">
-              <a:defRPr/>
-            </a:pPr>
-            <a:endParaRPr lang="en-US" dirty="0"/>
-          </a:p>
-          <a:p>
-            <a:pPr defTabSz="933237">
-              <a:defRPr/>
-            </a:pPr>
-            <a:r>
-              <a:rPr lang="en-US" dirty="0"/>
-              <a:t>=====</a:t>
-            </a:r>
-          </a:p>
-          <a:p>
-            <a:r>
-              <a:rPr lang="en-US" dirty="0"/>
-              <a:t>Audio is another interesting format.  Many audio methods are derived from a MEL spectrum representation, a 2D spectrogram of the recording.  Like video, audio is also a time series.  Transformers, CNNs, RNNs, and GANs can all be used with audio data.  Now that we have covered the various types of data and their associated methods, it’s time to do something practical.</a:t>
-            </a:r>
-          </a:p>
-          <a:p>
-            <a:endParaRPr lang="en-US" dirty="0"/>
-          </a:p>
-          <a:p>
-            <a:endParaRPr lang="en-US" dirty="0"/>
-          </a:p>
-          <a:p>
-            <a:endParaRPr lang="en-US" dirty="0"/>
+              <a:t>The full AI-project lifecycle is shown here.  Interestingly, data-related activities usually consume about 80% of project time.  Given that fact, Andrew Ng – one of the world’s leading AI experts – recently launched a Data-Centric AI movement.  His argument is simple.  Data is the most important ingredient in a deep learning project.  And I agree.</a:t>
+            </a:r>
           </a:p>
         </p:txBody>
       </p:sp>
@@ -2876,7 +2890,7 @@
           <a:p>
             <a:fld id="{3148858F-F1DB-4027-9C85-CCA6849540DD}" type="slidenum">
               <a:rPr lang="en-US" smtClean="0"/>
-              <a:t>25</a:t>
+              <a:t>27</a:t>
             </a:fld>
             <a:endParaRPr lang="en-US"/>
           </a:p>
@@ -2885,7 +2899,7 @@
     </p:spTree>
     <p:extLst>
       <p:ext uri="{BB962C8B-B14F-4D97-AF65-F5344CB8AC3E}">
-        <p14:creationId xmlns:p14="http://schemas.microsoft.com/office/powerpoint/2010/main" val="2786040527"/>
+        <p14:creationId xmlns:p14="http://schemas.microsoft.com/office/powerpoint/2010/main" val="672039410"/>
       </p:ext>
     </p:extLst>
   </p:cSld>
@@ -2941,8 +2955,14 @@
           <a:p>
             <a:r>
               <a:rPr lang="en-US" dirty="0"/>
-              <a:t>The full AI-project lifecycle is shown here.  Interestingly, data-related activities usually consume about 80% of project time.  Given that fact, Andrew Ng – one of the world’s leading AI experts – recently launched a Data-Centric AI movement.  His argument is simple.  Data is the most important ingredient in a deep learning project.  And I agree.</a:t>
-            </a:r>
+              <a:t>We have now arrived at our hands-on activity.  Take a minute to describe the AI project you’d like to execute.  What’s your question?  What machine learning or deep learning methods do you think are appropriate?  And what kind of data will you need to collect?</a:t>
+            </a:r>
+          </a:p>
+          <a:p>
+            <a:endParaRPr lang="en-US" dirty="0"/>
+          </a:p>
+          <a:p>
+            <a:endParaRPr lang="en-US" dirty="0"/>
           </a:p>
         </p:txBody>
       </p:sp>
@@ -2963,7 +2983,7 @@
           <a:p>
             <a:fld id="{3148858F-F1DB-4027-9C85-CCA6849540DD}" type="slidenum">
               <a:rPr lang="en-US" smtClean="0"/>
-              <a:t>26</a:t>
+              <a:t>28</a:t>
             </a:fld>
             <a:endParaRPr lang="en-US"/>
           </a:p>
@@ -2972,7 +2992,7 @@
     </p:spTree>
     <p:extLst>
       <p:ext uri="{BB962C8B-B14F-4D97-AF65-F5344CB8AC3E}">
-        <p14:creationId xmlns:p14="http://schemas.microsoft.com/office/powerpoint/2010/main" val="672039410"/>
+        <p14:creationId xmlns:p14="http://schemas.microsoft.com/office/powerpoint/2010/main" val="4235018632"/>
       </p:ext>
     </p:extLst>
   </p:cSld>
@@ -3028,11 +3048,8 @@
           <a:p>
             <a:r>
               <a:rPr lang="en-US" dirty="0"/>
-              <a:t>We have now arrived at our hands-on activity.  Take a minute to describe the AI project you’d like to execute.  What’s your question?  What machine learning or deep learning methods do you think are appropriate?  And what kind of data will you need to collect?</a:t>
-            </a:r>
-          </a:p>
-          <a:p>
-            <a:endParaRPr lang="en-US" dirty="0"/>
+              <a:t>And finally, do we have any questions?  </a:t>
+            </a:r>
           </a:p>
           <a:p>
             <a:endParaRPr lang="en-US" dirty="0"/>
@@ -3056,7 +3073,7 @@
           <a:p>
             <a:fld id="{3148858F-F1DB-4027-9C85-CCA6849540DD}" type="slidenum">
               <a:rPr lang="en-US" smtClean="0"/>
-              <a:t>27</a:t>
+              <a:t>29</a:t>
             </a:fld>
             <a:endParaRPr lang="en-US"/>
           </a:p>
@@ -3065,7 +3082,7 @@
     </p:spTree>
     <p:extLst>
       <p:ext uri="{BB962C8B-B14F-4D97-AF65-F5344CB8AC3E}">
-        <p14:creationId xmlns:p14="http://schemas.microsoft.com/office/powerpoint/2010/main" val="4235018632"/>
+        <p14:creationId xmlns:p14="http://schemas.microsoft.com/office/powerpoint/2010/main" val="1236461964"/>
       </p:ext>
     </p:extLst>
   </p:cSld>
@@ -3119,13 +3136,92 @@
           <a:bodyPr/>
           <a:lstStyle/>
           <a:p>
+            <a:pPr marL="233309" indent="-233309">
+              <a:buAutoNum type="arabicPeriod"/>
+            </a:pPr>
             <a:r>
               <a:rPr lang="en-US" dirty="0"/>
-              <a:t>And finally, do we have any questions?  </a:t>
-            </a:r>
-          </a:p>
-          <a:p>
+              <a:t>AI is a CREATIVE challenge of the 1</a:t>
+            </a:r>
+            <a:r>
+              <a:rPr lang="en-US" baseline="30000" dirty="0"/>
+              <a:t>st</a:t>
+            </a:r>
+            <a:r>
+              <a:rPr lang="en-US" dirty="0"/>
+              <a:t> order</a:t>
+            </a:r>
+          </a:p>
+          <a:p>
+            <a:pPr marL="233309" indent="-233309">
+              <a:buAutoNum type="arabicPeriod"/>
+            </a:pPr>
+            <a:r>
+              <a:rPr lang="en-US" dirty="0"/>
+              <a:t>Most important question is: “What do you want to do?  What problems or research questions interest you?”</a:t>
+            </a:r>
+          </a:p>
+          <a:p>
+            <a:pPr marL="233309" indent="-233309">
+              <a:buAutoNum type="arabicPeriod"/>
+            </a:pPr>
+            <a:r>
+              <a:rPr lang="en-US" dirty="0"/>
+              <a:t>Start with your questions, everything else falls into place.</a:t>
+            </a:r>
+          </a:p>
+          <a:p>
+            <a:pPr defTabSz="933237">
+              <a:defRPr/>
+            </a:pPr>
             <a:endParaRPr lang="en-US" dirty="0"/>
+          </a:p>
+          <a:p>
+            <a:pPr marL="0" marR="0" lvl="0" indent="0" algn="l" defTabSz="933237" rtl="0" eaLnBrk="1" fontAlgn="auto" latinLnBrk="0" hangingPunct="1">
+              <a:lnSpc>
+                <a:spcPct val="100000"/>
+              </a:lnSpc>
+              <a:spcBef>
+                <a:spcPts val="0"/>
+              </a:spcBef>
+              <a:spcAft>
+                <a:spcPts val="0"/>
+              </a:spcAft>
+              <a:buClrTx/>
+              <a:buSzTx/>
+              <a:buFontTx/>
+              <a:buNone/>
+              <a:tabLst/>
+              <a:defRPr/>
+            </a:pPr>
+            <a:r>
+              <a:rPr lang="en-US" dirty="0"/>
+              <a:t>=====</a:t>
+            </a:r>
+          </a:p>
+          <a:p>
+            <a:r>
+              <a:rPr lang="en-US" dirty="0"/>
+              <a:t>So, let’s start with the big picture.  The Practicum AI program is designed to help you think about and creatively apply AI to make the world a better place.</a:t>
+            </a:r>
+          </a:p>
+          <a:p>
+            <a:endParaRPr lang="en-US" dirty="0"/>
+          </a:p>
+          <a:p>
+            <a:r>
+              <a:rPr lang="en-US" dirty="0"/>
+              <a:t>You might be surprised to learn that we view the AI opportunity as a creative challenge of the first order.  Of course, you will participate in a considerable number of technical activities in this workshop series.  But the more important question is,  “What do you want to do?  What problems or research questions interest you?”  Once you answer that, everything else falls into place.  The best learning happens when you have a clear goal in mind.    </a:t>
+            </a:r>
+          </a:p>
+          <a:p>
+            <a:endParaRPr lang="en-US" dirty="0"/>
+          </a:p>
+          <a:p>
+            <a:r>
+              <a:rPr lang="en-US" dirty="0"/>
+              <a:t>So, I encourage you to think of AI - not from a technical point-of-view - but as a new way of answering questions, delivering services, and solving problems. </a:t>
+            </a:r>
           </a:p>
         </p:txBody>
       </p:sp>
@@ -3146,7 +3242,7 @@
           <a:p>
             <a:fld id="{3148858F-F1DB-4027-9C85-CCA6849540DD}" type="slidenum">
               <a:rPr lang="en-US" smtClean="0"/>
-              <a:t>28</a:t>
+              <a:t>31</a:t>
             </a:fld>
             <a:endParaRPr lang="en-US"/>
           </a:p>
@@ -3155,7 +3251,7 @@
     </p:spTree>
     <p:extLst>
       <p:ext uri="{BB962C8B-B14F-4D97-AF65-F5344CB8AC3E}">
-        <p14:creationId xmlns:p14="http://schemas.microsoft.com/office/powerpoint/2010/main" val="1236461964"/>
+        <p14:creationId xmlns:p14="http://schemas.microsoft.com/office/powerpoint/2010/main" val="1421259055"/>
       </p:ext>
     </p:extLst>
   </p:cSld>
@@ -3209,93 +3305,49 @@
           <a:bodyPr/>
           <a:lstStyle/>
           <a:p>
-            <a:pPr marL="233309" indent="-233309" defTabSz="933237">
-              <a:buFontTx/>
+            <a:pPr marL="233277" indent="-233277">
               <a:buAutoNum type="arabicPeriod"/>
-              <a:defRPr/>
             </a:pPr>
             <a:r>
               <a:rPr lang="en-US" dirty="0"/>
-              <a:t>A picture is worth a thousand words or in this case, a thousand mathematical symbols</a:t>
-            </a:r>
-          </a:p>
-          <a:p>
-            <a:pPr marL="699927" lvl="1" indent="-233309" defTabSz="933237">
-              <a:buFontTx/>
+              <a:t>Non-technical students – not majoring in computer science, statistics, or math</a:t>
+            </a:r>
+          </a:p>
+          <a:p>
+            <a:pPr marL="233277" indent="-233277">
               <a:buAutoNum type="arabicPeriod"/>
-              <a:defRPr/>
             </a:pPr>
             <a:r>
               <a:rPr lang="en-US" dirty="0"/>
-              <a:t>Dual-coding – visual / verbal channels</a:t>
-            </a:r>
-          </a:p>
-          <a:p>
-            <a:pPr marL="233309" indent="-233309" defTabSz="933237">
-              <a:buFontTx/>
+              <a:t>Curious</a:t>
+            </a:r>
+          </a:p>
+          <a:p>
+            <a:pPr marL="233277" indent="-233277">
               <a:buAutoNum type="arabicPeriod"/>
-              <a:defRPr/>
             </a:pPr>
             <a:r>
               <a:rPr lang="en-US" dirty="0"/>
-              <a:t>The human brain is a story machine.  </a:t>
-            </a:r>
-          </a:p>
-          <a:p>
-            <a:pPr marL="699927" lvl="1" indent="-233309" defTabSz="933237">
-              <a:buFontTx/>
+              <a:t>Tinker &amp; Play</a:t>
+            </a:r>
+          </a:p>
+          <a:p>
+            <a:pPr marL="233277" indent="-233277">
               <a:buAutoNum type="arabicPeriod"/>
-              <a:defRPr/>
             </a:pPr>
             <a:r>
               <a:rPr lang="en-US" dirty="0"/>
-              <a:t>Stories are the best way to deliver content</a:t>
-            </a:r>
-          </a:p>
-          <a:p>
-            <a:pPr marL="699927" lvl="1" indent="-233309" defTabSz="933237">
-              <a:buFontTx/>
-              <a:buAutoNum type="arabicPeriod"/>
-              <a:defRPr/>
-            </a:pPr>
-            <a:r>
-              <a:rPr lang="en-US" dirty="0"/>
-              <a:t>Stories are the best way to retain content</a:t>
-            </a:r>
-          </a:p>
-          <a:p>
-            <a:pPr marL="233309" indent="-233309" defTabSz="933237">
-              <a:buFontTx/>
-              <a:buAutoNum type="arabicPeriod"/>
-              <a:defRPr/>
-            </a:pPr>
-            <a:r>
-              <a:rPr lang="en-US" dirty="0"/>
-              <a:t>Hands-on learning via Jupyter Notebooks</a:t>
-            </a:r>
-          </a:p>
-          <a:p>
-            <a:pPr defTabSz="933237">
+              <a:t>Nvidia Deep Learning Institute workshops for advanced students</a:t>
+            </a:r>
+          </a:p>
+          <a:p>
+            <a:pPr defTabSz="933111">
               <a:defRPr/>
             </a:pPr>
             <a:endParaRPr lang="en-US" dirty="0"/>
           </a:p>
           <a:p>
-            <a:pPr marL="0" marR="0" lvl="0" indent="0" algn="l" defTabSz="933237" rtl="0" eaLnBrk="1" fontAlgn="auto" latinLnBrk="0" hangingPunct="1">
-              <a:lnSpc>
-                <a:spcPct val="100000"/>
-              </a:lnSpc>
-              <a:spcBef>
-                <a:spcPts val="0"/>
-              </a:spcBef>
-              <a:spcAft>
-                <a:spcPts val="0"/>
-              </a:spcAft>
-              <a:buClrTx/>
-              <a:buSzTx/>
-              <a:buFontTx/>
-              <a:buNone/>
-              <a:tabLst/>
+            <a:pPr defTabSz="933111">
               <a:defRPr/>
             </a:pPr>
             <a:r>
@@ -3304,39 +3356,42 @@
             </a:r>
           </a:p>
           <a:p>
-            <a:pPr defTabSz="933237">
-              <a:defRPr/>
-            </a:pPr>
             <a:r>
               <a:rPr lang="en-US" dirty="0"/>
-              <a:t>Let’s start with a quick statement of the Practicum AI approach to learning.  </a:t>
-            </a:r>
-          </a:p>
-          <a:p>
-            <a:pPr defTabSz="933237">
-              <a:defRPr/>
-            </a:pPr>
+              <a:t>Our target student audience is beginners who have little-to-no technical background.  That is, our program will benefit those who are curious about AI but have little-to-no knowledge of the field.  And lastly, the Practicum AI workshops are designed for those who take a </a:t>
+            </a:r>
+            <a:r>
+              <a:rPr lang="en-US" b="1" dirty="0"/>
+              <a:t>tinker and play </a:t>
+            </a:r>
+            <a:r>
+              <a:rPr lang="en-US" dirty="0"/>
+              <a:t>approach to learning.  This final point is important as these workshops feature extensive </a:t>
+            </a:r>
+            <a:r>
+              <a:rPr lang="en-US" b="1" dirty="0"/>
+              <a:t>hands-on</a:t>
+            </a:r>
+            <a:r>
+              <a:rPr lang="en-US" dirty="0"/>
+              <a:t> coding exercises.</a:t>
+            </a:r>
+          </a:p>
+          <a:p>
             <a:endParaRPr lang="en-US" dirty="0"/>
           </a:p>
           <a:p>
-            <a:pPr defTabSz="933237">
-              <a:defRPr/>
-            </a:pPr>
             <a:r>
               <a:rPr lang="en-US" dirty="0"/>
-              <a:t>The three elements highlighted in blue are distinguishing features of Practicum AI.  First, AI content is presented in a visual way rather than mathematically.  As they say, “A picture is worth a thousand words.”  Or in this case, a thousand mathematical symbols.  Second, narrative (or story-driven) forms of instruction are used, especially at the advanced levels where case-studies are prominently featured.  And finally, abundant hands-on coding exercises develop student programming skills.</a:t>
-            </a:r>
-          </a:p>
-          <a:p>
-            <a:pPr defTabSz="933237">
-              <a:defRPr/>
-            </a:pPr>
-            <a:endParaRPr lang="en-US" dirty="0"/>
-          </a:p>
-          <a:p>
+              <a:t>Again – this program is </a:t>
+            </a:r>
+            <a:r>
+              <a:rPr lang="en-US" b="1" dirty="0"/>
+              <a:t>not designed </a:t>
+            </a:r>
             <a:r>
               <a:rPr lang="en-US" dirty="0"/>
-              <a:t>Four levels of hands-on coding.  Level 1: student retypes example code.  Level 2: student modifies and/or extends example code.  Level 3: student writes code from scratch, given an algorithm.  Level 4: student solves a problem by defining an algorithm and then writing the code to instantiate it.</a:t>
+              <a:t>for a highly technical audience.  If you already have a strong technical background or multiple years of programming experience, we encourage you to take the advanced AI workshops offered by Nvidia’s Deep Learning Institute.  Please contact us for details. </a:t>
             </a:r>
           </a:p>
         </p:txBody>
@@ -3358,7 +3413,7 @@
           <a:p>
             <a:fld id="{3148858F-F1DB-4027-9C85-CCA6849540DD}" type="slidenum">
               <a:rPr lang="en-US" smtClean="0"/>
-              <a:t>3</a:t>
+              <a:t>4</a:t>
             </a:fld>
             <a:endParaRPr lang="en-US"/>
           </a:p>
@@ -3367,7 +3422,7 @@
     </p:spTree>
     <p:extLst>
       <p:ext uri="{BB962C8B-B14F-4D97-AF65-F5344CB8AC3E}">
-        <p14:creationId xmlns:p14="http://schemas.microsoft.com/office/powerpoint/2010/main" val="3145646012"/>
+        <p14:creationId xmlns:p14="http://schemas.microsoft.com/office/powerpoint/2010/main" val="2078421308"/>
       </p:ext>
     </p:extLst>
   </p:cSld>
@@ -3421,63 +3476,49 @@
           <a:bodyPr/>
           <a:lstStyle/>
           <a:p>
-            <a:pPr marL="233309" indent="-233309">
+            <a:pPr marL="233277" indent="-233277">
               <a:buAutoNum type="arabicPeriod"/>
             </a:pPr>
             <a:r>
               <a:rPr lang="en-US" dirty="0"/>
-              <a:t>Non-technical students – not majoring in computer science, statistics, or math</a:t>
-            </a:r>
-          </a:p>
-          <a:p>
-            <a:pPr marL="233309" indent="-233309">
+              <a:t>Do you want to build AI systems like this?</a:t>
+            </a:r>
+          </a:p>
+          <a:p>
+            <a:pPr marL="233277" indent="-233277">
               <a:buAutoNum type="arabicPeriod"/>
             </a:pPr>
             <a:r>
               <a:rPr lang="en-US" dirty="0"/>
-              <a:t>Curious</a:t>
-            </a:r>
-          </a:p>
-          <a:p>
-            <a:pPr marL="233309" indent="-233309">
+              <a:t>Claude Levi-Strauss</a:t>
+            </a:r>
+          </a:p>
+          <a:p>
+            <a:pPr marL="699832" lvl="1" indent="-233277">
               <a:buAutoNum type="arabicPeriod"/>
             </a:pPr>
             <a:r>
               <a:rPr lang="en-US" dirty="0"/>
-              <a:t>Tinker &amp; Play</a:t>
-            </a:r>
-          </a:p>
-          <a:p>
-            <a:pPr marL="233309" indent="-233309">
+              <a:t>Bricoleur</a:t>
+            </a:r>
+          </a:p>
+          <a:p>
+            <a:pPr marL="699832" lvl="1" indent="-233277">
               <a:buAutoNum type="arabicPeriod"/>
             </a:pPr>
             <a:r>
               <a:rPr lang="en-US" dirty="0"/>
-              <a:t>Nvidia Deep Learning Institute workshops for advanced students</a:t>
-            </a:r>
-          </a:p>
-          <a:p>
-            <a:pPr defTabSz="933237">
+              <a:t>Bricolage – art of mashing things up to create something new</a:t>
+            </a:r>
+          </a:p>
+          <a:p>
+            <a:pPr defTabSz="933111">
               <a:defRPr/>
             </a:pPr>
             <a:endParaRPr lang="en-US" dirty="0"/>
           </a:p>
           <a:p>
-            <a:pPr marL="0" marR="0" lvl="0" indent="0" algn="l" defTabSz="933237" rtl="0" eaLnBrk="1" fontAlgn="auto" latinLnBrk="0" hangingPunct="1">
-              <a:lnSpc>
-                <a:spcPct val="100000"/>
-              </a:lnSpc>
-              <a:spcBef>
-                <a:spcPts val="0"/>
-              </a:spcBef>
-              <a:spcAft>
-                <a:spcPts val="0"/>
-              </a:spcAft>
-              <a:buClrTx/>
-              <a:buSzTx/>
-              <a:buFontTx/>
-              <a:buNone/>
-              <a:tabLst/>
+            <a:pPr defTabSz="933111">
               <a:defRPr/>
             </a:pPr>
             <a:r>
@@ -3488,41 +3529,37 @@
           <a:p>
             <a:r>
               <a:rPr lang="en-US" dirty="0"/>
-              <a:t>Our target student audience is beginners who have little-to-no technical background.  That is, our program will benefit those who are curious about AI but have little-to-no knowledge of the field.  And lastly, the Practicum AI workshops are designed for those who take a </a:t>
+              <a:t>Okay – let’s visualize the message of that last slide.  If you are someone who can appreciate the ingenuity and resourcefulness of whoever created the contraption pictured here – and you want to do something similar with AI – then you’re the kind of student we’re looking for.  We’re not seeking mathematical prodigies or technical whiz kids.  However, we are looking for individuals who color outside the lines. </a:t>
+            </a:r>
+          </a:p>
+          <a:p>
+            <a:endParaRPr lang="en-US" dirty="0"/>
+          </a:p>
+          <a:p>
+            <a:r>
+              <a:rPr lang="en-US" dirty="0"/>
+              <a:t>The anthropologist Levi Straus had a name for these kinds of people, calling them </a:t>
             </a:r>
             <a:r>
               <a:rPr lang="en-US" b="1" dirty="0"/>
-              <a:t>tinker and play </a:t>
+              <a:t>Bricoleurs</a:t>
             </a:r>
             <a:r>
               <a:rPr lang="en-US" dirty="0"/>
-              <a:t>approach to learning.  This final point is important as these workshops feature extensive </a:t>
-            </a:r>
-            <a:r>
-              <a:rPr lang="en-US" b="1" dirty="0"/>
-              <a:t>hands-on</a:t>
-            </a:r>
+              <a:t>.  A bricoleur is a playful tinkerer who uses whatever is at hand to solve an immediate problem.  A bricoleur enjoys mashing things up, taking ideas from one domain and using them in another.  And most importantly, a bricoleur is not boxed in by disciplinary norms.  Or, as we used to say on the farm, “I’m a jack of all trades, master of none.”</a:t>
+            </a:r>
+          </a:p>
+          <a:p>
+            <a:endParaRPr lang="en-US" dirty="0"/>
+          </a:p>
+          <a:p>
             <a:r>
               <a:rPr lang="en-US" dirty="0"/>
-              <a:t> coding exercises.</a:t>
+              <a:t>Is this you?  If so, you should enjoy these learning experiences.</a:t>
             </a:r>
           </a:p>
           <a:p>
             <a:endParaRPr lang="en-US" dirty="0"/>
-          </a:p>
-          <a:p>
-            <a:r>
-              <a:rPr lang="en-US" dirty="0"/>
-              <a:t>Again – this program is </a:t>
-            </a:r>
-            <a:r>
-              <a:rPr lang="en-US" b="1" dirty="0"/>
-              <a:t>not designed </a:t>
-            </a:r>
-            <a:r>
-              <a:rPr lang="en-US" dirty="0"/>
-              <a:t>for a highly technical audience.  If you already have a strong technical background or multiple years of programming experience, we encourage you to take the advanced AI workshops offered by Nvidia’s Deep Learning Institute.  Please contact us for details. </a:t>
-            </a:r>
           </a:p>
         </p:txBody>
       </p:sp>
@@ -3543,7 +3580,7 @@
           <a:p>
             <a:fld id="{3148858F-F1DB-4027-9C85-CCA6849540DD}" type="slidenum">
               <a:rPr lang="en-US" smtClean="0"/>
-              <a:t>4</a:t>
+              <a:t>5</a:t>
             </a:fld>
             <a:endParaRPr lang="en-US"/>
           </a:p>
@@ -3552,7 +3589,7 @@
     </p:spTree>
     <p:extLst>
       <p:ext uri="{BB962C8B-B14F-4D97-AF65-F5344CB8AC3E}">
-        <p14:creationId xmlns:p14="http://schemas.microsoft.com/office/powerpoint/2010/main" val="2078421308"/>
+        <p14:creationId xmlns:p14="http://schemas.microsoft.com/office/powerpoint/2010/main" val="1960499872"/>
       </p:ext>
     </p:extLst>
   </p:cSld>
@@ -3606,100 +3643,75 @@
           <a:bodyPr/>
           <a:lstStyle/>
           <a:p>
-            <a:pPr marL="233309" indent="-233309">
-              <a:buAutoNum type="arabicPeriod"/>
+            <a:r>
+              <a:rPr lang="en-US" dirty="0"/>
+              <a:t>A quick overview of our current Practicum AI family of workshops.  Blue is the beginner sequence.  Purple is intermediate.</a:t>
+            </a:r>
+          </a:p>
+          <a:p>
+            <a:endParaRPr lang="en-US" dirty="0"/>
+          </a:p>
+          <a:p>
+            <a:pPr defTabSz="933111">
+              <a:defRPr/>
             </a:pPr>
             <a:r>
               <a:rPr lang="en-US" dirty="0"/>
-              <a:t>Do you want to build AI systems like this?</a:t>
-            </a:r>
-          </a:p>
-          <a:p>
-            <a:pPr marL="233309" indent="-233309">
-              <a:buAutoNum type="arabicPeriod"/>
-            </a:pPr>
-            <a:r>
-              <a:rPr lang="en-US" dirty="0"/>
-              <a:t>Claude Levi-Strauss</a:t>
-            </a:r>
-          </a:p>
-          <a:p>
-            <a:pPr marL="699927" lvl="1" indent="-233309">
-              <a:buAutoNum type="arabicPeriod"/>
-            </a:pPr>
-            <a:r>
-              <a:rPr lang="en-US" dirty="0"/>
-              <a:t>Bricoleur</a:t>
-            </a:r>
-          </a:p>
-          <a:p>
-            <a:pPr marL="699927" lvl="1" indent="-233309">
-              <a:buAutoNum type="arabicPeriod"/>
-            </a:pPr>
-            <a:r>
-              <a:rPr lang="en-US" dirty="0"/>
-              <a:t>Bricolage – art of mashing things up to create something new</a:t>
-            </a:r>
-          </a:p>
-          <a:p>
-            <a:pPr defTabSz="933237">
+              <a:t>=====</a:t>
+            </a:r>
+          </a:p>
+          <a:p>
+            <a:pPr defTabSz="933111">
               <a:defRPr/>
             </a:pPr>
             <a:endParaRPr lang="en-US" dirty="0"/>
           </a:p>
           <a:p>
-            <a:pPr marL="0" marR="0" lvl="0" indent="0" algn="l" defTabSz="933237" rtl="0" eaLnBrk="1" fontAlgn="auto" latinLnBrk="0" hangingPunct="1">
-              <a:lnSpc>
-                <a:spcPct val="100000"/>
-              </a:lnSpc>
-              <a:spcBef>
-                <a:spcPts val="0"/>
-              </a:spcBef>
-              <a:spcAft>
-                <a:spcPts val="0"/>
-              </a:spcAft>
-              <a:buClrTx/>
-              <a:buSzTx/>
-              <a:buFontTx/>
-              <a:buNone/>
-              <a:tabLst/>
+            <a:pPr marL="233277" indent="-233277">
+              <a:buAutoNum type="arabicPeriod"/>
+            </a:pPr>
+            <a:r>
+              <a:rPr lang="en-US" dirty="0"/>
+              <a:t>Overview</a:t>
+            </a:r>
+          </a:p>
+          <a:p>
+            <a:pPr marL="233277" indent="-233277">
+              <a:buAutoNum type="arabicPeriod"/>
+            </a:pPr>
+            <a:r>
+              <a:rPr lang="en-US" dirty="0"/>
+              <a:t>Blue (beginner);  Purple (intermediate); Yellow (advanced); Green (specialization)</a:t>
+            </a:r>
+          </a:p>
+          <a:p>
+            <a:pPr marL="233277" indent="-233277">
+              <a:buAutoNum type="arabicPeriod"/>
+            </a:pPr>
+            <a:r>
+              <a:rPr lang="en-US" dirty="0"/>
+              <a:t>Hexagons are badges</a:t>
+            </a:r>
+          </a:p>
+          <a:p>
+            <a:pPr defTabSz="933111">
               <a:defRPr/>
             </a:pPr>
+            <a:endParaRPr lang="en-US" dirty="0"/>
+          </a:p>
+          <a:p>
             <a:r>
               <a:rPr lang="en-US" dirty="0"/>
-              <a:t>=====</a:t>
-            </a:r>
+              <a:t>… and this is an overview of the Practicum AI badge program.  Blue boxes are foundational learning experiences.  Purple is intermediate.  Yellow is advanced and green is a specialty.  The hexagons are badges students can earn, after completing the requisite workshops in the series.  The What is AI, AI Ethics, Python, and Deep Learning Foundations workshops constitute the Practicum AI (Beginner) series. </a:t>
+            </a:r>
+          </a:p>
+          <a:p>
+            <a:endParaRPr lang="en-US" dirty="0"/>
           </a:p>
           <a:p>
             <a:r>
               <a:rPr lang="en-US" dirty="0"/>
-              <a:t>Okay – let’s visualize the message of that last slide.  If you are someone who can appreciate the ingenuity and resourcefulness of whoever created the contraption pictured here – and you want to do something similar with AI – then you’re the kind of student we’re looking for.  We’re not seeking mathematical prodigies or technical whiz kids.  However, we are looking for individuals who color outside the lines. </a:t>
-            </a:r>
-          </a:p>
-          <a:p>
-            <a:endParaRPr lang="en-US" dirty="0"/>
-          </a:p>
-          <a:p>
-            <a:r>
-              <a:rPr lang="en-US" dirty="0"/>
-              <a:t>The anthropologist Levi Straus had a name for these kinds of people, calling them </a:t>
-            </a:r>
-            <a:r>
-              <a:rPr lang="en-US" b="1" dirty="0"/>
-              <a:t>Bricoleurs</a:t>
-            </a:r>
-            <a:r>
-              <a:rPr lang="en-US" dirty="0"/>
-              <a:t>.  A bricoleur is a playful tinkerer who uses whatever is at hand to solve an immediate problem.  A bricoleur enjoys mashing things up, taking ideas from one domain and using them in another.  And most importantly, a bricoleur is not boxed in by disciplinary norms.  Or, as we used to say on the farm, “I’m a jack of all trades, master of none.”</a:t>
-            </a:r>
-          </a:p>
-          <a:p>
-            <a:endParaRPr lang="en-US" dirty="0"/>
-          </a:p>
-          <a:p>
-            <a:r>
-              <a:rPr lang="en-US" dirty="0"/>
-              <a:t>Is this you?  If so, you should enjoy these learning experiences.</a:t>
+              <a:t>The Practicum AI badging program, as presently conceived, is flexible and we envision additional badges being added over time.  In fact, we recently received funding to create a series of workshops leading to a FAIR Data badge.</a:t>
             </a:r>
           </a:p>
           <a:p>
@@ -3724,7 +3736,7 @@
           <a:p>
             <a:fld id="{3148858F-F1DB-4027-9C85-CCA6849540DD}" type="slidenum">
               <a:rPr lang="en-US" smtClean="0"/>
-              <a:t>5</a:t>
+              <a:t>6</a:t>
             </a:fld>
             <a:endParaRPr lang="en-US"/>
           </a:p>
@@ -3733,7 +3745,7 @@
     </p:spTree>
     <p:extLst>
       <p:ext uri="{BB962C8B-B14F-4D97-AF65-F5344CB8AC3E}">
-        <p14:creationId xmlns:p14="http://schemas.microsoft.com/office/powerpoint/2010/main" val="1960499872"/>
+        <p14:creationId xmlns:p14="http://schemas.microsoft.com/office/powerpoint/2010/main" val="1038896062"/>
       </p:ext>
     </p:extLst>
   </p:cSld>
@@ -3789,119 +3801,8 @@
           <a:p>
             <a:r>
               <a:rPr lang="en-US" dirty="0"/>
-              <a:t>A quick overview of our current Practicum AI family of workshops.  Blue is the beginner sequence.  Purple is intermediate.</a:t>
-            </a:r>
-          </a:p>
-          <a:p>
-            <a:endParaRPr lang="en-US" dirty="0"/>
-          </a:p>
-          <a:p>
-            <a:pPr marL="0" marR="0" lvl="0" indent="0" algn="l" defTabSz="933237" rtl="0" eaLnBrk="1" fontAlgn="auto" latinLnBrk="0" hangingPunct="1">
-              <a:lnSpc>
-                <a:spcPct val="100000"/>
-              </a:lnSpc>
-              <a:spcBef>
-                <a:spcPts val="0"/>
-              </a:spcBef>
-              <a:spcAft>
-                <a:spcPts val="0"/>
-              </a:spcAft>
-              <a:buClrTx/>
-              <a:buSzTx/>
-              <a:buFontTx/>
-              <a:buNone/>
-              <a:tabLst/>
-              <a:defRPr/>
-            </a:pPr>
-            <a:r>
-              <a:rPr lang="en-US" dirty="0"/>
-              <a:t>=====</a:t>
-            </a:r>
-          </a:p>
-          <a:p>
-            <a:pPr marL="0" marR="0" lvl="0" indent="0" algn="l" defTabSz="933237" rtl="0" eaLnBrk="1" fontAlgn="auto" latinLnBrk="0" hangingPunct="1">
-              <a:lnSpc>
-                <a:spcPct val="100000"/>
-              </a:lnSpc>
-              <a:spcBef>
-                <a:spcPts val="0"/>
-              </a:spcBef>
-              <a:spcAft>
-                <a:spcPts val="0"/>
-              </a:spcAft>
-              <a:buClrTx/>
-              <a:buSzTx/>
-              <a:buFontTx/>
-              <a:buNone/>
-              <a:tabLst/>
-              <a:defRPr/>
-            </a:pPr>
-            <a:endParaRPr lang="en-US" dirty="0"/>
-          </a:p>
-          <a:p>
-            <a:pPr marL="233309" indent="-233309">
-              <a:buAutoNum type="arabicPeriod"/>
-            </a:pPr>
-            <a:r>
-              <a:rPr lang="en-US" dirty="0"/>
-              <a:t>Overview</a:t>
-            </a:r>
-          </a:p>
-          <a:p>
-            <a:pPr marL="233309" indent="-233309">
-              <a:buAutoNum type="arabicPeriod"/>
-            </a:pPr>
-            <a:r>
-              <a:rPr lang="en-US" dirty="0"/>
-              <a:t>Blue (beginner);  Purple (intermediate); Yellow (advanced); Green (specialization)</a:t>
-            </a:r>
-          </a:p>
-          <a:p>
-            <a:pPr marL="233309" indent="-233309">
-              <a:buAutoNum type="arabicPeriod"/>
-            </a:pPr>
-            <a:r>
-              <a:rPr lang="en-US" dirty="0"/>
-              <a:t>Hexagons are badges</a:t>
-            </a:r>
-          </a:p>
-          <a:p>
-            <a:pPr marL="0" marR="0" lvl="0" indent="0" algn="l" defTabSz="933237" rtl="0" eaLnBrk="1" fontAlgn="auto" latinLnBrk="0" hangingPunct="1">
-              <a:lnSpc>
-                <a:spcPct val="100000"/>
-              </a:lnSpc>
-              <a:spcBef>
-                <a:spcPts val="0"/>
-              </a:spcBef>
-              <a:spcAft>
-                <a:spcPts val="0"/>
-              </a:spcAft>
-              <a:buClrTx/>
-              <a:buSzTx/>
-              <a:buFontTx/>
-              <a:buNone/>
-              <a:tabLst/>
-              <a:defRPr/>
-            </a:pPr>
-            <a:endParaRPr lang="en-US" dirty="0"/>
-          </a:p>
-          <a:p>
-            <a:r>
-              <a:rPr lang="en-US" dirty="0"/>
-              <a:t>… and this is an overview of the Practicum AI badge program.  Blue boxes are foundational learning experiences.  Purple is intermediate.  Yellow is advanced and green is a specialty.  The hexagons are badges students can earn, after completing the requisite workshops in the series.  The What is AI, AI Ethics, Python, and Deep Learning Foundations workshops constitute the Practicum AI (Beginner) series. </a:t>
-            </a:r>
-          </a:p>
-          <a:p>
-            <a:endParaRPr lang="en-US" dirty="0"/>
-          </a:p>
-          <a:p>
-            <a:r>
-              <a:rPr lang="en-US" dirty="0"/>
-              <a:t>The Practicum AI badging program, as presently conceived, is flexible and we envision additional badges being added over time.  In fact, we recently received funding to create a series of workshops leading to a FAIR Data badge.</a:t>
-            </a:r>
-          </a:p>
-          <a:p>
-            <a:endParaRPr lang="en-US" dirty="0"/>
+              <a:t>… and the list of workshops we plan to offer this semester.</a:t>
+            </a:r>
           </a:p>
         </p:txBody>
       </p:sp>
@@ -3922,7 +3823,7 @@
           <a:p>
             <a:fld id="{3148858F-F1DB-4027-9C85-CCA6849540DD}" type="slidenum">
               <a:rPr lang="en-US" smtClean="0"/>
-              <a:t>6</a:t>
+              <a:t>7</a:t>
             </a:fld>
             <a:endParaRPr lang="en-US"/>
           </a:p>
@@ -3931,7 +3832,7 @@
     </p:spTree>
     <p:extLst>
       <p:ext uri="{BB962C8B-B14F-4D97-AF65-F5344CB8AC3E}">
-        <p14:creationId xmlns:p14="http://schemas.microsoft.com/office/powerpoint/2010/main" val="1038896062"/>
+        <p14:creationId xmlns:p14="http://schemas.microsoft.com/office/powerpoint/2010/main" val="2275706137"/>
       </p:ext>
     </p:extLst>
   </p:cSld>
@@ -3985,10 +3886,61 @@
           <a:bodyPr/>
           <a:lstStyle/>
           <a:p>
+            <a:pPr marL="233277" indent="-233277">
+              <a:buAutoNum type="arabicPeriod"/>
+            </a:pPr>
             <a:r>
               <a:rPr lang="en-US" dirty="0"/>
-              <a:t>… and the list of workshops we plan to offer this semester.</a:t>
-            </a:r>
+              <a:t>Interests not technology</a:t>
+            </a:r>
+          </a:p>
+          <a:p>
+            <a:pPr defTabSz="933111">
+              <a:defRPr/>
+            </a:pPr>
+            <a:endParaRPr lang="en-US" dirty="0"/>
+          </a:p>
+          <a:p>
+            <a:pPr defTabSz="933111">
+              <a:defRPr/>
+            </a:pPr>
+            <a:r>
+              <a:rPr lang="en-US" dirty="0"/>
+              <a:t>=====</a:t>
+            </a:r>
+          </a:p>
+          <a:p>
+            <a:r>
+              <a:rPr lang="en-US" dirty="0"/>
+              <a:t>So, to summarize this section, we believe that your journey to AI mastery ought to start with your interests, not the technology.  All too often, however, this gets turned around.  We get caught up in technical details, without first having a clear idea of the questions to be answered or the problem at hand.</a:t>
+            </a:r>
+          </a:p>
+          <a:p>
+            <a:endParaRPr lang="en-US" dirty="0"/>
+          </a:p>
+          <a:p>
+            <a:r>
+              <a:rPr lang="en-US" dirty="0"/>
+              <a:t>The Practicum AI badges will allow you to create a custom learning path that supports your goals.  </a:t>
+            </a:r>
+          </a:p>
+          <a:p>
+            <a:endParaRPr lang="en-US" dirty="0"/>
+          </a:p>
+          <a:p>
+            <a:r>
+              <a:rPr lang="en-US" dirty="0"/>
+              <a:t>And that brings us to our first interactive exercise…</a:t>
+            </a:r>
+          </a:p>
+          <a:p>
+            <a:endParaRPr lang="en-US" dirty="0"/>
+          </a:p>
+          <a:p>
+            <a:endParaRPr lang="en-US" dirty="0"/>
+          </a:p>
+          <a:p>
+            <a:endParaRPr lang="en-US" dirty="0"/>
           </a:p>
         </p:txBody>
       </p:sp>
@@ -4009,7 +3961,7 @@
           <a:p>
             <a:fld id="{3148858F-F1DB-4027-9C85-CCA6849540DD}" type="slidenum">
               <a:rPr lang="en-US" smtClean="0"/>
-              <a:t>7</a:t>
+              <a:t>8</a:t>
             </a:fld>
             <a:endParaRPr lang="en-US"/>
           </a:p>
@@ -4018,7 +3970,7 @@
     </p:spTree>
     <p:extLst>
       <p:ext uri="{BB962C8B-B14F-4D97-AF65-F5344CB8AC3E}">
-        <p14:creationId xmlns:p14="http://schemas.microsoft.com/office/powerpoint/2010/main" val="2275706137"/>
+        <p14:creationId xmlns:p14="http://schemas.microsoft.com/office/powerpoint/2010/main" val="1690277211"/>
       </p:ext>
     </p:extLst>
   </p:cSld>
@@ -4072,74 +4024,6 @@
           <a:bodyPr/>
           <a:lstStyle/>
           <a:p>
-            <a:pPr marL="233309" indent="-233309">
-              <a:buAutoNum type="arabicPeriod"/>
-            </a:pPr>
-            <a:r>
-              <a:rPr lang="en-US" dirty="0"/>
-              <a:t>Interests not technology</a:t>
-            </a:r>
-          </a:p>
-          <a:p>
-            <a:pPr defTabSz="933237">
-              <a:defRPr/>
-            </a:pPr>
-            <a:endParaRPr lang="en-US" dirty="0"/>
-          </a:p>
-          <a:p>
-            <a:pPr marL="0" marR="0" lvl="0" indent="0" algn="l" defTabSz="933237" rtl="0" eaLnBrk="1" fontAlgn="auto" latinLnBrk="0" hangingPunct="1">
-              <a:lnSpc>
-                <a:spcPct val="100000"/>
-              </a:lnSpc>
-              <a:spcBef>
-                <a:spcPts val="0"/>
-              </a:spcBef>
-              <a:spcAft>
-                <a:spcPts val="0"/>
-              </a:spcAft>
-              <a:buClrTx/>
-              <a:buSzTx/>
-              <a:buFontTx/>
-              <a:buNone/>
-              <a:tabLst/>
-              <a:defRPr/>
-            </a:pPr>
-            <a:r>
-              <a:rPr lang="en-US" dirty="0"/>
-              <a:t>=====</a:t>
-            </a:r>
-          </a:p>
-          <a:p>
-            <a:r>
-              <a:rPr lang="en-US" dirty="0"/>
-              <a:t>So, to summarize this section, we believe that your journey to AI mastery ought to start with your interests, not the technology.  All too often, however, this gets turned around.  We get caught up in technical details, without first having a clear idea of the questions to be answered or the problem at hand.</a:t>
-            </a:r>
-          </a:p>
-          <a:p>
-            <a:endParaRPr lang="en-US" dirty="0"/>
-          </a:p>
-          <a:p>
-            <a:r>
-              <a:rPr lang="en-US" dirty="0"/>
-              <a:t>The Practicum AI badges will allow you to create a custom learning path that supports your goals.  </a:t>
-            </a:r>
-          </a:p>
-          <a:p>
-            <a:endParaRPr lang="en-US" dirty="0"/>
-          </a:p>
-          <a:p>
-            <a:r>
-              <a:rPr lang="en-US" dirty="0"/>
-              <a:t>And that brings us to our first interactive exercise…</a:t>
-            </a:r>
-          </a:p>
-          <a:p>
-            <a:endParaRPr lang="en-US" dirty="0"/>
-          </a:p>
-          <a:p>
-            <a:endParaRPr lang="en-US" dirty="0"/>
-          </a:p>
-          <a:p>
             <a:endParaRPr lang="en-US" dirty="0"/>
           </a:p>
         </p:txBody>
@@ -4161,7 +4045,7 @@
           <a:p>
             <a:fld id="{3148858F-F1DB-4027-9C85-CCA6849540DD}" type="slidenum">
               <a:rPr lang="en-US" smtClean="0"/>
-              <a:t>8</a:t>
+              <a:t>9</a:t>
             </a:fld>
             <a:endParaRPr lang="en-US"/>
           </a:p>
@@ -4170,7 +4054,7 @@
     </p:spTree>
     <p:extLst>
       <p:ext uri="{BB962C8B-B14F-4D97-AF65-F5344CB8AC3E}">
-        <p14:creationId xmlns:p14="http://schemas.microsoft.com/office/powerpoint/2010/main" val="1690277211"/>
+        <p14:creationId xmlns:p14="http://schemas.microsoft.com/office/powerpoint/2010/main" val="2877151627"/>
       </p:ext>
     </p:extLst>
   </p:cSld>
@@ -4224,6 +4108,15 @@
           <a:bodyPr/>
           <a:lstStyle/>
           <a:p>
+            <a:r>
+              <a:rPr lang="en-US" dirty="0"/>
+              <a:t>Group discussion…</a:t>
+            </a:r>
+          </a:p>
+          <a:p>
+            <a:endParaRPr lang="en-US" dirty="0"/>
+          </a:p>
+          <a:p>
             <a:endParaRPr lang="en-US" dirty="0"/>
           </a:p>
         </p:txBody>
@@ -4245,7 +4138,7 @@
           <a:p>
             <a:fld id="{3148858F-F1DB-4027-9C85-CCA6849540DD}" type="slidenum">
               <a:rPr lang="en-US" smtClean="0"/>
-              <a:t>9</a:t>
+              <a:t>10</a:t>
             </a:fld>
             <a:endParaRPr lang="en-US"/>
           </a:p>
@@ -4254,7 +4147,7 @@
     </p:spTree>
     <p:extLst>
       <p:ext uri="{BB962C8B-B14F-4D97-AF65-F5344CB8AC3E}">
-        <p14:creationId xmlns:p14="http://schemas.microsoft.com/office/powerpoint/2010/main" val="2877151627"/>
+        <p14:creationId xmlns:p14="http://schemas.microsoft.com/office/powerpoint/2010/main" val="3008905254"/>
       </p:ext>
     </p:extLst>
   </p:cSld>
@@ -4411,7 +4304,7 @@
           <a:p>
             <a:fld id="{C3F78080-8D0A-4BE8-A5B4-CB115102D524}" type="datetimeFigureOut">
               <a:rPr lang="en-US" smtClean="0"/>
-              <a:t>8/31/2022</a:t>
+              <a:t>9/1/2022</a:t>
             </a:fld>
             <a:endParaRPr lang="en-US"/>
           </a:p>
@@ -4609,7 +4502,7 @@
           <a:p>
             <a:fld id="{C3F78080-8D0A-4BE8-A5B4-CB115102D524}" type="datetimeFigureOut">
               <a:rPr lang="en-US" smtClean="0"/>
-              <a:t>8/31/2022</a:t>
+              <a:t>9/1/2022</a:t>
             </a:fld>
             <a:endParaRPr lang="en-US"/>
           </a:p>
@@ -4817,7 +4710,7 @@
           <a:p>
             <a:fld id="{C3F78080-8D0A-4BE8-A5B4-CB115102D524}" type="datetimeFigureOut">
               <a:rPr lang="en-US" smtClean="0"/>
-              <a:t>8/31/2022</a:t>
+              <a:t>9/1/2022</a:t>
             </a:fld>
             <a:endParaRPr lang="en-US"/>
           </a:p>
@@ -5015,7 +4908,7 @@
           <a:p>
             <a:fld id="{C3F78080-8D0A-4BE8-A5B4-CB115102D524}" type="datetimeFigureOut">
               <a:rPr lang="en-US" smtClean="0"/>
-              <a:t>8/31/2022</a:t>
+              <a:t>9/1/2022</a:t>
             </a:fld>
             <a:endParaRPr lang="en-US"/>
           </a:p>
@@ -5290,7 +5183,7 @@
           <a:p>
             <a:fld id="{C3F78080-8D0A-4BE8-A5B4-CB115102D524}" type="datetimeFigureOut">
               <a:rPr lang="en-US" smtClean="0"/>
-              <a:t>8/31/2022</a:t>
+              <a:t>9/1/2022</a:t>
             </a:fld>
             <a:endParaRPr lang="en-US"/>
           </a:p>
@@ -5555,7 +5448,7 @@
           <a:p>
             <a:fld id="{C3F78080-8D0A-4BE8-A5B4-CB115102D524}" type="datetimeFigureOut">
               <a:rPr lang="en-US" smtClean="0"/>
-              <a:t>8/31/2022</a:t>
+              <a:t>9/1/2022</a:t>
             </a:fld>
             <a:endParaRPr lang="en-US"/>
           </a:p>
@@ -5967,7 +5860,7 @@
           <a:p>
             <a:fld id="{C3F78080-8D0A-4BE8-A5B4-CB115102D524}" type="datetimeFigureOut">
               <a:rPr lang="en-US" smtClean="0"/>
-              <a:t>8/31/2022</a:t>
+              <a:t>9/1/2022</a:t>
             </a:fld>
             <a:endParaRPr lang="en-US"/>
           </a:p>
@@ -6108,7 +6001,7 @@
           <a:p>
             <a:fld id="{C3F78080-8D0A-4BE8-A5B4-CB115102D524}" type="datetimeFigureOut">
               <a:rPr lang="en-US" smtClean="0"/>
-              <a:t>8/31/2022</a:t>
+              <a:t>9/1/2022</a:t>
             </a:fld>
             <a:endParaRPr lang="en-US"/>
           </a:p>
@@ -6221,7 +6114,7 @@
           <a:p>
             <a:fld id="{C3F78080-8D0A-4BE8-A5B4-CB115102D524}" type="datetimeFigureOut">
               <a:rPr lang="en-US" smtClean="0"/>
-              <a:t>8/31/2022</a:t>
+              <a:t>9/1/2022</a:t>
             </a:fld>
             <a:endParaRPr lang="en-US"/>
           </a:p>
@@ -6532,7 +6425,7 @@
           <a:p>
             <a:fld id="{C3F78080-8D0A-4BE8-A5B4-CB115102D524}" type="datetimeFigureOut">
               <a:rPr lang="en-US" smtClean="0"/>
-              <a:t>8/31/2022</a:t>
+              <a:t>9/1/2022</a:t>
             </a:fld>
             <a:endParaRPr lang="en-US"/>
           </a:p>
@@ -6820,7 +6713,7 @@
           <a:p>
             <a:fld id="{C3F78080-8D0A-4BE8-A5B4-CB115102D524}" type="datetimeFigureOut">
               <a:rPr lang="en-US" smtClean="0"/>
-              <a:t>8/31/2022</a:t>
+              <a:t>9/1/2022</a:t>
             </a:fld>
             <a:endParaRPr lang="en-US"/>
           </a:p>
@@ -7061,7 +6954,7 @@
           <a:p>
             <a:fld id="{C3F78080-8D0A-4BE8-A5B4-CB115102D524}" type="datetimeFigureOut">
               <a:rPr lang="en-US" smtClean="0"/>
-              <a:t>8/31/2022</a:t>
+              <a:t>9/1/2022</a:t>
             </a:fld>
             <a:endParaRPr lang="en-US"/>
           </a:p>
@@ -8086,6 +7979,116 @@
           <p:cNvPr id="2" name="Title 1">
             <a:extLst>
               <a:ext uri="{FF2B5EF4-FFF2-40B4-BE49-F238E27FC236}">
+                <a16:creationId xmlns:a16="http://schemas.microsoft.com/office/drawing/2014/main" id="{0E138177-E2EE-ACAC-A57C-F03FA29EC836}"/>
+              </a:ext>
+            </a:extLst>
+          </p:cNvPr>
+          <p:cNvSpPr>
+            <a:spLocks noGrp="1"/>
+          </p:cNvSpPr>
+          <p:nvPr>
+            <p:ph type="title"/>
+          </p:nvPr>
+        </p:nvSpPr>
+        <p:spPr/>
+        <p:txBody>
+          <a:bodyPr/>
+          <a:lstStyle/>
+          <a:p>
+            <a:pPr algn="ctr"/>
+            <a:r>
+              <a:rPr lang="en-US" dirty="0">
+                <a:solidFill>
+                  <a:schemeClr val="tx1">
+                    <a:lumMod val="75000"/>
+                    <a:lumOff val="25000"/>
+                  </a:schemeClr>
+                </a:solidFill>
+                <a:latin typeface="Palatino Linotype" panose="02040502050505030304" pitchFamily="18" charset="0"/>
+              </a:rPr>
+              <a:t>Learning Objective</a:t>
+            </a:r>
+          </a:p>
+        </p:txBody>
+      </p:sp>
+      <p:sp>
+        <p:nvSpPr>
+          <p:cNvPr id="3" name="Content Placeholder 2">
+            <a:extLst>
+              <a:ext uri="{FF2B5EF4-FFF2-40B4-BE49-F238E27FC236}">
+                <a16:creationId xmlns:a16="http://schemas.microsoft.com/office/drawing/2014/main" id="{8626DB86-54B4-A1E2-6C25-C049F364ED25}"/>
+              </a:ext>
+            </a:extLst>
+          </p:cNvPr>
+          <p:cNvSpPr>
+            <a:spLocks noGrp="1"/>
+          </p:cNvSpPr>
+          <p:nvPr>
+            <p:ph idx="1"/>
+          </p:nvPr>
+        </p:nvSpPr>
+        <p:spPr>
+          <a:xfrm>
+            <a:off x="2133600" y="2872245"/>
+            <a:ext cx="7924799" cy="1454602"/>
+          </a:xfrm>
+        </p:spPr>
+        <p:txBody>
+          <a:bodyPr>
+            <a:normAutofit/>
+          </a:bodyPr>
+          <a:lstStyle/>
+          <a:p>
+            <a:pPr marL="0" indent="0" algn="ctr">
+              <a:buNone/>
+            </a:pPr>
+            <a:r>
+              <a:rPr lang="en-US" sz="3200" dirty="0">
+                <a:solidFill>
+                  <a:srgbClr val="6AB07B"/>
+                </a:solidFill>
+                <a:latin typeface="Palatino Linotype" panose="02040502050505030304" pitchFamily="18" charset="0"/>
+              </a:rPr>
+              <a:t>Provide you with the tools and knowledge to execute your own AI Project</a:t>
+            </a:r>
+          </a:p>
+        </p:txBody>
+      </p:sp>
+    </p:spTree>
+    <p:extLst>
+      <p:ext uri="{BB962C8B-B14F-4D97-AF65-F5344CB8AC3E}">
+        <p14:creationId xmlns:p14="http://schemas.microsoft.com/office/powerpoint/2010/main" val="1416141381"/>
+      </p:ext>
+    </p:extLst>
+  </p:cSld>
+  <p:clrMapOvr>
+    <a:masterClrMapping/>
+  </p:clrMapOvr>
+</p:sld>
+</file>
+
+<file path=ppt/slides/slide14.xml><?xml version="1.0" encoding="utf-8"?>
+<p:sld xmlns:a="http://schemas.openxmlformats.org/drawingml/2006/main" xmlns:r="http://schemas.openxmlformats.org/officeDocument/2006/relationships" xmlns:p="http://schemas.openxmlformats.org/presentationml/2006/main">
+  <p:cSld>
+    <p:spTree>
+      <p:nvGrpSpPr>
+        <p:cNvPr id="1" name=""/>
+        <p:cNvGrpSpPr/>
+        <p:nvPr/>
+      </p:nvGrpSpPr>
+      <p:grpSpPr>
+        <a:xfrm>
+          <a:off x="0" y="0"/>
+          <a:ext cx="0" cy="0"/>
+          <a:chOff x="0" y="0"/>
+          <a:chExt cx="0" cy="0"/>
+        </a:xfrm>
+      </p:grpSpPr>
+      <p:sp>
+        <p:nvSpPr>
+          <p:cNvPr id="2" name="Title 1">
+            <a:extLst>
+              <a:ext uri="{FF2B5EF4-FFF2-40B4-BE49-F238E27FC236}">
                 <a16:creationId xmlns:a16="http://schemas.microsoft.com/office/drawing/2014/main" id="{28FF21C3-8FBB-4756-BF7C-FFD2E5CC2B06}"/>
               </a:ext>
             </a:extLst>
@@ -8208,7 +8211,7 @@
 </p:sld>
 </file>
 
-<file path=ppt/slides/slide14.xml><?xml version="1.0" encoding="utf-8"?>
+<file path=ppt/slides/slide15.xml><?xml version="1.0" encoding="utf-8"?>
 <p:sld xmlns:a="http://schemas.openxmlformats.org/drawingml/2006/main" xmlns:r="http://schemas.openxmlformats.org/officeDocument/2006/relationships" xmlns:p="http://schemas.openxmlformats.org/presentationml/2006/main">
   <p:cSld>
     <p:spTree>
@@ -9114,7 +9117,7 @@
 </p:sld>
 </file>
 
-<file path=ppt/slides/slide15.xml><?xml version="1.0" encoding="utf-8"?>
+<file path=ppt/slides/slide16.xml><?xml version="1.0" encoding="utf-8"?>
 <p:sld xmlns:a="http://schemas.openxmlformats.org/drawingml/2006/main" xmlns:r="http://schemas.openxmlformats.org/officeDocument/2006/relationships" xmlns:p="http://schemas.openxmlformats.org/presentationml/2006/main">
   <p:cSld>
     <p:spTree>
@@ -9133,10 +9136,10 @@
       </p:grpSpPr>
       <p:graphicFrame>
         <p:nvGraphicFramePr>
-          <p:cNvPr id="2" name="Table 2">
+          <p:cNvPr id="7" name="Table 6">
             <a:extLst>
               <a:ext uri="{FF2B5EF4-FFF2-40B4-BE49-F238E27FC236}">
-                <a16:creationId xmlns:a16="http://schemas.microsoft.com/office/drawing/2014/main" id="{5F78AF18-3745-451C-A8C8-2173737D9444}"/>
+                <a16:creationId xmlns:a16="http://schemas.microsoft.com/office/drawing/2014/main" id="{69F39399-B77F-ED67-0B5D-0CA7377A2B01}"/>
               </a:ext>
             </a:extLst>
           </p:cNvPr>
@@ -9146,88 +9149,81 @@
           <p:nvPr>
             <p:extLst>
               <p:ext uri="{D42A27DB-BD31-4B8C-83A1-F6EECF244321}">
-                <p14:modId xmlns:p14="http://schemas.microsoft.com/office/powerpoint/2010/main" val="3692057160"/>
+                <p14:modId xmlns:p14="http://schemas.microsoft.com/office/powerpoint/2010/main" val="3839445769"/>
               </p:ext>
             </p:extLst>
           </p:nvPr>
         </p:nvGraphicFramePr>
         <p:xfrm>
-          <a:off x="2082800" y="1745432"/>
-          <a:ext cx="8026400" cy="3657600"/>
+          <a:off x="2833141" y="389744"/>
+          <a:ext cx="6700603" cy="6235677"/>
         </p:xfrm>
         <a:graphic>
           <a:graphicData uri="http://schemas.openxmlformats.org/drawingml/2006/table">
             <a:tbl>
-              <a:tblPr firstRow="1" bandRow="1">
-                <a:tableStyleId>{5A111915-BE36-4E01-A7E5-04B1672EAD32}</a:tableStyleId>
-              </a:tblPr>
+              <a:tblPr/>
               <a:tblGrid>
-                <a:gridCol w="6109855">
+                <a:gridCol w="2806535">
                   <a:extLst>
                     <a:ext uri="{9D8B030D-6E8A-4147-A177-3AD203B41FA5}">
-                      <a16:colId xmlns:a16="http://schemas.microsoft.com/office/drawing/2014/main" val="3833316378"/>
+                      <a16:colId xmlns:a16="http://schemas.microsoft.com/office/drawing/2014/main" val="717012315"/>
                     </a:ext>
                   </a:extLst>
                 </a:gridCol>
-                <a:gridCol w="1916545">
+                <a:gridCol w="3894068">
                   <a:extLst>
                     <a:ext uri="{9D8B030D-6E8A-4147-A177-3AD203B41FA5}">
-                      <a16:colId xmlns:a16="http://schemas.microsoft.com/office/drawing/2014/main" val="2718564021"/>
+                      <a16:colId xmlns:a16="http://schemas.microsoft.com/office/drawing/2014/main" val="1292836241"/>
                     </a:ext>
                   </a:extLst>
                 </a:gridCol>
               </a:tblGrid>
-              <a:tr h="412552">
+              <a:tr h="529377">
                 <a:tc>
                   <a:txBody>
                     <a:bodyPr/>
                     <a:lstStyle/>
                     <a:p>
+                      <a:pPr rtl="0" fontAlgn="b"/>
                       <a:r>
                         <a:rPr lang="en-US" sz="2400" dirty="0">
-                          <a:solidFill>
-                            <a:schemeClr val="tx1">
-                              <a:lumMod val="75000"/>
-                              <a:lumOff val="25000"/>
-                            </a:schemeClr>
-                          </a:solidFill>
-                          <a:latin typeface="+mj-lt"/>
+                          <a:effectLst/>
                         </a:rPr>
-                        <a:t>Practicum AI (Intermediate)</a:t>
+                        <a:t>Thursday (1:55 - 3:15)</a:t>
                       </a:r>
                     </a:p>
                   </a:txBody>
-                  <a:tcPr>
-                    <a:lnL w="12700" cap="flat" cmpd="sng" algn="ctr">
-                      <a:solidFill>
-                        <a:schemeClr val="tx1"/>
+                  <a:tcPr marL="10996" marR="10996" marT="7330" marB="7330" anchor="b">
+                    <a:lnL w="6350" cap="flat" cmpd="sng" algn="ctr">
+                      <a:solidFill>
+                        <a:srgbClr val="CCCCCC"/>
                       </a:solidFill>
                       <a:prstDash val="solid"/>
                       <a:round/>
                       <a:headEnd type="none" w="med" len="med"/>
                       <a:tailEnd type="none" w="med" len="med"/>
                     </a:lnL>
-                    <a:lnR w="12700" cap="flat" cmpd="sng" algn="ctr">
-                      <a:solidFill>
-                        <a:schemeClr val="tx1"/>
+                    <a:lnR w="6350" cap="flat" cmpd="sng" algn="ctr">
+                      <a:solidFill>
+                        <a:srgbClr val="CCCCCC"/>
                       </a:solidFill>
                       <a:prstDash val="solid"/>
                       <a:round/>
                       <a:headEnd type="none" w="med" len="med"/>
                       <a:tailEnd type="none" w="med" len="med"/>
                     </a:lnR>
-                    <a:lnT w="12700" cap="flat" cmpd="sng" algn="ctr">
-                      <a:solidFill>
-                        <a:schemeClr val="tx1"/>
+                    <a:lnT w="6350" cap="flat" cmpd="sng" algn="ctr">
+                      <a:solidFill>
+                        <a:srgbClr val="CCCCCC"/>
                       </a:solidFill>
                       <a:prstDash val="solid"/>
                       <a:round/>
                       <a:headEnd type="none" w="med" len="med"/>
                       <a:tailEnd type="none" w="med" len="med"/>
                     </a:lnT>
-                    <a:lnB w="12700" cap="flat" cmpd="sng" algn="ctr">
-                      <a:solidFill>
-                        <a:schemeClr val="tx1"/>
+                    <a:lnB w="6350" cap="flat" cmpd="sng" algn="ctr">
+                      <a:solidFill>
+                        <a:srgbClr val="CCCCCC"/>
                       </a:solidFill>
                       <a:prstDash val="solid"/>
                       <a:round/>
@@ -9235,10 +9231,7 @@
                       <a:tailEnd type="none" w="med" len="med"/>
                     </a:lnB>
                     <a:solidFill>
-                      <a:schemeClr val="accent5">
-                        <a:lumMod val="20000"/>
-                        <a:lumOff val="80000"/>
-                      </a:schemeClr>
+                      <a:srgbClr val="CFE2F3"/>
                     </a:solidFill>
                   </a:tcPr>
                 </a:tc>
@@ -9247,51 +9240,46 @@
                     <a:bodyPr/>
                     <a:lstStyle/>
                     <a:p>
+                      <a:pPr rtl="0" fontAlgn="b"/>
                       <a:r>
                         <a:rPr lang="en-US" sz="2400" dirty="0">
-                          <a:solidFill>
-                            <a:schemeClr val="tx1">
-                              <a:lumMod val="75000"/>
-                              <a:lumOff val="25000"/>
-                            </a:schemeClr>
-                          </a:solidFill>
-                          <a:latin typeface="+mj-lt"/>
+                          <a:effectLst/>
                         </a:rPr>
-                        <a:t>Sessions</a:t>
+                        <a:t>Intermediate</a:t>
                       </a:r>
                     </a:p>
                   </a:txBody>
-                  <a:tcPr>
-                    <a:lnL w="12700" cap="flat" cmpd="sng" algn="ctr">
-                      <a:solidFill>
-                        <a:schemeClr val="tx1"/>
+                  <a:tcPr marL="10996" marR="10996" marT="7330" marB="7330" anchor="b">
+                    <a:lnL w="6350" cap="flat" cmpd="sng" algn="ctr">
+                      <a:solidFill>
+                        <a:srgbClr val="CCCCCC"/>
                       </a:solidFill>
                       <a:prstDash val="solid"/>
                       <a:round/>
                       <a:headEnd type="none" w="med" len="med"/>
                       <a:tailEnd type="none" w="med" len="med"/>
                     </a:lnL>
-                    <a:lnR w="12700" cap="flat" cmpd="sng" algn="ctr">
-                      <a:solidFill>
-                        <a:schemeClr val="tx1"/>
+                    <a:lnR w="6350" cap="flat" cmpd="sng" algn="ctr">
+                      <a:solidFill>
+                        <a:srgbClr val="CCCCCC"/>
                       </a:solidFill>
                       <a:prstDash val="solid"/>
                       <a:round/>
                       <a:headEnd type="none" w="med" len="med"/>
                       <a:tailEnd type="none" w="med" len="med"/>
                     </a:lnR>
-                    <a:lnT w="12700" cap="flat" cmpd="sng" algn="ctr">
-                      <a:solidFill>
-                        <a:schemeClr val="tx1"/>
+                    <a:lnT w="6350" cap="flat" cmpd="sng" algn="ctr">
+                      <a:solidFill>
+                        <a:srgbClr val="CCCCCC"/>
                       </a:solidFill>
                       <a:prstDash val="solid"/>
                       <a:round/>
                       <a:headEnd type="none" w="med" len="med"/>
                       <a:tailEnd type="none" w="med" len="med"/>
                     </a:lnT>
-                    <a:lnB w="12700" cap="flat" cmpd="sng" algn="ctr">
-                      <a:solidFill>
-                        <a:schemeClr val="tx1"/>
+                    <a:lnB w="6350" cap="flat" cmpd="sng" algn="ctr">
+                      <a:solidFill>
+                        <a:srgbClr val="CCCCCC"/>
                       </a:solidFill>
                       <a:prstDash val="solid"/>
                       <a:round/>
@@ -9299,65 +9287,62 @@
                       <a:tailEnd type="none" w="med" len="med"/>
                     </a:lnB>
                     <a:solidFill>
-                      <a:schemeClr val="accent5">
-                        <a:lumMod val="20000"/>
-                        <a:lumOff val="80000"/>
-                      </a:schemeClr>
+                      <a:srgbClr val="CFE2F3"/>
                     </a:solidFill>
                   </a:tcPr>
                 </a:tc>
                 <a:extLst>
                   <a:ext uri="{0D108BD9-81ED-4DB2-BD59-A6C34878D82A}">
-                    <a16:rowId xmlns:a16="http://schemas.microsoft.com/office/drawing/2014/main" val="773138438"/>
+                    <a16:rowId xmlns:a16="http://schemas.microsoft.com/office/drawing/2014/main" val="348053887"/>
                   </a:ext>
                 </a:extLst>
               </a:tr>
-              <a:tr h="412552">
+              <a:tr h="378992">
                 <a:tc>
                   <a:txBody>
                     <a:bodyPr/>
                     <a:lstStyle/>
                     <a:p>
+                      <a:pPr rtl="0" fontAlgn="b"/>
                       <a:r>
-                        <a:rPr lang="en-US" sz="2400" dirty="0">
-                          <a:latin typeface="+mj-lt"/>
-                          <a:cs typeface="Angsana New" panose="020B0502040204020203" pitchFamily="18" charset="-34"/>
+                        <a:rPr lang="en-US" sz="2400">
+                          <a:effectLst/>
                         </a:rPr>
-                        <a:t>Introduction</a:t>
+                        <a:t>09/01/22</a:t>
                       </a:r>
                     </a:p>
                   </a:txBody>
-                  <a:tcPr>
-                    <a:lnL w="12700" cap="flat" cmpd="sng" algn="ctr">
-                      <a:solidFill>
-                        <a:schemeClr val="tx1"/>
+                  <a:tcPr marL="10996" marR="10996" marT="7330" marB="7330" anchor="b">
+                    <a:lnL w="6350" cap="flat" cmpd="sng" algn="ctr">
+                      <a:solidFill>
+                        <a:srgbClr val="CCCCCC"/>
                       </a:solidFill>
                       <a:prstDash val="solid"/>
                       <a:round/>
                       <a:headEnd type="none" w="med" len="med"/>
                       <a:tailEnd type="none" w="med" len="med"/>
                     </a:lnL>
-                    <a:lnR w="12700" cap="flat" cmpd="sng" algn="ctr">
-                      <a:solidFill>
-                        <a:schemeClr val="tx1"/>
+                    <a:lnR w="6350" cap="flat" cmpd="sng" algn="ctr">
+                      <a:solidFill>
+                        <a:srgbClr val="CCCCCC"/>
                       </a:solidFill>
                       <a:prstDash val="solid"/>
                       <a:round/>
                       <a:headEnd type="none" w="med" len="med"/>
                       <a:tailEnd type="none" w="med" len="med"/>
                     </a:lnR>
-                    <a:lnT w="12700" cap="flat" cmpd="sng" algn="ctr">
-                      <a:solidFill>
-                        <a:schemeClr val="tx1"/>
+                    <a:lnT w="6350" cap="flat" cmpd="sng" algn="ctr">
+                      <a:solidFill>
+                        <a:srgbClr val="CCCCCC"/>
                       </a:solidFill>
                       <a:prstDash val="solid"/>
                       <a:round/>
                       <a:headEnd type="none" w="med" len="med"/>
                       <a:tailEnd type="none" w="med" len="med"/>
                     </a:lnT>
-                    <a:lnB w="12700" cap="flat" cmpd="sng" algn="ctr">
-                      <a:solidFill>
-                        <a:schemeClr val="tx1"/>
+                    <a:lnB w="6350" cap="flat" cmpd="sng" algn="ctr">
+                      <a:solidFill>
+                        <a:srgbClr val="CCCCCC"/>
                       </a:solidFill>
                       <a:prstDash val="solid"/>
                       <a:round/>
@@ -9371,45 +9356,46 @@
                     <a:bodyPr/>
                     <a:lstStyle/>
                     <a:p>
+                      <a:pPr rtl="0" fontAlgn="b"/>
                       <a:r>
-                        <a:rPr lang="en-US" sz="2400" dirty="0">
-                          <a:latin typeface="+mj-lt"/>
+                        <a:rPr lang="en-US" sz="2400">
+                          <a:effectLst/>
                         </a:rPr>
-                        <a:t>1</a:t>
+                        <a:t>Practicum Introduction</a:t>
                       </a:r>
                     </a:p>
                   </a:txBody>
-                  <a:tcPr>
-                    <a:lnL w="12700" cap="flat" cmpd="sng" algn="ctr">
-                      <a:solidFill>
-                        <a:schemeClr val="tx1"/>
+                  <a:tcPr marL="10996" marR="10996" marT="7330" marB="7330" anchor="b">
+                    <a:lnL w="6350" cap="flat" cmpd="sng" algn="ctr">
+                      <a:solidFill>
+                        <a:srgbClr val="CCCCCC"/>
                       </a:solidFill>
                       <a:prstDash val="solid"/>
                       <a:round/>
                       <a:headEnd type="none" w="med" len="med"/>
                       <a:tailEnd type="none" w="med" len="med"/>
                     </a:lnL>
-                    <a:lnR w="12700" cap="flat" cmpd="sng" algn="ctr">
-                      <a:solidFill>
-                        <a:schemeClr val="tx1"/>
+                    <a:lnR w="6350" cap="flat" cmpd="sng" algn="ctr">
+                      <a:solidFill>
+                        <a:srgbClr val="CCCCCC"/>
                       </a:solidFill>
                       <a:prstDash val="solid"/>
                       <a:round/>
                       <a:headEnd type="none" w="med" len="med"/>
                       <a:tailEnd type="none" w="med" len="med"/>
                     </a:lnR>
-                    <a:lnT w="12700" cap="flat" cmpd="sng" algn="ctr">
-                      <a:solidFill>
-                        <a:schemeClr val="tx1"/>
+                    <a:lnT w="6350" cap="flat" cmpd="sng" algn="ctr">
+                      <a:solidFill>
+                        <a:srgbClr val="CCCCCC"/>
                       </a:solidFill>
                       <a:prstDash val="solid"/>
                       <a:round/>
                       <a:headEnd type="none" w="med" len="med"/>
                       <a:tailEnd type="none" w="med" len="med"/>
                     </a:lnT>
-                    <a:lnB w="12700" cap="flat" cmpd="sng" algn="ctr">
-                      <a:solidFill>
-                        <a:schemeClr val="tx1"/>
+                    <a:lnB w="6350" cap="flat" cmpd="sng" algn="ctr">
+                      <a:solidFill>
+                        <a:srgbClr val="CCCCCC"/>
                       </a:solidFill>
                       <a:prstDash val="solid"/>
                       <a:round/>
@@ -9420,55 +9406,56 @@
                 </a:tc>
                 <a:extLst>
                   <a:ext uri="{0D108BD9-81ED-4DB2-BD59-A6C34878D82A}">
-                    <a16:rowId xmlns:a16="http://schemas.microsoft.com/office/drawing/2014/main" val="2704955427"/>
+                    <a16:rowId xmlns:a16="http://schemas.microsoft.com/office/drawing/2014/main" val="213952776"/>
                   </a:ext>
                 </a:extLst>
               </a:tr>
-              <a:tr h="412552">
+              <a:tr h="378992">
                 <a:tc>
                   <a:txBody>
                     <a:bodyPr/>
                     <a:lstStyle/>
                     <a:p>
+                      <a:pPr rtl="0" fontAlgn="b"/>
                       <a:r>
-                        <a:rPr lang="en-US" sz="2400" dirty="0">
-                          <a:latin typeface="+mj-lt"/>
+                        <a:rPr lang="en-US" sz="2400">
+                          <a:effectLst/>
                         </a:rPr>
-                        <a:t>Convolutional Neural Networks</a:t>
+                        <a:t>09/08/22</a:t>
                       </a:r>
                     </a:p>
                   </a:txBody>
-                  <a:tcPr>
-                    <a:lnL w="12700" cap="flat" cmpd="sng" algn="ctr">
-                      <a:solidFill>
-                        <a:schemeClr val="tx1"/>
+                  <a:tcPr marL="10996" marR="10996" marT="7330" marB="7330" anchor="b">
+                    <a:lnL w="6350" cap="flat" cmpd="sng" algn="ctr">
+                      <a:solidFill>
+                        <a:srgbClr val="CCCCCC"/>
                       </a:solidFill>
                       <a:prstDash val="solid"/>
                       <a:round/>
                       <a:headEnd type="none" w="med" len="med"/>
                       <a:tailEnd type="none" w="med" len="med"/>
                     </a:lnL>
-                    <a:lnR w="12700" cap="flat" cmpd="sng" algn="ctr">
-                      <a:solidFill>
-                        <a:schemeClr val="tx1"/>
+                    <a:lnR w="6350" cap="flat" cmpd="sng" algn="ctr">
+                      <a:solidFill>
+                        <a:srgbClr val="CCCCCC"/>
                       </a:solidFill>
                       <a:prstDash val="solid"/>
                       <a:round/>
                       <a:headEnd type="none" w="med" len="med"/>
                       <a:tailEnd type="none" w="med" len="med"/>
                     </a:lnR>
-                    <a:lnT w="12700" cap="flat" cmpd="sng" algn="ctr">
-                      <a:solidFill>
-                        <a:schemeClr val="tx1"/>
+                    <a:lnT w="6350" cap="flat" cmpd="sng" algn="ctr">
+                      <a:solidFill>
+                        <a:srgbClr val="CCCCCC"/>
                       </a:solidFill>
                       <a:prstDash val="solid"/>
                       <a:round/>
                       <a:headEnd type="none" w="med" len="med"/>
                       <a:tailEnd type="none" w="med" len="med"/>
                     </a:lnT>
-                    <a:lnB w="12700" cap="flat" cmpd="sng" algn="ctr">
-                      <a:solidFill>
-                        <a:schemeClr val="tx1"/>
+                    <a:lnB w="6350" cap="flat" cmpd="sng" algn="ctr">
+                      <a:solidFill>
+                        <a:srgbClr val="CCCCCC"/>
                       </a:solidFill>
                       <a:prstDash val="solid"/>
                       <a:round/>
@@ -9482,45 +9469,46 @@
                     <a:bodyPr/>
                     <a:lstStyle/>
                     <a:p>
+                      <a:pPr rtl="0" fontAlgn="b"/>
                       <a:r>
-                        <a:rPr lang="en-US" sz="2400" dirty="0">
-                          <a:latin typeface="+mj-lt"/>
+                        <a:rPr lang="en-US" sz="2400">
+                          <a:effectLst/>
                         </a:rPr>
-                        <a:t>3</a:t>
+                        <a:t>Convolutions 1</a:t>
                       </a:r>
                     </a:p>
                   </a:txBody>
-                  <a:tcPr>
-                    <a:lnL w="12700" cap="flat" cmpd="sng" algn="ctr">
-                      <a:solidFill>
-                        <a:schemeClr val="tx1"/>
+                  <a:tcPr marL="10996" marR="10996" marT="7330" marB="7330" anchor="b">
+                    <a:lnL w="6350" cap="flat" cmpd="sng" algn="ctr">
+                      <a:solidFill>
+                        <a:srgbClr val="CCCCCC"/>
                       </a:solidFill>
                       <a:prstDash val="solid"/>
                       <a:round/>
                       <a:headEnd type="none" w="med" len="med"/>
                       <a:tailEnd type="none" w="med" len="med"/>
                     </a:lnL>
-                    <a:lnR w="12700" cap="flat" cmpd="sng" algn="ctr">
-                      <a:solidFill>
-                        <a:schemeClr val="tx1"/>
+                    <a:lnR w="6350" cap="flat" cmpd="sng" algn="ctr">
+                      <a:solidFill>
+                        <a:srgbClr val="CCCCCC"/>
                       </a:solidFill>
                       <a:prstDash val="solid"/>
                       <a:round/>
                       <a:headEnd type="none" w="med" len="med"/>
                       <a:tailEnd type="none" w="med" len="med"/>
                     </a:lnR>
-                    <a:lnT w="12700" cap="flat" cmpd="sng" algn="ctr">
-                      <a:solidFill>
-                        <a:schemeClr val="tx1"/>
+                    <a:lnT w="6350" cap="flat" cmpd="sng" algn="ctr">
+                      <a:solidFill>
+                        <a:srgbClr val="CCCCCC"/>
                       </a:solidFill>
                       <a:prstDash val="solid"/>
                       <a:round/>
                       <a:headEnd type="none" w="med" len="med"/>
                       <a:tailEnd type="none" w="med" len="med"/>
                     </a:lnT>
-                    <a:lnB w="12700" cap="flat" cmpd="sng" algn="ctr">
-                      <a:solidFill>
-                        <a:schemeClr val="tx1"/>
+                    <a:lnB w="6350" cap="flat" cmpd="sng" algn="ctr">
+                      <a:solidFill>
+                        <a:srgbClr val="CCCCCC"/>
                       </a:solidFill>
                       <a:prstDash val="solid"/>
                       <a:round/>
@@ -9531,55 +9519,56 @@
                 </a:tc>
                 <a:extLst>
                   <a:ext uri="{0D108BD9-81ED-4DB2-BD59-A6C34878D82A}">
-                    <a16:rowId xmlns:a16="http://schemas.microsoft.com/office/drawing/2014/main" val="4168404990"/>
+                    <a16:rowId xmlns:a16="http://schemas.microsoft.com/office/drawing/2014/main" val="741754788"/>
                   </a:ext>
                 </a:extLst>
               </a:tr>
-              <a:tr h="412552">
+              <a:tr h="378992">
                 <a:tc>
                   <a:txBody>
                     <a:bodyPr/>
                     <a:lstStyle/>
                     <a:p>
+                      <a:pPr rtl="0" fontAlgn="b"/>
                       <a:r>
-                        <a:rPr lang="en-US" sz="2400" dirty="0">
-                          <a:latin typeface="+mj-lt"/>
+                        <a:rPr lang="en-US" sz="2400">
+                          <a:effectLst/>
                         </a:rPr>
-                        <a:t>Transfer Learning</a:t>
+                        <a:t>09/15/22</a:t>
                       </a:r>
                     </a:p>
                   </a:txBody>
-                  <a:tcPr>
-                    <a:lnL w="12700" cap="flat" cmpd="sng" algn="ctr">
-                      <a:solidFill>
-                        <a:schemeClr val="tx1"/>
+                  <a:tcPr marL="10996" marR="10996" marT="7330" marB="7330" anchor="b">
+                    <a:lnL w="6350" cap="flat" cmpd="sng" algn="ctr">
+                      <a:solidFill>
+                        <a:srgbClr val="CCCCCC"/>
                       </a:solidFill>
                       <a:prstDash val="solid"/>
                       <a:round/>
                       <a:headEnd type="none" w="med" len="med"/>
                       <a:tailEnd type="none" w="med" len="med"/>
                     </a:lnL>
-                    <a:lnR w="12700" cap="flat" cmpd="sng" algn="ctr">
-                      <a:solidFill>
-                        <a:schemeClr val="tx1"/>
+                    <a:lnR w="6350" cap="flat" cmpd="sng" algn="ctr">
+                      <a:solidFill>
+                        <a:srgbClr val="CCCCCC"/>
                       </a:solidFill>
                       <a:prstDash val="solid"/>
                       <a:round/>
                       <a:headEnd type="none" w="med" len="med"/>
                       <a:tailEnd type="none" w="med" len="med"/>
                     </a:lnR>
-                    <a:lnT w="12700" cap="flat" cmpd="sng" algn="ctr">
-                      <a:solidFill>
-                        <a:schemeClr val="tx1"/>
+                    <a:lnT w="6350" cap="flat" cmpd="sng" algn="ctr">
+                      <a:solidFill>
+                        <a:srgbClr val="CCCCCC"/>
                       </a:solidFill>
                       <a:prstDash val="solid"/>
                       <a:round/>
                       <a:headEnd type="none" w="med" len="med"/>
                       <a:tailEnd type="none" w="med" len="med"/>
                     </a:lnT>
-                    <a:lnB w="12700" cap="flat" cmpd="sng" algn="ctr">
-                      <a:solidFill>
-                        <a:schemeClr val="tx1"/>
+                    <a:lnB w="6350" cap="flat" cmpd="sng" algn="ctr">
+                      <a:solidFill>
+                        <a:srgbClr val="CCCCCC"/>
                       </a:solidFill>
                       <a:prstDash val="solid"/>
                       <a:round/>
@@ -9593,45 +9582,46 @@
                     <a:bodyPr/>
                     <a:lstStyle/>
                     <a:p>
+                      <a:pPr rtl="0" fontAlgn="b"/>
                       <a:r>
-                        <a:rPr lang="en-US" sz="2400" dirty="0">
-                          <a:latin typeface="+mj-lt"/>
+                        <a:rPr lang="en-US" sz="2400">
+                          <a:effectLst/>
                         </a:rPr>
-                        <a:t>2</a:t>
+                        <a:t>Convolutions 2</a:t>
                       </a:r>
                     </a:p>
                   </a:txBody>
-                  <a:tcPr>
-                    <a:lnL w="12700" cap="flat" cmpd="sng" algn="ctr">
-                      <a:solidFill>
-                        <a:schemeClr val="tx1"/>
+                  <a:tcPr marL="10996" marR="10996" marT="7330" marB="7330" anchor="b">
+                    <a:lnL w="6350" cap="flat" cmpd="sng" algn="ctr">
+                      <a:solidFill>
+                        <a:srgbClr val="CCCCCC"/>
                       </a:solidFill>
                       <a:prstDash val="solid"/>
                       <a:round/>
                       <a:headEnd type="none" w="med" len="med"/>
                       <a:tailEnd type="none" w="med" len="med"/>
                     </a:lnL>
-                    <a:lnR w="12700" cap="flat" cmpd="sng" algn="ctr">
-                      <a:solidFill>
-                        <a:schemeClr val="tx1"/>
+                    <a:lnR w="6350" cap="flat" cmpd="sng" algn="ctr">
+                      <a:solidFill>
+                        <a:srgbClr val="CCCCCC"/>
                       </a:solidFill>
                       <a:prstDash val="solid"/>
                       <a:round/>
                       <a:headEnd type="none" w="med" len="med"/>
                       <a:tailEnd type="none" w="med" len="med"/>
                     </a:lnR>
-                    <a:lnT w="12700" cap="flat" cmpd="sng" algn="ctr">
-                      <a:solidFill>
-                        <a:schemeClr val="tx1"/>
+                    <a:lnT w="6350" cap="flat" cmpd="sng" algn="ctr">
+                      <a:solidFill>
+                        <a:srgbClr val="CCCCCC"/>
                       </a:solidFill>
                       <a:prstDash val="solid"/>
                       <a:round/>
                       <a:headEnd type="none" w="med" len="med"/>
                       <a:tailEnd type="none" w="med" len="med"/>
                     </a:lnT>
-                    <a:lnB w="12700" cap="flat" cmpd="sng" algn="ctr">
-                      <a:solidFill>
-                        <a:schemeClr val="tx1"/>
+                    <a:lnB w="6350" cap="flat" cmpd="sng" algn="ctr">
+                      <a:solidFill>
+                        <a:srgbClr val="CCCCCC"/>
                       </a:solidFill>
                       <a:prstDash val="solid"/>
                       <a:round/>
@@ -9642,55 +9632,56 @@
                 </a:tc>
                 <a:extLst>
                   <a:ext uri="{0D108BD9-81ED-4DB2-BD59-A6C34878D82A}">
-                    <a16:rowId xmlns:a16="http://schemas.microsoft.com/office/drawing/2014/main" val="1591341563"/>
+                    <a16:rowId xmlns:a16="http://schemas.microsoft.com/office/drawing/2014/main" val="772662473"/>
                   </a:ext>
                 </a:extLst>
               </a:tr>
-              <a:tr h="412552">
+              <a:tr h="378992">
                 <a:tc>
                   <a:txBody>
                     <a:bodyPr/>
                     <a:lstStyle/>
                     <a:p>
+                      <a:pPr rtl="0" fontAlgn="b"/>
                       <a:r>
-                        <a:rPr lang="en-US" sz="2400" dirty="0">
-                          <a:latin typeface="+mj-lt"/>
+                        <a:rPr lang="en-US" sz="2400">
+                          <a:effectLst/>
                         </a:rPr>
-                        <a:t>Natural Language Processing</a:t>
+                        <a:t>09/22/22</a:t>
                       </a:r>
                     </a:p>
                   </a:txBody>
-                  <a:tcPr>
-                    <a:lnL w="12700" cap="flat" cmpd="sng" algn="ctr">
-                      <a:solidFill>
-                        <a:schemeClr val="tx1"/>
+                  <a:tcPr marL="10996" marR="10996" marT="7330" marB="7330" anchor="b">
+                    <a:lnL w="6350" cap="flat" cmpd="sng" algn="ctr">
+                      <a:solidFill>
+                        <a:srgbClr val="CCCCCC"/>
                       </a:solidFill>
                       <a:prstDash val="solid"/>
                       <a:round/>
                       <a:headEnd type="none" w="med" len="med"/>
                       <a:tailEnd type="none" w="med" len="med"/>
                     </a:lnL>
-                    <a:lnR w="12700" cap="flat" cmpd="sng" algn="ctr">
-                      <a:solidFill>
-                        <a:schemeClr val="tx1"/>
+                    <a:lnR w="6350" cap="flat" cmpd="sng" algn="ctr">
+                      <a:solidFill>
+                        <a:srgbClr val="CCCCCC"/>
                       </a:solidFill>
                       <a:prstDash val="solid"/>
                       <a:round/>
                       <a:headEnd type="none" w="med" len="med"/>
                       <a:tailEnd type="none" w="med" len="med"/>
                     </a:lnR>
-                    <a:lnT w="12700" cap="flat" cmpd="sng" algn="ctr">
-                      <a:solidFill>
-                        <a:schemeClr val="tx1"/>
+                    <a:lnT w="6350" cap="flat" cmpd="sng" algn="ctr">
+                      <a:solidFill>
+                        <a:srgbClr val="CCCCCC"/>
                       </a:solidFill>
                       <a:prstDash val="solid"/>
                       <a:round/>
                       <a:headEnd type="none" w="med" len="med"/>
                       <a:tailEnd type="none" w="med" len="med"/>
                     </a:lnT>
-                    <a:lnB w="12700" cap="flat" cmpd="sng" algn="ctr">
-                      <a:solidFill>
-                        <a:schemeClr val="tx1"/>
+                    <a:lnB w="6350" cap="flat" cmpd="sng" algn="ctr">
+                      <a:solidFill>
+                        <a:srgbClr val="CCCCCC"/>
                       </a:solidFill>
                       <a:prstDash val="solid"/>
                       <a:round/>
@@ -9704,45 +9695,46 @@
                     <a:bodyPr/>
                     <a:lstStyle/>
                     <a:p>
+                      <a:pPr rtl="0" fontAlgn="b"/>
                       <a:r>
-                        <a:rPr lang="en-US" sz="2400" dirty="0">
-                          <a:latin typeface="+mj-lt"/>
+                        <a:rPr lang="en-US" sz="2400">
+                          <a:effectLst/>
                         </a:rPr>
-                        <a:t>2</a:t>
+                        <a:t>Convolutions 3</a:t>
                       </a:r>
                     </a:p>
                   </a:txBody>
-                  <a:tcPr>
-                    <a:lnL w="12700" cap="flat" cmpd="sng" algn="ctr">
-                      <a:solidFill>
-                        <a:schemeClr val="tx1"/>
+                  <a:tcPr marL="10996" marR="10996" marT="7330" marB="7330" anchor="b">
+                    <a:lnL w="6350" cap="flat" cmpd="sng" algn="ctr">
+                      <a:solidFill>
+                        <a:srgbClr val="CCCCCC"/>
                       </a:solidFill>
                       <a:prstDash val="solid"/>
                       <a:round/>
                       <a:headEnd type="none" w="med" len="med"/>
                       <a:tailEnd type="none" w="med" len="med"/>
                     </a:lnL>
-                    <a:lnR w="12700" cap="flat" cmpd="sng" algn="ctr">
-                      <a:solidFill>
-                        <a:schemeClr val="tx1"/>
+                    <a:lnR w="6350" cap="flat" cmpd="sng" algn="ctr">
+                      <a:solidFill>
+                        <a:srgbClr val="CCCCCC"/>
                       </a:solidFill>
                       <a:prstDash val="solid"/>
                       <a:round/>
                       <a:headEnd type="none" w="med" len="med"/>
                       <a:tailEnd type="none" w="med" len="med"/>
                     </a:lnR>
-                    <a:lnT w="12700" cap="flat" cmpd="sng" algn="ctr">
-                      <a:solidFill>
-                        <a:schemeClr val="tx1"/>
+                    <a:lnT w="6350" cap="flat" cmpd="sng" algn="ctr">
+                      <a:solidFill>
+                        <a:srgbClr val="CCCCCC"/>
                       </a:solidFill>
                       <a:prstDash val="solid"/>
                       <a:round/>
                       <a:headEnd type="none" w="med" len="med"/>
                       <a:tailEnd type="none" w="med" len="med"/>
                     </a:lnT>
-                    <a:lnB w="12700" cap="flat" cmpd="sng" algn="ctr">
-                      <a:solidFill>
-                        <a:schemeClr val="tx1"/>
+                    <a:lnB w="6350" cap="flat" cmpd="sng" algn="ctr">
+                      <a:solidFill>
+                        <a:srgbClr val="CCCCCC"/>
                       </a:solidFill>
                       <a:prstDash val="solid"/>
                       <a:round/>
@@ -9753,55 +9745,56 @@
                 </a:tc>
                 <a:extLst>
                   <a:ext uri="{0D108BD9-81ED-4DB2-BD59-A6C34878D82A}">
-                    <a16:rowId xmlns:a16="http://schemas.microsoft.com/office/drawing/2014/main" val="1620925652"/>
+                    <a16:rowId xmlns:a16="http://schemas.microsoft.com/office/drawing/2014/main" val="2037650654"/>
                   </a:ext>
                 </a:extLst>
               </a:tr>
-              <a:tr h="412552">
+              <a:tr h="378992">
                 <a:tc>
                   <a:txBody>
                     <a:bodyPr/>
                     <a:lstStyle/>
                     <a:p>
+                      <a:pPr rtl="0" fontAlgn="b"/>
                       <a:r>
-                        <a:rPr lang="en-US" sz="2400" dirty="0">
-                          <a:latin typeface="+mj-lt"/>
+                        <a:rPr lang="en-US" sz="2400">
+                          <a:effectLst/>
                         </a:rPr>
-                        <a:t>Recurrent Neural Networks</a:t>
+                        <a:t>09/29/22</a:t>
                       </a:r>
                     </a:p>
                   </a:txBody>
-                  <a:tcPr>
-                    <a:lnL w="12700" cap="flat" cmpd="sng" algn="ctr">
-                      <a:solidFill>
-                        <a:schemeClr val="tx1"/>
+                  <a:tcPr marL="10996" marR="10996" marT="7330" marB="7330" anchor="b">
+                    <a:lnL w="6350" cap="flat" cmpd="sng" algn="ctr">
+                      <a:solidFill>
+                        <a:srgbClr val="CCCCCC"/>
                       </a:solidFill>
                       <a:prstDash val="solid"/>
                       <a:round/>
                       <a:headEnd type="none" w="med" len="med"/>
                       <a:tailEnd type="none" w="med" len="med"/>
                     </a:lnL>
-                    <a:lnR w="12700" cap="flat" cmpd="sng" algn="ctr">
-                      <a:solidFill>
-                        <a:schemeClr val="tx1"/>
+                    <a:lnR w="6350" cap="flat" cmpd="sng" algn="ctr">
+                      <a:solidFill>
+                        <a:srgbClr val="CCCCCC"/>
                       </a:solidFill>
                       <a:prstDash val="solid"/>
                       <a:round/>
                       <a:headEnd type="none" w="med" len="med"/>
                       <a:tailEnd type="none" w="med" len="med"/>
                     </a:lnR>
-                    <a:lnT w="12700" cap="flat" cmpd="sng" algn="ctr">
-                      <a:solidFill>
-                        <a:schemeClr val="tx1"/>
+                    <a:lnT w="6350" cap="flat" cmpd="sng" algn="ctr">
+                      <a:solidFill>
+                        <a:srgbClr val="CCCCCC"/>
                       </a:solidFill>
                       <a:prstDash val="solid"/>
                       <a:round/>
                       <a:headEnd type="none" w="med" len="med"/>
                       <a:tailEnd type="none" w="med" len="med"/>
                     </a:lnT>
-                    <a:lnB w="12700" cap="flat" cmpd="sng" algn="ctr">
-                      <a:solidFill>
-                        <a:schemeClr val="tx1"/>
+                    <a:lnB w="6350" cap="flat" cmpd="sng" algn="ctr">
+                      <a:solidFill>
+                        <a:srgbClr val="CCCCCC"/>
                       </a:solidFill>
                       <a:prstDash val="solid"/>
                       <a:round/>
@@ -9815,45 +9808,46 @@
                     <a:bodyPr/>
                     <a:lstStyle/>
                     <a:p>
+                      <a:pPr rtl="0" fontAlgn="b"/>
                       <a:r>
-                        <a:rPr lang="en-US" sz="2400" dirty="0">
-                          <a:latin typeface="+mj-lt"/>
+                        <a:rPr lang="en-US" sz="2400">
+                          <a:effectLst/>
                         </a:rPr>
-                        <a:t>2</a:t>
+                        <a:t>Transfer Learning 1</a:t>
                       </a:r>
                     </a:p>
                   </a:txBody>
-                  <a:tcPr>
-                    <a:lnL w="12700" cap="flat" cmpd="sng" algn="ctr">
-                      <a:solidFill>
-                        <a:schemeClr val="tx1"/>
+                  <a:tcPr marL="10996" marR="10996" marT="7330" marB="7330" anchor="b">
+                    <a:lnL w="6350" cap="flat" cmpd="sng" algn="ctr">
+                      <a:solidFill>
+                        <a:srgbClr val="CCCCCC"/>
                       </a:solidFill>
                       <a:prstDash val="solid"/>
                       <a:round/>
                       <a:headEnd type="none" w="med" len="med"/>
                       <a:tailEnd type="none" w="med" len="med"/>
                     </a:lnL>
-                    <a:lnR w="12700" cap="flat" cmpd="sng" algn="ctr">
-                      <a:solidFill>
-                        <a:schemeClr val="tx1"/>
+                    <a:lnR w="6350" cap="flat" cmpd="sng" algn="ctr">
+                      <a:solidFill>
+                        <a:srgbClr val="CCCCCC"/>
                       </a:solidFill>
                       <a:prstDash val="solid"/>
                       <a:round/>
                       <a:headEnd type="none" w="med" len="med"/>
                       <a:tailEnd type="none" w="med" len="med"/>
                     </a:lnR>
-                    <a:lnT w="12700" cap="flat" cmpd="sng" algn="ctr">
-                      <a:solidFill>
-                        <a:schemeClr val="tx1"/>
+                    <a:lnT w="6350" cap="flat" cmpd="sng" algn="ctr">
+                      <a:solidFill>
+                        <a:srgbClr val="CCCCCC"/>
                       </a:solidFill>
                       <a:prstDash val="solid"/>
                       <a:round/>
                       <a:headEnd type="none" w="med" len="med"/>
                       <a:tailEnd type="none" w="med" len="med"/>
                     </a:lnT>
-                    <a:lnB w="12700" cap="flat" cmpd="sng" algn="ctr">
-                      <a:solidFill>
-                        <a:schemeClr val="tx1"/>
+                    <a:lnB w="6350" cap="flat" cmpd="sng" algn="ctr">
+                      <a:solidFill>
+                        <a:srgbClr val="CCCCCC"/>
                       </a:solidFill>
                       <a:prstDash val="solid"/>
                       <a:round/>
@@ -9864,55 +9858,56 @@
                 </a:tc>
                 <a:extLst>
                   <a:ext uri="{0D108BD9-81ED-4DB2-BD59-A6C34878D82A}">
-                    <a16:rowId xmlns:a16="http://schemas.microsoft.com/office/drawing/2014/main" val="224180550"/>
+                    <a16:rowId xmlns:a16="http://schemas.microsoft.com/office/drawing/2014/main" val="3678962400"/>
                   </a:ext>
                 </a:extLst>
               </a:tr>
-              <a:tr h="412552">
+              <a:tr h="378992">
                 <a:tc>
                   <a:txBody>
                     <a:bodyPr/>
                     <a:lstStyle/>
                     <a:p>
+                      <a:pPr rtl="0" fontAlgn="b"/>
                       <a:r>
-                        <a:rPr lang="en-US" sz="2400" dirty="0">
-                          <a:latin typeface="+mj-lt"/>
+                        <a:rPr lang="en-US" sz="2400">
+                          <a:effectLst/>
                         </a:rPr>
-                        <a:t>Transformers</a:t>
+                        <a:t>10/06/22</a:t>
                       </a:r>
                     </a:p>
                   </a:txBody>
-                  <a:tcPr>
-                    <a:lnL w="12700" cap="flat" cmpd="sng" algn="ctr">
-                      <a:solidFill>
-                        <a:schemeClr val="tx1"/>
+                  <a:tcPr marL="10996" marR="10996" marT="7330" marB="7330" anchor="b">
+                    <a:lnL w="6350" cap="flat" cmpd="sng" algn="ctr">
+                      <a:solidFill>
+                        <a:srgbClr val="CCCCCC"/>
                       </a:solidFill>
                       <a:prstDash val="solid"/>
                       <a:round/>
                       <a:headEnd type="none" w="med" len="med"/>
                       <a:tailEnd type="none" w="med" len="med"/>
                     </a:lnL>
-                    <a:lnR w="12700" cap="flat" cmpd="sng" algn="ctr">
-                      <a:solidFill>
-                        <a:schemeClr val="tx1"/>
+                    <a:lnR w="6350" cap="flat" cmpd="sng" algn="ctr">
+                      <a:solidFill>
+                        <a:srgbClr val="CCCCCC"/>
                       </a:solidFill>
                       <a:prstDash val="solid"/>
                       <a:round/>
                       <a:headEnd type="none" w="med" len="med"/>
                       <a:tailEnd type="none" w="med" len="med"/>
                     </a:lnR>
-                    <a:lnT w="12700" cap="flat" cmpd="sng" algn="ctr">
-                      <a:solidFill>
-                        <a:schemeClr val="tx1"/>
+                    <a:lnT w="6350" cap="flat" cmpd="sng" algn="ctr">
+                      <a:solidFill>
+                        <a:srgbClr val="CCCCCC"/>
                       </a:solidFill>
                       <a:prstDash val="solid"/>
                       <a:round/>
                       <a:headEnd type="none" w="med" len="med"/>
                       <a:tailEnd type="none" w="med" len="med"/>
                     </a:lnT>
-                    <a:lnB w="12700" cap="flat" cmpd="sng" algn="ctr">
-                      <a:solidFill>
-                        <a:schemeClr val="tx1"/>
+                    <a:lnB w="6350" cap="flat" cmpd="sng" algn="ctr">
+                      <a:solidFill>
+                        <a:srgbClr val="CCCCCC"/>
                       </a:solidFill>
                       <a:prstDash val="solid"/>
                       <a:round/>
@@ -9926,45 +9921,46 @@
                     <a:bodyPr/>
                     <a:lstStyle/>
                     <a:p>
+                      <a:pPr rtl="0" fontAlgn="b"/>
                       <a:r>
-                        <a:rPr lang="en-US" sz="2400" dirty="0">
-                          <a:latin typeface="+mj-lt"/>
+                        <a:rPr lang="en-US" sz="2400">
+                          <a:effectLst/>
                         </a:rPr>
-                        <a:t>2</a:t>
+                        <a:t>Transfer Learning 2</a:t>
                       </a:r>
                     </a:p>
                   </a:txBody>
-                  <a:tcPr>
-                    <a:lnL w="12700" cap="flat" cmpd="sng" algn="ctr">
-                      <a:solidFill>
-                        <a:schemeClr val="tx1"/>
+                  <a:tcPr marL="10996" marR="10996" marT="7330" marB="7330" anchor="b">
+                    <a:lnL w="6350" cap="flat" cmpd="sng" algn="ctr">
+                      <a:solidFill>
+                        <a:srgbClr val="CCCCCC"/>
                       </a:solidFill>
                       <a:prstDash val="solid"/>
                       <a:round/>
                       <a:headEnd type="none" w="med" len="med"/>
                       <a:tailEnd type="none" w="med" len="med"/>
                     </a:lnL>
-                    <a:lnR w="12700" cap="flat" cmpd="sng" algn="ctr">
-                      <a:solidFill>
-                        <a:schemeClr val="tx1"/>
+                    <a:lnR w="6350" cap="flat" cmpd="sng" algn="ctr">
+                      <a:solidFill>
+                        <a:srgbClr val="CCCCCC"/>
                       </a:solidFill>
                       <a:prstDash val="solid"/>
                       <a:round/>
                       <a:headEnd type="none" w="med" len="med"/>
                       <a:tailEnd type="none" w="med" len="med"/>
                     </a:lnR>
-                    <a:lnT w="12700" cap="flat" cmpd="sng" algn="ctr">
-                      <a:solidFill>
-                        <a:schemeClr val="tx1"/>
+                    <a:lnT w="6350" cap="flat" cmpd="sng" algn="ctr">
+                      <a:solidFill>
+                        <a:srgbClr val="CCCCCC"/>
                       </a:solidFill>
                       <a:prstDash val="solid"/>
                       <a:round/>
                       <a:headEnd type="none" w="med" len="med"/>
                       <a:tailEnd type="none" w="med" len="med"/>
                     </a:lnT>
-                    <a:lnB w="12700" cap="flat" cmpd="sng" algn="ctr">
-                      <a:solidFill>
-                        <a:schemeClr val="tx1"/>
+                    <a:lnB w="6350" cap="flat" cmpd="sng" algn="ctr">
+                      <a:solidFill>
+                        <a:srgbClr val="CCCCCC"/>
                       </a:solidFill>
                       <a:prstDash val="solid"/>
                       <a:round/>
@@ -9975,55 +9971,56 @@
                 </a:tc>
                 <a:extLst>
                   <a:ext uri="{0D108BD9-81ED-4DB2-BD59-A6C34878D82A}">
-                    <a16:rowId xmlns:a16="http://schemas.microsoft.com/office/drawing/2014/main" val="72617733"/>
+                    <a16:rowId xmlns:a16="http://schemas.microsoft.com/office/drawing/2014/main" val="533334508"/>
                   </a:ext>
                 </a:extLst>
               </a:tr>
-              <a:tr h="412552">
+              <a:tr h="378992">
                 <a:tc>
                   <a:txBody>
                     <a:bodyPr/>
                     <a:lstStyle/>
                     <a:p>
+                      <a:pPr rtl="0" fontAlgn="b"/>
                       <a:r>
-                        <a:rPr lang="en-US" sz="2400" dirty="0">
-                          <a:latin typeface="+mj-lt"/>
+                        <a:rPr lang="en-US" sz="2400">
+                          <a:effectLst/>
                         </a:rPr>
-                        <a:t>Generative Adversarial Networks</a:t>
+                        <a:t>10/13/22</a:t>
                       </a:r>
                     </a:p>
                   </a:txBody>
-                  <a:tcPr>
-                    <a:lnL w="12700" cap="flat" cmpd="sng" algn="ctr">
-                      <a:solidFill>
-                        <a:schemeClr val="tx1"/>
+                  <a:tcPr marL="10996" marR="10996" marT="7330" marB="7330" anchor="b">
+                    <a:lnL w="6350" cap="flat" cmpd="sng" algn="ctr">
+                      <a:solidFill>
+                        <a:srgbClr val="CCCCCC"/>
                       </a:solidFill>
                       <a:prstDash val="solid"/>
                       <a:round/>
                       <a:headEnd type="none" w="med" len="med"/>
                       <a:tailEnd type="none" w="med" len="med"/>
                     </a:lnL>
-                    <a:lnR w="12700" cap="flat" cmpd="sng" algn="ctr">
-                      <a:solidFill>
-                        <a:schemeClr val="tx1"/>
+                    <a:lnR w="6350" cap="flat" cmpd="sng" algn="ctr">
+                      <a:solidFill>
+                        <a:srgbClr val="CCCCCC"/>
                       </a:solidFill>
                       <a:prstDash val="solid"/>
                       <a:round/>
                       <a:headEnd type="none" w="med" len="med"/>
                       <a:tailEnd type="none" w="med" len="med"/>
                     </a:lnR>
-                    <a:lnT w="12700" cap="flat" cmpd="sng" algn="ctr">
-                      <a:solidFill>
-                        <a:schemeClr val="tx1"/>
+                    <a:lnT w="6350" cap="flat" cmpd="sng" algn="ctr">
+                      <a:solidFill>
+                        <a:srgbClr val="CCCCCC"/>
                       </a:solidFill>
                       <a:prstDash val="solid"/>
                       <a:round/>
                       <a:headEnd type="none" w="med" len="med"/>
                       <a:tailEnd type="none" w="med" len="med"/>
                     </a:lnT>
-                    <a:lnB w="12700" cap="flat" cmpd="sng" algn="ctr">
-                      <a:solidFill>
-                        <a:schemeClr val="tx1"/>
+                    <a:lnB w="6350" cap="flat" cmpd="sng" algn="ctr">
+                      <a:solidFill>
+                        <a:srgbClr val="CCCCCC"/>
                       </a:solidFill>
                       <a:prstDash val="solid"/>
                       <a:round/>
@@ -10037,45 +10034,46 @@
                     <a:bodyPr/>
                     <a:lstStyle/>
                     <a:p>
+                      <a:pPr rtl="0" fontAlgn="b"/>
                       <a:r>
-                        <a:rPr lang="en-US" sz="2400" dirty="0">
-                          <a:latin typeface="+mj-lt"/>
+                        <a:rPr lang="en-US" sz="2400">
+                          <a:effectLst/>
                         </a:rPr>
-                        <a:t>2</a:t>
+                        <a:t>NLP 1</a:t>
                       </a:r>
                     </a:p>
                   </a:txBody>
-                  <a:tcPr>
-                    <a:lnL w="12700" cap="flat" cmpd="sng" algn="ctr">
-                      <a:solidFill>
-                        <a:schemeClr val="tx1"/>
+                  <a:tcPr marL="10996" marR="10996" marT="7330" marB="7330" anchor="b">
+                    <a:lnL w="6350" cap="flat" cmpd="sng" algn="ctr">
+                      <a:solidFill>
+                        <a:srgbClr val="CCCCCC"/>
                       </a:solidFill>
                       <a:prstDash val="solid"/>
                       <a:round/>
                       <a:headEnd type="none" w="med" len="med"/>
                       <a:tailEnd type="none" w="med" len="med"/>
                     </a:lnL>
-                    <a:lnR w="12700" cap="flat" cmpd="sng" algn="ctr">
-                      <a:solidFill>
-                        <a:schemeClr val="tx1"/>
+                    <a:lnR w="6350" cap="flat" cmpd="sng" algn="ctr">
+                      <a:solidFill>
+                        <a:srgbClr val="CCCCCC"/>
                       </a:solidFill>
                       <a:prstDash val="solid"/>
                       <a:round/>
                       <a:headEnd type="none" w="med" len="med"/>
                       <a:tailEnd type="none" w="med" len="med"/>
                     </a:lnR>
-                    <a:lnT w="12700" cap="flat" cmpd="sng" algn="ctr">
-                      <a:solidFill>
-                        <a:schemeClr val="tx1"/>
+                    <a:lnT w="6350" cap="flat" cmpd="sng" algn="ctr">
+                      <a:solidFill>
+                        <a:srgbClr val="CCCCCC"/>
                       </a:solidFill>
                       <a:prstDash val="solid"/>
                       <a:round/>
                       <a:headEnd type="none" w="med" len="med"/>
                       <a:tailEnd type="none" w="med" len="med"/>
                     </a:lnT>
-                    <a:lnB w="12700" cap="flat" cmpd="sng" algn="ctr">
-                      <a:solidFill>
-                        <a:schemeClr val="tx1"/>
+                    <a:lnB w="6350" cap="flat" cmpd="sng" algn="ctr">
+                      <a:solidFill>
+                        <a:srgbClr val="CCCCCC"/>
                       </a:solidFill>
                       <a:prstDash val="solid"/>
                       <a:round/>
@@ -10086,7 +10084,923 @@
                 </a:tc>
                 <a:extLst>
                   <a:ext uri="{0D108BD9-81ED-4DB2-BD59-A6C34878D82A}">
-                    <a16:rowId xmlns:a16="http://schemas.microsoft.com/office/drawing/2014/main" val="1148077211"/>
+                    <a16:rowId xmlns:a16="http://schemas.microsoft.com/office/drawing/2014/main" val="3809341879"/>
+                  </a:ext>
+                </a:extLst>
+              </a:tr>
+              <a:tr h="378992">
+                <a:tc>
+                  <a:txBody>
+                    <a:bodyPr/>
+                    <a:lstStyle/>
+                    <a:p>
+                      <a:pPr rtl="0" fontAlgn="b"/>
+                      <a:r>
+                        <a:rPr lang="en-US" sz="2400">
+                          <a:effectLst/>
+                        </a:rPr>
+                        <a:t>10/20/22</a:t>
+                      </a:r>
+                    </a:p>
+                  </a:txBody>
+                  <a:tcPr marL="10996" marR="10996" marT="7330" marB="7330" anchor="b">
+                    <a:lnL w="6350" cap="flat" cmpd="sng" algn="ctr">
+                      <a:solidFill>
+                        <a:srgbClr val="CCCCCC"/>
+                      </a:solidFill>
+                      <a:prstDash val="solid"/>
+                      <a:round/>
+                      <a:headEnd type="none" w="med" len="med"/>
+                      <a:tailEnd type="none" w="med" len="med"/>
+                    </a:lnL>
+                    <a:lnR w="6350" cap="flat" cmpd="sng" algn="ctr">
+                      <a:solidFill>
+                        <a:srgbClr val="CCCCCC"/>
+                      </a:solidFill>
+                      <a:prstDash val="solid"/>
+                      <a:round/>
+                      <a:headEnd type="none" w="med" len="med"/>
+                      <a:tailEnd type="none" w="med" len="med"/>
+                    </a:lnR>
+                    <a:lnT w="6350" cap="flat" cmpd="sng" algn="ctr">
+                      <a:solidFill>
+                        <a:srgbClr val="CCCCCC"/>
+                      </a:solidFill>
+                      <a:prstDash val="solid"/>
+                      <a:round/>
+                      <a:headEnd type="none" w="med" len="med"/>
+                      <a:tailEnd type="none" w="med" len="med"/>
+                    </a:lnT>
+                    <a:lnB w="6350" cap="flat" cmpd="sng" algn="ctr">
+                      <a:solidFill>
+                        <a:srgbClr val="CCCCCC"/>
+                      </a:solidFill>
+                      <a:prstDash val="solid"/>
+                      <a:round/>
+                      <a:headEnd type="none" w="med" len="med"/>
+                      <a:tailEnd type="none" w="med" len="med"/>
+                    </a:lnB>
+                  </a:tcPr>
+                </a:tc>
+                <a:tc>
+                  <a:txBody>
+                    <a:bodyPr/>
+                    <a:lstStyle/>
+                    <a:p>
+                      <a:pPr rtl="0" fontAlgn="b"/>
+                      <a:r>
+                        <a:rPr lang="en-US" sz="2400">
+                          <a:effectLst/>
+                        </a:rPr>
+                        <a:t>NLP 2</a:t>
+                      </a:r>
+                    </a:p>
+                  </a:txBody>
+                  <a:tcPr marL="10996" marR="10996" marT="7330" marB="7330" anchor="b">
+                    <a:lnL w="6350" cap="flat" cmpd="sng" algn="ctr">
+                      <a:solidFill>
+                        <a:srgbClr val="CCCCCC"/>
+                      </a:solidFill>
+                      <a:prstDash val="solid"/>
+                      <a:round/>
+                      <a:headEnd type="none" w="med" len="med"/>
+                      <a:tailEnd type="none" w="med" len="med"/>
+                    </a:lnL>
+                    <a:lnR w="6350" cap="flat" cmpd="sng" algn="ctr">
+                      <a:solidFill>
+                        <a:srgbClr val="CCCCCC"/>
+                      </a:solidFill>
+                      <a:prstDash val="solid"/>
+                      <a:round/>
+                      <a:headEnd type="none" w="med" len="med"/>
+                      <a:tailEnd type="none" w="med" len="med"/>
+                    </a:lnR>
+                    <a:lnT w="6350" cap="flat" cmpd="sng" algn="ctr">
+                      <a:solidFill>
+                        <a:srgbClr val="CCCCCC"/>
+                      </a:solidFill>
+                      <a:prstDash val="solid"/>
+                      <a:round/>
+                      <a:headEnd type="none" w="med" len="med"/>
+                      <a:tailEnd type="none" w="med" len="med"/>
+                    </a:lnT>
+                    <a:lnB w="6350" cap="flat" cmpd="sng" algn="ctr">
+                      <a:solidFill>
+                        <a:srgbClr val="CCCCCC"/>
+                      </a:solidFill>
+                      <a:prstDash val="solid"/>
+                      <a:round/>
+                      <a:headEnd type="none" w="med" len="med"/>
+                      <a:tailEnd type="none" w="med" len="med"/>
+                    </a:lnB>
+                  </a:tcPr>
+                </a:tc>
+                <a:extLst>
+                  <a:ext uri="{0D108BD9-81ED-4DB2-BD59-A6C34878D82A}">
+                    <a16:rowId xmlns:a16="http://schemas.microsoft.com/office/drawing/2014/main" val="1195692739"/>
+                  </a:ext>
+                </a:extLst>
+              </a:tr>
+              <a:tr h="378992">
+                <a:tc>
+                  <a:txBody>
+                    <a:bodyPr/>
+                    <a:lstStyle/>
+                    <a:p>
+                      <a:pPr rtl="0" fontAlgn="b"/>
+                      <a:r>
+                        <a:rPr lang="en-US" sz="2400">
+                          <a:solidFill>
+                            <a:srgbClr val="BF9000"/>
+                          </a:solidFill>
+                          <a:effectLst/>
+                        </a:rPr>
+                        <a:t>10/27/22</a:t>
+                      </a:r>
+                    </a:p>
+                  </a:txBody>
+                  <a:tcPr marL="10996" marR="10996" marT="7330" marB="7330" anchor="b">
+                    <a:lnL w="6350" cap="flat" cmpd="sng" algn="ctr">
+                      <a:solidFill>
+                        <a:srgbClr val="CCCCCC"/>
+                      </a:solidFill>
+                      <a:prstDash val="solid"/>
+                      <a:round/>
+                      <a:headEnd type="none" w="med" len="med"/>
+                      <a:tailEnd type="none" w="med" len="med"/>
+                    </a:lnL>
+                    <a:lnR w="6350" cap="flat" cmpd="sng" algn="ctr">
+                      <a:solidFill>
+                        <a:srgbClr val="CCCCCC"/>
+                      </a:solidFill>
+                      <a:prstDash val="solid"/>
+                      <a:round/>
+                      <a:headEnd type="none" w="med" len="med"/>
+                      <a:tailEnd type="none" w="med" len="med"/>
+                    </a:lnR>
+                    <a:lnT w="6350" cap="flat" cmpd="sng" algn="ctr">
+                      <a:solidFill>
+                        <a:srgbClr val="CCCCCC"/>
+                      </a:solidFill>
+                      <a:prstDash val="solid"/>
+                      <a:round/>
+                      <a:headEnd type="none" w="med" len="med"/>
+                      <a:tailEnd type="none" w="med" len="med"/>
+                    </a:lnT>
+                    <a:lnB w="6350" cap="flat" cmpd="sng" algn="ctr">
+                      <a:solidFill>
+                        <a:srgbClr val="CCCCCC"/>
+                      </a:solidFill>
+                      <a:prstDash val="solid"/>
+                      <a:round/>
+                      <a:headEnd type="none" w="med" len="med"/>
+                      <a:tailEnd type="none" w="med" len="med"/>
+                    </a:lnB>
+                  </a:tcPr>
+                </a:tc>
+                <a:tc>
+                  <a:txBody>
+                    <a:bodyPr/>
+                    <a:lstStyle/>
+                    <a:p>
+                      <a:pPr rtl="0" fontAlgn="b"/>
+                      <a:r>
+                        <a:rPr lang="en-US" sz="2400">
+                          <a:solidFill>
+                            <a:srgbClr val="BF9000"/>
+                          </a:solidFill>
+                          <a:effectLst/>
+                        </a:rPr>
+                        <a:t>AI Day</a:t>
+                      </a:r>
+                    </a:p>
+                  </a:txBody>
+                  <a:tcPr marL="10996" marR="10996" marT="7330" marB="7330" anchor="b">
+                    <a:lnL w="6350" cap="flat" cmpd="sng" algn="ctr">
+                      <a:solidFill>
+                        <a:srgbClr val="CCCCCC"/>
+                      </a:solidFill>
+                      <a:prstDash val="solid"/>
+                      <a:round/>
+                      <a:headEnd type="none" w="med" len="med"/>
+                      <a:tailEnd type="none" w="med" len="med"/>
+                    </a:lnL>
+                    <a:lnR w="6350" cap="flat" cmpd="sng" algn="ctr">
+                      <a:solidFill>
+                        <a:srgbClr val="CCCCCC"/>
+                      </a:solidFill>
+                      <a:prstDash val="solid"/>
+                      <a:round/>
+                      <a:headEnd type="none" w="med" len="med"/>
+                      <a:tailEnd type="none" w="med" len="med"/>
+                    </a:lnR>
+                    <a:lnT w="6350" cap="flat" cmpd="sng" algn="ctr">
+                      <a:solidFill>
+                        <a:srgbClr val="CCCCCC"/>
+                      </a:solidFill>
+                      <a:prstDash val="solid"/>
+                      <a:round/>
+                      <a:headEnd type="none" w="med" len="med"/>
+                      <a:tailEnd type="none" w="med" len="med"/>
+                    </a:lnT>
+                    <a:lnB w="6350" cap="flat" cmpd="sng" algn="ctr">
+                      <a:solidFill>
+                        <a:srgbClr val="CCCCCC"/>
+                      </a:solidFill>
+                      <a:prstDash val="solid"/>
+                      <a:round/>
+                      <a:headEnd type="none" w="med" len="med"/>
+                      <a:tailEnd type="none" w="med" len="med"/>
+                    </a:lnB>
+                  </a:tcPr>
+                </a:tc>
+                <a:extLst>
+                  <a:ext uri="{0D108BD9-81ED-4DB2-BD59-A6C34878D82A}">
+                    <a16:rowId xmlns:a16="http://schemas.microsoft.com/office/drawing/2014/main" val="729153078"/>
+                  </a:ext>
+                </a:extLst>
+              </a:tr>
+              <a:tr h="378992">
+                <a:tc>
+                  <a:txBody>
+                    <a:bodyPr/>
+                    <a:lstStyle/>
+                    <a:p>
+                      <a:pPr rtl="0" fontAlgn="b"/>
+                      <a:r>
+                        <a:rPr lang="en-US" sz="2400">
+                          <a:effectLst/>
+                        </a:rPr>
+                        <a:t>11/03/22</a:t>
+                      </a:r>
+                    </a:p>
+                  </a:txBody>
+                  <a:tcPr marL="10996" marR="10996" marT="7330" marB="7330" anchor="b">
+                    <a:lnL w="6350" cap="flat" cmpd="sng" algn="ctr">
+                      <a:solidFill>
+                        <a:srgbClr val="CCCCCC"/>
+                      </a:solidFill>
+                      <a:prstDash val="solid"/>
+                      <a:round/>
+                      <a:headEnd type="none" w="med" len="med"/>
+                      <a:tailEnd type="none" w="med" len="med"/>
+                    </a:lnL>
+                    <a:lnR w="6350" cap="flat" cmpd="sng" algn="ctr">
+                      <a:solidFill>
+                        <a:srgbClr val="CCCCCC"/>
+                      </a:solidFill>
+                      <a:prstDash val="solid"/>
+                      <a:round/>
+                      <a:headEnd type="none" w="med" len="med"/>
+                      <a:tailEnd type="none" w="med" len="med"/>
+                    </a:lnR>
+                    <a:lnT w="6350" cap="flat" cmpd="sng" algn="ctr">
+                      <a:solidFill>
+                        <a:srgbClr val="CCCCCC"/>
+                      </a:solidFill>
+                      <a:prstDash val="solid"/>
+                      <a:round/>
+                      <a:headEnd type="none" w="med" len="med"/>
+                      <a:tailEnd type="none" w="med" len="med"/>
+                    </a:lnT>
+                    <a:lnB w="6350" cap="flat" cmpd="sng" algn="ctr">
+                      <a:solidFill>
+                        <a:srgbClr val="CCCCCC"/>
+                      </a:solidFill>
+                      <a:prstDash val="solid"/>
+                      <a:round/>
+                      <a:headEnd type="none" w="med" len="med"/>
+                      <a:tailEnd type="none" w="med" len="med"/>
+                    </a:lnB>
+                  </a:tcPr>
+                </a:tc>
+                <a:tc>
+                  <a:txBody>
+                    <a:bodyPr/>
+                    <a:lstStyle/>
+                    <a:p>
+                      <a:pPr rtl="0" fontAlgn="b"/>
+                      <a:r>
+                        <a:rPr lang="en-US" sz="2400">
+                          <a:effectLst/>
+                        </a:rPr>
+                        <a:t>Transformers 1</a:t>
+                      </a:r>
+                    </a:p>
+                  </a:txBody>
+                  <a:tcPr marL="10996" marR="10996" marT="7330" marB="7330" anchor="b">
+                    <a:lnL w="6350" cap="flat" cmpd="sng" algn="ctr">
+                      <a:solidFill>
+                        <a:srgbClr val="CCCCCC"/>
+                      </a:solidFill>
+                      <a:prstDash val="solid"/>
+                      <a:round/>
+                      <a:headEnd type="none" w="med" len="med"/>
+                      <a:tailEnd type="none" w="med" len="med"/>
+                    </a:lnL>
+                    <a:lnR w="6350" cap="flat" cmpd="sng" algn="ctr">
+                      <a:solidFill>
+                        <a:srgbClr val="CCCCCC"/>
+                      </a:solidFill>
+                      <a:prstDash val="solid"/>
+                      <a:round/>
+                      <a:headEnd type="none" w="med" len="med"/>
+                      <a:tailEnd type="none" w="med" len="med"/>
+                    </a:lnR>
+                    <a:lnT w="6350" cap="flat" cmpd="sng" algn="ctr">
+                      <a:solidFill>
+                        <a:srgbClr val="CCCCCC"/>
+                      </a:solidFill>
+                      <a:prstDash val="solid"/>
+                      <a:round/>
+                      <a:headEnd type="none" w="med" len="med"/>
+                      <a:tailEnd type="none" w="med" len="med"/>
+                    </a:lnT>
+                    <a:lnB w="6350" cap="flat" cmpd="sng" algn="ctr">
+                      <a:solidFill>
+                        <a:srgbClr val="CCCCCC"/>
+                      </a:solidFill>
+                      <a:prstDash val="solid"/>
+                      <a:round/>
+                      <a:headEnd type="none" w="med" len="med"/>
+                      <a:tailEnd type="none" w="med" len="med"/>
+                    </a:lnB>
+                  </a:tcPr>
+                </a:tc>
+                <a:extLst>
+                  <a:ext uri="{0D108BD9-81ED-4DB2-BD59-A6C34878D82A}">
+                    <a16:rowId xmlns:a16="http://schemas.microsoft.com/office/drawing/2014/main" val="569476369"/>
+                  </a:ext>
+                </a:extLst>
+              </a:tr>
+              <a:tr h="378992">
+                <a:tc>
+                  <a:txBody>
+                    <a:bodyPr/>
+                    <a:lstStyle/>
+                    <a:p>
+                      <a:pPr rtl="0" fontAlgn="b"/>
+                      <a:r>
+                        <a:rPr lang="en-US" sz="2400">
+                          <a:effectLst/>
+                        </a:rPr>
+                        <a:t>11/10/22</a:t>
+                      </a:r>
+                    </a:p>
+                  </a:txBody>
+                  <a:tcPr marL="10996" marR="10996" marT="7330" marB="7330" anchor="b">
+                    <a:lnL w="6350" cap="flat" cmpd="sng" algn="ctr">
+                      <a:solidFill>
+                        <a:srgbClr val="CCCCCC"/>
+                      </a:solidFill>
+                      <a:prstDash val="solid"/>
+                      <a:round/>
+                      <a:headEnd type="none" w="med" len="med"/>
+                      <a:tailEnd type="none" w="med" len="med"/>
+                    </a:lnL>
+                    <a:lnR w="6350" cap="flat" cmpd="sng" algn="ctr">
+                      <a:solidFill>
+                        <a:srgbClr val="CCCCCC"/>
+                      </a:solidFill>
+                      <a:prstDash val="solid"/>
+                      <a:round/>
+                      <a:headEnd type="none" w="med" len="med"/>
+                      <a:tailEnd type="none" w="med" len="med"/>
+                    </a:lnR>
+                    <a:lnT w="6350" cap="flat" cmpd="sng" algn="ctr">
+                      <a:solidFill>
+                        <a:srgbClr val="CCCCCC"/>
+                      </a:solidFill>
+                      <a:prstDash val="solid"/>
+                      <a:round/>
+                      <a:headEnd type="none" w="med" len="med"/>
+                      <a:tailEnd type="none" w="med" len="med"/>
+                    </a:lnT>
+                    <a:lnB w="6350" cap="flat" cmpd="sng" algn="ctr">
+                      <a:solidFill>
+                        <a:srgbClr val="CCCCCC"/>
+                      </a:solidFill>
+                      <a:prstDash val="solid"/>
+                      <a:round/>
+                      <a:headEnd type="none" w="med" len="med"/>
+                      <a:tailEnd type="none" w="med" len="med"/>
+                    </a:lnB>
+                  </a:tcPr>
+                </a:tc>
+                <a:tc>
+                  <a:txBody>
+                    <a:bodyPr/>
+                    <a:lstStyle/>
+                    <a:p>
+                      <a:pPr rtl="0" fontAlgn="b"/>
+                      <a:r>
+                        <a:rPr lang="en-US" sz="2400">
+                          <a:effectLst/>
+                        </a:rPr>
+                        <a:t>Transformers 2</a:t>
+                      </a:r>
+                    </a:p>
+                  </a:txBody>
+                  <a:tcPr marL="10996" marR="10996" marT="7330" marB="7330" anchor="b">
+                    <a:lnL w="6350" cap="flat" cmpd="sng" algn="ctr">
+                      <a:solidFill>
+                        <a:srgbClr val="CCCCCC"/>
+                      </a:solidFill>
+                      <a:prstDash val="solid"/>
+                      <a:round/>
+                      <a:headEnd type="none" w="med" len="med"/>
+                      <a:tailEnd type="none" w="med" len="med"/>
+                    </a:lnL>
+                    <a:lnR w="6350" cap="flat" cmpd="sng" algn="ctr">
+                      <a:solidFill>
+                        <a:srgbClr val="CCCCCC"/>
+                      </a:solidFill>
+                      <a:prstDash val="solid"/>
+                      <a:round/>
+                      <a:headEnd type="none" w="med" len="med"/>
+                      <a:tailEnd type="none" w="med" len="med"/>
+                    </a:lnR>
+                    <a:lnT w="6350" cap="flat" cmpd="sng" algn="ctr">
+                      <a:solidFill>
+                        <a:srgbClr val="CCCCCC"/>
+                      </a:solidFill>
+                      <a:prstDash val="solid"/>
+                      <a:round/>
+                      <a:headEnd type="none" w="med" len="med"/>
+                      <a:tailEnd type="none" w="med" len="med"/>
+                    </a:lnT>
+                    <a:lnB w="6350" cap="flat" cmpd="sng" algn="ctr">
+                      <a:solidFill>
+                        <a:srgbClr val="CCCCCC"/>
+                      </a:solidFill>
+                      <a:prstDash val="solid"/>
+                      <a:round/>
+                      <a:headEnd type="none" w="med" len="med"/>
+                      <a:tailEnd type="none" w="med" len="med"/>
+                    </a:lnB>
+                  </a:tcPr>
+                </a:tc>
+                <a:extLst>
+                  <a:ext uri="{0D108BD9-81ED-4DB2-BD59-A6C34878D82A}">
+                    <a16:rowId xmlns:a16="http://schemas.microsoft.com/office/drawing/2014/main" val="729199947"/>
+                  </a:ext>
+                </a:extLst>
+              </a:tr>
+              <a:tr h="378992">
+                <a:tc>
+                  <a:txBody>
+                    <a:bodyPr/>
+                    <a:lstStyle/>
+                    <a:p>
+                      <a:pPr rtl="0" fontAlgn="b"/>
+                      <a:endParaRPr lang="en-US" sz="2400">
+                        <a:effectLst/>
+                      </a:endParaRPr>
+                    </a:p>
+                  </a:txBody>
+                  <a:tcPr marL="10996" marR="10996" marT="7330" marB="7330" anchor="b">
+                    <a:lnL w="6350" cap="flat" cmpd="sng" algn="ctr">
+                      <a:solidFill>
+                        <a:srgbClr val="CCCCCC"/>
+                      </a:solidFill>
+                      <a:prstDash val="solid"/>
+                      <a:round/>
+                      <a:headEnd type="none" w="med" len="med"/>
+                      <a:tailEnd type="none" w="med" len="med"/>
+                    </a:lnL>
+                    <a:lnR w="6350" cap="flat" cmpd="sng" algn="ctr">
+                      <a:solidFill>
+                        <a:srgbClr val="CCCCCC"/>
+                      </a:solidFill>
+                      <a:prstDash val="solid"/>
+                      <a:round/>
+                      <a:headEnd type="none" w="med" len="med"/>
+                      <a:tailEnd type="none" w="med" len="med"/>
+                    </a:lnR>
+                    <a:lnT w="6350" cap="flat" cmpd="sng" algn="ctr">
+                      <a:solidFill>
+                        <a:srgbClr val="CCCCCC"/>
+                      </a:solidFill>
+                      <a:prstDash val="solid"/>
+                      <a:round/>
+                      <a:headEnd type="none" w="med" len="med"/>
+                      <a:tailEnd type="none" w="med" len="med"/>
+                    </a:lnT>
+                    <a:lnB w="6350" cap="flat" cmpd="sng" algn="ctr">
+                      <a:solidFill>
+                        <a:srgbClr val="CCCCCC"/>
+                      </a:solidFill>
+                      <a:prstDash val="solid"/>
+                      <a:round/>
+                      <a:headEnd type="none" w="med" len="med"/>
+                      <a:tailEnd type="none" w="med" len="med"/>
+                    </a:lnB>
+                  </a:tcPr>
+                </a:tc>
+                <a:tc>
+                  <a:txBody>
+                    <a:bodyPr/>
+                    <a:lstStyle/>
+                    <a:p>
+                      <a:pPr rtl="0" fontAlgn="b"/>
+                      <a:endParaRPr lang="en-US" sz="2400">
+                        <a:effectLst/>
+                      </a:endParaRPr>
+                    </a:p>
+                  </a:txBody>
+                  <a:tcPr marL="10996" marR="10996" marT="7330" marB="7330" anchor="b">
+                    <a:lnL w="6350" cap="flat" cmpd="sng" algn="ctr">
+                      <a:solidFill>
+                        <a:srgbClr val="CCCCCC"/>
+                      </a:solidFill>
+                      <a:prstDash val="solid"/>
+                      <a:round/>
+                      <a:headEnd type="none" w="med" len="med"/>
+                      <a:tailEnd type="none" w="med" len="med"/>
+                    </a:lnL>
+                    <a:lnR w="6350" cap="flat" cmpd="sng" algn="ctr">
+                      <a:solidFill>
+                        <a:srgbClr val="CCCCCC"/>
+                      </a:solidFill>
+                      <a:prstDash val="solid"/>
+                      <a:round/>
+                      <a:headEnd type="none" w="med" len="med"/>
+                      <a:tailEnd type="none" w="med" len="med"/>
+                    </a:lnR>
+                    <a:lnT w="6350" cap="flat" cmpd="sng" algn="ctr">
+                      <a:solidFill>
+                        <a:srgbClr val="CCCCCC"/>
+                      </a:solidFill>
+                      <a:prstDash val="solid"/>
+                      <a:round/>
+                      <a:headEnd type="none" w="med" len="med"/>
+                      <a:tailEnd type="none" w="med" len="med"/>
+                    </a:lnT>
+                    <a:lnB w="6350" cap="flat" cmpd="sng" algn="ctr">
+                      <a:solidFill>
+                        <a:srgbClr val="CCCCCC"/>
+                      </a:solidFill>
+                      <a:prstDash val="solid"/>
+                      <a:round/>
+                      <a:headEnd type="none" w="med" len="med"/>
+                      <a:tailEnd type="none" w="med" len="med"/>
+                    </a:lnB>
+                  </a:tcPr>
+                </a:tc>
+                <a:extLst>
+                  <a:ext uri="{0D108BD9-81ED-4DB2-BD59-A6C34878D82A}">
+                    <a16:rowId xmlns:a16="http://schemas.microsoft.com/office/drawing/2014/main" val="1650625812"/>
+                  </a:ext>
+                </a:extLst>
+              </a:tr>
+              <a:tr h="378992">
+                <a:tc>
+                  <a:txBody>
+                    <a:bodyPr/>
+                    <a:lstStyle/>
+                    <a:p>
+                      <a:pPr rtl="0" fontAlgn="b"/>
+                      <a:r>
+                        <a:rPr lang="en-US" sz="2400">
+                          <a:solidFill>
+                            <a:srgbClr val="BF9000"/>
+                          </a:solidFill>
+                          <a:effectLst/>
+                        </a:rPr>
+                        <a:t>11/25/22</a:t>
+                      </a:r>
+                    </a:p>
+                  </a:txBody>
+                  <a:tcPr marL="10996" marR="10996" marT="7330" marB="7330" anchor="b">
+                    <a:lnL w="6350" cap="flat" cmpd="sng" algn="ctr">
+                      <a:solidFill>
+                        <a:srgbClr val="CCCCCC"/>
+                      </a:solidFill>
+                      <a:prstDash val="solid"/>
+                      <a:round/>
+                      <a:headEnd type="none" w="med" len="med"/>
+                      <a:tailEnd type="none" w="med" len="med"/>
+                    </a:lnL>
+                    <a:lnR w="6350" cap="flat" cmpd="sng" algn="ctr">
+                      <a:solidFill>
+                        <a:srgbClr val="CCCCCC"/>
+                      </a:solidFill>
+                      <a:prstDash val="solid"/>
+                      <a:round/>
+                      <a:headEnd type="none" w="med" len="med"/>
+                      <a:tailEnd type="none" w="med" len="med"/>
+                    </a:lnR>
+                    <a:lnT w="6350" cap="flat" cmpd="sng" algn="ctr">
+                      <a:solidFill>
+                        <a:srgbClr val="CCCCCC"/>
+                      </a:solidFill>
+                      <a:prstDash val="solid"/>
+                      <a:round/>
+                      <a:headEnd type="none" w="med" len="med"/>
+                      <a:tailEnd type="none" w="med" len="med"/>
+                    </a:lnT>
+                    <a:lnB w="6350" cap="flat" cmpd="sng" algn="ctr">
+                      <a:solidFill>
+                        <a:srgbClr val="CCCCCC"/>
+                      </a:solidFill>
+                      <a:prstDash val="solid"/>
+                      <a:round/>
+                      <a:headEnd type="none" w="med" len="med"/>
+                      <a:tailEnd type="none" w="med" len="med"/>
+                    </a:lnB>
+                  </a:tcPr>
+                </a:tc>
+                <a:tc>
+                  <a:txBody>
+                    <a:bodyPr/>
+                    <a:lstStyle/>
+                    <a:p>
+                      <a:pPr rtl="0" fontAlgn="b"/>
+                      <a:r>
+                        <a:rPr lang="en-US" sz="2400">
+                          <a:solidFill>
+                            <a:srgbClr val="BF9000"/>
+                          </a:solidFill>
+                          <a:effectLst/>
+                        </a:rPr>
+                        <a:t>Thanksgiving</a:t>
+                      </a:r>
+                    </a:p>
+                  </a:txBody>
+                  <a:tcPr marL="10996" marR="10996" marT="7330" marB="7330" anchor="b">
+                    <a:lnL w="6350" cap="flat" cmpd="sng" algn="ctr">
+                      <a:solidFill>
+                        <a:srgbClr val="CCCCCC"/>
+                      </a:solidFill>
+                      <a:prstDash val="solid"/>
+                      <a:round/>
+                      <a:headEnd type="none" w="med" len="med"/>
+                      <a:tailEnd type="none" w="med" len="med"/>
+                    </a:lnL>
+                    <a:lnR w="6350" cap="flat" cmpd="sng" algn="ctr">
+                      <a:solidFill>
+                        <a:srgbClr val="CCCCCC"/>
+                      </a:solidFill>
+                      <a:prstDash val="solid"/>
+                      <a:round/>
+                      <a:headEnd type="none" w="med" len="med"/>
+                      <a:tailEnd type="none" w="med" len="med"/>
+                    </a:lnR>
+                    <a:lnT w="6350" cap="flat" cmpd="sng" algn="ctr">
+                      <a:solidFill>
+                        <a:srgbClr val="CCCCCC"/>
+                      </a:solidFill>
+                      <a:prstDash val="solid"/>
+                      <a:round/>
+                      <a:headEnd type="none" w="med" len="med"/>
+                      <a:tailEnd type="none" w="med" len="med"/>
+                    </a:lnT>
+                    <a:lnB w="6350" cap="flat" cmpd="sng" algn="ctr">
+                      <a:solidFill>
+                        <a:srgbClr val="CCCCCC"/>
+                      </a:solidFill>
+                      <a:prstDash val="solid"/>
+                      <a:round/>
+                      <a:headEnd type="none" w="med" len="med"/>
+                      <a:tailEnd type="none" w="med" len="med"/>
+                    </a:lnB>
+                  </a:tcPr>
+                </a:tc>
+                <a:extLst>
+                  <a:ext uri="{0D108BD9-81ED-4DB2-BD59-A6C34878D82A}">
+                    <a16:rowId xmlns:a16="http://schemas.microsoft.com/office/drawing/2014/main" val="3058846517"/>
+                  </a:ext>
+                </a:extLst>
+              </a:tr>
+              <a:tr h="378992">
+                <a:tc>
+                  <a:txBody>
+                    <a:bodyPr/>
+                    <a:lstStyle/>
+                    <a:p>
+                      <a:pPr rtl="0" fontAlgn="b"/>
+                      <a:r>
+                        <a:rPr lang="en-US" sz="2400">
+                          <a:effectLst/>
+                        </a:rPr>
+                        <a:t>12/01/22</a:t>
+                      </a:r>
+                    </a:p>
+                  </a:txBody>
+                  <a:tcPr marL="10996" marR="10996" marT="7330" marB="7330" anchor="b">
+                    <a:lnL w="6350" cap="flat" cmpd="sng" algn="ctr">
+                      <a:solidFill>
+                        <a:srgbClr val="CCCCCC"/>
+                      </a:solidFill>
+                      <a:prstDash val="solid"/>
+                      <a:round/>
+                      <a:headEnd type="none" w="med" len="med"/>
+                      <a:tailEnd type="none" w="med" len="med"/>
+                    </a:lnL>
+                    <a:lnR w="6350" cap="flat" cmpd="sng" algn="ctr">
+                      <a:solidFill>
+                        <a:srgbClr val="CCCCCC"/>
+                      </a:solidFill>
+                      <a:prstDash val="solid"/>
+                      <a:round/>
+                      <a:headEnd type="none" w="med" len="med"/>
+                      <a:tailEnd type="none" w="med" len="med"/>
+                    </a:lnR>
+                    <a:lnT w="6350" cap="flat" cmpd="sng" algn="ctr">
+                      <a:solidFill>
+                        <a:srgbClr val="CCCCCC"/>
+                      </a:solidFill>
+                      <a:prstDash val="solid"/>
+                      <a:round/>
+                      <a:headEnd type="none" w="med" len="med"/>
+                      <a:tailEnd type="none" w="med" len="med"/>
+                    </a:lnT>
+                    <a:lnB w="6350" cap="flat" cmpd="sng" algn="ctr">
+                      <a:solidFill>
+                        <a:srgbClr val="CCCCCC"/>
+                      </a:solidFill>
+                      <a:prstDash val="solid"/>
+                      <a:round/>
+                      <a:headEnd type="none" w="med" len="med"/>
+                      <a:tailEnd type="none" w="med" len="med"/>
+                    </a:lnB>
+                    <a:solidFill>
+                      <a:srgbClr val="FFFFFF"/>
+                    </a:solidFill>
+                  </a:tcPr>
+                </a:tc>
+                <a:tc>
+                  <a:txBody>
+                    <a:bodyPr/>
+                    <a:lstStyle/>
+                    <a:p>
+                      <a:pPr rtl="0" fontAlgn="b"/>
+                      <a:r>
+                        <a:rPr lang="en-US" sz="2400">
+                          <a:effectLst/>
+                        </a:rPr>
+                        <a:t>GAN 1</a:t>
+                      </a:r>
+                    </a:p>
+                  </a:txBody>
+                  <a:tcPr marL="10996" marR="10996" marT="7330" marB="7330" anchor="b">
+                    <a:lnL w="6350" cap="flat" cmpd="sng" algn="ctr">
+                      <a:solidFill>
+                        <a:srgbClr val="CCCCCC"/>
+                      </a:solidFill>
+                      <a:prstDash val="solid"/>
+                      <a:round/>
+                      <a:headEnd type="none" w="med" len="med"/>
+                      <a:tailEnd type="none" w="med" len="med"/>
+                    </a:lnL>
+                    <a:lnR w="6350" cap="flat" cmpd="sng" algn="ctr">
+                      <a:solidFill>
+                        <a:srgbClr val="CCCCCC"/>
+                      </a:solidFill>
+                      <a:prstDash val="solid"/>
+                      <a:round/>
+                      <a:headEnd type="none" w="med" len="med"/>
+                      <a:tailEnd type="none" w="med" len="med"/>
+                    </a:lnR>
+                    <a:lnT w="6350" cap="flat" cmpd="sng" algn="ctr">
+                      <a:solidFill>
+                        <a:srgbClr val="CCCCCC"/>
+                      </a:solidFill>
+                      <a:prstDash val="solid"/>
+                      <a:round/>
+                      <a:headEnd type="none" w="med" len="med"/>
+                      <a:tailEnd type="none" w="med" len="med"/>
+                    </a:lnT>
+                    <a:lnB w="6350" cap="flat" cmpd="sng" algn="ctr">
+                      <a:solidFill>
+                        <a:srgbClr val="CCCCCC"/>
+                      </a:solidFill>
+                      <a:prstDash val="solid"/>
+                      <a:round/>
+                      <a:headEnd type="none" w="med" len="med"/>
+                      <a:tailEnd type="none" w="med" len="med"/>
+                    </a:lnB>
+                    <a:solidFill>
+                      <a:srgbClr val="FFFFFF"/>
+                    </a:solidFill>
+                  </a:tcPr>
+                </a:tc>
+                <a:extLst>
+                  <a:ext uri="{0D108BD9-81ED-4DB2-BD59-A6C34878D82A}">
+                    <a16:rowId xmlns:a16="http://schemas.microsoft.com/office/drawing/2014/main" val="1882782709"/>
+                  </a:ext>
+                </a:extLst>
+              </a:tr>
+              <a:tr h="378992">
+                <a:tc>
+                  <a:txBody>
+                    <a:bodyPr/>
+                    <a:lstStyle/>
+                    <a:p>
+                      <a:pPr rtl="0" fontAlgn="b"/>
+                      <a:r>
+                        <a:rPr lang="en-US" sz="2400">
+                          <a:effectLst/>
+                        </a:rPr>
+                        <a:t>12/08/22</a:t>
+                      </a:r>
+                    </a:p>
+                  </a:txBody>
+                  <a:tcPr marL="10996" marR="10996" marT="7330" marB="7330" anchor="b">
+                    <a:lnL w="6350" cap="flat" cmpd="sng" algn="ctr">
+                      <a:solidFill>
+                        <a:srgbClr val="CCCCCC"/>
+                      </a:solidFill>
+                      <a:prstDash val="solid"/>
+                      <a:round/>
+                      <a:headEnd type="none" w="med" len="med"/>
+                      <a:tailEnd type="none" w="med" len="med"/>
+                    </a:lnL>
+                    <a:lnR w="6350" cap="flat" cmpd="sng" algn="ctr">
+                      <a:solidFill>
+                        <a:srgbClr val="CCCCCC"/>
+                      </a:solidFill>
+                      <a:prstDash val="solid"/>
+                      <a:round/>
+                      <a:headEnd type="none" w="med" len="med"/>
+                      <a:tailEnd type="none" w="med" len="med"/>
+                    </a:lnR>
+                    <a:lnT w="6350" cap="flat" cmpd="sng" algn="ctr">
+                      <a:solidFill>
+                        <a:srgbClr val="CCCCCC"/>
+                      </a:solidFill>
+                      <a:prstDash val="solid"/>
+                      <a:round/>
+                      <a:headEnd type="none" w="med" len="med"/>
+                      <a:tailEnd type="none" w="med" len="med"/>
+                    </a:lnT>
+                    <a:lnB w="6350" cap="flat" cmpd="sng" algn="ctr">
+                      <a:solidFill>
+                        <a:srgbClr val="CCCCCC"/>
+                      </a:solidFill>
+                      <a:prstDash val="solid"/>
+                      <a:round/>
+                      <a:headEnd type="none" w="med" len="med"/>
+                      <a:tailEnd type="none" w="med" len="med"/>
+                    </a:lnB>
+                  </a:tcPr>
+                </a:tc>
+                <a:tc>
+                  <a:txBody>
+                    <a:bodyPr/>
+                    <a:lstStyle/>
+                    <a:p>
+                      <a:pPr rtl="0" fontAlgn="b"/>
+                      <a:r>
+                        <a:rPr lang="en-US" sz="2400" dirty="0">
+                          <a:effectLst/>
+                        </a:rPr>
+                        <a:t>GAN 2</a:t>
+                      </a:r>
+                    </a:p>
+                  </a:txBody>
+                  <a:tcPr marL="10996" marR="10996" marT="7330" marB="7330" anchor="b">
+                    <a:lnL w="6350" cap="flat" cmpd="sng" algn="ctr">
+                      <a:solidFill>
+                        <a:srgbClr val="CCCCCC"/>
+                      </a:solidFill>
+                      <a:prstDash val="solid"/>
+                      <a:round/>
+                      <a:headEnd type="none" w="med" len="med"/>
+                      <a:tailEnd type="none" w="med" len="med"/>
+                    </a:lnL>
+                    <a:lnR w="6350" cap="flat" cmpd="sng" algn="ctr">
+                      <a:solidFill>
+                        <a:srgbClr val="CCCCCC"/>
+                      </a:solidFill>
+                      <a:prstDash val="solid"/>
+                      <a:round/>
+                      <a:headEnd type="none" w="med" len="med"/>
+                      <a:tailEnd type="none" w="med" len="med"/>
+                    </a:lnR>
+                    <a:lnT w="6350" cap="flat" cmpd="sng" algn="ctr">
+                      <a:solidFill>
+                        <a:srgbClr val="CCCCCC"/>
+                      </a:solidFill>
+                      <a:prstDash val="solid"/>
+                      <a:round/>
+                      <a:headEnd type="none" w="med" len="med"/>
+                      <a:tailEnd type="none" w="med" len="med"/>
+                    </a:lnT>
+                    <a:lnB w="6350" cap="flat" cmpd="sng" algn="ctr">
+                      <a:solidFill>
+                        <a:srgbClr val="CCCCCC"/>
+                      </a:solidFill>
+                      <a:prstDash val="solid"/>
+                      <a:round/>
+                      <a:headEnd type="none" w="med" len="med"/>
+                      <a:tailEnd type="none" w="med" len="med"/>
+                    </a:lnB>
+                  </a:tcPr>
+                </a:tc>
+                <a:extLst>
+                  <a:ext uri="{0D108BD9-81ED-4DB2-BD59-A6C34878D82A}">
+                    <a16:rowId xmlns:a16="http://schemas.microsoft.com/office/drawing/2014/main" val="67242494"/>
                   </a:ext>
                 </a:extLst>
               </a:tr>
@@ -10097,29 +11011,17 @@
     </p:spTree>
     <p:extLst>
       <p:ext uri="{BB962C8B-B14F-4D97-AF65-F5344CB8AC3E}">
-        <p14:creationId xmlns:p14="http://schemas.microsoft.com/office/powerpoint/2010/main" val="479851699"/>
+        <p14:creationId xmlns:p14="http://schemas.microsoft.com/office/powerpoint/2010/main" val="3606927073"/>
       </p:ext>
     </p:extLst>
   </p:cSld>
   <p:clrMapOvr>
     <a:masterClrMapping/>
   </p:clrMapOvr>
-  <mc:AlternateContent xmlns:mc="http://schemas.openxmlformats.org/markup-compatibility/2006" xmlns:p14="http://schemas.microsoft.com/office/powerpoint/2010/main">
-    <mc:Choice Requires="p14">
-      <p:transition spd="med" p14:dur="700">
-        <p:fade/>
-      </p:transition>
-    </mc:Choice>
-    <mc:Fallback xmlns="">
-      <p:transition spd="med">
-        <p:fade/>
-      </p:transition>
-    </mc:Fallback>
-  </mc:AlternateContent>
 </p:sld>
 </file>
 
-<file path=ppt/slides/slide16.xml><?xml version="1.0" encoding="utf-8"?>
+<file path=ppt/slides/slide17.xml><?xml version="1.0" encoding="utf-8"?>
 <p:sld xmlns:a="http://schemas.openxmlformats.org/drawingml/2006/main" xmlns:r="http://schemas.openxmlformats.org/officeDocument/2006/relationships" xmlns:p="http://schemas.openxmlformats.org/presentationml/2006/main">
   <p:cSld>
     <p:spTree>
@@ -10255,7 +11157,7 @@
 </p:sld>
 </file>
 
-<file path=ppt/slides/slide17.xml><?xml version="1.0" encoding="utf-8"?>
+<file path=ppt/slides/slide18.xml><?xml version="1.0" encoding="utf-8"?>
 <p:sld xmlns:a="http://schemas.openxmlformats.org/drawingml/2006/main" xmlns:r="http://schemas.openxmlformats.org/officeDocument/2006/relationships" xmlns:p="http://schemas.openxmlformats.org/presentationml/2006/main">
   <p:cSld>
     <p:spTree>
@@ -10361,7 +11263,7 @@
 </p:sld>
 </file>
 
-<file path=ppt/slides/slide18.xml><?xml version="1.0" encoding="utf-8"?>
+<file path=ppt/slides/slide19.xml><?xml version="1.0" encoding="utf-8"?>
 <p:sld xmlns:a="http://schemas.openxmlformats.org/drawingml/2006/main" xmlns:r="http://schemas.openxmlformats.org/officeDocument/2006/relationships" xmlns:p="http://schemas.openxmlformats.org/presentationml/2006/main">
   <p:cSld>
     <p:spTree>
@@ -10493,7 +11395,117 @@
 </p:sld>
 </file>
 
-<file path=ppt/slides/slide19.xml><?xml version="1.0" encoding="utf-8"?>
+<file path=ppt/slides/slide2.xml><?xml version="1.0" encoding="utf-8"?>
+<p:sld xmlns:a="http://schemas.openxmlformats.org/drawingml/2006/main" xmlns:r="http://schemas.openxmlformats.org/officeDocument/2006/relationships" xmlns:p="http://schemas.openxmlformats.org/presentationml/2006/main">
+  <p:cSld>
+    <p:spTree>
+      <p:nvGrpSpPr>
+        <p:cNvPr id="1" name=""/>
+        <p:cNvGrpSpPr/>
+        <p:nvPr/>
+      </p:nvGrpSpPr>
+      <p:grpSpPr>
+        <a:xfrm>
+          <a:off x="0" y="0"/>
+          <a:ext cx="0" cy="0"/>
+          <a:chOff x="0" y="0"/>
+          <a:chExt cx="0" cy="0"/>
+        </a:xfrm>
+      </p:grpSpPr>
+      <p:sp>
+        <p:nvSpPr>
+          <p:cNvPr id="2" name="Title 1">
+            <a:extLst>
+              <a:ext uri="{FF2B5EF4-FFF2-40B4-BE49-F238E27FC236}">
+                <a16:creationId xmlns:a16="http://schemas.microsoft.com/office/drawing/2014/main" id="{0E138177-E2EE-ACAC-A57C-F03FA29EC836}"/>
+              </a:ext>
+            </a:extLst>
+          </p:cNvPr>
+          <p:cNvSpPr>
+            <a:spLocks noGrp="1"/>
+          </p:cNvSpPr>
+          <p:nvPr>
+            <p:ph type="title"/>
+          </p:nvPr>
+        </p:nvSpPr>
+        <p:spPr/>
+        <p:txBody>
+          <a:bodyPr/>
+          <a:lstStyle/>
+          <a:p>
+            <a:pPr algn="ctr"/>
+            <a:r>
+              <a:rPr lang="en-US" dirty="0">
+                <a:solidFill>
+                  <a:schemeClr val="tx1">
+                    <a:lumMod val="75000"/>
+                    <a:lumOff val="25000"/>
+                  </a:schemeClr>
+                </a:solidFill>
+                <a:latin typeface="Palatino Linotype" panose="02040502050505030304" pitchFamily="18" charset="0"/>
+              </a:rPr>
+              <a:t>Learning Objective</a:t>
+            </a:r>
+          </a:p>
+        </p:txBody>
+      </p:sp>
+      <p:sp>
+        <p:nvSpPr>
+          <p:cNvPr id="3" name="Content Placeholder 2">
+            <a:extLst>
+              <a:ext uri="{FF2B5EF4-FFF2-40B4-BE49-F238E27FC236}">
+                <a16:creationId xmlns:a16="http://schemas.microsoft.com/office/drawing/2014/main" id="{8626DB86-54B4-A1E2-6C25-C049F364ED25}"/>
+              </a:ext>
+            </a:extLst>
+          </p:cNvPr>
+          <p:cNvSpPr>
+            <a:spLocks noGrp="1"/>
+          </p:cNvSpPr>
+          <p:nvPr>
+            <p:ph idx="1"/>
+          </p:nvPr>
+        </p:nvSpPr>
+        <p:spPr>
+          <a:xfrm>
+            <a:off x="2133600" y="2872245"/>
+            <a:ext cx="7924799" cy="1454602"/>
+          </a:xfrm>
+        </p:spPr>
+        <p:txBody>
+          <a:bodyPr>
+            <a:normAutofit/>
+          </a:bodyPr>
+          <a:lstStyle/>
+          <a:p>
+            <a:pPr marL="0" indent="0" algn="ctr">
+              <a:buNone/>
+            </a:pPr>
+            <a:r>
+              <a:rPr lang="en-US" sz="3200" dirty="0">
+                <a:solidFill>
+                  <a:srgbClr val="6AB07B"/>
+                </a:solidFill>
+                <a:latin typeface="Palatino Linotype" panose="02040502050505030304" pitchFamily="18" charset="0"/>
+              </a:rPr>
+              <a:t>Provide you with the basic skills and knowledge you need to participate in more advanced AI learning experiences</a:t>
+            </a:r>
+          </a:p>
+        </p:txBody>
+      </p:sp>
+    </p:spTree>
+    <p:extLst>
+      <p:ext uri="{BB962C8B-B14F-4D97-AF65-F5344CB8AC3E}">
+        <p14:creationId xmlns:p14="http://schemas.microsoft.com/office/powerpoint/2010/main" val="2991292738"/>
+      </p:ext>
+    </p:extLst>
+  </p:cSld>
+  <p:clrMapOvr>
+    <a:masterClrMapping/>
+  </p:clrMapOvr>
+</p:sld>
+</file>
+
+<file path=ppt/slides/slide20.xml><?xml version="1.0" encoding="utf-8"?>
 <p:sld xmlns:a="http://schemas.openxmlformats.org/drawingml/2006/main" xmlns:r="http://schemas.openxmlformats.org/officeDocument/2006/relationships" xmlns:p="http://schemas.openxmlformats.org/presentationml/2006/main">
   <p:cSld>
     <p:spTree>
@@ -10901,122 +11913,7 @@
 </p:sld>
 </file>
 
-<file path=ppt/slides/slide2.xml><?xml version="1.0" encoding="utf-8"?>
-<p:sld xmlns:a="http://schemas.openxmlformats.org/drawingml/2006/main" xmlns:r="http://schemas.openxmlformats.org/officeDocument/2006/relationships" xmlns:p="http://schemas.openxmlformats.org/presentationml/2006/main">
-  <p:cSld>
-    <p:spTree>
-      <p:nvGrpSpPr>
-        <p:cNvPr id="1" name=""/>
-        <p:cNvGrpSpPr/>
-        <p:nvPr/>
-      </p:nvGrpSpPr>
-      <p:grpSpPr>
-        <a:xfrm>
-          <a:off x="0" y="0"/>
-          <a:ext cx="0" cy="0"/>
-          <a:chOff x="0" y="0"/>
-          <a:chExt cx="0" cy="0"/>
-        </a:xfrm>
-      </p:grpSpPr>
-      <p:sp>
-        <p:nvSpPr>
-          <p:cNvPr id="5" name="Content Placeholder 4">
-            <a:extLst>
-              <a:ext uri="{FF2B5EF4-FFF2-40B4-BE49-F238E27FC236}">
-                <a16:creationId xmlns:a16="http://schemas.microsoft.com/office/drawing/2014/main" id="{7C82B2FA-DB39-467C-9DC1-245874DCBCF1}"/>
-              </a:ext>
-            </a:extLst>
-          </p:cNvPr>
-          <p:cNvSpPr>
-            <a:spLocks noGrp="1"/>
-          </p:cNvSpPr>
-          <p:nvPr>
-            <p:ph idx="1"/>
-          </p:nvPr>
-        </p:nvSpPr>
-        <p:spPr>
-          <a:xfrm>
-            <a:off x="618697" y="1508760"/>
-            <a:ext cx="10576561" cy="4790124"/>
-          </a:xfrm>
-        </p:spPr>
-        <p:txBody>
-          <a:bodyPr>
-            <a:normAutofit/>
-          </a:bodyPr>
-          <a:lstStyle/>
-          <a:p>
-            <a:pPr marL="0" indent="0">
-              <a:buNone/>
-            </a:pPr>
-            <a:endParaRPr lang="en-US" dirty="0">
-              <a:latin typeface="Palatino Linotype" panose="02040502050505030304" pitchFamily="18" charset="0"/>
-            </a:endParaRPr>
-          </a:p>
-          <a:p>
-            <a:pPr marL="0" indent="0">
-              <a:buNone/>
-            </a:pPr>
-            <a:endParaRPr lang="en-US" dirty="0">
-              <a:latin typeface="Palatino Linotype" panose="02040502050505030304" pitchFamily="18" charset="0"/>
-            </a:endParaRPr>
-          </a:p>
-          <a:p>
-            <a:pPr marL="0" indent="0" algn="ctr">
-              <a:buNone/>
-            </a:pPr>
-            <a:r>
-              <a:rPr lang="en-US" sz="4400" dirty="0">
-                <a:latin typeface="Palatino Linotype" panose="02040502050505030304" pitchFamily="18" charset="0"/>
-              </a:rPr>
-              <a:t>Think about and </a:t>
-            </a:r>
-            <a:r>
-              <a:rPr lang="en-US" sz="4400" dirty="0">
-                <a:solidFill>
-                  <a:schemeClr val="accent1">
-                    <a:lumMod val="75000"/>
-                  </a:schemeClr>
-                </a:solidFill>
-                <a:latin typeface="Palatino Linotype" panose="02040502050505030304" pitchFamily="18" charset="0"/>
-              </a:rPr>
-              <a:t>creatively</a:t>
-            </a:r>
-            <a:r>
-              <a:rPr lang="en-US" sz="4400" dirty="0">
-                <a:latin typeface="Palatino Linotype" panose="02040502050505030304" pitchFamily="18" charset="0"/>
-              </a:rPr>
-              <a:t> apply AI to make the world a better place</a:t>
-            </a:r>
-          </a:p>
-        </p:txBody>
-      </p:sp>
-    </p:spTree>
-    <p:extLst>
-      <p:ext uri="{BB962C8B-B14F-4D97-AF65-F5344CB8AC3E}">
-        <p14:creationId xmlns:p14="http://schemas.microsoft.com/office/powerpoint/2010/main" val="2443628232"/>
-      </p:ext>
-    </p:extLst>
-  </p:cSld>
-  <p:clrMapOvr>
-    <a:masterClrMapping/>
-  </p:clrMapOvr>
-  <mc:AlternateContent xmlns:mc="http://schemas.openxmlformats.org/markup-compatibility/2006" xmlns:p14="http://schemas.microsoft.com/office/powerpoint/2010/main">
-    <mc:Choice Requires="p14">
-      <p:transition spd="med" p14:dur="700">
-        <p:fade/>
-      </p:transition>
-    </mc:Choice>
-    <mc:Fallback xmlns="">
-      <p:transition spd="med">
-        <p:fade/>
-      </p:transition>
-    </mc:Fallback>
-  </mc:AlternateContent>
-</p:sld>
-</file>
-
-<file path=ppt/slides/slide20.xml><?xml version="1.0" encoding="utf-8"?>
+<file path=ppt/slides/slide21.xml><?xml version="1.0" encoding="utf-8"?>
 <p:sld xmlns:a="http://schemas.openxmlformats.org/drawingml/2006/main" xmlns:r="http://schemas.openxmlformats.org/officeDocument/2006/relationships" xmlns:p="http://schemas.openxmlformats.org/presentationml/2006/main">
   <p:cSld>
     <p:spTree>
@@ -11088,7 +11985,7 @@
 </p:sld>
 </file>
 
-<file path=ppt/slides/slide21.xml><?xml version="1.0" encoding="utf-8"?>
+<file path=ppt/slides/slide22.xml><?xml version="1.0" encoding="utf-8"?>
 <p:sld xmlns:a="http://schemas.openxmlformats.org/drawingml/2006/main" xmlns:r="http://schemas.openxmlformats.org/officeDocument/2006/relationships" xmlns:p="http://schemas.openxmlformats.org/presentationml/2006/main">
   <p:cSld>
     <p:spTree>
@@ -11160,7 +12057,7 @@
 </p:sld>
 </file>
 
-<file path=ppt/slides/slide22.xml><?xml version="1.0" encoding="utf-8"?>
+<file path=ppt/slides/slide23.xml><?xml version="1.0" encoding="utf-8"?>
 <p:sld xmlns:a="http://schemas.openxmlformats.org/drawingml/2006/main" xmlns:r="http://schemas.openxmlformats.org/officeDocument/2006/relationships" xmlns:p="http://schemas.openxmlformats.org/presentationml/2006/main">
   <p:cSld>
     <p:spTree>
@@ -11232,7 +12129,7 @@
 </p:sld>
 </file>
 
-<file path=ppt/slides/slide23.xml><?xml version="1.0" encoding="utf-8"?>
+<file path=ppt/slides/slide24.xml><?xml version="1.0" encoding="utf-8"?>
 <p:sld xmlns:a="http://schemas.openxmlformats.org/drawingml/2006/main" xmlns:r="http://schemas.openxmlformats.org/officeDocument/2006/relationships" xmlns:p="http://schemas.openxmlformats.org/presentationml/2006/main">
   <p:cSld>
     <p:spTree>
@@ -11304,7 +12201,7 @@
 </p:sld>
 </file>
 
-<file path=ppt/slides/slide24.xml><?xml version="1.0" encoding="utf-8"?>
+<file path=ppt/slides/slide25.xml><?xml version="1.0" encoding="utf-8"?>
 <p:sld xmlns:a="http://schemas.openxmlformats.org/drawingml/2006/main" xmlns:r="http://schemas.openxmlformats.org/officeDocument/2006/relationships" xmlns:p="http://schemas.openxmlformats.org/presentationml/2006/main">
   <p:cSld>
     <p:spTree>
@@ -11376,7 +12273,7 @@
 </p:sld>
 </file>
 
-<file path=ppt/slides/slide25.xml><?xml version="1.0" encoding="utf-8"?>
+<file path=ppt/slides/slide26.xml><?xml version="1.0" encoding="utf-8"?>
 <p:sld xmlns:a="http://schemas.openxmlformats.org/drawingml/2006/main" xmlns:r="http://schemas.openxmlformats.org/officeDocument/2006/relationships" xmlns:p="http://schemas.openxmlformats.org/presentationml/2006/main">
   <p:cSld>
     <p:spTree>
@@ -11448,7 +12345,7 @@
 </p:sld>
 </file>
 
-<file path=ppt/slides/slide26.xml><?xml version="1.0" encoding="utf-8"?>
+<file path=ppt/slides/slide27.xml><?xml version="1.0" encoding="utf-8"?>
 <p:sld xmlns:a="http://schemas.openxmlformats.org/drawingml/2006/main" xmlns:r="http://schemas.openxmlformats.org/officeDocument/2006/relationships" xmlns:p="http://schemas.openxmlformats.org/presentationml/2006/main">
   <p:cSld>
     <p:spTree>
@@ -11520,7 +12417,7 @@
 </p:sld>
 </file>
 
-<file path=ppt/slides/slide27.xml><?xml version="1.0" encoding="utf-8"?>
+<file path=ppt/slides/slide28.xml><?xml version="1.0" encoding="utf-8"?>
 <p:sld xmlns:a="http://schemas.openxmlformats.org/drawingml/2006/main" xmlns:r="http://schemas.openxmlformats.org/officeDocument/2006/relationships" xmlns:p="http://schemas.openxmlformats.org/presentationml/2006/main">
   <p:cSld>
     <p:spTree>
@@ -12184,7 +13081,7 @@
 </p:sld>
 </file>
 
-<file path=ppt/slides/slide28.xml><?xml version="1.0" encoding="utf-8"?>
+<file path=ppt/slides/slide29.xml><?xml version="1.0" encoding="utf-8"?>
 <p:sld xmlns:a="http://schemas.openxmlformats.org/drawingml/2006/main" xmlns:r="http://schemas.openxmlformats.org/officeDocument/2006/relationships" xmlns:p="http://schemas.openxmlformats.org/presentationml/2006/main">
   <p:cSld>
     <p:spTree>
@@ -12447,6 +13344,243 @@
     <p:extLst>
       <p:ext uri="{BB962C8B-B14F-4D97-AF65-F5344CB8AC3E}">
         <p14:creationId xmlns:p14="http://schemas.microsoft.com/office/powerpoint/2010/main" val="2853843531"/>
+      </p:ext>
+    </p:extLst>
+  </p:cSld>
+  <p:clrMapOvr>
+    <a:masterClrMapping/>
+  </p:clrMapOvr>
+  <mc:AlternateContent xmlns:mc="http://schemas.openxmlformats.org/markup-compatibility/2006" xmlns:p14="http://schemas.microsoft.com/office/powerpoint/2010/main">
+    <mc:Choice Requires="p14">
+      <p:transition spd="med" p14:dur="700">
+        <p:fade/>
+      </p:transition>
+    </mc:Choice>
+    <mc:Fallback xmlns="">
+      <p:transition spd="med">
+        <p:fade/>
+      </p:transition>
+    </mc:Fallback>
+  </mc:AlternateContent>
+</p:sld>
+</file>
+
+<file path=ppt/slides/slide30.xml><?xml version="1.0" encoding="utf-8"?>
+<p:sld xmlns:a="http://schemas.openxmlformats.org/drawingml/2006/main" xmlns:r="http://schemas.openxmlformats.org/officeDocument/2006/relationships" xmlns:p="http://schemas.openxmlformats.org/presentationml/2006/main">
+  <p:cSld>
+    <p:spTree>
+      <p:nvGrpSpPr>
+        <p:cNvPr id="1" name=""/>
+        <p:cNvGrpSpPr/>
+        <p:nvPr/>
+      </p:nvGrpSpPr>
+      <p:grpSpPr>
+        <a:xfrm>
+          <a:off x="0" y="0"/>
+          <a:ext cx="0" cy="0"/>
+          <a:chOff x="0" y="0"/>
+          <a:chExt cx="0" cy="0"/>
+        </a:xfrm>
+      </p:grpSpPr>
+      <p:sp>
+        <p:nvSpPr>
+          <p:cNvPr id="2" name="Title 1">
+            <a:extLst>
+              <a:ext uri="{FF2B5EF4-FFF2-40B4-BE49-F238E27FC236}">
+                <a16:creationId xmlns:a16="http://schemas.microsoft.com/office/drawing/2014/main" id="{F3FF74A9-72AA-761E-3A6B-EA37DD5EFEEC}"/>
+              </a:ext>
+            </a:extLst>
+          </p:cNvPr>
+          <p:cNvSpPr>
+            <a:spLocks noGrp="1"/>
+          </p:cNvSpPr>
+          <p:nvPr>
+            <p:ph type="title"/>
+          </p:nvPr>
+        </p:nvSpPr>
+        <p:spPr/>
+        <p:txBody>
+          <a:bodyPr/>
+          <a:lstStyle/>
+          <a:p>
+            <a:endParaRPr lang="en-US"/>
+          </a:p>
+        </p:txBody>
+      </p:sp>
+      <p:sp>
+        <p:nvSpPr>
+          <p:cNvPr id="3" name="Content Placeholder 2">
+            <a:extLst>
+              <a:ext uri="{FF2B5EF4-FFF2-40B4-BE49-F238E27FC236}">
+                <a16:creationId xmlns:a16="http://schemas.microsoft.com/office/drawing/2014/main" id="{EF25C090-C2F7-7887-76A2-DCCBBEA3F21F}"/>
+              </a:ext>
+            </a:extLst>
+          </p:cNvPr>
+          <p:cNvSpPr>
+            <a:spLocks noGrp="1"/>
+          </p:cNvSpPr>
+          <p:nvPr>
+            <p:ph idx="1"/>
+          </p:nvPr>
+        </p:nvSpPr>
+        <p:spPr/>
+        <p:txBody>
+          <a:bodyPr/>
+          <a:lstStyle/>
+          <a:p>
+            <a:endParaRPr lang="en-US"/>
+          </a:p>
+        </p:txBody>
+      </p:sp>
+    </p:spTree>
+    <p:extLst>
+      <p:ext uri="{BB962C8B-B14F-4D97-AF65-F5344CB8AC3E}">
+        <p14:creationId xmlns:p14="http://schemas.microsoft.com/office/powerpoint/2010/main" val="960500591"/>
+      </p:ext>
+    </p:extLst>
+  </p:cSld>
+  <p:clrMapOvr>
+    <a:masterClrMapping/>
+  </p:clrMapOvr>
+</p:sld>
+</file>
+
+<file path=ppt/slides/slide31.xml><?xml version="1.0" encoding="utf-8"?>
+<p:sld xmlns:a="http://schemas.openxmlformats.org/drawingml/2006/main" xmlns:r="http://schemas.openxmlformats.org/officeDocument/2006/relationships" xmlns:p="http://schemas.openxmlformats.org/presentationml/2006/main">
+  <p:cSld>
+    <p:spTree>
+      <p:nvGrpSpPr>
+        <p:cNvPr id="1" name=""/>
+        <p:cNvGrpSpPr/>
+        <p:nvPr/>
+      </p:nvGrpSpPr>
+      <p:grpSpPr>
+        <a:xfrm>
+          <a:off x="0" y="0"/>
+          <a:ext cx="0" cy="0"/>
+          <a:chOff x="0" y="0"/>
+          <a:chExt cx="0" cy="0"/>
+        </a:xfrm>
+      </p:grpSpPr>
+      <p:sp>
+        <p:nvSpPr>
+          <p:cNvPr id="5" name="Content Placeholder 4">
+            <a:extLst>
+              <a:ext uri="{FF2B5EF4-FFF2-40B4-BE49-F238E27FC236}">
+                <a16:creationId xmlns:a16="http://schemas.microsoft.com/office/drawing/2014/main" id="{7C82B2FA-DB39-467C-9DC1-245874DCBCF1}"/>
+              </a:ext>
+            </a:extLst>
+          </p:cNvPr>
+          <p:cNvSpPr>
+            <a:spLocks noGrp="1"/>
+          </p:cNvSpPr>
+          <p:nvPr>
+            <p:ph idx="1"/>
+          </p:nvPr>
+        </p:nvSpPr>
+        <p:spPr>
+          <a:xfrm>
+            <a:off x="618697" y="1508760"/>
+            <a:ext cx="10576561" cy="4790124"/>
+          </a:xfrm>
+        </p:spPr>
+        <p:txBody>
+          <a:bodyPr>
+            <a:normAutofit/>
+          </a:bodyPr>
+          <a:lstStyle/>
+          <a:p>
+            <a:pPr marL="0" indent="0">
+              <a:buNone/>
+            </a:pPr>
+            <a:endParaRPr lang="en-US" dirty="0">
+              <a:latin typeface="Palatino Linotype" panose="02040502050505030304" pitchFamily="18" charset="0"/>
+            </a:endParaRPr>
+          </a:p>
+          <a:p>
+            <a:pPr marL="0" indent="0">
+              <a:buNone/>
+            </a:pPr>
+            <a:endParaRPr lang="en-US" dirty="0">
+              <a:latin typeface="Palatino Linotype" panose="02040502050505030304" pitchFamily="18" charset="0"/>
+            </a:endParaRPr>
+          </a:p>
+          <a:p>
+            <a:pPr marL="0" indent="0" algn="ctr">
+              <a:buNone/>
+            </a:pPr>
+            <a:r>
+              <a:rPr lang="en-US" sz="4400" dirty="0">
+                <a:latin typeface="Palatino Linotype" panose="02040502050505030304" pitchFamily="18" charset="0"/>
+              </a:rPr>
+              <a:t>Think about and </a:t>
+            </a:r>
+            <a:r>
+              <a:rPr lang="en-US" sz="4400" dirty="0">
+                <a:solidFill>
+                  <a:schemeClr val="accent1">
+                    <a:lumMod val="75000"/>
+                  </a:schemeClr>
+                </a:solidFill>
+                <a:latin typeface="Palatino Linotype" panose="02040502050505030304" pitchFamily="18" charset="0"/>
+              </a:rPr>
+              <a:t>creatively</a:t>
+            </a:r>
+            <a:r>
+              <a:rPr lang="en-US" sz="4400" dirty="0">
+                <a:latin typeface="Palatino Linotype" panose="02040502050505030304" pitchFamily="18" charset="0"/>
+              </a:rPr>
+              <a:t> apply AI to make the world a better place</a:t>
+            </a:r>
+          </a:p>
+        </p:txBody>
+      </p:sp>
+      <p:sp>
+        <p:nvSpPr>
+          <p:cNvPr id="3" name="Title 1">
+            <a:extLst>
+              <a:ext uri="{FF2B5EF4-FFF2-40B4-BE49-F238E27FC236}">
+                <a16:creationId xmlns:a16="http://schemas.microsoft.com/office/drawing/2014/main" id="{67901986-8F42-9E29-3E86-B87D4B3C0D5E}"/>
+              </a:ext>
+            </a:extLst>
+          </p:cNvPr>
+          <p:cNvSpPr>
+            <a:spLocks noGrp="1"/>
+          </p:cNvSpPr>
+          <p:nvPr>
+            <p:ph type="title"/>
+          </p:nvPr>
+        </p:nvSpPr>
+        <p:spPr>
+          <a:xfrm>
+            <a:off x="838200" y="365126"/>
+            <a:ext cx="10515600" cy="1325563"/>
+          </a:xfrm>
+        </p:spPr>
+        <p:txBody>
+          <a:bodyPr/>
+          <a:lstStyle/>
+          <a:p>
+            <a:pPr algn="ctr"/>
+            <a:r>
+              <a:rPr lang="en-US" dirty="0">
+                <a:solidFill>
+                  <a:schemeClr val="tx1">
+                    <a:lumMod val="75000"/>
+                    <a:lumOff val="25000"/>
+                  </a:schemeClr>
+                </a:solidFill>
+                <a:latin typeface="Palatino Linotype" panose="02040502050505030304" pitchFamily="18" charset="0"/>
+              </a:rPr>
+              <a:t>Learning Objective</a:t>
+            </a:r>
+          </a:p>
+        </p:txBody>
+      </p:sp>
+    </p:spTree>
+    <p:extLst>
+      <p:ext uri="{BB962C8B-B14F-4D97-AF65-F5344CB8AC3E}">
+        <p14:creationId xmlns:p14="http://schemas.microsoft.com/office/powerpoint/2010/main" val="2443628232"/>
       </p:ext>
     </p:extLst>
   </p:cSld>
@@ -12907,10 +14041,10 @@
       </p:grpSpPr>
       <p:graphicFrame>
         <p:nvGraphicFramePr>
-          <p:cNvPr id="2" name="Table 2">
+          <p:cNvPr id="4" name="Table 3">
             <a:extLst>
               <a:ext uri="{FF2B5EF4-FFF2-40B4-BE49-F238E27FC236}">
-                <a16:creationId xmlns:a16="http://schemas.microsoft.com/office/drawing/2014/main" id="{5F78AF18-3745-451C-A8C8-2173737D9444}"/>
+                <a16:creationId xmlns:a16="http://schemas.microsoft.com/office/drawing/2014/main" id="{4963E0F1-CF50-8D4E-1123-C6EB70E9B7FC}"/>
               </a:ext>
             </a:extLst>
           </p:cNvPr>
@@ -12920,88 +14054,81 @@
           <p:nvPr>
             <p:extLst>
               <p:ext uri="{D42A27DB-BD31-4B8C-83A1-F6EECF244321}">
-                <p14:modId xmlns:p14="http://schemas.microsoft.com/office/powerpoint/2010/main" val="2573680552"/>
+                <p14:modId xmlns:p14="http://schemas.microsoft.com/office/powerpoint/2010/main" val="2850423726"/>
               </p:ext>
             </p:extLst>
           </p:nvPr>
         </p:nvGraphicFramePr>
         <p:xfrm>
-          <a:off x="2082800" y="1828800"/>
-          <a:ext cx="8026400" cy="3200400"/>
+          <a:off x="2338466" y="406400"/>
+          <a:ext cx="7435121" cy="6144297"/>
         </p:xfrm>
         <a:graphic>
           <a:graphicData uri="http://schemas.openxmlformats.org/drawingml/2006/table">
             <a:tbl>
-              <a:tblPr firstRow="1" bandRow="1">
-                <a:tableStyleId>{5A111915-BE36-4E01-A7E5-04B1672EAD32}</a:tableStyleId>
-              </a:tblPr>
+              <a:tblPr/>
               <a:tblGrid>
-                <a:gridCol w="6109855">
+                <a:gridCol w="3032201">
                   <a:extLst>
                     <a:ext uri="{9D8B030D-6E8A-4147-A177-3AD203B41FA5}">
-                      <a16:colId xmlns:a16="http://schemas.microsoft.com/office/drawing/2014/main" val="3833316378"/>
+                      <a16:colId xmlns:a16="http://schemas.microsoft.com/office/drawing/2014/main" val="3476716377"/>
                     </a:ext>
                   </a:extLst>
                 </a:gridCol>
-                <a:gridCol w="1916545">
+                <a:gridCol w="4402920">
                   <a:extLst>
                     <a:ext uri="{9D8B030D-6E8A-4147-A177-3AD203B41FA5}">
-                      <a16:colId xmlns:a16="http://schemas.microsoft.com/office/drawing/2014/main" val="2718564021"/>
+                      <a16:colId xmlns:a16="http://schemas.microsoft.com/office/drawing/2014/main" val="2517320028"/>
                     </a:ext>
                   </a:extLst>
                 </a:gridCol>
               </a:tblGrid>
-              <a:tr h="412552">
+              <a:tr h="599979">
                 <a:tc>
                   <a:txBody>
                     <a:bodyPr/>
                     <a:lstStyle/>
                     <a:p>
+                      <a:pPr rtl="0" fontAlgn="b"/>
                       <a:r>
                         <a:rPr lang="en-US" sz="2400" dirty="0">
-                          <a:solidFill>
-                            <a:schemeClr val="tx1">
-                              <a:lumMod val="75000"/>
-                              <a:lumOff val="25000"/>
-                            </a:schemeClr>
-                          </a:solidFill>
-                          <a:latin typeface="+mj-lt"/>
+                          <a:effectLst/>
                         </a:rPr>
-                        <a:t>Practicum AI (Beginner)</a:t>
+                        <a:t>Tuesday (10:40 - 12:00)</a:t>
                       </a:r>
                     </a:p>
                   </a:txBody>
-                  <a:tcPr>
-                    <a:lnL w="12700" cap="flat" cmpd="sng" algn="ctr">
-                      <a:solidFill>
-                        <a:schemeClr val="tx1"/>
+                  <a:tcPr marL="11491" marR="11491" marT="7661" marB="7661" anchor="b">
+                    <a:lnL w="6350" cap="flat" cmpd="sng" algn="ctr">
+                      <a:solidFill>
+                        <a:srgbClr val="CCCCCC"/>
                       </a:solidFill>
                       <a:prstDash val="solid"/>
                       <a:round/>
                       <a:headEnd type="none" w="med" len="med"/>
                       <a:tailEnd type="none" w="med" len="med"/>
                     </a:lnL>
-                    <a:lnR w="12700" cap="flat" cmpd="sng" algn="ctr">
-                      <a:solidFill>
-                        <a:schemeClr val="tx1"/>
+                    <a:lnR w="6350" cap="flat" cmpd="sng" algn="ctr">
+                      <a:solidFill>
+                        <a:srgbClr val="CCCCCC"/>
                       </a:solidFill>
                       <a:prstDash val="solid"/>
                       <a:round/>
                       <a:headEnd type="none" w="med" len="med"/>
                       <a:tailEnd type="none" w="med" len="med"/>
                     </a:lnR>
-                    <a:lnT w="12700" cap="flat" cmpd="sng" algn="ctr">
-                      <a:solidFill>
-                        <a:schemeClr val="tx1"/>
+                    <a:lnT w="6350" cap="flat" cmpd="sng" algn="ctr">
+                      <a:solidFill>
+                        <a:srgbClr val="CCCCCC"/>
                       </a:solidFill>
                       <a:prstDash val="solid"/>
                       <a:round/>
                       <a:headEnd type="none" w="med" len="med"/>
                       <a:tailEnd type="none" w="med" len="med"/>
                     </a:lnT>
-                    <a:lnB w="12700" cap="flat" cmpd="sng" algn="ctr">
-                      <a:solidFill>
-                        <a:schemeClr val="tx1"/>
+                    <a:lnB w="6350" cap="flat" cmpd="sng" algn="ctr">
+                      <a:solidFill>
+                        <a:srgbClr val="CCCCCC"/>
                       </a:solidFill>
                       <a:prstDash val="solid"/>
                       <a:round/>
@@ -13009,10 +14136,7 @@
                       <a:tailEnd type="none" w="med" len="med"/>
                     </a:lnB>
                     <a:solidFill>
-                      <a:schemeClr val="accent5">
-                        <a:lumMod val="20000"/>
-                        <a:lumOff val="80000"/>
-                      </a:schemeClr>
+                      <a:srgbClr val="CFE2F3"/>
                     </a:solidFill>
                   </a:tcPr>
                 </a:tc>
@@ -13021,51 +14145,46 @@
                     <a:bodyPr/>
                     <a:lstStyle/>
                     <a:p>
+                      <a:pPr rtl="0" fontAlgn="b"/>
                       <a:r>
-                        <a:rPr lang="en-US" sz="2400" dirty="0">
-                          <a:solidFill>
-                            <a:schemeClr val="tx1">
-                              <a:lumMod val="75000"/>
-                              <a:lumOff val="25000"/>
-                            </a:schemeClr>
-                          </a:solidFill>
-                          <a:latin typeface="+mj-lt"/>
+                        <a:rPr lang="en-US" sz="2400">
+                          <a:effectLst/>
                         </a:rPr>
-                        <a:t>Sessions</a:t>
+                        <a:t>Beginner</a:t>
                       </a:r>
                     </a:p>
                   </a:txBody>
-                  <a:tcPr>
-                    <a:lnL w="12700" cap="flat" cmpd="sng" algn="ctr">
-                      <a:solidFill>
-                        <a:schemeClr val="tx1"/>
+                  <a:tcPr marL="11491" marR="11491" marT="7661" marB="7661" anchor="b">
+                    <a:lnL w="6350" cap="flat" cmpd="sng" algn="ctr">
+                      <a:solidFill>
+                        <a:srgbClr val="CCCCCC"/>
                       </a:solidFill>
                       <a:prstDash val="solid"/>
                       <a:round/>
                       <a:headEnd type="none" w="med" len="med"/>
                       <a:tailEnd type="none" w="med" len="med"/>
                     </a:lnL>
-                    <a:lnR w="12700" cap="flat" cmpd="sng" algn="ctr">
-                      <a:solidFill>
-                        <a:schemeClr val="tx1"/>
+                    <a:lnR w="6350" cap="flat" cmpd="sng" algn="ctr">
+                      <a:solidFill>
+                        <a:srgbClr val="CCCCCC"/>
                       </a:solidFill>
                       <a:prstDash val="solid"/>
                       <a:round/>
                       <a:headEnd type="none" w="med" len="med"/>
                       <a:tailEnd type="none" w="med" len="med"/>
                     </a:lnR>
-                    <a:lnT w="12700" cap="flat" cmpd="sng" algn="ctr">
-                      <a:solidFill>
-                        <a:schemeClr val="tx1"/>
+                    <a:lnT w="6350" cap="flat" cmpd="sng" algn="ctr">
+                      <a:solidFill>
+                        <a:srgbClr val="CCCCCC"/>
                       </a:solidFill>
                       <a:prstDash val="solid"/>
                       <a:round/>
                       <a:headEnd type="none" w="med" len="med"/>
                       <a:tailEnd type="none" w="med" len="med"/>
                     </a:lnT>
-                    <a:lnB w="12700" cap="flat" cmpd="sng" algn="ctr">
-                      <a:solidFill>
-                        <a:schemeClr val="tx1"/>
+                    <a:lnB w="6350" cap="flat" cmpd="sng" algn="ctr">
+                      <a:solidFill>
+                        <a:srgbClr val="CCCCCC"/>
                       </a:solidFill>
                       <a:prstDash val="solid"/>
                       <a:round/>
@@ -13073,65 +14192,59 @@
                       <a:tailEnd type="none" w="med" len="med"/>
                     </a:lnB>
                     <a:solidFill>
-                      <a:schemeClr val="accent5">
-                        <a:lumMod val="20000"/>
-                        <a:lumOff val="80000"/>
-                      </a:schemeClr>
+                      <a:srgbClr val="CFE2F3"/>
                     </a:solidFill>
                   </a:tcPr>
                 </a:tc>
                 <a:extLst>
                   <a:ext uri="{0D108BD9-81ED-4DB2-BD59-A6C34878D82A}">
-                    <a16:rowId xmlns:a16="http://schemas.microsoft.com/office/drawing/2014/main" val="773138438"/>
+                    <a16:rowId xmlns:a16="http://schemas.microsoft.com/office/drawing/2014/main" val="3956587678"/>
                   </a:ext>
                 </a:extLst>
               </a:tr>
-              <a:tr h="412552">
+              <a:tr h="407037">
                 <a:tc>
                   <a:txBody>
                     <a:bodyPr/>
                     <a:lstStyle/>
                     <a:p>
-                      <a:r>
-                        <a:rPr lang="en-US" sz="2400" dirty="0">
-                          <a:latin typeface="+mj-lt"/>
-                          <a:cs typeface="Angsana New" panose="020B0502040204020203" pitchFamily="18" charset="-34"/>
-                        </a:rPr>
-                        <a:t>Introduction</a:t>
-                      </a:r>
+                      <a:pPr rtl="0" fontAlgn="b"/>
+                      <a:endParaRPr lang="en-US" sz="2400">
+                        <a:effectLst/>
+                      </a:endParaRPr>
                     </a:p>
                   </a:txBody>
-                  <a:tcPr>
-                    <a:lnL w="12700" cap="flat" cmpd="sng" algn="ctr">
-                      <a:solidFill>
-                        <a:schemeClr val="tx1"/>
+                  <a:tcPr marL="11491" marR="11491" marT="7661" marB="7661" anchor="b">
+                    <a:lnL w="6350" cap="flat" cmpd="sng" algn="ctr">
+                      <a:solidFill>
+                        <a:srgbClr val="CCCCCC"/>
                       </a:solidFill>
                       <a:prstDash val="solid"/>
                       <a:round/>
                       <a:headEnd type="none" w="med" len="med"/>
                       <a:tailEnd type="none" w="med" len="med"/>
                     </a:lnL>
-                    <a:lnR w="12700" cap="flat" cmpd="sng" algn="ctr">
-                      <a:solidFill>
-                        <a:schemeClr val="tx1"/>
+                    <a:lnR w="6350" cap="flat" cmpd="sng" algn="ctr">
+                      <a:solidFill>
+                        <a:srgbClr val="CCCCCC"/>
                       </a:solidFill>
                       <a:prstDash val="solid"/>
                       <a:round/>
                       <a:headEnd type="none" w="med" len="med"/>
                       <a:tailEnd type="none" w="med" len="med"/>
                     </a:lnR>
-                    <a:lnT w="12700" cap="flat" cmpd="sng" algn="ctr">
-                      <a:solidFill>
-                        <a:schemeClr val="tx1"/>
+                    <a:lnT w="6350" cap="flat" cmpd="sng" algn="ctr">
+                      <a:solidFill>
+                        <a:srgbClr val="CCCCCC"/>
                       </a:solidFill>
                       <a:prstDash val="solid"/>
                       <a:round/>
                       <a:headEnd type="none" w="med" len="med"/>
                       <a:tailEnd type="none" w="med" len="med"/>
                     </a:lnT>
-                    <a:lnB w="12700" cap="flat" cmpd="sng" algn="ctr">
-                      <a:solidFill>
-                        <a:schemeClr val="tx1"/>
+                    <a:lnB w="6350" cap="flat" cmpd="sng" algn="ctr">
+                      <a:solidFill>
+                        <a:srgbClr val="CCCCCC"/>
                       </a:solidFill>
                       <a:prstDash val="solid"/>
                       <a:round/>
@@ -13145,45 +14258,43 @@
                     <a:bodyPr/>
                     <a:lstStyle/>
                     <a:p>
-                      <a:r>
-                        <a:rPr lang="en-US" sz="2400" dirty="0">
-                          <a:latin typeface="+mj-lt"/>
-                        </a:rPr>
-                        <a:t>1</a:t>
-                      </a:r>
+                      <a:pPr rtl="0" fontAlgn="b"/>
+                      <a:endParaRPr lang="en-US" sz="2400">
+                        <a:effectLst/>
+                      </a:endParaRPr>
                     </a:p>
                   </a:txBody>
-                  <a:tcPr>
-                    <a:lnL w="12700" cap="flat" cmpd="sng" algn="ctr">
-                      <a:solidFill>
-                        <a:schemeClr val="tx1"/>
+                  <a:tcPr marL="11491" marR="11491" marT="7661" marB="7661" anchor="b">
+                    <a:lnL w="6350" cap="flat" cmpd="sng" algn="ctr">
+                      <a:solidFill>
+                        <a:srgbClr val="CCCCCC"/>
                       </a:solidFill>
                       <a:prstDash val="solid"/>
                       <a:round/>
                       <a:headEnd type="none" w="med" len="med"/>
                       <a:tailEnd type="none" w="med" len="med"/>
                     </a:lnL>
-                    <a:lnR w="12700" cap="flat" cmpd="sng" algn="ctr">
-                      <a:solidFill>
-                        <a:schemeClr val="tx1"/>
+                    <a:lnR w="6350" cap="flat" cmpd="sng" algn="ctr">
+                      <a:solidFill>
+                        <a:srgbClr val="CCCCCC"/>
                       </a:solidFill>
                       <a:prstDash val="solid"/>
                       <a:round/>
                       <a:headEnd type="none" w="med" len="med"/>
                       <a:tailEnd type="none" w="med" len="med"/>
                     </a:lnR>
-                    <a:lnT w="12700" cap="flat" cmpd="sng" algn="ctr">
-                      <a:solidFill>
-                        <a:schemeClr val="tx1"/>
+                    <a:lnT w="6350" cap="flat" cmpd="sng" algn="ctr">
+                      <a:solidFill>
+                        <a:srgbClr val="CCCCCC"/>
                       </a:solidFill>
                       <a:prstDash val="solid"/>
                       <a:round/>
                       <a:headEnd type="none" w="med" len="med"/>
                       <a:tailEnd type="none" w="med" len="med"/>
                     </a:lnT>
-                    <a:lnB w="12700" cap="flat" cmpd="sng" algn="ctr">
-                      <a:solidFill>
-                        <a:schemeClr val="tx1"/>
+                    <a:lnB w="6350" cap="flat" cmpd="sng" algn="ctr">
+                      <a:solidFill>
+                        <a:srgbClr val="CCCCCC"/>
                       </a:solidFill>
                       <a:prstDash val="solid"/>
                       <a:round/>
@@ -13194,55 +14305,56 @@
                 </a:tc>
                 <a:extLst>
                   <a:ext uri="{0D108BD9-81ED-4DB2-BD59-A6C34878D82A}">
-                    <a16:rowId xmlns:a16="http://schemas.microsoft.com/office/drawing/2014/main" val="2704955427"/>
+                    <a16:rowId xmlns:a16="http://schemas.microsoft.com/office/drawing/2014/main" val="1774044806"/>
                   </a:ext>
                 </a:extLst>
               </a:tr>
-              <a:tr h="412552">
+              <a:tr h="407037">
                 <a:tc>
                   <a:txBody>
                     <a:bodyPr/>
                     <a:lstStyle/>
                     <a:p>
+                      <a:pPr rtl="0" fontAlgn="b"/>
                       <a:r>
-                        <a:rPr lang="en-US" sz="2400" dirty="0">
-                          <a:latin typeface="+mj-lt"/>
+                        <a:rPr lang="en-US" sz="2400">
+                          <a:effectLst/>
                         </a:rPr>
-                        <a:t>AI Ethics</a:t>
+                        <a:t>09/06/22</a:t>
                       </a:r>
                     </a:p>
                   </a:txBody>
-                  <a:tcPr>
-                    <a:lnL w="12700" cap="flat" cmpd="sng" algn="ctr">
-                      <a:solidFill>
-                        <a:schemeClr val="tx1"/>
+                  <a:tcPr marL="11491" marR="11491" marT="7661" marB="7661" anchor="b">
+                    <a:lnL w="6350" cap="flat" cmpd="sng" algn="ctr">
+                      <a:solidFill>
+                        <a:srgbClr val="CCCCCC"/>
                       </a:solidFill>
                       <a:prstDash val="solid"/>
                       <a:round/>
                       <a:headEnd type="none" w="med" len="med"/>
                       <a:tailEnd type="none" w="med" len="med"/>
                     </a:lnL>
-                    <a:lnR w="12700" cap="flat" cmpd="sng" algn="ctr">
-                      <a:solidFill>
-                        <a:schemeClr val="tx1"/>
+                    <a:lnR w="6350" cap="flat" cmpd="sng" algn="ctr">
+                      <a:solidFill>
+                        <a:srgbClr val="CCCCCC"/>
                       </a:solidFill>
                       <a:prstDash val="solid"/>
                       <a:round/>
                       <a:headEnd type="none" w="med" len="med"/>
                       <a:tailEnd type="none" w="med" len="med"/>
                     </a:lnR>
-                    <a:lnT w="12700" cap="flat" cmpd="sng" algn="ctr">
-                      <a:solidFill>
-                        <a:schemeClr val="tx1"/>
+                    <a:lnT w="6350" cap="flat" cmpd="sng" algn="ctr">
+                      <a:solidFill>
+                        <a:srgbClr val="CCCCCC"/>
                       </a:solidFill>
                       <a:prstDash val="solid"/>
                       <a:round/>
                       <a:headEnd type="none" w="med" len="med"/>
                       <a:tailEnd type="none" w="med" len="med"/>
                     </a:lnT>
-                    <a:lnB w="12700" cap="flat" cmpd="sng" algn="ctr">
-                      <a:solidFill>
-                        <a:schemeClr val="tx1"/>
+                    <a:lnB w="6350" cap="flat" cmpd="sng" algn="ctr">
+                      <a:solidFill>
+                        <a:srgbClr val="CCCCCC"/>
                       </a:solidFill>
                       <a:prstDash val="solid"/>
                       <a:round/>
@@ -13256,45 +14368,46 @@
                     <a:bodyPr/>
                     <a:lstStyle/>
                     <a:p>
+                      <a:pPr rtl="0" fontAlgn="b"/>
                       <a:r>
                         <a:rPr lang="en-US" sz="2400" dirty="0">
-                          <a:latin typeface="+mj-lt"/>
+                          <a:effectLst/>
                         </a:rPr>
-                        <a:t>1</a:t>
+                        <a:t>Practicum Introduction</a:t>
                       </a:r>
                     </a:p>
                   </a:txBody>
-                  <a:tcPr>
-                    <a:lnL w="12700" cap="flat" cmpd="sng" algn="ctr">
-                      <a:solidFill>
-                        <a:schemeClr val="tx1"/>
+                  <a:tcPr marL="11491" marR="11491" marT="7661" marB="7661" anchor="b">
+                    <a:lnL w="6350" cap="flat" cmpd="sng" algn="ctr">
+                      <a:solidFill>
+                        <a:srgbClr val="CCCCCC"/>
                       </a:solidFill>
                       <a:prstDash val="solid"/>
                       <a:round/>
                       <a:headEnd type="none" w="med" len="med"/>
                       <a:tailEnd type="none" w="med" len="med"/>
                     </a:lnL>
-                    <a:lnR w="12700" cap="flat" cmpd="sng" algn="ctr">
-                      <a:solidFill>
-                        <a:schemeClr val="tx1"/>
+                    <a:lnR w="6350" cap="flat" cmpd="sng" algn="ctr">
+                      <a:solidFill>
+                        <a:srgbClr val="CCCCCC"/>
                       </a:solidFill>
                       <a:prstDash val="solid"/>
                       <a:round/>
                       <a:headEnd type="none" w="med" len="med"/>
                       <a:tailEnd type="none" w="med" len="med"/>
                     </a:lnR>
-                    <a:lnT w="12700" cap="flat" cmpd="sng" algn="ctr">
-                      <a:solidFill>
-                        <a:schemeClr val="tx1"/>
+                    <a:lnT w="6350" cap="flat" cmpd="sng" algn="ctr">
+                      <a:solidFill>
+                        <a:srgbClr val="CCCCCC"/>
                       </a:solidFill>
                       <a:prstDash val="solid"/>
                       <a:round/>
                       <a:headEnd type="none" w="med" len="med"/>
                       <a:tailEnd type="none" w="med" len="med"/>
                     </a:lnT>
-                    <a:lnB w="12700" cap="flat" cmpd="sng" algn="ctr">
-                      <a:solidFill>
-                        <a:schemeClr val="tx1"/>
+                    <a:lnB w="6350" cap="flat" cmpd="sng" algn="ctr">
+                      <a:solidFill>
+                        <a:srgbClr val="CCCCCC"/>
                       </a:solidFill>
                       <a:prstDash val="solid"/>
                       <a:round/>
@@ -13305,55 +14418,56 @@
                 </a:tc>
                 <a:extLst>
                   <a:ext uri="{0D108BD9-81ED-4DB2-BD59-A6C34878D82A}">
-                    <a16:rowId xmlns:a16="http://schemas.microsoft.com/office/drawing/2014/main" val="4168404990"/>
+                    <a16:rowId xmlns:a16="http://schemas.microsoft.com/office/drawing/2014/main" val="1296925061"/>
                   </a:ext>
                 </a:extLst>
               </a:tr>
-              <a:tr h="412552">
+              <a:tr h="407037">
                 <a:tc>
                   <a:txBody>
                     <a:bodyPr/>
                     <a:lstStyle/>
                     <a:p>
+                      <a:pPr rtl="0" fontAlgn="b"/>
                       <a:r>
-                        <a:rPr lang="en-US" sz="2400" dirty="0">
-                          <a:latin typeface="+mj-lt"/>
+                        <a:rPr lang="en-US" sz="2400">
+                          <a:effectLst/>
                         </a:rPr>
-                        <a:t>What is AI</a:t>
+                        <a:t>09/13/22</a:t>
                       </a:r>
                     </a:p>
                   </a:txBody>
-                  <a:tcPr>
-                    <a:lnL w="12700" cap="flat" cmpd="sng" algn="ctr">
-                      <a:solidFill>
-                        <a:schemeClr val="tx1"/>
+                  <a:tcPr marL="11491" marR="11491" marT="7661" marB="7661" anchor="b">
+                    <a:lnL w="6350" cap="flat" cmpd="sng" algn="ctr">
+                      <a:solidFill>
+                        <a:srgbClr val="CCCCCC"/>
                       </a:solidFill>
                       <a:prstDash val="solid"/>
                       <a:round/>
                       <a:headEnd type="none" w="med" len="med"/>
                       <a:tailEnd type="none" w="med" len="med"/>
                     </a:lnL>
-                    <a:lnR w="12700" cap="flat" cmpd="sng" algn="ctr">
-                      <a:solidFill>
-                        <a:schemeClr val="tx1"/>
+                    <a:lnR w="6350" cap="flat" cmpd="sng" algn="ctr">
+                      <a:solidFill>
+                        <a:srgbClr val="CCCCCC"/>
                       </a:solidFill>
                       <a:prstDash val="solid"/>
                       <a:round/>
                       <a:headEnd type="none" w="med" len="med"/>
                       <a:tailEnd type="none" w="med" len="med"/>
                     </a:lnR>
-                    <a:lnT w="12700" cap="flat" cmpd="sng" algn="ctr">
-                      <a:solidFill>
-                        <a:schemeClr val="tx1"/>
+                    <a:lnT w="6350" cap="flat" cmpd="sng" algn="ctr">
+                      <a:solidFill>
+                        <a:srgbClr val="CCCCCC"/>
                       </a:solidFill>
                       <a:prstDash val="solid"/>
                       <a:round/>
                       <a:headEnd type="none" w="med" len="med"/>
                       <a:tailEnd type="none" w="med" len="med"/>
                     </a:lnT>
-                    <a:lnB w="12700" cap="flat" cmpd="sng" algn="ctr">
-                      <a:solidFill>
-                        <a:schemeClr val="tx1"/>
+                    <a:lnB w="6350" cap="flat" cmpd="sng" algn="ctr">
+                      <a:solidFill>
+                        <a:srgbClr val="CCCCCC"/>
                       </a:solidFill>
                       <a:prstDash val="solid"/>
                       <a:round/>
@@ -13367,45 +14481,46 @@
                     <a:bodyPr/>
                     <a:lstStyle/>
                     <a:p>
+                      <a:pPr rtl="0" fontAlgn="b"/>
                       <a:r>
-                        <a:rPr lang="en-US" sz="2400" dirty="0">
-                          <a:latin typeface="+mj-lt"/>
+                        <a:rPr lang="en-US" sz="2400">
+                          <a:effectLst/>
                         </a:rPr>
-                        <a:t>1</a:t>
+                        <a:t>What is AI</a:t>
                       </a:r>
                     </a:p>
                   </a:txBody>
-                  <a:tcPr>
-                    <a:lnL w="12700" cap="flat" cmpd="sng" algn="ctr">
-                      <a:solidFill>
-                        <a:schemeClr val="tx1"/>
+                  <a:tcPr marL="11491" marR="11491" marT="7661" marB="7661" anchor="b">
+                    <a:lnL w="6350" cap="flat" cmpd="sng" algn="ctr">
+                      <a:solidFill>
+                        <a:srgbClr val="CCCCCC"/>
                       </a:solidFill>
                       <a:prstDash val="solid"/>
                       <a:round/>
                       <a:headEnd type="none" w="med" len="med"/>
                       <a:tailEnd type="none" w="med" len="med"/>
                     </a:lnL>
-                    <a:lnR w="12700" cap="flat" cmpd="sng" algn="ctr">
-                      <a:solidFill>
-                        <a:schemeClr val="tx1"/>
+                    <a:lnR w="6350" cap="flat" cmpd="sng" algn="ctr">
+                      <a:solidFill>
+                        <a:srgbClr val="CCCCCC"/>
                       </a:solidFill>
                       <a:prstDash val="solid"/>
                       <a:round/>
                       <a:headEnd type="none" w="med" len="med"/>
                       <a:tailEnd type="none" w="med" len="med"/>
                     </a:lnR>
-                    <a:lnT w="12700" cap="flat" cmpd="sng" algn="ctr">
-                      <a:solidFill>
-                        <a:schemeClr val="tx1"/>
+                    <a:lnT w="6350" cap="flat" cmpd="sng" algn="ctr">
+                      <a:solidFill>
+                        <a:srgbClr val="CCCCCC"/>
                       </a:solidFill>
                       <a:prstDash val="solid"/>
                       <a:round/>
                       <a:headEnd type="none" w="med" len="med"/>
                       <a:tailEnd type="none" w="med" len="med"/>
                     </a:lnT>
-                    <a:lnB w="12700" cap="flat" cmpd="sng" algn="ctr">
-                      <a:solidFill>
-                        <a:schemeClr val="tx1"/>
+                    <a:lnB w="6350" cap="flat" cmpd="sng" algn="ctr">
+                      <a:solidFill>
+                        <a:srgbClr val="CCCCCC"/>
                       </a:solidFill>
                       <a:prstDash val="solid"/>
                       <a:round/>
@@ -13416,55 +14531,56 @@
                 </a:tc>
                 <a:extLst>
                   <a:ext uri="{0D108BD9-81ED-4DB2-BD59-A6C34878D82A}">
-                    <a16:rowId xmlns:a16="http://schemas.microsoft.com/office/drawing/2014/main" val="1591341563"/>
+                    <a16:rowId xmlns:a16="http://schemas.microsoft.com/office/drawing/2014/main" val="1556464888"/>
                   </a:ext>
                 </a:extLst>
               </a:tr>
-              <a:tr h="412552">
+              <a:tr h="407037">
                 <a:tc>
                   <a:txBody>
                     <a:bodyPr/>
                     <a:lstStyle/>
                     <a:p>
+                      <a:pPr rtl="0" fontAlgn="b"/>
                       <a:r>
-                        <a:rPr lang="en-US" sz="2400" dirty="0">
-                          <a:latin typeface="+mj-lt"/>
+                        <a:rPr lang="en-US" sz="2400">
+                          <a:effectLst/>
                         </a:rPr>
-                        <a:t>Python</a:t>
+                        <a:t>09/20/22</a:t>
                       </a:r>
                     </a:p>
                   </a:txBody>
-                  <a:tcPr>
-                    <a:lnL w="12700" cap="flat" cmpd="sng" algn="ctr">
-                      <a:solidFill>
-                        <a:schemeClr val="tx1"/>
+                  <a:tcPr marL="11491" marR="11491" marT="7661" marB="7661" anchor="b">
+                    <a:lnL w="6350" cap="flat" cmpd="sng" algn="ctr">
+                      <a:solidFill>
+                        <a:srgbClr val="CCCCCC"/>
                       </a:solidFill>
                       <a:prstDash val="solid"/>
                       <a:round/>
                       <a:headEnd type="none" w="med" len="med"/>
                       <a:tailEnd type="none" w="med" len="med"/>
                     </a:lnL>
-                    <a:lnR w="12700" cap="flat" cmpd="sng" algn="ctr">
-                      <a:solidFill>
-                        <a:schemeClr val="tx1"/>
+                    <a:lnR w="6350" cap="flat" cmpd="sng" algn="ctr">
+                      <a:solidFill>
+                        <a:srgbClr val="CCCCCC"/>
                       </a:solidFill>
                       <a:prstDash val="solid"/>
                       <a:round/>
                       <a:headEnd type="none" w="med" len="med"/>
                       <a:tailEnd type="none" w="med" len="med"/>
                     </a:lnR>
-                    <a:lnT w="12700" cap="flat" cmpd="sng" algn="ctr">
-                      <a:solidFill>
-                        <a:schemeClr val="tx1"/>
+                    <a:lnT w="6350" cap="flat" cmpd="sng" algn="ctr">
+                      <a:solidFill>
+                        <a:srgbClr val="CCCCCC"/>
                       </a:solidFill>
                       <a:prstDash val="solid"/>
                       <a:round/>
                       <a:headEnd type="none" w="med" len="med"/>
                       <a:tailEnd type="none" w="med" len="med"/>
                     </a:lnT>
-                    <a:lnB w="12700" cap="flat" cmpd="sng" algn="ctr">
-                      <a:solidFill>
-                        <a:schemeClr val="tx1"/>
+                    <a:lnB w="6350" cap="flat" cmpd="sng" algn="ctr">
+                      <a:solidFill>
+                        <a:srgbClr val="CCCCCC"/>
                       </a:solidFill>
                       <a:prstDash val="solid"/>
                       <a:round/>
@@ -13478,45 +14594,46 @@
                     <a:bodyPr/>
                     <a:lstStyle/>
                     <a:p>
+                      <a:pPr rtl="0" fontAlgn="b"/>
                       <a:r>
-                        <a:rPr lang="en-US" sz="2400" dirty="0">
-                          <a:latin typeface="+mj-lt"/>
+                        <a:rPr lang="en-US" sz="2400">
+                          <a:effectLst/>
                         </a:rPr>
-                        <a:t>4</a:t>
+                        <a:t>AI Ethics</a:t>
                       </a:r>
                     </a:p>
                   </a:txBody>
-                  <a:tcPr>
-                    <a:lnL w="12700" cap="flat" cmpd="sng" algn="ctr">
-                      <a:solidFill>
-                        <a:schemeClr val="tx1"/>
+                  <a:tcPr marL="11491" marR="11491" marT="7661" marB="7661" anchor="b">
+                    <a:lnL w="6350" cap="flat" cmpd="sng" algn="ctr">
+                      <a:solidFill>
+                        <a:srgbClr val="CCCCCC"/>
                       </a:solidFill>
                       <a:prstDash val="solid"/>
                       <a:round/>
                       <a:headEnd type="none" w="med" len="med"/>
                       <a:tailEnd type="none" w="med" len="med"/>
                     </a:lnL>
-                    <a:lnR w="12700" cap="flat" cmpd="sng" algn="ctr">
-                      <a:solidFill>
-                        <a:schemeClr val="tx1"/>
+                    <a:lnR w="6350" cap="flat" cmpd="sng" algn="ctr">
+                      <a:solidFill>
+                        <a:srgbClr val="CCCCCC"/>
                       </a:solidFill>
                       <a:prstDash val="solid"/>
                       <a:round/>
                       <a:headEnd type="none" w="med" len="med"/>
                       <a:tailEnd type="none" w="med" len="med"/>
                     </a:lnR>
-                    <a:lnT w="12700" cap="flat" cmpd="sng" algn="ctr">
-                      <a:solidFill>
-                        <a:schemeClr val="tx1"/>
+                    <a:lnT w="6350" cap="flat" cmpd="sng" algn="ctr">
+                      <a:solidFill>
+                        <a:srgbClr val="CCCCCC"/>
                       </a:solidFill>
                       <a:prstDash val="solid"/>
                       <a:round/>
                       <a:headEnd type="none" w="med" len="med"/>
                       <a:tailEnd type="none" w="med" len="med"/>
                     </a:lnT>
-                    <a:lnB w="12700" cap="flat" cmpd="sng" algn="ctr">
-                      <a:solidFill>
-                        <a:schemeClr val="tx1"/>
+                    <a:lnB w="6350" cap="flat" cmpd="sng" algn="ctr">
+                      <a:solidFill>
+                        <a:srgbClr val="CCCCCC"/>
                       </a:solidFill>
                       <a:prstDash val="solid"/>
                       <a:round/>
@@ -13527,55 +14644,56 @@
                 </a:tc>
                 <a:extLst>
                   <a:ext uri="{0D108BD9-81ED-4DB2-BD59-A6C34878D82A}">
-                    <a16:rowId xmlns:a16="http://schemas.microsoft.com/office/drawing/2014/main" val="1620925652"/>
+                    <a16:rowId xmlns:a16="http://schemas.microsoft.com/office/drawing/2014/main" val="3228013623"/>
                   </a:ext>
                 </a:extLst>
               </a:tr>
-              <a:tr h="412552">
+              <a:tr h="407037">
                 <a:tc>
                   <a:txBody>
                     <a:bodyPr/>
                     <a:lstStyle/>
                     <a:p>
+                      <a:pPr rtl="0" fontAlgn="b"/>
                       <a:r>
-                        <a:rPr lang="en-US" sz="2400" dirty="0">
-                          <a:latin typeface="+mj-lt"/>
+                        <a:rPr lang="en-US" sz="2400">
+                          <a:effectLst/>
                         </a:rPr>
-                        <a:t>Reproducible AI</a:t>
+                        <a:t>09/27/22</a:t>
                       </a:r>
                     </a:p>
                   </a:txBody>
-                  <a:tcPr>
-                    <a:lnL w="12700" cap="flat" cmpd="sng" algn="ctr">
-                      <a:solidFill>
-                        <a:schemeClr val="tx1"/>
+                  <a:tcPr marL="11491" marR="11491" marT="7661" marB="7661" anchor="b">
+                    <a:lnL w="6350" cap="flat" cmpd="sng" algn="ctr">
+                      <a:solidFill>
+                        <a:srgbClr val="CCCCCC"/>
                       </a:solidFill>
                       <a:prstDash val="solid"/>
                       <a:round/>
                       <a:headEnd type="none" w="med" len="med"/>
                       <a:tailEnd type="none" w="med" len="med"/>
                     </a:lnL>
-                    <a:lnR w="12700" cap="flat" cmpd="sng" algn="ctr">
-                      <a:solidFill>
-                        <a:schemeClr val="tx1"/>
+                    <a:lnR w="6350" cap="flat" cmpd="sng" algn="ctr">
+                      <a:solidFill>
+                        <a:srgbClr val="CCCCCC"/>
                       </a:solidFill>
                       <a:prstDash val="solid"/>
                       <a:round/>
                       <a:headEnd type="none" w="med" len="med"/>
                       <a:tailEnd type="none" w="med" len="med"/>
                     </a:lnR>
-                    <a:lnT w="12700" cap="flat" cmpd="sng" algn="ctr">
-                      <a:solidFill>
-                        <a:schemeClr val="tx1"/>
+                    <a:lnT w="6350" cap="flat" cmpd="sng" algn="ctr">
+                      <a:solidFill>
+                        <a:srgbClr val="CCCCCC"/>
                       </a:solidFill>
                       <a:prstDash val="solid"/>
                       <a:round/>
                       <a:headEnd type="none" w="med" len="med"/>
                       <a:tailEnd type="none" w="med" len="med"/>
                     </a:lnT>
-                    <a:lnB w="12700" cap="flat" cmpd="sng" algn="ctr">
-                      <a:solidFill>
-                        <a:schemeClr val="tx1"/>
+                    <a:lnB w="6350" cap="flat" cmpd="sng" algn="ctr">
+                      <a:solidFill>
+                        <a:srgbClr val="CCCCCC"/>
                       </a:solidFill>
                       <a:prstDash val="solid"/>
                       <a:round/>
@@ -13589,45 +14707,46 @@
                     <a:bodyPr/>
                     <a:lstStyle/>
                     <a:p>
+                      <a:pPr rtl="0" fontAlgn="b"/>
                       <a:r>
-                        <a:rPr lang="en-US" sz="2400" dirty="0">
-                          <a:latin typeface="+mj-lt"/>
+                        <a:rPr lang="en-US" sz="2400">
+                          <a:effectLst/>
                         </a:rPr>
-                        <a:t>1</a:t>
+                        <a:t>Python 1</a:t>
                       </a:r>
                     </a:p>
                   </a:txBody>
-                  <a:tcPr>
-                    <a:lnL w="12700" cap="flat" cmpd="sng" algn="ctr">
-                      <a:solidFill>
-                        <a:schemeClr val="tx1"/>
+                  <a:tcPr marL="11491" marR="11491" marT="7661" marB="7661" anchor="b">
+                    <a:lnL w="6350" cap="flat" cmpd="sng" algn="ctr">
+                      <a:solidFill>
+                        <a:srgbClr val="CCCCCC"/>
                       </a:solidFill>
                       <a:prstDash val="solid"/>
                       <a:round/>
                       <a:headEnd type="none" w="med" len="med"/>
                       <a:tailEnd type="none" w="med" len="med"/>
                     </a:lnL>
-                    <a:lnR w="12700" cap="flat" cmpd="sng" algn="ctr">
-                      <a:solidFill>
-                        <a:schemeClr val="tx1"/>
+                    <a:lnR w="6350" cap="flat" cmpd="sng" algn="ctr">
+                      <a:solidFill>
+                        <a:srgbClr val="CCCCCC"/>
                       </a:solidFill>
                       <a:prstDash val="solid"/>
                       <a:round/>
                       <a:headEnd type="none" w="med" len="med"/>
                       <a:tailEnd type="none" w="med" len="med"/>
                     </a:lnR>
-                    <a:lnT w="12700" cap="flat" cmpd="sng" algn="ctr">
-                      <a:solidFill>
-                        <a:schemeClr val="tx1"/>
+                    <a:lnT w="6350" cap="flat" cmpd="sng" algn="ctr">
+                      <a:solidFill>
+                        <a:srgbClr val="CCCCCC"/>
                       </a:solidFill>
                       <a:prstDash val="solid"/>
                       <a:round/>
                       <a:headEnd type="none" w="med" len="med"/>
                       <a:tailEnd type="none" w="med" len="med"/>
                     </a:lnT>
-                    <a:lnB w="12700" cap="flat" cmpd="sng" algn="ctr">
-                      <a:solidFill>
-                        <a:schemeClr val="tx1"/>
+                    <a:lnB w="6350" cap="flat" cmpd="sng" algn="ctr">
+                      <a:solidFill>
+                        <a:srgbClr val="CCCCCC"/>
                       </a:solidFill>
                       <a:prstDash val="solid"/>
                       <a:round/>
@@ -13638,55 +14757,56 @@
                 </a:tc>
                 <a:extLst>
                   <a:ext uri="{0D108BD9-81ED-4DB2-BD59-A6C34878D82A}">
-                    <a16:rowId xmlns:a16="http://schemas.microsoft.com/office/drawing/2014/main" val="224180550"/>
+                    <a16:rowId xmlns:a16="http://schemas.microsoft.com/office/drawing/2014/main" val="938114649"/>
                   </a:ext>
                 </a:extLst>
               </a:tr>
-              <a:tr h="412552">
+              <a:tr h="407037">
                 <a:tc>
                   <a:txBody>
                     <a:bodyPr/>
                     <a:lstStyle/>
                     <a:p>
+                      <a:pPr rtl="0" fontAlgn="b"/>
                       <a:r>
-                        <a:rPr lang="en-US" sz="2400" dirty="0">
-                          <a:latin typeface="+mj-lt"/>
+                        <a:rPr lang="en-US" sz="2400">
+                          <a:effectLst/>
                         </a:rPr>
-                        <a:t>Deep Learning Foundations</a:t>
+                        <a:t>10/04/22</a:t>
                       </a:r>
                     </a:p>
                   </a:txBody>
-                  <a:tcPr>
-                    <a:lnL w="12700" cap="flat" cmpd="sng" algn="ctr">
-                      <a:solidFill>
-                        <a:schemeClr val="tx1"/>
+                  <a:tcPr marL="11491" marR="11491" marT="7661" marB="7661" anchor="b">
+                    <a:lnL w="6350" cap="flat" cmpd="sng" algn="ctr">
+                      <a:solidFill>
+                        <a:srgbClr val="CCCCCC"/>
                       </a:solidFill>
                       <a:prstDash val="solid"/>
                       <a:round/>
                       <a:headEnd type="none" w="med" len="med"/>
                       <a:tailEnd type="none" w="med" len="med"/>
                     </a:lnL>
-                    <a:lnR w="12700" cap="flat" cmpd="sng" algn="ctr">
-                      <a:solidFill>
-                        <a:schemeClr val="tx1"/>
+                    <a:lnR w="6350" cap="flat" cmpd="sng" algn="ctr">
+                      <a:solidFill>
+                        <a:srgbClr val="CCCCCC"/>
                       </a:solidFill>
                       <a:prstDash val="solid"/>
                       <a:round/>
                       <a:headEnd type="none" w="med" len="med"/>
                       <a:tailEnd type="none" w="med" len="med"/>
                     </a:lnR>
-                    <a:lnT w="12700" cap="flat" cmpd="sng" algn="ctr">
-                      <a:solidFill>
-                        <a:schemeClr val="tx1"/>
+                    <a:lnT w="6350" cap="flat" cmpd="sng" algn="ctr">
+                      <a:solidFill>
+                        <a:srgbClr val="CCCCCC"/>
                       </a:solidFill>
                       <a:prstDash val="solid"/>
                       <a:round/>
                       <a:headEnd type="none" w="med" len="med"/>
                       <a:tailEnd type="none" w="med" len="med"/>
                     </a:lnT>
-                    <a:lnB w="12700" cap="flat" cmpd="sng" algn="ctr">
-                      <a:solidFill>
-                        <a:schemeClr val="tx1"/>
+                    <a:lnB w="6350" cap="flat" cmpd="sng" algn="ctr">
+                      <a:solidFill>
+                        <a:srgbClr val="CCCCCC"/>
                       </a:solidFill>
                       <a:prstDash val="solid"/>
                       <a:round/>
@@ -13700,45 +14820,46 @@
                     <a:bodyPr/>
                     <a:lstStyle/>
                     <a:p>
+                      <a:pPr rtl="0" fontAlgn="b"/>
                       <a:r>
                         <a:rPr lang="en-US" sz="2400" dirty="0">
-                          <a:latin typeface="+mj-lt"/>
+                          <a:effectLst/>
                         </a:rPr>
-                        <a:t>3</a:t>
+                        <a:t>Python 2</a:t>
                       </a:r>
                     </a:p>
                   </a:txBody>
-                  <a:tcPr>
-                    <a:lnL w="12700" cap="flat" cmpd="sng" algn="ctr">
-                      <a:solidFill>
-                        <a:schemeClr val="tx1"/>
+                  <a:tcPr marL="11491" marR="11491" marT="7661" marB="7661" anchor="b">
+                    <a:lnL w="6350" cap="flat" cmpd="sng" algn="ctr">
+                      <a:solidFill>
+                        <a:srgbClr val="CCCCCC"/>
                       </a:solidFill>
                       <a:prstDash val="solid"/>
                       <a:round/>
                       <a:headEnd type="none" w="med" len="med"/>
                       <a:tailEnd type="none" w="med" len="med"/>
                     </a:lnL>
-                    <a:lnR w="12700" cap="flat" cmpd="sng" algn="ctr">
-                      <a:solidFill>
-                        <a:schemeClr val="tx1"/>
+                    <a:lnR w="6350" cap="flat" cmpd="sng" algn="ctr">
+                      <a:solidFill>
+                        <a:srgbClr val="CCCCCC"/>
                       </a:solidFill>
                       <a:prstDash val="solid"/>
                       <a:round/>
                       <a:headEnd type="none" w="med" len="med"/>
                       <a:tailEnd type="none" w="med" len="med"/>
                     </a:lnR>
-                    <a:lnT w="12700" cap="flat" cmpd="sng" algn="ctr">
-                      <a:solidFill>
-                        <a:schemeClr val="tx1"/>
+                    <a:lnT w="6350" cap="flat" cmpd="sng" algn="ctr">
+                      <a:solidFill>
+                        <a:srgbClr val="CCCCCC"/>
                       </a:solidFill>
                       <a:prstDash val="solid"/>
                       <a:round/>
                       <a:headEnd type="none" w="med" len="med"/>
                       <a:tailEnd type="none" w="med" len="med"/>
                     </a:lnT>
-                    <a:lnB w="12700" cap="flat" cmpd="sng" algn="ctr">
-                      <a:solidFill>
-                        <a:schemeClr val="tx1"/>
+                    <a:lnB w="6350" cap="flat" cmpd="sng" algn="ctr">
+                      <a:solidFill>
+                        <a:srgbClr val="CCCCCC"/>
                       </a:solidFill>
                       <a:prstDash val="solid"/>
                       <a:round/>
@@ -13749,7 +14870,804 @@
                 </a:tc>
                 <a:extLst>
                   <a:ext uri="{0D108BD9-81ED-4DB2-BD59-A6C34878D82A}">
-                    <a16:rowId xmlns:a16="http://schemas.microsoft.com/office/drawing/2014/main" val="72617733"/>
+                    <a16:rowId xmlns:a16="http://schemas.microsoft.com/office/drawing/2014/main" val="2089718419"/>
+                  </a:ext>
+                </a:extLst>
+              </a:tr>
+              <a:tr h="407037">
+                <a:tc>
+                  <a:txBody>
+                    <a:bodyPr/>
+                    <a:lstStyle/>
+                    <a:p>
+                      <a:pPr rtl="0" fontAlgn="b"/>
+                      <a:r>
+                        <a:rPr lang="en-US" sz="2400">
+                          <a:effectLst/>
+                        </a:rPr>
+                        <a:t>10/11/22</a:t>
+                      </a:r>
+                    </a:p>
+                  </a:txBody>
+                  <a:tcPr marL="11491" marR="11491" marT="7661" marB="7661" anchor="b">
+                    <a:lnL w="6350" cap="flat" cmpd="sng" algn="ctr">
+                      <a:solidFill>
+                        <a:srgbClr val="CCCCCC"/>
+                      </a:solidFill>
+                      <a:prstDash val="solid"/>
+                      <a:round/>
+                      <a:headEnd type="none" w="med" len="med"/>
+                      <a:tailEnd type="none" w="med" len="med"/>
+                    </a:lnL>
+                    <a:lnR w="6350" cap="flat" cmpd="sng" algn="ctr">
+                      <a:solidFill>
+                        <a:srgbClr val="CCCCCC"/>
+                      </a:solidFill>
+                      <a:prstDash val="solid"/>
+                      <a:round/>
+                      <a:headEnd type="none" w="med" len="med"/>
+                      <a:tailEnd type="none" w="med" len="med"/>
+                    </a:lnR>
+                    <a:lnT w="6350" cap="flat" cmpd="sng" algn="ctr">
+                      <a:solidFill>
+                        <a:srgbClr val="CCCCCC"/>
+                      </a:solidFill>
+                      <a:prstDash val="solid"/>
+                      <a:round/>
+                      <a:headEnd type="none" w="med" len="med"/>
+                      <a:tailEnd type="none" w="med" len="med"/>
+                    </a:lnT>
+                    <a:lnB w="6350" cap="flat" cmpd="sng" algn="ctr">
+                      <a:solidFill>
+                        <a:srgbClr val="CCCCCC"/>
+                      </a:solidFill>
+                      <a:prstDash val="solid"/>
+                      <a:round/>
+                      <a:headEnd type="none" w="med" len="med"/>
+                      <a:tailEnd type="none" w="med" len="med"/>
+                    </a:lnB>
+                  </a:tcPr>
+                </a:tc>
+                <a:tc>
+                  <a:txBody>
+                    <a:bodyPr/>
+                    <a:lstStyle/>
+                    <a:p>
+                      <a:pPr rtl="0" fontAlgn="b"/>
+                      <a:r>
+                        <a:rPr lang="en-US" sz="2400">
+                          <a:effectLst/>
+                        </a:rPr>
+                        <a:t>Python 3</a:t>
+                      </a:r>
+                    </a:p>
+                  </a:txBody>
+                  <a:tcPr marL="11491" marR="11491" marT="7661" marB="7661" anchor="b">
+                    <a:lnL w="6350" cap="flat" cmpd="sng" algn="ctr">
+                      <a:solidFill>
+                        <a:srgbClr val="CCCCCC"/>
+                      </a:solidFill>
+                      <a:prstDash val="solid"/>
+                      <a:round/>
+                      <a:headEnd type="none" w="med" len="med"/>
+                      <a:tailEnd type="none" w="med" len="med"/>
+                    </a:lnL>
+                    <a:lnR w="6350" cap="flat" cmpd="sng" algn="ctr">
+                      <a:solidFill>
+                        <a:srgbClr val="CCCCCC"/>
+                      </a:solidFill>
+                      <a:prstDash val="solid"/>
+                      <a:round/>
+                      <a:headEnd type="none" w="med" len="med"/>
+                      <a:tailEnd type="none" w="med" len="med"/>
+                    </a:lnR>
+                    <a:lnT w="6350" cap="flat" cmpd="sng" algn="ctr">
+                      <a:solidFill>
+                        <a:srgbClr val="CCCCCC"/>
+                      </a:solidFill>
+                      <a:prstDash val="solid"/>
+                      <a:round/>
+                      <a:headEnd type="none" w="med" len="med"/>
+                      <a:tailEnd type="none" w="med" len="med"/>
+                    </a:lnT>
+                    <a:lnB w="6350" cap="flat" cmpd="sng" algn="ctr">
+                      <a:solidFill>
+                        <a:srgbClr val="CCCCCC"/>
+                      </a:solidFill>
+                      <a:prstDash val="solid"/>
+                      <a:round/>
+                      <a:headEnd type="none" w="med" len="med"/>
+                      <a:tailEnd type="none" w="med" len="med"/>
+                    </a:lnB>
+                  </a:tcPr>
+                </a:tc>
+                <a:extLst>
+                  <a:ext uri="{0D108BD9-81ED-4DB2-BD59-A6C34878D82A}">
+                    <a16:rowId xmlns:a16="http://schemas.microsoft.com/office/drawing/2014/main" val="1032858204"/>
+                  </a:ext>
+                </a:extLst>
+              </a:tr>
+              <a:tr h="407037">
+                <a:tc>
+                  <a:txBody>
+                    <a:bodyPr/>
+                    <a:lstStyle/>
+                    <a:p>
+                      <a:pPr rtl="0" fontAlgn="b"/>
+                      <a:r>
+                        <a:rPr lang="en-US" sz="2400">
+                          <a:effectLst/>
+                        </a:rPr>
+                        <a:t>10/18/22</a:t>
+                      </a:r>
+                    </a:p>
+                  </a:txBody>
+                  <a:tcPr marL="11491" marR="11491" marT="7661" marB="7661" anchor="b">
+                    <a:lnL w="6350" cap="flat" cmpd="sng" algn="ctr">
+                      <a:solidFill>
+                        <a:srgbClr val="CCCCCC"/>
+                      </a:solidFill>
+                      <a:prstDash val="solid"/>
+                      <a:round/>
+                      <a:headEnd type="none" w="med" len="med"/>
+                      <a:tailEnd type="none" w="med" len="med"/>
+                    </a:lnL>
+                    <a:lnR w="6350" cap="flat" cmpd="sng" algn="ctr">
+                      <a:solidFill>
+                        <a:srgbClr val="CCCCCC"/>
+                      </a:solidFill>
+                      <a:prstDash val="solid"/>
+                      <a:round/>
+                      <a:headEnd type="none" w="med" len="med"/>
+                      <a:tailEnd type="none" w="med" len="med"/>
+                    </a:lnR>
+                    <a:lnT w="6350" cap="flat" cmpd="sng" algn="ctr">
+                      <a:solidFill>
+                        <a:srgbClr val="CCCCCC"/>
+                      </a:solidFill>
+                      <a:prstDash val="solid"/>
+                      <a:round/>
+                      <a:headEnd type="none" w="med" len="med"/>
+                      <a:tailEnd type="none" w="med" len="med"/>
+                    </a:lnT>
+                    <a:lnB w="6350" cap="flat" cmpd="sng" algn="ctr">
+                      <a:solidFill>
+                        <a:srgbClr val="CCCCCC"/>
+                      </a:solidFill>
+                      <a:prstDash val="solid"/>
+                      <a:round/>
+                      <a:headEnd type="none" w="med" len="med"/>
+                      <a:tailEnd type="none" w="med" len="med"/>
+                    </a:lnB>
+                  </a:tcPr>
+                </a:tc>
+                <a:tc>
+                  <a:txBody>
+                    <a:bodyPr/>
+                    <a:lstStyle/>
+                    <a:p>
+                      <a:pPr rtl="0" fontAlgn="b"/>
+                      <a:r>
+                        <a:rPr lang="en-US" sz="2400">
+                          <a:effectLst/>
+                        </a:rPr>
+                        <a:t>Python 4</a:t>
+                      </a:r>
+                    </a:p>
+                  </a:txBody>
+                  <a:tcPr marL="11491" marR="11491" marT="7661" marB="7661" anchor="b">
+                    <a:lnL w="6350" cap="flat" cmpd="sng" algn="ctr">
+                      <a:solidFill>
+                        <a:srgbClr val="CCCCCC"/>
+                      </a:solidFill>
+                      <a:prstDash val="solid"/>
+                      <a:round/>
+                      <a:headEnd type="none" w="med" len="med"/>
+                      <a:tailEnd type="none" w="med" len="med"/>
+                    </a:lnL>
+                    <a:lnR w="6350" cap="flat" cmpd="sng" algn="ctr">
+                      <a:solidFill>
+                        <a:srgbClr val="CCCCCC"/>
+                      </a:solidFill>
+                      <a:prstDash val="solid"/>
+                      <a:round/>
+                      <a:headEnd type="none" w="med" len="med"/>
+                      <a:tailEnd type="none" w="med" len="med"/>
+                    </a:lnR>
+                    <a:lnT w="6350" cap="flat" cmpd="sng" algn="ctr">
+                      <a:solidFill>
+                        <a:srgbClr val="CCCCCC"/>
+                      </a:solidFill>
+                      <a:prstDash val="solid"/>
+                      <a:round/>
+                      <a:headEnd type="none" w="med" len="med"/>
+                      <a:tailEnd type="none" w="med" len="med"/>
+                    </a:lnT>
+                    <a:lnB w="6350" cap="flat" cmpd="sng" algn="ctr">
+                      <a:solidFill>
+                        <a:srgbClr val="CCCCCC"/>
+                      </a:solidFill>
+                      <a:prstDash val="solid"/>
+                      <a:round/>
+                      <a:headEnd type="none" w="med" len="med"/>
+                      <a:tailEnd type="none" w="med" len="med"/>
+                    </a:lnB>
+                  </a:tcPr>
+                </a:tc>
+                <a:extLst>
+                  <a:ext uri="{0D108BD9-81ED-4DB2-BD59-A6C34878D82A}">
+                    <a16:rowId xmlns:a16="http://schemas.microsoft.com/office/drawing/2014/main" val="2929437464"/>
+                  </a:ext>
+                </a:extLst>
+              </a:tr>
+              <a:tr h="407037">
+                <a:tc>
+                  <a:txBody>
+                    <a:bodyPr/>
+                    <a:lstStyle/>
+                    <a:p>
+                      <a:pPr rtl="0" fontAlgn="b"/>
+                      <a:r>
+                        <a:rPr lang="en-US" sz="2400">
+                          <a:effectLst/>
+                        </a:rPr>
+                        <a:t>10/25/22</a:t>
+                      </a:r>
+                    </a:p>
+                  </a:txBody>
+                  <a:tcPr marL="11491" marR="11491" marT="7661" marB="7661" anchor="b">
+                    <a:lnL w="6350" cap="flat" cmpd="sng" algn="ctr">
+                      <a:solidFill>
+                        <a:srgbClr val="CCCCCC"/>
+                      </a:solidFill>
+                      <a:prstDash val="solid"/>
+                      <a:round/>
+                      <a:headEnd type="none" w="med" len="med"/>
+                      <a:tailEnd type="none" w="med" len="med"/>
+                    </a:lnL>
+                    <a:lnR w="6350" cap="flat" cmpd="sng" algn="ctr">
+                      <a:solidFill>
+                        <a:srgbClr val="CCCCCC"/>
+                      </a:solidFill>
+                      <a:prstDash val="solid"/>
+                      <a:round/>
+                      <a:headEnd type="none" w="med" len="med"/>
+                      <a:tailEnd type="none" w="med" len="med"/>
+                    </a:lnR>
+                    <a:lnT w="6350" cap="flat" cmpd="sng" algn="ctr">
+                      <a:solidFill>
+                        <a:srgbClr val="CCCCCC"/>
+                      </a:solidFill>
+                      <a:prstDash val="solid"/>
+                      <a:round/>
+                      <a:headEnd type="none" w="med" len="med"/>
+                      <a:tailEnd type="none" w="med" len="med"/>
+                    </a:lnT>
+                    <a:lnB w="6350" cap="flat" cmpd="sng" algn="ctr">
+                      <a:solidFill>
+                        <a:srgbClr val="CCCCCC"/>
+                      </a:solidFill>
+                      <a:prstDash val="solid"/>
+                      <a:round/>
+                      <a:headEnd type="none" w="med" len="med"/>
+                      <a:tailEnd type="none" w="med" len="med"/>
+                    </a:lnB>
+                  </a:tcPr>
+                </a:tc>
+                <a:tc>
+                  <a:txBody>
+                    <a:bodyPr/>
+                    <a:lstStyle/>
+                    <a:p>
+                      <a:pPr rtl="0" fontAlgn="b"/>
+                      <a:r>
+                        <a:rPr lang="en-US" sz="2400">
+                          <a:effectLst/>
+                        </a:rPr>
+                        <a:t>Reproducible AI (Matt)</a:t>
+                      </a:r>
+                    </a:p>
+                  </a:txBody>
+                  <a:tcPr marL="11491" marR="11491" marT="7661" marB="7661" anchor="b">
+                    <a:lnL w="6350" cap="flat" cmpd="sng" algn="ctr">
+                      <a:solidFill>
+                        <a:srgbClr val="CCCCCC"/>
+                      </a:solidFill>
+                      <a:prstDash val="solid"/>
+                      <a:round/>
+                      <a:headEnd type="none" w="med" len="med"/>
+                      <a:tailEnd type="none" w="med" len="med"/>
+                    </a:lnL>
+                    <a:lnR w="6350" cap="flat" cmpd="sng" algn="ctr">
+                      <a:solidFill>
+                        <a:srgbClr val="CCCCCC"/>
+                      </a:solidFill>
+                      <a:prstDash val="solid"/>
+                      <a:round/>
+                      <a:headEnd type="none" w="med" len="med"/>
+                      <a:tailEnd type="none" w="med" len="med"/>
+                    </a:lnR>
+                    <a:lnT w="6350" cap="flat" cmpd="sng" algn="ctr">
+                      <a:solidFill>
+                        <a:srgbClr val="CCCCCC"/>
+                      </a:solidFill>
+                      <a:prstDash val="solid"/>
+                      <a:round/>
+                      <a:headEnd type="none" w="med" len="med"/>
+                      <a:tailEnd type="none" w="med" len="med"/>
+                    </a:lnT>
+                    <a:lnB w="6350" cap="flat" cmpd="sng" algn="ctr">
+                      <a:solidFill>
+                        <a:srgbClr val="CCCCCC"/>
+                      </a:solidFill>
+                      <a:prstDash val="solid"/>
+                      <a:round/>
+                      <a:headEnd type="none" w="med" len="med"/>
+                      <a:tailEnd type="none" w="med" len="med"/>
+                    </a:lnB>
+                  </a:tcPr>
+                </a:tc>
+                <a:extLst>
+                  <a:ext uri="{0D108BD9-81ED-4DB2-BD59-A6C34878D82A}">
+                    <a16:rowId xmlns:a16="http://schemas.microsoft.com/office/drawing/2014/main" val="2514435505"/>
+                  </a:ext>
+                </a:extLst>
+              </a:tr>
+              <a:tr h="407037">
+                <a:tc>
+                  <a:txBody>
+                    <a:bodyPr/>
+                    <a:lstStyle/>
+                    <a:p>
+                      <a:pPr rtl="0" fontAlgn="b"/>
+                      <a:r>
+                        <a:rPr lang="en-US" sz="2400">
+                          <a:solidFill>
+                            <a:srgbClr val="BF9000"/>
+                          </a:solidFill>
+                          <a:effectLst/>
+                        </a:rPr>
+                        <a:t>11/01/22</a:t>
+                      </a:r>
+                    </a:p>
+                  </a:txBody>
+                  <a:tcPr marL="11491" marR="11491" marT="7661" marB="7661" anchor="b">
+                    <a:lnL w="6350" cap="flat" cmpd="sng" algn="ctr">
+                      <a:solidFill>
+                        <a:srgbClr val="CCCCCC"/>
+                      </a:solidFill>
+                      <a:prstDash val="solid"/>
+                      <a:round/>
+                      <a:headEnd type="none" w="med" len="med"/>
+                      <a:tailEnd type="none" w="med" len="med"/>
+                    </a:lnL>
+                    <a:lnR w="6350" cap="flat" cmpd="sng" algn="ctr">
+                      <a:solidFill>
+                        <a:srgbClr val="CCCCCC"/>
+                      </a:solidFill>
+                      <a:prstDash val="solid"/>
+                      <a:round/>
+                      <a:headEnd type="none" w="med" len="med"/>
+                      <a:tailEnd type="none" w="med" len="med"/>
+                    </a:lnR>
+                    <a:lnT w="6350" cap="flat" cmpd="sng" algn="ctr">
+                      <a:solidFill>
+                        <a:srgbClr val="CCCCCC"/>
+                      </a:solidFill>
+                      <a:prstDash val="solid"/>
+                      <a:round/>
+                      <a:headEnd type="none" w="med" len="med"/>
+                      <a:tailEnd type="none" w="med" len="med"/>
+                    </a:lnT>
+                    <a:lnB w="6350" cap="flat" cmpd="sng" algn="ctr">
+                      <a:solidFill>
+                        <a:srgbClr val="CCCCCC"/>
+                      </a:solidFill>
+                      <a:prstDash val="solid"/>
+                      <a:round/>
+                      <a:headEnd type="none" w="med" len="med"/>
+                      <a:tailEnd type="none" w="med" len="med"/>
+                    </a:lnB>
+                  </a:tcPr>
+                </a:tc>
+                <a:tc>
+                  <a:txBody>
+                    <a:bodyPr/>
+                    <a:lstStyle/>
+                    <a:p>
+                      <a:pPr rtl="0" fontAlgn="b"/>
+                      <a:r>
+                        <a:rPr lang="en-US" sz="2400">
+                          <a:solidFill>
+                            <a:srgbClr val="BF9000"/>
+                          </a:solidFill>
+                          <a:effectLst/>
+                        </a:rPr>
+                        <a:t>Hipergator Symposium</a:t>
+                      </a:r>
+                    </a:p>
+                  </a:txBody>
+                  <a:tcPr marL="11491" marR="11491" marT="7661" marB="7661" anchor="b">
+                    <a:lnL w="6350" cap="flat" cmpd="sng" algn="ctr">
+                      <a:solidFill>
+                        <a:srgbClr val="CCCCCC"/>
+                      </a:solidFill>
+                      <a:prstDash val="solid"/>
+                      <a:round/>
+                      <a:headEnd type="none" w="med" len="med"/>
+                      <a:tailEnd type="none" w="med" len="med"/>
+                    </a:lnL>
+                    <a:lnR w="6350" cap="flat" cmpd="sng" algn="ctr">
+                      <a:solidFill>
+                        <a:srgbClr val="CCCCCC"/>
+                      </a:solidFill>
+                      <a:prstDash val="solid"/>
+                      <a:round/>
+                      <a:headEnd type="none" w="med" len="med"/>
+                      <a:tailEnd type="none" w="med" len="med"/>
+                    </a:lnR>
+                    <a:lnT w="6350" cap="flat" cmpd="sng" algn="ctr">
+                      <a:solidFill>
+                        <a:srgbClr val="CCCCCC"/>
+                      </a:solidFill>
+                      <a:prstDash val="solid"/>
+                      <a:round/>
+                      <a:headEnd type="none" w="med" len="med"/>
+                      <a:tailEnd type="none" w="med" len="med"/>
+                    </a:lnT>
+                    <a:lnB w="6350" cap="flat" cmpd="sng" algn="ctr">
+                      <a:solidFill>
+                        <a:srgbClr val="CCCCCC"/>
+                      </a:solidFill>
+                      <a:prstDash val="solid"/>
+                      <a:round/>
+                      <a:headEnd type="none" w="med" len="med"/>
+                      <a:tailEnd type="none" w="med" len="med"/>
+                    </a:lnB>
+                  </a:tcPr>
+                </a:tc>
+                <a:extLst>
+                  <a:ext uri="{0D108BD9-81ED-4DB2-BD59-A6C34878D82A}">
+                    <a16:rowId xmlns:a16="http://schemas.microsoft.com/office/drawing/2014/main" val="3321816190"/>
+                  </a:ext>
+                </a:extLst>
+              </a:tr>
+              <a:tr h="491316">
+                <a:tc>
+                  <a:txBody>
+                    <a:bodyPr/>
+                    <a:lstStyle/>
+                    <a:p>
+                      <a:pPr rtl="0" fontAlgn="b"/>
+                      <a:r>
+                        <a:rPr lang="en-US" sz="2400">
+                          <a:effectLst/>
+                        </a:rPr>
+                        <a:t>11/08/22</a:t>
+                      </a:r>
+                    </a:p>
+                  </a:txBody>
+                  <a:tcPr marL="11491" marR="11491" marT="7661" marB="7661" anchor="b">
+                    <a:lnL w="6350" cap="flat" cmpd="sng" algn="ctr">
+                      <a:solidFill>
+                        <a:srgbClr val="CCCCCC"/>
+                      </a:solidFill>
+                      <a:prstDash val="solid"/>
+                      <a:round/>
+                      <a:headEnd type="none" w="med" len="med"/>
+                      <a:tailEnd type="none" w="med" len="med"/>
+                    </a:lnL>
+                    <a:lnR w="6350" cap="flat" cmpd="sng" algn="ctr">
+                      <a:solidFill>
+                        <a:srgbClr val="CCCCCC"/>
+                      </a:solidFill>
+                      <a:prstDash val="solid"/>
+                      <a:round/>
+                      <a:headEnd type="none" w="med" len="med"/>
+                      <a:tailEnd type="none" w="med" len="med"/>
+                    </a:lnR>
+                    <a:lnT w="6350" cap="flat" cmpd="sng" algn="ctr">
+                      <a:solidFill>
+                        <a:srgbClr val="CCCCCC"/>
+                      </a:solidFill>
+                      <a:prstDash val="solid"/>
+                      <a:round/>
+                      <a:headEnd type="none" w="med" len="med"/>
+                      <a:tailEnd type="none" w="med" len="med"/>
+                    </a:lnT>
+                    <a:lnB w="6350" cap="flat" cmpd="sng" algn="ctr">
+                      <a:solidFill>
+                        <a:srgbClr val="CCCCCC"/>
+                      </a:solidFill>
+                      <a:prstDash val="solid"/>
+                      <a:round/>
+                      <a:headEnd type="none" w="med" len="med"/>
+                      <a:tailEnd type="none" w="med" len="med"/>
+                    </a:lnB>
+                  </a:tcPr>
+                </a:tc>
+                <a:tc>
+                  <a:txBody>
+                    <a:bodyPr/>
+                    <a:lstStyle/>
+                    <a:p>
+                      <a:pPr rtl="0" fontAlgn="b"/>
+                      <a:r>
+                        <a:rPr lang="en-US" sz="2400">
+                          <a:effectLst/>
+                        </a:rPr>
+                        <a:t>DL Foundations 1</a:t>
+                      </a:r>
+                    </a:p>
+                  </a:txBody>
+                  <a:tcPr marL="11491" marR="11491" marT="7661" marB="7661" anchor="b">
+                    <a:lnL w="6350" cap="flat" cmpd="sng" algn="ctr">
+                      <a:solidFill>
+                        <a:srgbClr val="CCCCCC"/>
+                      </a:solidFill>
+                      <a:prstDash val="solid"/>
+                      <a:round/>
+                      <a:headEnd type="none" w="med" len="med"/>
+                      <a:tailEnd type="none" w="med" len="med"/>
+                    </a:lnL>
+                    <a:lnR w="6350" cap="flat" cmpd="sng" algn="ctr">
+                      <a:solidFill>
+                        <a:srgbClr val="CCCCCC"/>
+                      </a:solidFill>
+                      <a:prstDash val="solid"/>
+                      <a:round/>
+                      <a:headEnd type="none" w="med" len="med"/>
+                      <a:tailEnd type="none" w="med" len="med"/>
+                    </a:lnR>
+                    <a:lnT w="6350" cap="flat" cmpd="sng" algn="ctr">
+                      <a:solidFill>
+                        <a:srgbClr val="CCCCCC"/>
+                      </a:solidFill>
+                      <a:prstDash val="solid"/>
+                      <a:round/>
+                      <a:headEnd type="none" w="med" len="med"/>
+                      <a:tailEnd type="none" w="med" len="med"/>
+                    </a:lnT>
+                    <a:lnB w="6350" cap="flat" cmpd="sng" algn="ctr">
+                      <a:solidFill>
+                        <a:srgbClr val="CCCCCC"/>
+                      </a:solidFill>
+                      <a:prstDash val="solid"/>
+                      <a:round/>
+                      <a:headEnd type="none" w="med" len="med"/>
+                      <a:tailEnd type="none" w="med" len="med"/>
+                    </a:lnB>
+                  </a:tcPr>
+                </a:tc>
+                <a:extLst>
+                  <a:ext uri="{0D108BD9-81ED-4DB2-BD59-A6C34878D82A}">
+                    <a16:rowId xmlns:a16="http://schemas.microsoft.com/office/drawing/2014/main" val="1429264771"/>
+                  </a:ext>
+                </a:extLst>
+              </a:tr>
+              <a:tr h="491316">
+                <a:tc>
+                  <a:txBody>
+                    <a:bodyPr/>
+                    <a:lstStyle/>
+                    <a:p>
+                      <a:pPr rtl="0" fontAlgn="b"/>
+                      <a:r>
+                        <a:rPr lang="en-US" sz="2400">
+                          <a:effectLst/>
+                        </a:rPr>
+                        <a:t>11/15/22</a:t>
+                      </a:r>
+                    </a:p>
+                  </a:txBody>
+                  <a:tcPr marL="11491" marR="11491" marT="7661" marB="7661" anchor="b">
+                    <a:lnL w="6350" cap="flat" cmpd="sng" algn="ctr">
+                      <a:solidFill>
+                        <a:srgbClr val="CCCCCC"/>
+                      </a:solidFill>
+                      <a:prstDash val="solid"/>
+                      <a:round/>
+                      <a:headEnd type="none" w="med" len="med"/>
+                      <a:tailEnd type="none" w="med" len="med"/>
+                    </a:lnL>
+                    <a:lnR w="6350" cap="flat" cmpd="sng" algn="ctr">
+                      <a:solidFill>
+                        <a:srgbClr val="CCCCCC"/>
+                      </a:solidFill>
+                      <a:prstDash val="solid"/>
+                      <a:round/>
+                      <a:headEnd type="none" w="med" len="med"/>
+                      <a:tailEnd type="none" w="med" len="med"/>
+                    </a:lnR>
+                    <a:lnT w="6350" cap="flat" cmpd="sng" algn="ctr">
+                      <a:solidFill>
+                        <a:srgbClr val="CCCCCC"/>
+                      </a:solidFill>
+                      <a:prstDash val="solid"/>
+                      <a:round/>
+                      <a:headEnd type="none" w="med" len="med"/>
+                      <a:tailEnd type="none" w="med" len="med"/>
+                    </a:lnT>
+                    <a:lnB w="6350" cap="flat" cmpd="sng" algn="ctr">
+                      <a:solidFill>
+                        <a:srgbClr val="CCCCCC"/>
+                      </a:solidFill>
+                      <a:prstDash val="solid"/>
+                      <a:round/>
+                      <a:headEnd type="none" w="med" len="med"/>
+                      <a:tailEnd type="none" w="med" len="med"/>
+                    </a:lnB>
+                  </a:tcPr>
+                </a:tc>
+                <a:tc>
+                  <a:txBody>
+                    <a:bodyPr/>
+                    <a:lstStyle/>
+                    <a:p>
+                      <a:pPr rtl="0" fontAlgn="b"/>
+                      <a:r>
+                        <a:rPr lang="en-US" sz="2400">
+                          <a:effectLst/>
+                        </a:rPr>
+                        <a:t>DL Foundations 2</a:t>
+                      </a:r>
+                    </a:p>
+                  </a:txBody>
+                  <a:tcPr marL="11491" marR="11491" marT="7661" marB="7661" anchor="b">
+                    <a:lnL w="6350" cap="flat" cmpd="sng" algn="ctr">
+                      <a:solidFill>
+                        <a:srgbClr val="CCCCCC"/>
+                      </a:solidFill>
+                      <a:prstDash val="solid"/>
+                      <a:round/>
+                      <a:headEnd type="none" w="med" len="med"/>
+                      <a:tailEnd type="none" w="med" len="med"/>
+                    </a:lnL>
+                    <a:lnR w="6350" cap="flat" cmpd="sng" algn="ctr">
+                      <a:solidFill>
+                        <a:srgbClr val="CCCCCC"/>
+                      </a:solidFill>
+                      <a:prstDash val="solid"/>
+                      <a:round/>
+                      <a:headEnd type="none" w="med" len="med"/>
+                      <a:tailEnd type="none" w="med" len="med"/>
+                    </a:lnR>
+                    <a:lnT w="6350" cap="flat" cmpd="sng" algn="ctr">
+                      <a:solidFill>
+                        <a:srgbClr val="CCCCCC"/>
+                      </a:solidFill>
+                      <a:prstDash val="solid"/>
+                      <a:round/>
+                      <a:headEnd type="none" w="med" len="med"/>
+                      <a:tailEnd type="none" w="med" len="med"/>
+                    </a:lnT>
+                    <a:lnB w="6350" cap="flat" cmpd="sng" algn="ctr">
+                      <a:solidFill>
+                        <a:srgbClr val="CCCCCC"/>
+                      </a:solidFill>
+                      <a:prstDash val="solid"/>
+                      <a:round/>
+                      <a:headEnd type="none" w="med" len="med"/>
+                      <a:tailEnd type="none" w="med" len="med"/>
+                    </a:lnB>
+                  </a:tcPr>
+                </a:tc>
+                <a:extLst>
+                  <a:ext uri="{0D108BD9-81ED-4DB2-BD59-A6C34878D82A}">
+                    <a16:rowId xmlns:a16="http://schemas.microsoft.com/office/drawing/2014/main" val="3812063278"/>
+                  </a:ext>
+                </a:extLst>
+              </a:tr>
+              <a:tr h="491316">
+                <a:tc>
+                  <a:txBody>
+                    <a:bodyPr/>
+                    <a:lstStyle/>
+                    <a:p>
+                      <a:pPr rtl="0" fontAlgn="b"/>
+                      <a:r>
+                        <a:rPr lang="en-US" sz="2400">
+                          <a:effectLst/>
+                        </a:rPr>
+                        <a:t>11/22/22</a:t>
+                      </a:r>
+                    </a:p>
+                  </a:txBody>
+                  <a:tcPr marL="11491" marR="11491" marT="7661" marB="7661" anchor="b">
+                    <a:lnL w="6350" cap="flat" cmpd="sng" algn="ctr">
+                      <a:solidFill>
+                        <a:srgbClr val="CCCCCC"/>
+                      </a:solidFill>
+                      <a:prstDash val="solid"/>
+                      <a:round/>
+                      <a:headEnd type="none" w="med" len="med"/>
+                      <a:tailEnd type="none" w="med" len="med"/>
+                    </a:lnL>
+                    <a:lnR w="6350" cap="flat" cmpd="sng" algn="ctr">
+                      <a:solidFill>
+                        <a:srgbClr val="CCCCCC"/>
+                      </a:solidFill>
+                      <a:prstDash val="solid"/>
+                      <a:round/>
+                      <a:headEnd type="none" w="med" len="med"/>
+                      <a:tailEnd type="none" w="med" len="med"/>
+                    </a:lnR>
+                    <a:lnT w="6350" cap="flat" cmpd="sng" algn="ctr">
+                      <a:solidFill>
+                        <a:srgbClr val="CCCCCC"/>
+                      </a:solidFill>
+                      <a:prstDash val="solid"/>
+                      <a:round/>
+                      <a:headEnd type="none" w="med" len="med"/>
+                      <a:tailEnd type="none" w="med" len="med"/>
+                    </a:lnT>
+                    <a:lnB w="6350" cap="flat" cmpd="sng" algn="ctr">
+                      <a:solidFill>
+                        <a:srgbClr val="CCCCCC"/>
+                      </a:solidFill>
+                      <a:prstDash val="solid"/>
+                      <a:round/>
+                      <a:headEnd type="none" w="med" len="med"/>
+                      <a:tailEnd type="none" w="med" len="med"/>
+                    </a:lnB>
+                  </a:tcPr>
+                </a:tc>
+                <a:tc>
+                  <a:txBody>
+                    <a:bodyPr/>
+                    <a:lstStyle/>
+                    <a:p>
+                      <a:pPr rtl="0" fontAlgn="b"/>
+                      <a:r>
+                        <a:rPr lang="en-US" sz="2400" dirty="0">
+                          <a:effectLst/>
+                        </a:rPr>
+                        <a:t>DL Foundations 3</a:t>
+                      </a:r>
+                    </a:p>
+                  </a:txBody>
+                  <a:tcPr marL="11491" marR="11491" marT="7661" marB="7661" anchor="b">
+                    <a:lnL w="6350" cap="flat" cmpd="sng" algn="ctr">
+                      <a:solidFill>
+                        <a:srgbClr val="CCCCCC"/>
+                      </a:solidFill>
+                      <a:prstDash val="solid"/>
+                      <a:round/>
+                      <a:headEnd type="none" w="med" len="med"/>
+                      <a:tailEnd type="none" w="med" len="med"/>
+                    </a:lnL>
+                    <a:lnR w="6350" cap="flat" cmpd="sng" algn="ctr">
+                      <a:solidFill>
+                        <a:srgbClr val="CCCCCC"/>
+                      </a:solidFill>
+                      <a:prstDash val="solid"/>
+                      <a:round/>
+                      <a:headEnd type="none" w="med" len="med"/>
+                      <a:tailEnd type="none" w="med" len="med"/>
+                    </a:lnR>
+                    <a:lnT w="6350" cap="flat" cmpd="sng" algn="ctr">
+                      <a:solidFill>
+                        <a:srgbClr val="CCCCCC"/>
+                      </a:solidFill>
+                      <a:prstDash val="solid"/>
+                      <a:round/>
+                      <a:headEnd type="none" w="med" len="med"/>
+                      <a:tailEnd type="none" w="med" len="med"/>
+                    </a:lnT>
+                    <a:lnB w="6350" cap="flat" cmpd="sng" algn="ctr">
+                      <a:solidFill>
+                        <a:srgbClr val="CCCCCC"/>
+                      </a:solidFill>
+                      <a:prstDash val="solid"/>
+                      <a:round/>
+                      <a:headEnd type="none" w="med" len="med"/>
+                      <a:tailEnd type="none" w="med" len="med"/>
+                    </a:lnB>
+                  </a:tcPr>
+                </a:tc>
+                <a:extLst>
+                  <a:ext uri="{0D108BD9-81ED-4DB2-BD59-A6C34878D82A}">
+                    <a16:rowId xmlns:a16="http://schemas.microsoft.com/office/drawing/2014/main" val="2695877726"/>
                   </a:ext>
                 </a:extLst>
               </a:tr>

--- a/presentations/01_practicum_intro.pptx
+++ b/presentations/01_practicum_intro.pptx
@@ -16,8 +16,8 @@
     <p:sldId id="334" r:id="rId7"/>
     <p:sldId id="304" r:id="rId8"/>
     <p:sldId id="289" r:id="rId9"/>
-    <p:sldId id="315" r:id="rId10"/>
-    <p:sldId id="327" r:id="rId11"/>
+    <p:sldId id="327" r:id="rId10"/>
+    <p:sldId id="315" r:id="rId11"/>
     <p:sldId id="328" r:id="rId12"/>
     <p:sldId id="325" r:id="rId13"/>
     <p:sldId id="350" r:id="rId14"/>
@@ -238,7 +238,7 @@
           <a:p>
             <a:fld id="{FD93C9B2-20F6-4DB1-B471-224337D0AC79}" type="datetimeFigureOut">
               <a:rPr lang="en-US" smtClean="0"/>
-              <a:t>9/1/2022</a:t>
+              <a:t>9/6/2022</a:t>
             </a:fld>
             <a:endParaRPr lang="en-US"/>
           </a:p>
@@ -4024,6 +4024,15 @@
           <a:bodyPr/>
           <a:lstStyle/>
           <a:p>
+            <a:r>
+              <a:rPr lang="en-US" dirty="0"/>
+              <a:t>Group discussion…</a:t>
+            </a:r>
+          </a:p>
+          <a:p>
+            <a:endParaRPr lang="en-US" dirty="0"/>
+          </a:p>
+          <a:p>
             <a:endParaRPr lang="en-US" dirty="0"/>
           </a:p>
         </p:txBody>
@@ -4054,7 +4063,7 @@
     </p:spTree>
     <p:extLst>
       <p:ext uri="{BB962C8B-B14F-4D97-AF65-F5344CB8AC3E}">
-        <p14:creationId xmlns:p14="http://schemas.microsoft.com/office/powerpoint/2010/main" val="2877151627"/>
+        <p14:creationId xmlns:p14="http://schemas.microsoft.com/office/powerpoint/2010/main" val="3008905254"/>
       </p:ext>
     </p:extLst>
   </p:cSld>
@@ -4108,15 +4117,6 @@
           <a:bodyPr/>
           <a:lstStyle/>
           <a:p>
-            <a:r>
-              <a:rPr lang="en-US" dirty="0"/>
-              <a:t>Group discussion…</a:t>
-            </a:r>
-          </a:p>
-          <a:p>
-            <a:endParaRPr lang="en-US" dirty="0"/>
-          </a:p>
-          <a:p>
             <a:endParaRPr lang="en-US" dirty="0"/>
           </a:p>
         </p:txBody>
@@ -4147,7 +4147,7 @@
     </p:spTree>
     <p:extLst>
       <p:ext uri="{BB962C8B-B14F-4D97-AF65-F5344CB8AC3E}">
-        <p14:creationId xmlns:p14="http://schemas.microsoft.com/office/powerpoint/2010/main" val="3008905254"/>
+        <p14:creationId xmlns:p14="http://schemas.microsoft.com/office/powerpoint/2010/main" val="2877151627"/>
       </p:ext>
     </p:extLst>
   </p:cSld>
@@ -4304,7 +4304,7 @@
           <a:p>
             <a:fld id="{C3F78080-8D0A-4BE8-A5B4-CB115102D524}" type="datetimeFigureOut">
               <a:rPr lang="en-US" smtClean="0"/>
-              <a:t>9/1/2022</a:t>
+              <a:t>9/6/2022</a:t>
             </a:fld>
             <a:endParaRPr lang="en-US"/>
           </a:p>
@@ -4502,7 +4502,7 @@
           <a:p>
             <a:fld id="{C3F78080-8D0A-4BE8-A5B4-CB115102D524}" type="datetimeFigureOut">
               <a:rPr lang="en-US" smtClean="0"/>
-              <a:t>9/1/2022</a:t>
+              <a:t>9/6/2022</a:t>
             </a:fld>
             <a:endParaRPr lang="en-US"/>
           </a:p>
@@ -4710,7 +4710,7 @@
           <a:p>
             <a:fld id="{C3F78080-8D0A-4BE8-A5B4-CB115102D524}" type="datetimeFigureOut">
               <a:rPr lang="en-US" smtClean="0"/>
-              <a:t>9/1/2022</a:t>
+              <a:t>9/6/2022</a:t>
             </a:fld>
             <a:endParaRPr lang="en-US"/>
           </a:p>
@@ -4908,7 +4908,7 @@
           <a:p>
             <a:fld id="{C3F78080-8D0A-4BE8-A5B4-CB115102D524}" type="datetimeFigureOut">
               <a:rPr lang="en-US" smtClean="0"/>
-              <a:t>9/1/2022</a:t>
+              <a:t>9/6/2022</a:t>
             </a:fld>
             <a:endParaRPr lang="en-US"/>
           </a:p>
@@ -5183,7 +5183,7 @@
           <a:p>
             <a:fld id="{C3F78080-8D0A-4BE8-A5B4-CB115102D524}" type="datetimeFigureOut">
               <a:rPr lang="en-US" smtClean="0"/>
-              <a:t>9/1/2022</a:t>
+              <a:t>9/6/2022</a:t>
             </a:fld>
             <a:endParaRPr lang="en-US"/>
           </a:p>
@@ -5448,7 +5448,7 @@
           <a:p>
             <a:fld id="{C3F78080-8D0A-4BE8-A5B4-CB115102D524}" type="datetimeFigureOut">
               <a:rPr lang="en-US" smtClean="0"/>
-              <a:t>9/1/2022</a:t>
+              <a:t>9/6/2022</a:t>
             </a:fld>
             <a:endParaRPr lang="en-US"/>
           </a:p>
@@ -5860,7 +5860,7 @@
           <a:p>
             <a:fld id="{C3F78080-8D0A-4BE8-A5B4-CB115102D524}" type="datetimeFigureOut">
               <a:rPr lang="en-US" smtClean="0"/>
-              <a:t>9/1/2022</a:t>
+              <a:t>9/6/2022</a:t>
             </a:fld>
             <a:endParaRPr lang="en-US"/>
           </a:p>
@@ -6001,7 +6001,7 @@
           <a:p>
             <a:fld id="{C3F78080-8D0A-4BE8-A5B4-CB115102D524}" type="datetimeFigureOut">
               <a:rPr lang="en-US" smtClean="0"/>
-              <a:t>9/1/2022</a:t>
+              <a:t>9/6/2022</a:t>
             </a:fld>
             <a:endParaRPr lang="en-US"/>
           </a:p>
@@ -6114,7 +6114,7 @@
           <a:p>
             <a:fld id="{C3F78080-8D0A-4BE8-A5B4-CB115102D524}" type="datetimeFigureOut">
               <a:rPr lang="en-US" smtClean="0"/>
-              <a:t>9/1/2022</a:t>
+              <a:t>9/6/2022</a:t>
             </a:fld>
             <a:endParaRPr lang="en-US"/>
           </a:p>
@@ -6425,7 +6425,7 @@
           <a:p>
             <a:fld id="{C3F78080-8D0A-4BE8-A5B4-CB115102D524}" type="datetimeFigureOut">
               <a:rPr lang="en-US" smtClean="0"/>
-              <a:t>9/1/2022</a:t>
+              <a:t>9/6/2022</a:t>
             </a:fld>
             <a:endParaRPr lang="en-US"/>
           </a:p>
@@ -6713,7 +6713,7 @@
           <a:p>
             <a:fld id="{C3F78080-8D0A-4BE8-A5B4-CB115102D524}" type="datetimeFigureOut">
               <a:rPr lang="en-US" smtClean="0"/>
-              <a:t>9/1/2022</a:t>
+              <a:t>9/6/2022</a:t>
             </a:fld>
             <a:endParaRPr lang="en-US"/>
           </a:p>
@@ -6954,7 +6954,7 @@
           <a:p>
             <a:fld id="{C3F78080-8D0A-4BE8-A5B4-CB115102D524}" type="datetimeFigureOut">
               <a:rPr lang="en-US" smtClean="0"/>
-              <a:t>9/1/2022</a:t>
+              <a:t>9/6/2022</a:t>
             </a:fld>
             <a:endParaRPr lang="en-US"/>
           </a:p>
@@ -7485,153 +7485,60 @@
           <a:chExt cx="0" cy="0"/>
         </a:xfrm>
       </p:grpSpPr>
-      <p:sp>
-        <p:nvSpPr>
-          <p:cNvPr id="5" name="Content Placeholder 4">
+      <p:pic>
+        <p:nvPicPr>
+          <p:cNvPr id="3" name="Picture 2">
             <a:extLst>
               <a:ext uri="{FF2B5EF4-FFF2-40B4-BE49-F238E27FC236}">
-                <a16:creationId xmlns:a16="http://schemas.microsoft.com/office/drawing/2014/main" id="{7C82B2FA-DB39-467C-9DC1-245874DCBCF1}"/>
-              </a:ext>
-            </a:extLst>
-          </p:cNvPr>
-          <p:cNvSpPr>
-            <a:spLocks noGrp="1"/>
-          </p:cNvSpPr>
-          <p:nvPr>
-            <p:ph idx="1"/>
-          </p:nvPr>
-        </p:nvSpPr>
-        <p:spPr>
-          <a:xfrm>
-            <a:off x="807719" y="1552220"/>
-            <a:ext cx="10576561" cy="2350318"/>
-          </a:xfrm>
-        </p:spPr>
-        <p:txBody>
-          <a:bodyPr>
-            <a:normAutofit/>
-          </a:bodyPr>
-          <a:lstStyle/>
-          <a:p>
-            <a:pPr marL="0" indent="0">
-              <a:buNone/>
-            </a:pPr>
-            <a:endParaRPr lang="en-US" dirty="0">
-              <a:latin typeface="Palatino Linotype" panose="02040502050505030304" pitchFamily="18" charset="0"/>
-            </a:endParaRPr>
-          </a:p>
-          <a:p>
-            <a:pPr marL="0" indent="0">
-              <a:buNone/>
-            </a:pPr>
-            <a:r>
-              <a:rPr lang="en-US" dirty="0">
-                <a:latin typeface="Palatino Linotype" panose="02040502050505030304" pitchFamily="18" charset="0"/>
-              </a:rPr>
-              <a:t>What do you want to do?</a:t>
-            </a:r>
-          </a:p>
-          <a:p>
-            <a:pPr lvl="1">
-              <a:lnSpc>
-                <a:spcPct val="100000"/>
-              </a:lnSpc>
-              <a:buFont typeface="Courier New" panose="02070309020205020404" pitchFamily="49" charset="0"/>
-              <a:buChar char="o"/>
-            </a:pPr>
-            <a:r>
-              <a:rPr lang="en-US" dirty="0">
-                <a:latin typeface="Palatino Linotype" panose="02040502050505030304" pitchFamily="18" charset="0"/>
-              </a:rPr>
-              <a:t> What do you currently know about AI?</a:t>
-            </a:r>
-          </a:p>
-          <a:p>
-            <a:pPr lvl="1">
-              <a:lnSpc>
-                <a:spcPct val="100000"/>
-              </a:lnSpc>
-              <a:buFont typeface="Courier New" panose="02070309020205020404" pitchFamily="49" charset="0"/>
-              <a:buChar char="o"/>
-            </a:pPr>
-            <a:r>
-              <a:rPr lang="en-US" dirty="0">
-                <a:latin typeface="Palatino Linotype" panose="02040502050505030304" pitchFamily="18" charset="0"/>
-              </a:rPr>
-              <a:t> What would you like to know about AI?</a:t>
-            </a:r>
-          </a:p>
-          <a:p>
-            <a:pPr marL="0" indent="0">
-              <a:buNone/>
-            </a:pPr>
-            <a:endParaRPr lang="en-US" dirty="0">
-              <a:latin typeface="Palatino Linotype" panose="02040502050505030304" pitchFamily="18" charset="0"/>
-            </a:endParaRPr>
-          </a:p>
-          <a:p>
-            <a:pPr marL="0" indent="0">
-              <a:buNone/>
-            </a:pPr>
-            <a:endParaRPr lang="en-US" dirty="0">
-              <a:latin typeface="Palatino Linotype" panose="02040502050505030304" pitchFamily="18" charset="0"/>
-            </a:endParaRPr>
-          </a:p>
-        </p:txBody>
-      </p:sp>
-      <p:pic>
-        <p:nvPicPr>
-          <p:cNvPr id="1034" name="Picture 10" descr="IT Roundtable image">
-            <a:extLst>
-              <a:ext uri="{FF2B5EF4-FFF2-40B4-BE49-F238E27FC236}">
-                <a16:creationId xmlns:a16="http://schemas.microsoft.com/office/drawing/2014/main" id="{233D1748-CB98-4943-B86C-EA4B3C8EC112}"/>
+                <a16:creationId xmlns:a16="http://schemas.microsoft.com/office/drawing/2014/main" id="{A034AEAE-8D98-4368-AE64-EC0D42A4741C}"/>
               </a:ext>
             </a:extLst>
           </p:cNvPr>
           <p:cNvPicPr>
-            <a:picLocks noChangeAspect="1" noChangeArrowheads="1"/>
+            <a:picLocks noChangeAspect="1"/>
           </p:cNvPicPr>
           <p:nvPr/>
         </p:nvPicPr>
         <p:blipFill>
           <a:blip r:embed="rId3">
             <a:extLst>
+              <a:ext uri="{BEBA8EAE-BF5A-486C-A8C5-ECC9F3942E4B}">
+                <a14:imgProps xmlns:a14="http://schemas.microsoft.com/office/drawing/2010/main">
+                  <a14:imgLayer r:embed="rId4">
+                    <a14:imgEffect>
+                      <a14:colorTemperature colorTemp="11200"/>
+                    </a14:imgEffect>
+                    <a14:imgEffect>
+                      <a14:saturation sat="60000"/>
+                    </a14:imgEffect>
+                  </a14:imgLayer>
+                </a14:imgProps>
+              </a:ext>
               <a:ext uri="{28A0092B-C50C-407E-A947-70E740481C1C}">
                 <a14:useLocalDpi xmlns:a14="http://schemas.microsoft.com/office/drawing/2010/main" val="0"/>
               </a:ext>
             </a:extLst>
           </a:blip>
-          <a:srcRect/>
           <a:stretch>
             <a:fillRect/>
           </a:stretch>
         </p:blipFill>
-        <p:spPr bwMode="auto">
+        <p:spPr>
           <a:xfrm>
-            <a:off x="9705420" y="4130621"/>
-            <a:ext cx="1867885" cy="1790700"/>
+            <a:off x="4244123" y="5590394"/>
+            <a:ext cx="3703754" cy="827416"/>
           </a:xfrm>
           <a:prstGeom prst="rect">
             <a:avLst/>
           </a:prstGeom>
-          <a:noFill/>
-          <a:extLst>
-            <a:ext uri="{909E8E84-426E-40DD-AFC4-6F175D3DCCD1}">
-              <a14:hiddenFill xmlns:a14="http://schemas.microsoft.com/office/drawing/2010/main">
-                <a:solidFill>
-                  <a:srgbClr val="FFFFFF"/>
-                </a:solidFill>
-              </a14:hiddenFill>
-            </a:ext>
-          </a:extLst>
         </p:spPr>
       </p:pic>
       <p:sp>
         <p:nvSpPr>
-          <p:cNvPr id="9" name="TextBox 8">
+          <p:cNvPr id="8" name="TextBox 7">
             <a:extLst>
               <a:ext uri="{FF2B5EF4-FFF2-40B4-BE49-F238E27FC236}">
-                <a16:creationId xmlns:a16="http://schemas.microsoft.com/office/drawing/2014/main" id="{D476B7A6-8124-4CB2-AE59-A9C6A7A3424C}"/>
+                <a16:creationId xmlns:a16="http://schemas.microsoft.com/office/drawing/2014/main" id="{D7CE6138-14E5-489A-96FA-9F95DC32FDE3}"/>
               </a:ext>
             </a:extLst>
           </p:cNvPr>
@@ -7640,13 +7547,33 @@
         </p:nvSpPr>
         <p:spPr>
           <a:xfrm>
-            <a:off x="0" y="6550223"/>
-            <a:ext cx="12192000" cy="307777"/>
+            <a:off x="4582155" y="3065547"/>
+            <a:ext cx="2693289" cy="461665"/>
           </a:xfrm>
           <a:prstGeom prst="rect">
             <a:avLst/>
           </a:prstGeom>
-          <a:noFill/>
+          <a:solidFill>
+            <a:schemeClr val="accent3">
+              <a:lumMod val="20000"/>
+              <a:lumOff val="80000"/>
+            </a:schemeClr>
+          </a:solidFill>
+          <a:ln>
+            <a:solidFill>
+              <a:schemeClr val="tx1">
+                <a:lumMod val="65000"/>
+                <a:lumOff val="35000"/>
+              </a:schemeClr>
+            </a:solidFill>
+          </a:ln>
+          <a:effectLst>
+            <a:outerShdw blurRad="50800" dist="38100" dir="2700000" algn="tl" rotWithShape="0">
+              <a:prstClr val="black">
+                <a:alpha val="40000"/>
+              </a:prstClr>
+            </a:outerShdw>
+          </a:effectLst>
         </p:spPr>
         <p:txBody>
           <a:bodyPr wrap="square" rtlCol="0">
@@ -7654,48 +7581,200 @@
           </a:bodyPr>
           <a:lstStyle/>
           <a:p>
-            <a:r>
-              <a:rPr lang="en-US" sz="1400" dirty="0">
+            <a:pPr algn="ctr"/>
+            <a:r>
+              <a:rPr lang="en-US" sz="2400" dirty="0">
+                <a:latin typeface="Palatino Linotype" panose="02040502050505030304" pitchFamily="18" charset="0"/>
+              </a:rPr>
+              <a:t>Research</a:t>
+            </a:r>
+          </a:p>
+        </p:txBody>
+      </p:sp>
+      <p:sp>
+        <p:nvSpPr>
+          <p:cNvPr id="9" name="TextBox 8">
+            <a:extLst>
+              <a:ext uri="{FF2B5EF4-FFF2-40B4-BE49-F238E27FC236}">
+                <a16:creationId xmlns:a16="http://schemas.microsoft.com/office/drawing/2014/main" id="{F58D04D3-2FEB-40E1-8912-8E51B943C806}"/>
+              </a:ext>
+            </a:extLst>
+          </p:cNvPr>
+          <p:cNvSpPr txBox="1"/>
+          <p:nvPr/>
+        </p:nvSpPr>
+        <p:spPr>
+          <a:xfrm>
+            <a:off x="4582155" y="2301452"/>
+            <a:ext cx="2693289" cy="461665"/>
+          </a:xfrm>
+          <a:prstGeom prst="rect">
+            <a:avLst/>
+          </a:prstGeom>
+          <a:solidFill>
+            <a:schemeClr val="accent3">
+              <a:lumMod val="20000"/>
+              <a:lumOff val="80000"/>
+            </a:schemeClr>
+          </a:solidFill>
+          <a:ln>
+            <a:solidFill>
+              <a:schemeClr val="tx1">
+                <a:lumMod val="65000"/>
+                <a:lumOff val="35000"/>
+              </a:schemeClr>
+            </a:solidFill>
+          </a:ln>
+          <a:effectLst>
+            <a:outerShdw blurRad="50800" dist="38100" dir="2700000" algn="tl" rotWithShape="0">
+              <a:prstClr val="black">
+                <a:alpha val="40000"/>
+              </a:prstClr>
+            </a:outerShdw>
+          </a:effectLst>
+        </p:spPr>
+        <p:txBody>
+          <a:bodyPr wrap="square" rtlCol="0">
+            <a:spAutoFit/>
+          </a:bodyPr>
+          <a:lstStyle/>
+          <a:p>
+            <a:pPr algn="ctr"/>
+            <a:r>
+              <a:rPr lang="en-US" sz="2400" dirty="0">
+                <a:latin typeface="Palatino Linotype" panose="02040502050505030304" pitchFamily="18" charset="0"/>
+              </a:rPr>
+              <a:t>Create a Service</a:t>
+            </a:r>
+          </a:p>
+        </p:txBody>
+      </p:sp>
+      <p:sp>
+        <p:nvSpPr>
+          <p:cNvPr id="10" name="TextBox 9">
+            <a:extLst>
+              <a:ext uri="{FF2B5EF4-FFF2-40B4-BE49-F238E27FC236}">
+                <a16:creationId xmlns:a16="http://schemas.microsoft.com/office/drawing/2014/main" id="{F163C85C-E986-4309-BAA4-6A07F26E20F4}"/>
+              </a:ext>
+            </a:extLst>
+          </p:cNvPr>
+          <p:cNvSpPr txBox="1"/>
+          <p:nvPr/>
+        </p:nvSpPr>
+        <p:spPr>
+          <a:xfrm>
+            <a:off x="4582155" y="3839581"/>
+            <a:ext cx="2693289" cy="461665"/>
+          </a:xfrm>
+          <a:prstGeom prst="rect">
+            <a:avLst/>
+          </a:prstGeom>
+          <a:solidFill>
+            <a:schemeClr val="accent3">
+              <a:lumMod val="20000"/>
+              <a:lumOff val="80000"/>
+            </a:schemeClr>
+          </a:solidFill>
+          <a:ln>
+            <a:solidFill>
+              <a:schemeClr val="tx1">
+                <a:lumMod val="65000"/>
+                <a:lumOff val="35000"/>
+              </a:schemeClr>
+            </a:solidFill>
+          </a:ln>
+          <a:effectLst>
+            <a:outerShdw blurRad="50800" dist="38100" dir="2700000" algn="tl" rotWithShape="0">
+              <a:prstClr val="black">
+                <a:alpha val="40000"/>
+              </a:prstClr>
+            </a:outerShdw>
+          </a:effectLst>
+        </p:spPr>
+        <p:txBody>
+          <a:bodyPr wrap="square" rtlCol="0">
+            <a:spAutoFit/>
+          </a:bodyPr>
+          <a:lstStyle/>
+          <a:p>
+            <a:pPr algn="ctr"/>
+            <a:r>
+              <a:rPr lang="en-US" sz="2400" dirty="0">
+                <a:latin typeface="Palatino Linotype" panose="02040502050505030304" pitchFamily="18" charset="0"/>
+              </a:rPr>
+              <a:t>Consult / Teach</a:t>
+            </a:r>
+          </a:p>
+        </p:txBody>
+      </p:sp>
+      <p:sp>
+        <p:nvSpPr>
+          <p:cNvPr id="7" name="Title 1">
+            <a:extLst>
+              <a:ext uri="{FF2B5EF4-FFF2-40B4-BE49-F238E27FC236}">
+                <a16:creationId xmlns:a16="http://schemas.microsoft.com/office/drawing/2014/main" id="{24B94AA1-EB04-6998-0714-191CCFCCE774}"/>
+              </a:ext>
+            </a:extLst>
+          </p:cNvPr>
+          <p:cNvSpPr txBox="1">
+            <a:spLocks/>
+          </p:cNvSpPr>
+          <p:nvPr/>
+        </p:nvSpPr>
+        <p:spPr>
+          <a:xfrm>
+            <a:off x="0" y="440190"/>
+            <a:ext cx="12192000" cy="834428"/>
+          </a:xfrm>
+          <a:prstGeom prst="rect">
+            <a:avLst/>
+          </a:prstGeom>
+        </p:spPr>
+        <p:txBody>
+          <a:bodyPr>
+            <a:normAutofit/>
+          </a:bodyPr>
+          <a:lstStyle>
+            <a:lvl1pPr algn="l" defTabSz="914400" rtl="0" eaLnBrk="1" latinLnBrk="0" hangingPunct="1">
+              <a:lnSpc>
+                <a:spcPct val="90000"/>
+              </a:lnSpc>
+              <a:spcBef>
+                <a:spcPct val="0"/>
+              </a:spcBef>
+              <a:buNone/>
+              <a:defRPr sz="4400" kern="1200">
+                <a:solidFill>
+                  <a:schemeClr val="tx1"/>
+                </a:solidFill>
+                <a:latin typeface="+mj-lt"/>
+                <a:ea typeface="+mj-ea"/>
+                <a:cs typeface="+mj-cs"/>
+              </a:defRPr>
+            </a:lvl1pPr>
+          </a:lstStyle>
+          <a:p>
+            <a:pPr algn="ctr"/>
+            <a:r>
+              <a:rPr lang="en-US" sz="4000" dirty="0">
                 <a:solidFill>
                   <a:schemeClr val="tx1">
                     <a:lumMod val="75000"/>
                     <a:lumOff val="25000"/>
                   </a:schemeClr>
                 </a:solidFill>
-                <a:latin typeface="+mj-lt"/>
-                <a:ea typeface="Verdana" panose="020B0604030504040204" pitchFamily="34" charset="0"/>
+                <a:latin typeface="Palatino Linotype" panose="02040502050505030304" pitchFamily="18" charset="0"/>
+                <a:cs typeface="Segoe UI Light" panose="020B0502040204020203" pitchFamily="34" charset="0"/>
               </a:rPr>
-              <a:t>Image Credit: </a:t>
-            </a:r>
-            <a:r>
-              <a:rPr lang="en-US" sz="1400" dirty="0">
-                <a:solidFill>
-                  <a:schemeClr val="tx1">
-                    <a:lumMod val="75000"/>
-                    <a:lumOff val="25000"/>
-                  </a:schemeClr>
-                </a:solidFill>
-                <a:latin typeface="+mj-lt"/>
-              </a:rPr>
-              <a:t>https://www.ucop.edu/procurement-services/for-ucstaff/it-strategic-sourcing/it-sourcing-roundtable.html</a:t>
-            </a:r>
-            <a:endParaRPr lang="en-US" sz="1400" dirty="0">
-              <a:solidFill>
-                <a:schemeClr val="tx1">
-                  <a:lumMod val="75000"/>
-                  <a:lumOff val="25000"/>
-                </a:schemeClr>
-              </a:solidFill>
-              <a:latin typeface="+mj-lt"/>
-              <a:ea typeface="Verdana" panose="020B0604030504040204" pitchFamily="34" charset="0"/>
-            </a:endParaRPr>
+              <a:t>How do you plan to use AI?</a:t>
+            </a:r>
           </a:p>
         </p:txBody>
       </p:sp>
     </p:spTree>
     <p:extLst>
       <p:ext uri="{BB962C8B-B14F-4D97-AF65-F5344CB8AC3E}">
-        <p14:creationId xmlns:p14="http://schemas.microsoft.com/office/powerpoint/2010/main" val="1790524586"/>
+        <p14:creationId xmlns:p14="http://schemas.microsoft.com/office/powerpoint/2010/main" val="276131639"/>
       </p:ext>
     </p:extLst>
   </p:cSld>
@@ -11487,7 +11566,7 @@
                 </a:solidFill>
                 <a:latin typeface="Palatino Linotype" panose="02040502050505030304" pitchFamily="18" charset="0"/>
               </a:rPr>
-              <a:t>Provide you with the basic skills and knowledge you need to participate in more advanced AI learning experiences</a:t>
+              <a:t>Provide you with the basic skills and knowledge to participate in more advanced AI learning experiences</a:t>
             </a:r>
           </a:p>
         </p:txBody>
@@ -15838,60 +15917,153 @@
           <a:chExt cx="0" cy="0"/>
         </a:xfrm>
       </p:grpSpPr>
+      <p:sp>
+        <p:nvSpPr>
+          <p:cNvPr id="5" name="Content Placeholder 4">
+            <a:extLst>
+              <a:ext uri="{FF2B5EF4-FFF2-40B4-BE49-F238E27FC236}">
+                <a16:creationId xmlns:a16="http://schemas.microsoft.com/office/drawing/2014/main" id="{7C82B2FA-DB39-467C-9DC1-245874DCBCF1}"/>
+              </a:ext>
+            </a:extLst>
+          </p:cNvPr>
+          <p:cNvSpPr>
+            <a:spLocks noGrp="1"/>
+          </p:cNvSpPr>
+          <p:nvPr>
+            <p:ph idx="1"/>
+          </p:nvPr>
+        </p:nvSpPr>
+        <p:spPr>
+          <a:xfrm>
+            <a:off x="807719" y="1552220"/>
+            <a:ext cx="10576561" cy="2350318"/>
+          </a:xfrm>
+        </p:spPr>
+        <p:txBody>
+          <a:bodyPr>
+            <a:normAutofit/>
+          </a:bodyPr>
+          <a:lstStyle/>
+          <a:p>
+            <a:pPr marL="0" indent="0">
+              <a:buNone/>
+            </a:pPr>
+            <a:endParaRPr lang="en-US" dirty="0">
+              <a:latin typeface="Palatino Linotype" panose="02040502050505030304" pitchFamily="18" charset="0"/>
+            </a:endParaRPr>
+          </a:p>
+          <a:p>
+            <a:pPr marL="0" indent="0">
+              <a:buNone/>
+            </a:pPr>
+            <a:r>
+              <a:rPr lang="en-US" dirty="0">
+                <a:latin typeface="Palatino Linotype" panose="02040502050505030304" pitchFamily="18" charset="0"/>
+              </a:rPr>
+              <a:t>What do you want to do?</a:t>
+            </a:r>
+          </a:p>
+          <a:p>
+            <a:pPr lvl="1">
+              <a:lnSpc>
+                <a:spcPct val="100000"/>
+              </a:lnSpc>
+              <a:buFont typeface="Courier New" panose="02070309020205020404" pitchFamily="49" charset="0"/>
+              <a:buChar char="o"/>
+            </a:pPr>
+            <a:r>
+              <a:rPr lang="en-US" dirty="0">
+                <a:latin typeface="Palatino Linotype" panose="02040502050505030304" pitchFamily="18" charset="0"/>
+              </a:rPr>
+              <a:t> What do you currently know about AI?</a:t>
+            </a:r>
+          </a:p>
+          <a:p>
+            <a:pPr lvl="1">
+              <a:lnSpc>
+                <a:spcPct val="100000"/>
+              </a:lnSpc>
+              <a:buFont typeface="Courier New" panose="02070309020205020404" pitchFamily="49" charset="0"/>
+              <a:buChar char="o"/>
+            </a:pPr>
+            <a:r>
+              <a:rPr lang="en-US" dirty="0">
+                <a:latin typeface="Palatino Linotype" panose="02040502050505030304" pitchFamily="18" charset="0"/>
+              </a:rPr>
+              <a:t> What would you like to know about AI?</a:t>
+            </a:r>
+          </a:p>
+          <a:p>
+            <a:pPr marL="0" indent="0">
+              <a:buNone/>
+            </a:pPr>
+            <a:endParaRPr lang="en-US" dirty="0">
+              <a:latin typeface="Palatino Linotype" panose="02040502050505030304" pitchFamily="18" charset="0"/>
+            </a:endParaRPr>
+          </a:p>
+          <a:p>
+            <a:pPr marL="0" indent="0">
+              <a:buNone/>
+            </a:pPr>
+            <a:endParaRPr lang="en-US" dirty="0">
+              <a:latin typeface="Palatino Linotype" panose="02040502050505030304" pitchFamily="18" charset="0"/>
+            </a:endParaRPr>
+          </a:p>
+        </p:txBody>
+      </p:sp>
       <p:pic>
         <p:nvPicPr>
-          <p:cNvPr id="3" name="Picture 2">
+          <p:cNvPr id="1034" name="Picture 10" descr="IT Roundtable image">
             <a:extLst>
               <a:ext uri="{FF2B5EF4-FFF2-40B4-BE49-F238E27FC236}">
-                <a16:creationId xmlns:a16="http://schemas.microsoft.com/office/drawing/2014/main" id="{A034AEAE-8D98-4368-AE64-EC0D42A4741C}"/>
+                <a16:creationId xmlns:a16="http://schemas.microsoft.com/office/drawing/2014/main" id="{233D1748-CB98-4943-B86C-EA4B3C8EC112}"/>
               </a:ext>
             </a:extLst>
           </p:cNvPr>
           <p:cNvPicPr>
-            <a:picLocks noChangeAspect="1"/>
+            <a:picLocks noChangeAspect="1" noChangeArrowheads="1"/>
           </p:cNvPicPr>
           <p:nvPr/>
         </p:nvPicPr>
         <p:blipFill>
           <a:blip r:embed="rId3">
             <a:extLst>
-              <a:ext uri="{BEBA8EAE-BF5A-486C-A8C5-ECC9F3942E4B}">
-                <a14:imgProps xmlns:a14="http://schemas.microsoft.com/office/drawing/2010/main">
-                  <a14:imgLayer r:embed="rId4">
-                    <a14:imgEffect>
-                      <a14:colorTemperature colorTemp="11200"/>
-                    </a14:imgEffect>
-                    <a14:imgEffect>
-                      <a14:saturation sat="60000"/>
-                    </a14:imgEffect>
-                  </a14:imgLayer>
-                </a14:imgProps>
-              </a:ext>
               <a:ext uri="{28A0092B-C50C-407E-A947-70E740481C1C}">
                 <a14:useLocalDpi xmlns:a14="http://schemas.microsoft.com/office/drawing/2010/main" val="0"/>
               </a:ext>
             </a:extLst>
           </a:blip>
+          <a:srcRect/>
           <a:stretch>
             <a:fillRect/>
           </a:stretch>
         </p:blipFill>
-        <p:spPr>
+        <p:spPr bwMode="auto">
           <a:xfrm>
-            <a:off x="4244123" y="5590394"/>
-            <a:ext cx="3703754" cy="827416"/>
+            <a:off x="9705420" y="4130621"/>
+            <a:ext cx="1867885" cy="1790700"/>
           </a:xfrm>
           <a:prstGeom prst="rect">
             <a:avLst/>
           </a:prstGeom>
+          <a:noFill/>
+          <a:extLst>
+            <a:ext uri="{909E8E84-426E-40DD-AFC4-6F175D3DCCD1}">
+              <a14:hiddenFill xmlns:a14="http://schemas.microsoft.com/office/drawing/2010/main">
+                <a:solidFill>
+                  <a:srgbClr val="FFFFFF"/>
+                </a:solidFill>
+              </a14:hiddenFill>
+            </a:ext>
+          </a:extLst>
         </p:spPr>
       </p:pic>
       <p:sp>
         <p:nvSpPr>
-          <p:cNvPr id="8" name="TextBox 7">
+          <p:cNvPr id="9" name="TextBox 8">
             <a:extLst>
               <a:ext uri="{FF2B5EF4-FFF2-40B4-BE49-F238E27FC236}">
-                <a16:creationId xmlns:a16="http://schemas.microsoft.com/office/drawing/2014/main" id="{D7CE6138-14E5-489A-96FA-9F95DC32FDE3}"/>
+                <a16:creationId xmlns:a16="http://schemas.microsoft.com/office/drawing/2014/main" id="{D476B7A6-8124-4CB2-AE59-A9C6A7A3424C}"/>
               </a:ext>
             </a:extLst>
           </p:cNvPr>
@@ -15900,33 +16072,13 @@
         </p:nvSpPr>
         <p:spPr>
           <a:xfrm>
-            <a:off x="4582155" y="3065547"/>
-            <a:ext cx="2693289" cy="461665"/>
+            <a:off x="0" y="6550223"/>
+            <a:ext cx="12192000" cy="307777"/>
           </a:xfrm>
           <a:prstGeom prst="rect">
             <a:avLst/>
           </a:prstGeom>
-          <a:solidFill>
-            <a:schemeClr val="accent3">
-              <a:lumMod val="20000"/>
-              <a:lumOff val="80000"/>
-            </a:schemeClr>
-          </a:solidFill>
-          <a:ln>
-            <a:solidFill>
-              <a:schemeClr val="tx1">
-                <a:lumMod val="65000"/>
-                <a:lumOff val="35000"/>
-              </a:schemeClr>
-            </a:solidFill>
-          </a:ln>
-          <a:effectLst>
-            <a:outerShdw blurRad="50800" dist="38100" dir="2700000" algn="tl" rotWithShape="0">
-              <a:prstClr val="black">
-                <a:alpha val="40000"/>
-              </a:prstClr>
-            </a:outerShdw>
-          </a:effectLst>
+          <a:noFill/>
         </p:spPr>
         <p:txBody>
           <a:bodyPr wrap="square" rtlCol="0">
@@ -15934,200 +16086,48 @@
           </a:bodyPr>
           <a:lstStyle/>
           <a:p>
-            <a:pPr algn="ctr"/>
-            <a:r>
-              <a:rPr lang="en-US" sz="2400" dirty="0">
-                <a:latin typeface="Palatino Linotype" panose="02040502050505030304" pitchFamily="18" charset="0"/>
-              </a:rPr>
-              <a:t>Research</a:t>
-            </a:r>
-          </a:p>
-        </p:txBody>
-      </p:sp>
-      <p:sp>
-        <p:nvSpPr>
-          <p:cNvPr id="9" name="TextBox 8">
-            <a:extLst>
-              <a:ext uri="{FF2B5EF4-FFF2-40B4-BE49-F238E27FC236}">
-                <a16:creationId xmlns:a16="http://schemas.microsoft.com/office/drawing/2014/main" id="{F58D04D3-2FEB-40E1-8912-8E51B943C806}"/>
-              </a:ext>
-            </a:extLst>
-          </p:cNvPr>
-          <p:cNvSpPr txBox="1"/>
-          <p:nvPr/>
-        </p:nvSpPr>
-        <p:spPr>
-          <a:xfrm>
-            <a:off x="4582155" y="2301452"/>
-            <a:ext cx="2693289" cy="461665"/>
-          </a:xfrm>
-          <a:prstGeom prst="rect">
-            <a:avLst/>
-          </a:prstGeom>
-          <a:solidFill>
-            <a:schemeClr val="accent3">
-              <a:lumMod val="20000"/>
-              <a:lumOff val="80000"/>
-            </a:schemeClr>
-          </a:solidFill>
-          <a:ln>
-            <a:solidFill>
-              <a:schemeClr val="tx1">
-                <a:lumMod val="65000"/>
-                <a:lumOff val="35000"/>
-              </a:schemeClr>
-            </a:solidFill>
-          </a:ln>
-          <a:effectLst>
-            <a:outerShdw blurRad="50800" dist="38100" dir="2700000" algn="tl" rotWithShape="0">
-              <a:prstClr val="black">
-                <a:alpha val="40000"/>
-              </a:prstClr>
-            </a:outerShdw>
-          </a:effectLst>
-        </p:spPr>
-        <p:txBody>
-          <a:bodyPr wrap="square" rtlCol="0">
-            <a:spAutoFit/>
-          </a:bodyPr>
-          <a:lstStyle/>
-          <a:p>
-            <a:pPr algn="ctr"/>
-            <a:r>
-              <a:rPr lang="en-US" sz="2400" dirty="0">
-                <a:latin typeface="Palatino Linotype" panose="02040502050505030304" pitchFamily="18" charset="0"/>
-              </a:rPr>
-              <a:t>Create a Service</a:t>
-            </a:r>
-          </a:p>
-        </p:txBody>
-      </p:sp>
-      <p:sp>
-        <p:nvSpPr>
-          <p:cNvPr id="10" name="TextBox 9">
-            <a:extLst>
-              <a:ext uri="{FF2B5EF4-FFF2-40B4-BE49-F238E27FC236}">
-                <a16:creationId xmlns:a16="http://schemas.microsoft.com/office/drawing/2014/main" id="{F163C85C-E986-4309-BAA4-6A07F26E20F4}"/>
-              </a:ext>
-            </a:extLst>
-          </p:cNvPr>
-          <p:cNvSpPr txBox="1"/>
-          <p:nvPr/>
-        </p:nvSpPr>
-        <p:spPr>
-          <a:xfrm>
-            <a:off x="4582155" y="3839581"/>
-            <a:ext cx="2693289" cy="461665"/>
-          </a:xfrm>
-          <a:prstGeom prst="rect">
-            <a:avLst/>
-          </a:prstGeom>
-          <a:solidFill>
-            <a:schemeClr val="accent3">
-              <a:lumMod val="20000"/>
-              <a:lumOff val="80000"/>
-            </a:schemeClr>
-          </a:solidFill>
-          <a:ln>
-            <a:solidFill>
-              <a:schemeClr val="tx1">
-                <a:lumMod val="65000"/>
-                <a:lumOff val="35000"/>
-              </a:schemeClr>
-            </a:solidFill>
-          </a:ln>
-          <a:effectLst>
-            <a:outerShdw blurRad="50800" dist="38100" dir="2700000" algn="tl" rotWithShape="0">
-              <a:prstClr val="black">
-                <a:alpha val="40000"/>
-              </a:prstClr>
-            </a:outerShdw>
-          </a:effectLst>
-        </p:spPr>
-        <p:txBody>
-          <a:bodyPr wrap="square" rtlCol="0">
-            <a:spAutoFit/>
-          </a:bodyPr>
-          <a:lstStyle/>
-          <a:p>
-            <a:pPr algn="ctr"/>
-            <a:r>
-              <a:rPr lang="en-US" sz="2400" dirty="0">
-                <a:latin typeface="Palatino Linotype" panose="02040502050505030304" pitchFamily="18" charset="0"/>
-              </a:rPr>
-              <a:t>Consult / Teach</a:t>
-            </a:r>
-          </a:p>
-        </p:txBody>
-      </p:sp>
-      <p:sp>
-        <p:nvSpPr>
-          <p:cNvPr id="7" name="Title 1">
-            <a:extLst>
-              <a:ext uri="{FF2B5EF4-FFF2-40B4-BE49-F238E27FC236}">
-                <a16:creationId xmlns:a16="http://schemas.microsoft.com/office/drawing/2014/main" id="{24B94AA1-EB04-6998-0714-191CCFCCE774}"/>
-              </a:ext>
-            </a:extLst>
-          </p:cNvPr>
-          <p:cNvSpPr txBox="1">
-            <a:spLocks/>
-          </p:cNvSpPr>
-          <p:nvPr/>
-        </p:nvSpPr>
-        <p:spPr>
-          <a:xfrm>
-            <a:off x="0" y="440190"/>
-            <a:ext cx="12192000" cy="834428"/>
-          </a:xfrm>
-          <a:prstGeom prst="rect">
-            <a:avLst/>
-          </a:prstGeom>
-        </p:spPr>
-        <p:txBody>
-          <a:bodyPr>
-            <a:normAutofit/>
-          </a:bodyPr>
-          <a:lstStyle>
-            <a:lvl1pPr algn="l" defTabSz="914400" rtl="0" eaLnBrk="1" latinLnBrk="0" hangingPunct="1">
-              <a:lnSpc>
-                <a:spcPct val="90000"/>
-              </a:lnSpc>
-              <a:spcBef>
-                <a:spcPct val="0"/>
-              </a:spcBef>
-              <a:buNone/>
-              <a:defRPr sz="4400" kern="1200">
-                <a:solidFill>
-                  <a:schemeClr val="tx1"/>
-                </a:solidFill>
-                <a:latin typeface="+mj-lt"/>
-                <a:ea typeface="+mj-ea"/>
-                <a:cs typeface="+mj-cs"/>
-              </a:defRPr>
-            </a:lvl1pPr>
-          </a:lstStyle>
-          <a:p>
-            <a:pPr algn="ctr"/>
-            <a:r>
-              <a:rPr lang="en-US" sz="4000" dirty="0">
+            <a:r>
+              <a:rPr lang="en-US" sz="1400" dirty="0">
                 <a:solidFill>
                   <a:schemeClr val="tx1">
                     <a:lumMod val="75000"/>
                     <a:lumOff val="25000"/>
                   </a:schemeClr>
                 </a:solidFill>
-                <a:latin typeface="Palatino Linotype" panose="02040502050505030304" pitchFamily="18" charset="0"/>
-                <a:cs typeface="Segoe UI Light" panose="020B0502040204020203" pitchFamily="34" charset="0"/>
+                <a:latin typeface="+mj-lt"/>
+                <a:ea typeface="Verdana" panose="020B0604030504040204" pitchFamily="34" charset="0"/>
               </a:rPr>
-              <a:t>How do you plan to use AI?</a:t>
-            </a:r>
+              <a:t>Image Credit: </a:t>
+            </a:r>
+            <a:r>
+              <a:rPr lang="en-US" sz="1400" dirty="0">
+                <a:solidFill>
+                  <a:schemeClr val="tx1">
+                    <a:lumMod val="75000"/>
+                    <a:lumOff val="25000"/>
+                  </a:schemeClr>
+                </a:solidFill>
+                <a:latin typeface="+mj-lt"/>
+              </a:rPr>
+              <a:t>https://www.ucop.edu/procurement-services/for-ucstaff/it-strategic-sourcing/it-sourcing-roundtable.html</a:t>
+            </a:r>
+            <a:endParaRPr lang="en-US" sz="1400" dirty="0">
+              <a:solidFill>
+                <a:schemeClr val="tx1">
+                  <a:lumMod val="75000"/>
+                  <a:lumOff val="25000"/>
+                </a:schemeClr>
+              </a:solidFill>
+              <a:latin typeface="+mj-lt"/>
+              <a:ea typeface="Verdana" panose="020B0604030504040204" pitchFamily="34" charset="0"/>
+            </a:endParaRPr>
           </a:p>
         </p:txBody>
       </p:sp>
     </p:spTree>
     <p:extLst>
       <p:ext uri="{BB962C8B-B14F-4D97-AF65-F5344CB8AC3E}">
-        <p14:creationId xmlns:p14="http://schemas.microsoft.com/office/powerpoint/2010/main" val="276131639"/>
+        <p14:creationId xmlns:p14="http://schemas.microsoft.com/office/powerpoint/2010/main" val="1790524586"/>
       </p:ext>
     </p:extLst>
   </p:cSld>
